--- a/Section01/UnsteadyFlow/HRAS.S1.UF.pptx
+++ b/Section01/UnsteadyFlow/HRAS.S1.UF.pptx
@@ -5,24 +5,19 @@
     <p:sldMasterId id="2147483778" r:id="rId4"/>
   </p:sldMasterIdLst>
   <p:notesMasterIdLst>
-    <p:notesMasterId r:id="rId17"/>
+    <p:notesMasterId r:id="rId12"/>
   </p:notesMasterIdLst>
   <p:handoutMasterIdLst>
-    <p:handoutMasterId r:id="rId18"/>
+    <p:handoutMasterId r:id="rId13"/>
   </p:handoutMasterIdLst>
   <p:sldIdLst>
     <p:sldId id="314" r:id="rId5"/>
-    <p:sldId id="315" r:id="rId6"/>
-    <p:sldId id="350" r:id="rId7"/>
-    <p:sldId id="351" r:id="rId8"/>
-    <p:sldId id="352" r:id="rId9"/>
-    <p:sldId id="353" r:id="rId10"/>
-    <p:sldId id="354" r:id="rId11"/>
-    <p:sldId id="355" r:id="rId12"/>
-    <p:sldId id="357" r:id="rId13"/>
-    <p:sldId id="356" r:id="rId14"/>
-    <p:sldId id="358" r:id="rId15"/>
-    <p:sldId id="341" r:id="rId16"/>
+    <p:sldId id="360" r:id="rId6"/>
+    <p:sldId id="354" r:id="rId7"/>
+    <p:sldId id="359" r:id="rId8"/>
+    <p:sldId id="358" r:id="rId9"/>
+    <p:sldId id="361" r:id="rId10"/>
+    <p:sldId id="341" r:id="rId11"/>
   </p:sldIdLst>
   <p:sldSz cx="12192000" cy="6858000"/>
   <p:notesSz cx="6858000" cy="9144000"/>
@@ -127,16 +122,11 @@
         <p14:section name="Default Section" id="{A6194743-3C7C-499C-B327-CF08643433A4}">
           <p14:sldIdLst>
             <p14:sldId id="314"/>
-            <p14:sldId id="315"/>
-            <p14:sldId id="350"/>
-            <p14:sldId id="351"/>
-            <p14:sldId id="352"/>
-            <p14:sldId id="353"/>
+            <p14:sldId id="360"/>
             <p14:sldId id="354"/>
-            <p14:sldId id="355"/>
-            <p14:sldId id="357"/>
-            <p14:sldId id="356"/>
+            <p14:sldId id="359"/>
             <p14:sldId id="358"/>
+            <p14:sldId id="361"/>
             <p14:sldId id="341"/>
           </p14:sldIdLst>
         </p14:section>
@@ -846,7 +836,7 @@
             <a:pPr rtl="0"/>
             <a:fld id="{810E1E9A-E921-4174-A0FC-51868D7AC568}" type="slidenum">
               <a:rPr lang="es-ES" noProof="0" smtClean="0"/>
-              <a:t>12</a:t>
+              <a:t>7</a:t>
             </a:fld>
             <a:endParaRPr lang="es-ES" noProof="0" dirty="0"/>
           </a:p>
@@ -6229,125 +6219,6 @@
           <a:chExt cx="0" cy="0"/>
         </a:xfrm>
       </p:grpSpPr>
-      <p:pic>
-        <p:nvPicPr>
-          <p:cNvPr id="3" name="Imagen 2" descr="Imagen en blanco y negro de un puente sobre un río&#10;&#10;Descripción generada automáticamente">
-            <a:extLst>
-              <a:ext uri="{FF2B5EF4-FFF2-40B4-BE49-F238E27FC236}">
-                <a16:creationId xmlns:a16="http://schemas.microsoft.com/office/drawing/2014/main" id="{CB13FF9C-272E-2F4C-2DC7-42B501D3B8B4}"/>
-              </a:ext>
-            </a:extLst>
-          </p:cNvPr>
-          <p:cNvPicPr>
-            <a:picLocks noChangeAspect="1"/>
-          </p:cNvPicPr>
-          <p:nvPr/>
-        </p:nvPicPr>
-        <p:blipFill>
-          <a:blip r:embed="rId3"/>
-          <a:stretch>
-            <a:fillRect/>
-          </a:stretch>
-        </p:blipFill>
-        <p:spPr>
-          <a:xfrm>
-            <a:off x="1708140" y="2275748"/>
-            <a:ext cx="5226060" cy="2616309"/>
-          </a:xfrm>
-          <a:prstGeom prst="rect">
-            <a:avLst/>
-          </a:prstGeom>
-        </p:spPr>
-      </p:pic>
-      <p:sp>
-        <p:nvSpPr>
-          <p:cNvPr id="4" name="Content Placeholder 3">
-            <a:extLst>
-              <a:ext uri="{FF2B5EF4-FFF2-40B4-BE49-F238E27FC236}">
-                <a16:creationId xmlns:a16="http://schemas.microsoft.com/office/drawing/2014/main" id="{E15F44D5-AB8B-95B9-2075-881E5EE8D95A}"/>
-              </a:ext>
-            </a:extLst>
-          </p:cNvPr>
-          <p:cNvSpPr>
-            <a:spLocks noGrp="1"/>
-          </p:cNvSpPr>
-          <p:nvPr>
-            <p:ph sz="quarter" idx="14"/>
-          </p:nvPr>
-        </p:nvSpPr>
-        <p:spPr/>
-        <p:txBody>
-          <a:bodyPr/>
-          <a:lstStyle/>
-          <a:p>
-            <a:r>
-              <a:rPr lang="es-CO" dirty="0"/>
-              <a:t>Juan David Rodriguez Acevedo</a:t>
-            </a:r>
-          </a:p>
-        </p:txBody>
-      </p:sp>
-      <p:sp>
-        <p:nvSpPr>
-          <p:cNvPr id="9" name="Título 1">
-            <a:extLst>
-              <a:ext uri="{FF2B5EF4-FFF2-40B4-BE49-F238E27FC236}">
-                <a16:creationId xmlns:a16="http://schemas.microsoft.com/office/drawing/2014/main" id="{5ECA00FA-0E57-A0D3-CF15-B571A662C320}"/>
-              </a:ext>
-            </a:extLst>
-          </p:cNvPr>
-          <p:cNvSpPr txBox="1">
-            <a:spLocks/>
-          </p:cNvSpPr>
-          <p:nvPr/>
-        </p:nvSpPr>
-        <p:spPr>
-          <a:xfrm>
-            <a:off x="720000" y="1128715"/>
-            <a:ext cx="6840000" cy="2852737"/>
-          </a:xfrm>
-          <a:prstGeom prst="rect">
-            <a:avLst/>
-          </a:prstGeom>
-        </p:spPr>
-        <p:txBody>
-          <a:bodyPr vert="horz" lIns="91440" tIns="45720" rIns="91440" bIns="45720" rtlCol="0" anchor="t" anchorCtr="0">
-            <a:normAutofit/>
-          </a:bodyPr>
-          <a:lstStyle>
-            <a:lvl1pPr algn="l" defTabSz="914377" rtl="0" eaLnBrk="1" latinLnBrk="0" hangingPunct="1">
-              <a:lnSpc>
-                <a:spcPct val="90000"/>
-              </a:lnSpc>
-              <a:spcBef>
-                <a:spcPct val="0"/>
-              </a:spcBef>
-              <a:buNone/>
-              <a:defRPr sz="2600" kern="1200">
-                <a:solidFill>
-                  <a:schemeClr val="tx1"/>
-                </a:solidFill>
-                <a:latin typeface="+mj-lt"/>
-                <a:ea typeface="+mj-ea"/>
-                <a:cs typeface="+mj-cs"/>
-              </a:defRPr>
-            </a:lvl1pPr>
-          </a:lstStyle>
-          <a:p>
-            <a:r>
-              <a:rPr lang="es-ES" dirty="0"/>
-              <a:t>Flujo uniforme y variado en</a:t>
-            </a:r>
-          </a:p>
-          <a:p>
-            <a:r>
-              <a:rPr lang="es-ES" dirty="0"/>
-              <a:t>Flujo Permanente</a:t>
-            </a:r>
-            <a:endParaRPr lang="en-US" dirty="0"/>
-          </a:p>
-        </p:txBody>
-      </p:sp>
       <p:graphicFrame>
         <p:nvGraphicFramePr>
           <p:cNvPr id="5" name="Object 5">
@@ -6363,25 +6234,25 @@
           <p:nvPr>
             <p:extLst>
               <p:ext uri="{D42A27DB-BD31-4B8C-83A1-F6EECF244321}">
-                <p14:modId xmlns:p14="http://schemas.microsoft.com/office/powerpoint/2010/main" val="2226113725"/>
+                <p14:modId xmlns:p14="http://schemas.microsoft.com/office/powerpoint/2010/main" val="1970244438"/>
               </p:ext>
             </p:extLst>
           </p:nvPr>
         </p:nvGraphicFramePr>
         <p:xfrm>
           <a:off x="0" y="0"/>
-          <a:ext cx="12191999" cy="6858000"/>
+          <a:ext cx="12192000" cy="6858000"/>
         </p:xfrm>
         <a:graphic>
           <a:graphicData uri="http://schemas.openxmlformats.org/presentationml/2006/ole">
             <mc:AlternateContent xmlns:mc="http://schemas.openxmlformats.org/markup-compatibility/2006">
               <mc:Choice xmlns:v="urn:schemas-microsoft-com:vml" Requires="v">
-                <p:oleObj name="CorelDRAW" r:id="rId4" imgW="7480342" imgH="4222569" progId="CorelDraw.Graphic.24">
+                <p:oleObj name="CorelDRAW" r:id="rId3" imgW="7480342" imgH="4222569" progId="CorelDraw.Graphic.24">
                   <p:embed/>
                 </p:oleObj>
               </mc:Choice>
               <mc:Fallback>
-                <p:oleObj name="CorelDRAW" r:id="rId4" imgW="7480342" imgH="4222569" progId="CorelDraw.Graphic.24">
+                <p:oleObj name="CorelDRAW" r:id="rId3" imgW="7480342" imgH="4222569" progId="CorelDraw.Graphic.24">
                   <p:embed/>
                   <p:pic>
                     <p:nvPicPr>
@@ -6396,7 +6267,7 @@
                       <p:nvPr/>
                     </p:nvPicPr>
                     <p:blipFill>
-                      <a:blip r:embed="rId5"/>
+                      <a:blip r:embed="rId4"/>
                       <a:stretch>
                         <a:fillRect/>
                       </a:stretch>
@@ -6404,7 +6275,7 @@
                     <p:spPr>
                       <a:xfrm>
                         <a:off x="0" y="0"/>
-                        <a:ext cx="12191999" cy="6858000"/>
+                        <a:ext cx="12192000" cy="6858000"/>
                       </a:xfrm>
                       <a:prstGeom prst="rect">
                         <a:avLst/>
@@ -6417,6 +6288,118 @@
           </a:graphicData>
         </a:graphic>
       </p:graphicFrame>
+      <p:sp>
+        <p:nvSpPr>
+          <p:cNvPr id="4" name="Content Placeholder 3">
+            <a:extLst>
+              <a:ext uri="{FF2B5EF4-FFF2-40B4-BE49-F238E27FC236}">
+                <a16:creationId xmlns:a16="http://schemas.microsoft.com/office/drawing/2014/main" id="{E15F44D5-AB8B-95B9-2075-881E5EE8D95A}"/>
+              </a:ext>
+            </a:extLst>
+          </p:cNvPr>
+          <p:cNvSpPr>
+            <a:spLocks noGrp="1"/>
+          </p:cNvSpPr>
+          <p:nvPr>
+            <p:ph sz="quarter" idx="14"/>
+          </p:nvPr>
+        </p:nvSpPr>
+        <p:spPr/>
+        <p:txBody>
+          <a:bodyPr/>
+          <a:lstStyle/>
+          <a:p>
+            <a:r>
+              <a:rPr lang="es-CO" dirty="0"/>
+              <a:t>Juan David Rodriguez Acevedo</a:t>
+            </a:r>
+          </a:p>
+        </p:txBody>
+      </p:sp>
+      <p:sp>
+        <p:nvSpPr>
+          <p:cNvPr id="9" name="Título 1">
+            <a:extLst>
+              <a:ext uri="{FF2B5EF4-FFF2-40B4-BE49-F238E27FC236}">
+                <a16:creationId xmlns:a16="http://schemas.microsoft.com/office/drawing/2014/main" id="{5ECA00FA-0E57-A0D3-CF15-B571A662C320}"/>
+              </a:ext>
+            </a:extLst>
+          </p:cNvPr>
+          <p:cNvSpPr txBox="1">
+            <a:spLocks/>
+          </p:cNvSpPr>
+          <p:nvPr/>
+        </p:nvSpPr>
+        <p:spPr>
+          <a:xfrm>
+            <a:off x="720000" y="1128715"/>
+            <a:ext cx="6840000" cy="2852737"/>
+          </a:xfrm>
+          <a:prstGeom prst="rect">
+            <a:avLst/>
+          </a:prstGeom>
+        </p:spPr>
+        <p:txBody>
+          <a:bodyPr vert="horz" lIns="91440" tIns="45720" rIns="91440" bIns="45720" rtlCol="0" anchor="t" anchorCtr="0">
+            <a:normAutofit/>
+          </a:bodyPr>
+          <a:lstStyle>
+            <a:lvl1pPr algn="l" defTabSz="914377" rtl="0" eaLnBrk="1" latinLnBrk="0" hangingPunct="1">
+              <a:lnSpc>
+                <a:spcPct val="90000"/>
+              </a:lnSpc>
+              <a:spcBef>
+                <a:spcPct val="0"/>
+              </a:spcBef>
+              <a:buNone/>
+              <a:defRPr sz="2600" kern="1200">
+                <a:solidFill>
+                  <a:schemeClr val="tx1"/>
+                </a:solidFill>
+                <a:latin typeface="+mj-lt"/>
+                <a:ea typeface="+mj-ea"/>
+                <a:cs typeface="+mj-cs"/>
+              </a:defRPr>
+            </a:lvl1pPr>
+          </a:lstStyle>
+          <a:p>
+            <a:r>
+              <a:rPr lang="es-ES" dirty="0"/>
+              <a:t>Flujo no permanente</a:t>
+            </a:r>
+          </a:p>
+        </p:txBody>
+      </p:sp>
+      <p:pic>
+        <p:nvPicPr>
+          <p:cNvPr id="6" name="Imagen 5" descr="Imagen en blanco y negro de una carretera&#10;&#10;Descripción generada automáticamente">
+            <a:extLst>
+              <a:ext uri="{FF2B5EF4-FFF2-40B4-BE49-F238E27FC236}">
+                <a16:creationId xmlns:a16="http://schemas.microsoft.com/office/drawing/2014/main" id="{25626CBB-9694-7B6C-ABB7-D6E6758210B8}"/>
+              </a:ext>
+            </a:extLst>
+          </p:cNvPr>
+          <p:cNvPicPr>
+            <a:picLocks noChangeAspect="1"/>
+          </p:cNvPicPr>
+          <p:nvPr/>
+        </p:nvPicPr>
+        <p:blipFill>
+          <a:blip r:embed="rId5"/>
+          <a:stretch>
+            <a:fillRect/>
+          </a:stretch>
+        </p:blipFill>
+        <p:spPr>
+          <a:xfrm>
+            <a:off x="927652" y="2049937"/>
+            <a:ext cx="5654124" cy="2829798"/>
+          </a:xfrm>
+          <a:prstGeom prst="rect">
+            <a:avLst/>
+          </a:prstGeom>
+        </p:spPr>
+      </p:pic>
     </p:spTree>
     <p:extLst>
       <p:ext uri="{BB962C8B-B14F-4D97-AF65-F5344CB8AC3E}">
@@ -6442,7 +6425,7 @@
 </p:sld>
 </file>
 
-<file path=ppt/slides/slide10.xml><?xml version="1.0" encoding="utf-8"?>
+<file path=ppt/slides/slide2.xml><?xml version="1.0" encoding="utf-8"?>
 <p:sld xmlns:a="http://schemas.openxmlformats.org/drawingml/2006/main" xmlns:r="http://schemas.openxmlformats.org/officeDocument/2006/relationships" xmlns:p="http://schemas.openxmlformats.org/presentationml/2006/main">
   <p:cSld>
     <p:spTree>
@@ -6487,46 +6470,270 @@
           <a:p>
             <a:r>
               <a:rPr lang="es-CO" dirty="0"/>
-              <a:t>Flujo rápidamente variado (FRV)</a:t>
+              <a:t>Flujo no permanente</a:t>
             </a:r>
             <a:endParaRPr lang="en-US" dirty="0"/>
           </a:p>
         </p:txBody>
       </p:sp>
-      <p:pic>
-        <p:nvPicPr>
-          <p:cNvPr id="4" name="Imagen 3" descr="Un puente sobre un río&#10;&#10;Descripción generada automáticamente">
+      <p:sp>
+        <p:nvSpPr>
+          <p:cNvPr id="52" name="Marcador de contenido 2">
             <a:extLst>
               <a:ext uri="{FF2B5EF4-FFF2-40B4-BE49-F238E27FC236}">
-                <a16:creationId xmlns:a16="http://schemas.microsoft.com/office/drawing/2014/main" id="{FF981C41-1805-F867-1386-66517275FB9F}"/>
+                <a16:creationId xmlns:a16="http://schemas.microsoft.com/office/drawing/2014/main" id="{B7EBF0F5-8219-E0D2-2286-0140C272A511}"/>
               </a:ext>
             </a:extLst>
           </p:cNvPr>
-          <p:cNvPicPr>
-            <a:picLocks noChangeAspect="1"/>
-          </p:cNvPicPr>
+          <p:cNvSpPr txBox="1">
+            <a:spLocks/>
+          </p:cNvSpPr>
           <p:nvPr/>
-        </p:nvPicPr>
-        <p:blipFill>
-          <a:blip r:embed="rId2"/>
-          <a:stretch>
-            <a:fillRect/>
-          </a:stretch>
-        </p:blipFill>
+        </p:nvSpPr>
         <p:spPr>
           <a:xfrm>
-            <a:off x="1824037" y="1620000"/>
-            <a:ext cx="3206785" cy="4805363"/>
+            <a:off x="948600" y="1914525"/>
+            <a:ext cx="6840000" cy="4133475"/>
           </a:xfrm>
           <a:prstGeom prst="rect">
             <a:avLst/>
           </a:prstGeom>
         </p:spPr>
-      </p:pic>
+        <p:txBody>
+          <a:bodyPr vert="horz" lIns="91440" tIns="45720" rIns="91440" bIns="45720" rtlCol="0" anchor="t">
+            <a:normAutofit/>
+          </a:bodyPr>
+          <a:lstStyle>
+            <a:lvl1pPr marL="0" indent="0" algn="l" defTabSz="914377" rtl="0" eaLnBrk="1" latinLnBrk="0" hangingPunct="1">
+              <a:lnSpc>
+                <a:spcPct val="90000"/>
+              </a:lnSpc>
+              <a:spcBef>
+                <a:spcPts val="1000"/>
+              </a:spcBef>
+              <a:buFont typeface="Arial" panose="020B0604020202020204" pitchFamily="34" charset="0"/>
+              <a:buNone/>
+              <a:defRPr sz="2400" kern="1200">
+                <a:solidFill>
+                  <a:schemeClr val="tx1"/>
+                </a:solidFill>
+                <a:latin typeface="+mn-lt"/>
+                <a:ea typeface="+mn-ea"/>
+                <a:cs typeface="+mn-cs"/>
+              </a:defRPr>
+            </a:lvl1pPr>
+            <a:lvl2pPr marL="457189" indent="0" algn="l" defTabSz="914377" rtl="0" eaLnBrk="1" latinLnBrk="0" hangingPunct="1">
+              <a:lnSpc>
+                <a:spcPct val="90000"/>
+              </a:lnSpc>
+              <a:spcBef>
+                <a:spcPts val="500"/>
+              </a:spcBef>
+              <a:buFont typeface="Arial" panose="020B0604020202020204" pitchFamily="34" charset="0"/>
+              <a:buNone/>
+              <a:defRPr sz="2800" kern="1200">
+                <a:solidFill>
+                  <a:schemeClr val="tx1"/>
+                </a:solidFill>
+                <a:latin typeface="+mn-lt"/>
+                <a:ea typeface="+mn-ea"/>
+                <a:cs typeface="+mn-cs"/>
+              </a:defRPr>
+            </a:lvl2pPr>
+            <a:lvl3pPr marL="914377" indent="0" algn="l" defTabSz="914377" rtl="0" eaLnBrk="1" latinLnBrk="0" hangingPunct="1">
+              <a:lnSpc>
+                <a:spcPct val="90000"/>
+              </a:lnSpc>
+              <a:spcBef>
+                <a:spcPts val="500"/>
+              </a:spcBef>
+              <a:buFont typeface="Arial" panose="020B0604020202020204" pitchFamily="34" charset="0"/>
+              <a:buNone/>
+              <a:defRPr sz="2400" kern="1200">
+                <a:solidFill>
+                  <a:schemeClr val="tx1"/>
+                </a:solidFill>
+                <a:latin typeface="+mn-lt"/>
+                <a:ea typeface="+mn-ea"/>
+                <a:cs typeface="+mn-cs"/>
+              </a:defRPr>
+            </a:lvl3pPr>
+            <a:lvl4pPr marL="1371566" indent="0" algn="l" defTabSz="914377" rtl="0" eaLnBrk="1" latinLnBrk="0" hangingPunct="1">
+              <a:lnSpc>
+                <a:spcPct val="90000"/>
+              </a:lnSpc>
+              <a:spcBef>
+                <a:spcPts val="500"/>
+              </a:spcBef>
+              <a:buFont typeface="Arial" panose="020B0604020202020204" pitchFamily="34" charset="0"/>
+              <a:buNone/>
+              <a:defRPr sz="2000" kern="1200">
+                <a:solidFill>
+                  <a:schemeClr val="tx1"/>
+                </a:solidFill>
+                <a:latin typeface="+mn-lt"/>
+                <a:ea typeface="+mn-ea"/>
+                <a:cs typeface="+mn-cs"/>
+              </a:defRPr>
+            </a:lvl4pPr>
+            <a:lvl5pPr marL="1828754" indent="0" algn="l" defTabSz="914377" rtl="0" eaLnBrk="1" latinLnBrk="0" hangingPunct="1">
+              <a:lnSpc>
+                <a:spcPct val="90000"/>
+              </a:lnSpc>
+              <a:spcBef>
+                <a:spcPts val="500"/>
+              </a:spcBef>
+              <a:buFont typeface="Arial" panose="020B0604020202020204" pitchFamily="34" charset="0"/>
+              <a:buNone/>
+              <a:defRPr sz="2000" kern="1200">
+                <a:solidFill>
+                  <a:schemeClr val="tx1"/>
+                </a:solidFill>
+                <a:latin typeface="+mn-lt"/>
+                <a:ea typeface="+mn-ea"/>
+                <a:cs typeface="+mn-cs"/>
+              </a:defRPr>
+            </a:lvl5pPr>
+            <a:lvl6pPr marL="2285943" indent="0" algn="l" defTabSz="914377" rtl="0" eaLnBrk="1" latinLnBrk="0" hangingPunct="1">
+              <a:lnSpc>
+                <a:spcPct val="90000"/>
+              </a:lnSpc>
+              <a:spcBef>
+                <a:spcPts val="500"/>
+              </a:spcBef>
+              <a:buFont typeface="Arial" panose="020B0604020202020204" pitchFamily="34" charset="0"/>
+              <a:buNone/>
+              <a:defRPr sz="2000" kern="1200">
+                <a:solidFill>
+                  <a:schemeClr val="tx1"/>
+                </a:solidFill>
+                <a:latin typeface="+mn-lt"/>
+                <a:ea typeface="+mn-ea"/>
+                <a:cs typeface="+mn-cs"/>
+              </a:defRPr>
+            </a:lvl6pPr>
+            <a:lvl7pPr marL="2743131" indent="0" algn="l" defTabSz="914377" rtl="0" eaLnBrk="1" latinLnBrk="0" hangingPunct="1">
+              <a:lnSpc>
+                <a:spcPct val="90000"/>
+              </a:lnSpc>
+              <a:spcBef>
+                <a:spcPts val="500"/>
+              </a:spcBef>
+              <a:buFont typeface="Arial" panose="020B0604020202020204" pitchFamily="34" charset="0"/>
+              <a:buNone/>
+              <a:defRPr sz="2000" kern="1200">
+                <a:solidFill>
+                  <a:schemeClr val="tx1"/>
+                </a:solidFill>
+                <a:latin typeface="+mn-lt"/>
+                <a:ea typeface="+mn-ea"/>
+                <a:cs typeface="+mn-cs"/>
+              </a:defRPr>
+            </a:lvl7pPr>
+            <a:lvl8pPr marL="3200320" indent="0" algn="l" defTabSz="914377" rtl="0" eaLnBrk="1" latinLnBrk="0" hangingPunct="1">
+              <a:lnSpc>
+                <a:spcPct val="90000"/>
+              </a:lnSpc>
+              <a:spcBef>
+                <a:spcPts val="500"/>
+              </a:spcBef>
+              <a:buFont typeface="Arial" panose="020B0604020202020204" pitchFamily="34" charset="0"/>
+              <a:buNone/>
+              <a:defRPr sz="2000" kern="1200">
+                <a:solidFill>
+                  <a:schemeClr val="tx1"/>
+                </a:solidFill>
+                <a:latin typeface="+mn-lt"/>
+                <a:ea typeface="+mn-ea"/>
+                <a:cs typeface="+mn-cs"/>
+              </a:defRPr>
+            </a:lvl8pPr>
+            <a:lvl9pPr marL="3657509" indent="0" algn="l" defTabSz="914377" rtl="0" eaLnBrk="1" latinLnBrk="0" hangingPunct="1">
+              <a:lnSpc>
+                <a:spcPct val="90000"/>
+              </a:lnSpc>
+              <a:spcBef>
+                <a:spcPts val="500"/>
+              </a:spcBef>
+              <a:buFont typeface="Arial" panose="020B0604020202020204" pitchFamily="34" charset="0"/>
+              <a:buNone/>
+              <a:defRPr sz="2000" kern="1200">
+                <a:solidFill>
+                  <a:schemeClr val="tx1"/>
+                </a:solidFill>
+                <a:latin typeface="+mn-lt"/>
+                <a:ea typeface="+mn-ea"/>
+                <a:cs typeface="+mn-cs"/>
+              </a:defRPr>
+            </a:lvl9pPr>
+          </a:lstStyle>
+          <a:p>
+            <a:pPr marL="342900" indent="-342900">
+              <a:buFont typeface="Arial" panose="020B0604020202020204" pitchFamily="34" charset="0"/>
+              <a:buChar char="•"/>
+            </a:pPr>
+            <a:r>
+              <a:rPr lang="es-ES" sz="2200" dirty="0"/>
+              <a:t>Apertura o cierre de compuertas.</a:t>
+            </a:r>
+          </a:p>
+          <a:p>
+            <a:pPr marL="342900" indent="-342900">
+              <a:buFont typeface="Arial" panose="020B0604020202020204" pitchFamily="34" charset="0"/>
+              <a:buChar char="•"/>
+            </a:pPr>
+            <a:r>
+              <a:rPr lang="es-ES" sz="2200" dirty="0"/>
+              <a:t>Arranque o parada de máquinas.</a:t>
+            </a:r>
+          </a:p>
+          <a:p>
+            <a:pPr marL="342900" indent="-342900">
+              <a:buFont typeface="Arial" panose="020B0604020202020204" pitchFamily="34" charset="0"/>
+              <a:buChar char="•"/>
+            </a:pPr>
+            <a:r>
+              <a:rPr lang="es-ES" sz="2200" dirty="0"/>
+              <a:t>Ondas de crecientes.</a:t>
+            </a:r>
+          </a:p>
+          <a:p>
+            <a:pPr marL="342900" indent="-342900">
+              <a:buFont typeface="Arial" panose="020B0604020202020204" pitchFamily="34" charset="0"/>
+              <a:buChar char="•"/>
+            </a:pPr>
+            <a:r>
+              <a:rPr lang="es-ES" sz="2200" dirty="0"/>
+              <a:t>Ondas de inundación por operación de estructuras.</a:t>
+            </a:r>
+          </a:p>
+          <a:p>
+            <a:pPr marL="342900" indent="-342900">
+              <a:buFont typeface="Arial" panose="020B0604020202020204" pitchFamily="34" charset="0"/>
+              <a:buChar char="•"/>
+            </a:pPr>
+            <a:r>
+              <a:rPr lang="es-ES" sz="2200" dirty="0"/>
+              <a:t>Fallo de una estructura de control (presa, dique, vertedero).</a:t>
+            </a:r>
+          </a:p>
+          <a:p>
+            <a:pPr marL="342900" indent="-342900">
+              <a:buFont typeface="Arial" panose="020B0604020202020204" pitchFamily="34" charset="0"/>
+              <a:buChar char="•"/>
+            </a:pPr>
+            <a:r>
+              <a:rPr lang="es-ES" sz="2200" dirty="0"/>
+              <a:t>Flujo en sistemas de drenaje pluvial.</a:t>
+            </a:r>
+            <a:endParaRPr lang="en-US" sz="2200" dirty="0"/>
+          </a:p>
+        </p:txBody>
+      </p:sp>
     </p:spTree>
     <p:extLst>
       <p:ext uri="{BB962C8B-B14F-4D97-AF65-F5344CB8AC3E}">
-        <p14:creationId xmlns:p14="http://schemas.microsoft.com/office/powerpoint/2010/main" val="2701829586"/>
+        <p14:creationId xmlns:p14="http://schemas.microsoft.com/office/powerpoint/2010/main" val="3758334702"/>
       </p:ext>
     </p:extLst>
   </p:cSld>
@@ -6536,7 +6743,7 @@
 </p:sld>
 </file>
 
-<file path=ppt/slides/slide11.xml><?xml version="1.0" encoding="utf-8"?>
+<file path=ppt/slides/slide3.xml><?xml version="1.0" encoding="utf-8"?>
 <p:sld xmlns:a="http://schemas.openxmlformats.org/drawingml/2006/main" xmlns:r="http://schemas.openxmlformats.org/officeDocument/2006/relationships" xmlns:p="http://schemas.openxmlformats.org/presentationml/2006/main">
   <p:cSld>
     <p:spTree>
@@ -6581,7 +6788,288 @@
           <a:p>
             <a:r>
               <a:rPr lang="es-CO" dirty="0"/>
-              <a:t>Flujo rápidamente variado (FRV)</a:t>
+              <a:t>Ecuación de continuidad</a:t>
+            </a:r>
+            <a:endParaRPr lang="en-US" dirty="0"/>
+          </a:p>
+        </p:txBody>
+      </p:sp>
+      <p:pic>
+        <p:nvPicPr>
+          <p:cNvPr id="3" name="Imagen 2">
+            <a:extLst>
+              <a:ext uri="{FF2B5EF4-FFF2-40B4-BE49-F238E27FC236}">
+                <a16:creationId xmlns:a16="http://schemas.microsoft.com/office/drawing/2014/main" id="{3E9F222A-BE44-FE01-D726-8825F41938E0}"/>
+              </a:ext>
+            </a:extLst>
+          </p:cNvPr>
+          <p:cNvPicPr>
+            <a:picLocks noChangeAspect="1"/>
+          </p:cNvPicPr>
+          <p:nvPr/>
+        </p:nvPicPr>
+        <p:blipFill>
+          <a:blip r:embed="rId2">
+            <a:clrChange>
+              <a:clrFrom>
+                <a:srgbClr val="FFFFFF"/>
+              </a:clrFrom>
+              <a:clrTo>
+                <a:srgbClr val="FFFFFF">
+                  <a:alpha val="0"/>
+                </a:srgbClr>
+              </a:clrTo>
+            </a:clrChange>
+          </a:blip>
+          <a:stretch>
+            <a:fillRect/>
+          </a:stretch>
+        </p:blipFill>
+        <p:spPr>
+          <a:xfrm>
+            <a:off x="489560" y="1813223"/>
+            <a:ext cx="6352166" cy="4234777"/>
+          </a:xfrm>
+          <a:prstGeom prst="rect">
+            <a:avLst/>
+          </a:prstGeom>
+        </p:spPr>
+      </p:pic>
+      <p:pic>
+        <p:nvPicPr>
+          <p:cNvPr id="4" name="Gráfico 3">
+            <a:extLst>
+              <a:ext uri="{FF2B5EF4-FFF2-40B4-BE49-F238E27FC236}">
+                <a16:creationId xmlns:a16="http://schemas.microsoft.com/office/drawing/2014/main" id="{729719FC-8F22-DCD8-4C57-A142E042DAA7}"/>
+              </a:ext>
+            </a:extLst>
+          </p:cNvPr>
+          <p:cNvPicPr>
+            <a:picLocks noChangeAspect="1"/>
+          </p:cNvPicPr>
+          <p:nvPr/>
+        </p:nvPicPr>
+        <p:blipFill>
+          <a:blip r:embed="rId3">
+            <a:extLst>
+              <a:ext uri="{96DAC541-7B7A-43D3-8B79-37D633B846F1}">
+                <asvg:svgBlip xmlns:asvg="http://schemas.microsoft.com/office/drawing/2016/SVG/main" r:embed="rId4"/>
+              </a:ext>
+            </a:extLst>
+          </a:blip>
+          <a:stretch>
+            <a:fillRect/>
+          </a:stretch>
+        </p:blipFill>
+        <p:spPr>
+          <a:xfrm>
+            <a:off x="4891949" y="1481786"/>
+            <a:ext cx="1876308" cy="708963"/>
+          </a:xfrm>
+          <a:prstGeom prst="rect">
+            <a:avLst/>
+          </a:prstGeom>
+        </p:spPr>
+      </p:pic>
+    </p:spTree>
+    <p:extLst>
+      <p:ext uri="{BB962C8B-B14F-4D97-AF65-F5344CB8AC3E}">
+        <p14:creationId xmlns:p14="http://schemas.microsoft.com/office/powerpoint/2010/main" val="3943943027"/>
+      </p:ext>
+    </p:extLst>
+  </p:cSld>
+  <p:clrMapOvr>
+    <a:masterClrMapping/>
+  </p:clrMapOvr>
+</p:sld>
+</file>
+
+<file path=ppt/slides/slide4.xml><?xml version="1.0" encoding="utf-8"?>
+<p:sld xmlns:a="http://schemas.openxmlformats.org/drawingml/2006/main" xmlns:r="http://schemas.openxmlformats.org/officeDocument/2006/relationships" xmlns:p="http://schemas.openxmlformats.org/presentationml/2006/main">
+  <p:cSld>
+    <p:spTree>
+      <p:nvGrpSpPr>
+        <p:cNvPr id="1" name=""/>
+        <p:cNvGrpSpPr/>
+        <p:nvPr/>
+      </p:nvGrpSpPr>
+      <p:grpSpPr>
+        <a:xfrm>
+          <a:off x="0" y="0"/>
+          <a:ext cx="0" cy="0"/>
+          <a:chOff x="0" y="0"/>
+          <a:chExt cx="0" cy="0"/>
+        </a:xfrm>
+      </p:grpSpPr>
+      <p:sp>
+        <p:nvSpPr>
+          <p:cNvPr id="2" name="Título 1">
+            <a:extLst>
+              <a:ext uri="{FF2B5EF4-FFF2-40B4-BE49-F238E27FC236}">
+                <a16:creationId xmlns:a16="http://schemas.microsoft.com/office/drawing/2014/main" id="{B7A326E0-7378-DEAD-3AFB-15247D7E203A}"/>
+              </a:ext>
+            </a:extLst>
+          </p:cNvPr>
+          <p:cNvSpPr>
+            <a:spLocks noGrp="1"/>
+          </p:cNvSpPr>
+          <p:nvPr>
+            <p:ph type="title"/>
+          </p:nvPr>
+        </p:nvSpPr>
+        <p:spPr>
+          <a:xfrm>
+            <a:off x="720001" y="810000"/>
+            <a:ext cx="6121725" cy="810000"/>
+          </a:xfrm>
+        </p:spPr>
+        <p:txBody>
+          <a:bodyPr anchor="t"/>
+          <a:lstStyle/>
+          <a:p>
+            <a:r>
+              <a:rPr lang="es-CO" dirty="0"/>
+              <a:t>Conservación de la energía</a:t>
+            </a:r>
+            <a:endParaRPr lang="en-US" dirty="0"/>
+          </a:p>
+        </p:txBody>
+      </p:sp>
+      <p:pic>
+        <p:nvPicPr>
+          <p:cNvPr id="5" name="Gráfico 4">
+            <a:extLst>
+              <a:ext uri="{FF2B5EF4-FFF2-40B4-BE49-F238E27FC236}">
+                <a16:creationId xmlns:a16="http://schemas.microsoft.com/office/drawing/2014/main" id="{DE46D8BC-99F1-F1F6-6018-7FAD54106367}"/>
+              </a:ext>
+            </a:extLst>
+          </p:cNvPr>
+          <p:cNvPicPr>
+            <a:picLocks noChangeAspect="1"/>
+          </p:cNvPicPr>
+          <p:nvPr/>
+        </p:nvPicPr>
+        <p:blipFill>
+          <a:blip r:embed="rId2">
+            <a:extLst>
+              <a:ext uri="{96DAC541-7B7A-43D3-8B79-37D633B846F1}">
+                <asvg:svgBlip xmlns:asvg="http://schemas.microsoft.com/office/drawing/2016/SVG/main" r:embed="rId3"/>
+              </a:ext>
+            </a:extLst>
+          </a:blip>
+          <a:stretch>
+            <a:fillRect/>
+          </a:stretch>
+        </p:blipFill>
+        <p:spPr>
+          <a:xfrm>
+            <a:off x="345573" y="1520253"/>
+            <a:ext cx="6870580" cy="4105274"/>
+          </a:xfrm>
+          <a:prstGeom prst="rect">
+            <a:avLst/>
+          </a:prstGeom>
+        </p:spPr>
+      </p:pic>
+      <p:pic>
+        <p:nvPicPr>
+          <p:cNvPr id="10" name="Gráfico 9">
+            <a:extLst>
+              <a:ext uri="{FF2B5EF4-FFF2-40B4-BE49-F238E27FC236}">
+                <a16:creationId xmlns:a16="http://schemas.microsoft.com/office/drawing/2014/main" id="{F3192815-CD70-7F28-501C-CF4153387213}"/>
+              </a:ext>
+            </a:extLst>
+          </p:cNvPr>
+          <p:cNvPicPr>
+            <a:picLocks noChangeAspect="1"/>
+          </p:cNvPicPr>
+          <p:nvPr/>
+        </p:nvPicPr>
+        <p:blipFill>
+          <a:blip r:embed="rId4">
+            <a:extLst>
+              <a:ext uri="{96DAC541-7B7A-43D3-8B79-37D633B846F1}">
+                <asvg:svgBlip xmlns:asvg="http://schemas.microsoft.com/office/drawing/2016/SVG/main" r:embed="rId5"/>
+              </a:ext>
+            </a:extLst>
+          </a:blip>
+          <a:stretch>
+            <a:fillRect/>
+          </a:stretch>
+        </p:blipFill>
+        <p:spPr>
+          <a:xfrm>
+            <a:off x="1590113" y="5468629"/>
+            <a:ext cx="4419600" cy="1292092"/>
+          </a:xfrm>
+          <a:prstGeom prst="rect">
+            <a:avLst/>
+          </a:prstGeom>
+        </p:spPr>
+      </p:pic>
+    </p:spTree>
+    <p:extLst>
+      <p:ext uri="{BB962C8B-B14F-4D97-AF65-F5344CB8AC3E}">
+        <p14:creationId xmlns:p14="http://schemas.microsoft.com/office/powerpoint/2010/main" val="2849948890"/>
+      </p:ext>
+    </p:extLst>
+  </p:cSld>
+  <p:clrMapOvr>
+    <a:masterClrMapping/>
+  </p:clrMapOvr>
+</p:sld>
+</file>
+
+<file path=ppt/slides/slide5.xml><?xml version="1.0" encoding="utf-8"?>
+<p:sld xmlns:a="http://schemas.openxmlformats.org/drawingml/2006/main" xmlns:r="http://schemas.openxmlformats.org/officeDocument/2006/relationships" xmlns:p="http://schemas.openxmlformats.org/presentationml/2006/main">
+  <p:cSld>
+    <p:spTree>
+      <p:nvGrpSpPr>
+        <p:cNvPr id="1" name=""/>
+        <p:cNvGrpSpPr/>
+        <p:nvPr/>
+      </p:nvGrpSpPr>
+      <p:grpSpPr>
+        <a:xfrm>
+          <a:off x="0" y="0"/>
+          <a:ext cx="0" cy="0"/>
+          <a:chOff x="0" y="0"/>
+          <a:chExt cx="0" cy="0"/>
+        </a:xfrm>
+      </p:grpSpPr>
+      <p:sp>
+        <p:nvSpPr>
+          <p:cNvPr id="2" name="Título 1">
+            <a:extLst>
+              <a:ext uri="{FF2B5EF4-FFF2-40B4-BE49-F238E27FC236}">
+                <a16:creationId xmlns:a16="http://schemas.microsoft.com/office/drawing/2014/main" id="{B7A326E0-7378-DEAD-3AFB-15247D7E203A}"/>
+              </a:ext>
+            </a:extLst>
+          </p:cNvPr>
+          <p:cNvSpPr>
+            <a:spLocks noGrp="1"/>
+          </p:cNvSpPr>
+          <p:nvPr>
+            <p:ph type="title"/>
+          </p:nvPr>
+        </p:nvSpPr>
+        <p:spPr>
+          <a:xfrm>
+            <a:off x="720001" y="810000"/>
+            <a:ext cx="6121725" cy="810000"/>
+          </a:xfrm>
+        </p:spPr>
+        <p:txBody>
+          <a:bodyPr anchor="t"/>
+          <a:lstStyle/>
+          <a:p>
+            <a:r>
+              <a:rPr lang="es-CO" dirty="0"/>
+              <a:t>Ecuaciones de Saint-</a:t>
+            </a:r>
+            <a:r>
+              <a:rPr lang="es-CO" dirty="0" err="1"/>
+              <a:t>Venant</a:t>
             </a:r>
             <a:endParaRPr lang="en-US" dirty="0"/>
           </a:p>
@@ -6604,7 +7092,7 @@
         <p:spPr>
           <a:xfrm>
             <a:off x="948600" y="1724024"/>
-            <a:ext cx="6840000" cy="2438401"/>
+            <a:ext cx="5893126" cy="2705101"/>
           </a:xfrm>
           <a:prstGeom prst="rect">
             <a:avLst/>
@@ -6785,7 +7273,7 @@
             </a:pPr>
             <a:r>
               <a:rPr lang="es-ES" sz="2200" dirty="0"/>
-              <a:t>Presión no hidrostática.</a:t>
+              <a:t>Distribución de presiones hidrostática.</a:t>
             </a:r>
           </a:p>
           <a:p>
@@ -6795,7 +7283,7 @@
             </a:pPr>
             <a:r>
               <a:rPr lang="es-ES" sz="2200" dirty="0"/>
-              <a:t>Fricción despreciable.</a:t>
+              <a:t>Pendiente del fondo pequeña.</a:t>
             </a:r>
           </a:p>
           <a:p>
@@ -6805,7 +7293,7 @@
             </a:pPr>
             <a:r>
               <a:rPr lang="es-ES" sz="2200" dirty="0"/>
-              <a:t>Características dependen de la geometría y condición de flujo de estructura.</a:t>
+              <a:t>La velocidad del flujo en una sección transversal es constante (velocidad media).</a:t>
             </a:r>
           </a:p>
           <a:p>
@@ -6815,2520 +7303,84 @@
             </a:pPr>
             <a:r>
               <a:rPr lang="es-ES" sz="2200" dirty="0"/>
-              <a:t>Los coeficientes de corrección α y β son mucho mayores a 1.</a:t>
+              <a:t>Las pérdidas pueden ser simuladas con las ecuaciones de resistencia de flujo permanente (Manning).</a:t>
             </a:r>
             <a:endParaRPr lang="en-US" sz="2200" dirty="0"/>
           </a:p>
         </p:txBody>
       </p:sp>
-      <p:grpSp>
-        <p:nvGrpSpPr>
-          <p:cNvPr id="22" name="Grupo 21">
+      <p:pic>
+        <p:nvPicPr>
+          <p:cNvPr id="23" name="Gráfico 22">
             <a:extLst>
               <a:ext uri="{FF2B5EF4-FFF2-40B4-BE49-F238E27FC236}">
-                <a16:creationId xmlns:a16="http://schemas.microsoft.com/office/drawing/2014/main" id="{94D15CFF-9EC5-724B-69C3-DF63535B6507}"/>
+                <a16:creationId xmlns:a16="http://schemas.microsoft.com/office/drawing/2014/main" id="{D3DBB18F-C4B6-C4E1-DA95-7CBDC8B75A6F}"/>
               </a:ext>
             </a:extLst>
           </p:cNvPr>
-          <p:cNvGrpSpPr/>
+          <p:cNvPicPr>
+            <a:picLocks noChangeAspect="1"/>
+          </p:cNvPicPr>
           <p:nvPr/>
-        </p:nvGrpSpPr>
-        <p:grpSpPr>
+        </p:nvPicPr>
+        <p:blipFill>
+          <a:blip r:embed="rId2">
+            <a:extLst>
+              <a:ext uri="{96DAC541-7B7A-43D3-8B79-37D633B846F1}">
+                <asvg:svgBlip xmlns:asvg="http://schemas.microsoft.com/office/drawing/2016/SVG/main" r:embed="rId3"/>
+              </a:ext>
+            </a:extLst>
+          </a:blip>
+          <a:stretch>
+            <a:fillRect/>
+          </a:stretch>
+        </p:blipFill>
+        <p:spPr>
           <a:xfrm>
-            <a:off x="1699740" y="4397830"/>
-            <a:ext cx="5358117" cy="1885542"/>
-            <a:chOff x="936133" y="4741773"/>
-            <a:chExt cx="4430230" cy="1559015"/>
+            <a:off x="2654217" y="4714875"/>
+            <a:ext cx="2800122" cy="1058026"/>
           </a:xfrm>
-        </p:grpSpPr>
-        <p:sp>
-          <p:nvSpPr>
-            <p:cNvPr id="7" name="Forma libre: forma 6">
-              <a:extLst>
-                <a:ext uri="{FF2B5EF4-FFF2-40B4-BE49-F238E27FC236}">
-                  <a16:creationId xmlns:a16="http://schemas.microsoft.com/office/drawing/2014/main" id="{153A61FC-EE75-3931-0A6D-29A31B2908B6}"/>
-                </a:ext>
-              </a:extLst>
-            </p:cNvPr>
-            <p:cNvSpPr/>
-            <p:nvPr/>
-          </p:nvSpPr>
-          <p:spPr>
-            <a:xfrm>
-              <a:off x="1552575" y="4886326"/>
-              <a:ext cx="1801452" cy="1414462"/>
-            </a:xfrm>
-            <a:custGeom>
-              <a:avLst/>
-              <a:gdLst>
-                <a:gd name="connsiteX0" fmla="*/ 0 w 2143125"/>
-                <a:gd name="connsiteY0" fmla="*/ 168563 h 1663988"/>
-                <a:gd name="connsiteX1" fmla="*/ 276225 w 2143125"/>
-                <a:gd name="connsiteY1" fmla="*/ 6638 h 1663988"/>
-                <a:gd name="connsiteX2" fmla="*/ 590550 w 2143125"/>
-                <a:gd name="connsiteY2" fmla="*/ 54263 h 1663988"/>
-                <a:gd name="connsiteX3" fmla="*/ 914400 w 2143125"/>
-                <a:gd name="connsiteY3" fmla="*/ 263813 h 1663988"/>
-                <a:gd name="connsiteX4" fmla="*/ 1171575 w 2143125"/>
-                <a:gd name="connsiteY4" fmla="*/ 597188 h 1663988"/>
-                <a:gd name="connsiteX5" fmla="*/ 1495425 w 2143125"/>
-                <a:gd name="connsiteY5" fmla="*/ 1111538 h 1663988"/>
-                <a:gd name="connsiteX6" fmla="*/ 1885950 w 2143125"/>
-                <a:gd name="connsiteY6" fmla="*/ 1502063 h 1663988"/>
-                <a:gd name="connsiteX7" fmla="*/ 2143125 w 2143125"/>
-                <a:gd name="connsiteY7" fmla="*/ 1663988 h 1663988"/>
-                <a:gd name="connsiteX0" fmla="*/ 0 w 2143125"/>
-                <a:gd name="connsiteY0" fmla="*/ 168563 h 1663988"/>
-                <a:gd name="connsiteX1" fmla="*/ 0 w 2143125"/>
-                <a:gd name="connsiteY1" fmla="*/ 168563 h 1663988"/>
-                <a:gd name="connsiteX2" fmla="*/ 276225 w 2143125"/>
-                <a:gd name="connsiteY2" fmla="*/ 6638 h 1663988"/>
-                <a:gd name="connsiteX3" fmla="*/ 590550 w 2143125"/>
-                <a:gd name="connsiteY3" fmla="*/ 54263 h 1663988"/>
-                <a:gd name="connsiteX4" fmla="*/ 914400 w 2143125"/>
-                <a:gd name="connsiteY4" fmla="*/ 263813 h 1663988"/>
-                <a:gd name="connsiteX5" fmla="*/ 1171575 w 2143125"/>
-                <a:gd name="connsiteY5" fmla="*/ 597188 h 1663988"/>
-                <a:gd name="connsiteX6" fmla="*/ 1495425 w 2143125"/>
-                <a:gd name="connsiteY6" fmla="*/ 1111538 h 1663988"/>
-                <a:gd name="connsiteX7" fmla="*/ 1885950 w 2143125"/>
-                <a:gd name="connsiteY7" fmla="*/ 1502063 h 1663988"/>
-                <a:gd name="connsiteX8" fmla="*/ 2143125 w 2143125"/>
-                <a:gd name="connsiteY8" fmla="*/ 1663988 h 1663988"/>
-                <a:gd name="connsiteX0" fmla="*/ 0 w 2143125"/>
-                <a:gd name="connsiteY0" fmla="*/ 171228 h 1666653"/>
-                <a:gd name="connsiteX1" fmla="*/ 180975 w 2143125"/>
-                <a:gd name="connsiteY1" fmla="*/ 209328 h 1666653"/>
-                <a:gd name="connsiteX2" fmla="*/ 276225 w 2143125"/>
-                <a:gd name="connsiteY2" fmla="*/ 9303 h 1666653"/>
-                <a:gd name="connsiteX3" fmla="*/ 590550 w 2143125"/>
-                <a:gd name="connsiteY3" fmla="*/ 56928 h 1666653"/>
-                <a:gd name="connsiteX4" fmla="*/ 914400 w 2143125"/>
-                <a:gd name="connsiteY4" fmla="*/ 266478 h 1666653"/>
-                <a:gd name="connsiteX5" fmla="*/ 1171575 w 2143125"/>
-                <a:gd name="connsiteY5" fmla="*/ 599853 h 1666653"/>
-                <a:gd name="connsiteX6" fmla="*/ 1495425 w 2143125"/>
-                <a:gd name="connsiteY6" fmla="*/ 1114203 h 1666653"/>
-                <a:gd name="connsiteX7" fmla="*/ 1885950 w 2143125"/>
-                <a:gd name="connsiteY7" fmla="*/ 1504728 h 1666653"/>
-                <a:gd name="connsiteX8" fmla="*/ 2143125 w 2143125"/>
-                <a:gd name="connsiteY8" fmla="*/ 1666653 h 1666653"/>
-                <a:gd name="connsiteX0" fmla="*/ 0 w 2190750"/>
-                <a:gd name="connsiteY0" fmla="*/ 485553 h 1666653"/>
-                <a:gd name="connsiteX1" fmla="*/ 228600 w 2190750"/>
-                <a:gd name="connsiteY1" fmla="*/ 209328 h 1666653"/>
-                <a:gd name="connsiteX2" fmla="*/ 323850 w 2190750"/>
-                <a:gd name="connsiteY2" fmla="*/ 9303 h 1666653"/>
-                <a:gd name="connsiteX3" fmla="*/ 638175 w 2190750"/>
-                <a:gd name="connsiteY3" fmla="*/ 56928 h 1666653"/>
-                <a:gd name="connsiteX4" fmla="*/ 962025 w 2190750"/>
-                <a:gd name="connsiteY4" fmla="*/ 266478 h 1666653"/>
-                <a:gd name="connsiteX5" fmla="*/ 1219200 w 2190750"/>
-                <a:gd name="connsiteY5" fmla="*/ 599853 h 1666653"/>
-                <a:gd name="connsiteX6" fmla="*/ 1543050 w 2190750"/>
-                <a:gd name="connsiteY6" fmla="*/ 1114203 h 1666653"/>
-                <a:gd name="connsiteX7" fmla="*/ 1933575 w 2190750"/>
-                <a:gd name="connsiteY7" fmla="*/ 1504728 h 1666653"/>
-                <a:gd name="connsiteX8" fmla="*/ 2190750 w 2190750"/>
-                <a:gd name="connsiteY8" fmla="*/ 1666653 h 1666653"/>
-                <a:gd name="connsiteX0" fmla="*/ 0 w 2190750"/>
-                <a:gd name="connsiteY0" fmla="*/ 482234 h 1663334"/>
-                <a:gd name="connsiteX1" fmla="*/ 85725 w 2190750"/>
-                <a:gd name="connsiteY1" fmla="*/ 158384 h 1663334"/>
-                <a:gd name="connsiteX2" fmla="*/ 323850 w 2190750"/>
-                <a:gd name="connsiteY2" fmla="*/ 5984 h 1663334"/>
-                <a:gd name="connsiteX3" fmla="*/ 638175 w 2190750"/>
-                <a:gd name="connsiteY3" fmla="*/ 53609 h 1663334"/>
-                <a:gd name="connsiteX4" fmla="*/ 962025 w 2190750"/>
-                <a:gd name="connsiteY4" fmla="*/ 263159 h 1663334"/>
-                <a:gd name="connsiteX5" fmla="*/ 1219200 w 2190750"/>
-                <a:gd name="connsiteY5" fmla="*/ 596534 h 1663334"/>
-                <a:gd name="connsiteX6" fmla="*/ 1543050 w 2190750"/>
-                <a:gd name="connsiteY6" fmla="*/ 1110884 h 1663334"/>
-                <a:gd name="connsiteX7" fmla="*/ 1933575 w 2190750"/>
-                <a:gd name="connsiteY7" fmla="*/ 1501409 h 1663334"/>
-                <a:gd name="connsiteX8" fmla="*/ 2190750 w 2190750"/>
-                <a:gd name="connsiteY8" fmla="*/ 1663334 h 1663334"/>
-                <a:gd name="connsiteX0" fmla="*/ 0 w 2190750"/>
-                <a:gd name="connsiteY0" fmla="*/ 482234 h 1663334"/>
-                <a:gd name="connsiteX1" fmla="*/ 28575 w 2190750"/>
-                <a:gd name="connsiteY1" fmla="*/ 367934 h 1663334"/>
-                <a:gd name="connsiteX2" fmla="*/ 85725 w 2190750"/>
-                <a:gd name="connsiteY2" fmla="*/ 158384 h 1663334"/>
-                <a:gd name="connsiteX3" fmla="*/ 323850 w 2190750"/>
-                <a:gd name="connsiteY3" fmla="*/ 5984 h 1663334"/>
-                <a:gd name="connsiteX4" fmla="*/ 638175 w 2190750"/>
-                <a:gd name="connsiteY4" fmla="*/ 53609 h 1663334"/>
-                <a:gd name="connsiteX5" fmla="*/ 962025 w 2190750"/>
-                <a:gd name="connsiteY5" fmla="*/ 263159 h 1663334"/>
-                <a:gd name="connsiteX6" fmla="*/ 1219200 w 2190750"/>
-                <a:gd name="connsiteY6" fmla="*/ 596534 h 1663334"/>
-                <a:gd name="connsiteX7" fmla="*/ 1543050 w 2190750"/>
-                <a:gd name="connsiteY7" fmla="*/ 1110884 h 1663334"/>
-                <a:gd name="connsiteX8" fmla="*/ 1933575 w 2190750"/>
-                <a:gd name="connsiteY8" fmla="*/ 1501409 h 1663334"/>
-                <a:gd name="connsiteX9" fmla="*/ 2190750 w 2190750"/>
-                <a:gd name="connsiteY9" fmla="*/ 1663334 h 1663334"/>
-                <a:gd name="connsiteX0" fmla="*/ 0 w 2171700"/>
-                <a:gd name="connsiteY0" fmla="*/ 1701434 h 1701434"/>
-                <a:gd name="connsiteX1" fmla="*/ 9525 w 2171700"/>
-                <a:gd name="connsiteY1" fmla="*/ 367934 h 1701434"/>
-                <a:gd name="connsiteX2" fmla="*/ 66675 w 2171700"/>
-                <a:gd name="connsiteY2" fmla="*/ 158384 h 1701434"/>
-                <a:gd name="connsiteX3" fmla="*/ 304800 w 2171700"/>
-                <a:gd name="connsiteY3" fmla="*/ 5984 h 1701434"/>
-                <a:gd name="connsiteX4" fmla="*/ 619125 w 2171700"/>
-                <a:gd name="connsiteY4" fmla="*/ 53609 h 1701434"/>
-                <a:gd name="connsiteX5" fmla="*/ 942975 w 2171700"/>
-                <a:gd name="connsiteY5" fmla="*/ 263159 h 1701434"/>
-                <a:gd name="connsiteX6" fmla="*/ 1200150 w 2171700"/>
-                <a:gd name="connsiteY6" fmla="*/ 596534 h 1701434"/>
-                <a:gd name="connsiteX7" fmla="*/ 1524000 w 2171700"/>
-                <a:gd name="connsiteY7" fmla="*/ 1110884 h 1701434"/>
-                <a:gd name="connsiteX8" fmla="*/ 1914525 w 2171700"/>
-                <a:gd name="connsiteY8" fmla="*/ 1501409 h 1701434"/>
-                <a:gd name="connsiteX9" fmla="*/ 2171700 w 2171700"/>
-                <a:gd name="connsiteY9" fmla="*/ 1663334 h 1701434"/>
-                <a:gd name="connsiteX0" fmla="*/ 0 w 2171700"/>
-                <a:gd name="connsiteY0" fmla="*/ 1701434 h 1701434"/>
-                <a:gd name="connsiteX1" fmla="*/ 9525 w 2171700"/>
-                <a:gd name="connsiteY1" fmla="*/ 367934 h 1701434"/>
-                <a:gd name="connsiteX2" fmla="*/ 66675 w 2171700"/>
-                <a:gd name="connsiteY2" fmla="*/ 158384 h 1701434"/>
-                <a:gd name="connsiteX3" fmla="*/ 304800 w 2171700"/>
-                <a:gd name="connsiteY3" fmla="*/ 5984 h 1701434"/>
-                <a:gd name="connsiteX4" fmla="*/ 619125 w 2171700"/>
-                <a:gd name="connsiteY4" fmla="*/ 53609 h 1701434"/>
-                <a:gd name="connsiteX5" fmla="*/ 942975 w 2171700"/>
-                <a:gd name="connsiteY5" fmla="*/ 263159 h 1701434"/>
-                <a:gd name="connsiteX6" fmla="*/ 1200150 w 2171700"/>
-                <a:gd name="connsiteY6" fmla="*/ 596534 h 1701434"/>
-                <a:gd name="connsiteX7" fmla="*/ 1524000 w 2171700"/>
-                <a:gd name="connsiteY7" fmla="*/ 1110884 h 1701434"/>
-                <a:gd name="connsiteX8" fmla="*/ 1914525 w 2171700"/>
-                <a:gd name="connsiteY8" fmla="*/ 1501409 h 1701434"/>
-                <a:gd name="connsiteX9" fmla="*/ 2171700 w 2171700"/>
-                <a:gd name="connsiteY9" fmla="*/ 1663334 h 1701434"/>
-                <a:gd name="connsiteX0" fmla="*/ 0 w 2171700"/>
-                <a:gd name="connsiteY0" fmla="*/ 1701434 h 1701434"/>
-                <a:gd name="connsiteX1" fmla="*/ 9525 w 2171700"/>
-                <a:gd name="connsiteY1" fmla="*/ 367934 h 1701434"/>
-                <a:gd name="connsiteX2" fmla="*/ 66675 w 2171700"/>
-                <a:gd name="connsiteY2" fmla="*/ 158384 h 1701434"/>
-                <a:gd name="connsiteX3" fmla="*/ 304800 w 2171700"/>
-                <a:gd name="connsiteY3" fmla="*/ 5984 h 1701434"/>
-                <a:gd name="connsiteX4" fmla="*/ 619125 w 2171700"/>
-                <a:gd name="connsiteY4" fmla="*/ 53609 h 1701434"/>
-                <a:gd name="connsiteX5" fmla="*/ 942975 w 2171700"/>
-                <a:gd name="connsiteY5" fmla="*/ 263159 h 1701434"/>
-                <a:gd name="connsiteX6" fmla="*/ 1200150 w 2171700"/>
-                <a:gd name="connsiteY6" fmla="*/ 596534 h 1701434"/>
-                <a:gd name="connsiteX7" fmla="*/ 1524000 w 2171700"/>
-                <a:gd name="connsiteY7" fmla="*/ 1110884 h 1701434"/>
-                <a:gd name="connsiteX8" fmla="*/ 1914525 w 2171700"/>
-                <a:gd name="connsiteY8" fmla="*/ 1501409 h 1701434"/>
-                <a:gd name="connsiteX9" fmla="*/ 2171700 w 2171700"/>
-                <a:gd name="connsiteY9" fmla="*/ 1663334 h 1701434"/>
-                <a:gd name="connsiteX0" fmla="*/ 0 w 2171700"/>
-                <a:gd name="connsiteY0" fmla="*/ 1701434 h 1701434"/>
-                <a:gd name="connsiteX1" fmla="*/ 9525 w 2171700"/>
-                <a:gd name="connsiteY1" fmla="*/ 367934 h 1701434"/>
-                <a:gd name="connsiteX2" fmla="*/ 66675 w 2171700"/>
-                <a:gd name="connsiteY2" fmla="*/ 158384 h 1701434"/>
-                <a:gd name="connsiteX3" fmla="*/ 304800 w 2171700"/>
-                <a:gd name="connsiteY3" fmla="*/ 5984 h 1701434"/>
-                <a:gd name="connsiteX4" fmla="*/ 619125 w 2171700"/>
-                <a:gd name="connsiteY4" fmla="*/ 53609 h 1701434"/>
-                <a:gd name="connsiteX5" fmla="*/ 942975 w 2171700"/>
-                <a:gd name="connsiteY5" fmla="*/ 263159 h 1701434"/>
-                <a:gd name="connsiteX6" fmla="*/ 1200150 w 2171700"/>
-                <a:gd name="connsiteY6" fmla="*/ 596534 h 1701434"/>
-                <a:gd name="connsiteX7" fmla="*/ 1524000 w 2171700"/>
-                <a:gd name="connsiteY7" fmla="*/ 1110884 h 1701434"/>
-                <a:gd name="connsiteX8" fmla="*/ 1914525 w 2171700"/>
-                <a:gd name="connsiteY8" fmla="*/ 1501409 h 1701434"/>
-                <a:gd name="connsiteX9" fmla="*/ 2171700 w 2171700"/>
-                <a:gd name="connsiteY9" fmla="*/ 1663334 h 1701434"/>
-                <a:gd name="connsiteX0" fmla="*/ 0 w 2171700"/>
-                <a:gd name="connsiteY0" fmla="*/ 1701434 h 1701434"/>
-                <a:gd name="connsiteX1" fmla="*/ 9525 w 2171700"/>
-                <a:gd name="connsiteY1" fmla="*/ 367934 h 1701434"/>
-                <a:gd name="connsiteX2" fmla="*/ 66675 w 2171700"/>
-                <a:gd name="connsiteY2" fmla="*/ 158384 h 1701434"/>
-                <a:gd name="connsiteX3" fmla="*/ 304800 w 2171700"/>
-                <a:gd name="connsiteY3" fmla="*/ 5984 h 1701434"/>
-                <a:gd name="connsiteX4" fmla="*/ 619125 w 2171700"/>
-                <a:gd name="connsiteY4" fmla="*/ 53609 h 1701434"/>
-                <a:gd name="connsiteX5" fmla="*/ 942975 w 2171700"/>
-                <a:gd name="connsiteY5" fmla="*/ 263159 h 1701434"/>
-                <a:gd name="connsiteX6" fmla="*/ 1200150 w 2171700"/>
-                <a:gd name="connsiteY6" fmla="*/ 596534 h 1701434"/>
-                <a:gd name="connsiteX7" fmla="*/ 1524000 w 2171700"/>
-                <a:gd name="connsiteY7" fmla="*/ 1110884 h 1701434"/>
-                <a:gd name="connsiteX8" fmla="*/ 1914525 w 2171700"/>
-                <a:gd name="connsiteY8" fmla="*/ 1501409 h 1701434"/>
-                <a:gd name="connsiteX9" fmla="*/ 2171700 w 2171700"/>
-                <a:gd name="connsiteY9" fmla="*/ 1663334 h 1701434"/>
-                <a:gd name="connsiteX0" fmla="*/ 0 w 2171700"/>
-                <a:gd name="connsiteY0" fmla="*/ 1701434 h 1701434"/>
-                <a:gd name="connsiteX1" fmla="*/ 9525 w 2171700"/>
-                <a:gd name="connsiteY1" fmla="*/ 367934 h 1701434"/>
-                <a:gd name="connsiteX2" fmla="*/ 66675 w 2171700"/>
-                <a:gd name="connsiteY2" fmla="*/ 158384 h 1701434"/>
-                <a:gd name="connsiteX3" fmla="*/ 304800 w 2171700"/>
-                <a:gd name="connsiteY3" fmla="*/ 5984 h 1701434"/>
-                <a:gd name="connsiteX4" fmla="*/ 619125 w 2171700"/>
-                <a:gd name="connsiteY4" fmla="*/ 53609 h 1701434"/>
-                <a:gd name="connsiteX5" fmla="*/ 942975 w 2171700"/>
-                <a:gd name="connsiteY5" fmla="*/ 263159 h 1701434"/>
-                <a:gd name="connsiteX6" fmla="*/ 1200150 w 2171700"/>
-                <a:gd name="connsiteY6" fmla="*/ 596534 h 1701434"/>
-                <a:gd name="connsiteX7" fmla="*/ 1524000 w 2171700"/>
-                <a:gd name="connsiteY7" fmla="*/ 1110884 h 1701434"/>
-                <a:gd name="connsiteX8" fmla="*/ 1914525 w 2171700"/>
-                <a:gd name="connsiteY8" fmla="*/ 1501409 h 1701434"/>
-                <a:gd name="connsiteX9" fmla="*/ 2171700 w 2171700"/>
-                <a:gd name="connsiteY9" fmla="*/ 1663334 h 1701434"/>
-                <a:gd name="connsiteX0" fmla="*/ 0 w 2171700"/>
-                <a:gd name="connsiteY0" fmla="*/ 1701434 h 1701434"/>
-                <a:gd name="connsiteX1" fmla="*/ 9525 w 2171700"/>
-                <a:gd name="connsiteY1" fmla="*/ 367934 h 1701434"/>
-                <a:gd name="connsiteX2" fmla="*/ 66675 w 2171700"/>
-                <a:gd name="connsiteY2" fmla="*/ 158384 h 1701434"/>
-                <a:gd name="connsiteX3" fmla="*/ 304800 w 2171700"/>
-                <a:gd name="connsiteY3" fmla="*/ 5984 h 1701434"/>
-                <a:gd name="connsiteX4" fmla="*/ 619125 w 2171700"/>
-                <a:gd name="connsiteY4" fmla="*/ 53609 h 1701434"/>
-                <a:gd name="connsiteX5" fmla="*/ 942975 w 2171700"/>
-                <a:gd name="connsiteY5" fmla="*/ 263159 h 1701434"/>
-                <a:gd name="connsiteX6" fmla="*/ 1200150 w 2171700"/>
-                <a:gd name="connsiteY6" fmla="*/ 596534 h 1701434"/>
-                <a:gd name="connsiteX7" fmla="*/ 1524000 w 2171700"/>
-                <a:gd name="connsiteY7" fmla="*/ 1110884 h 1701434"/>
-                <a:gd name="connsiteX8" fmla="*/ 1914525 w 2171700"/>
-                <a:gd name="connsiteY8" fmla="*/ 1501409 h 1701434"/>
-                <a:gd name="connsiteX9" fmla="*/ 2171700 w 2171700"/>
-                <a:gd name="connsiteY9" fmla="*/ 1663334 h 1701434"/>
-                <a:gd name="connsiteX0" fmla="*/ 0 w 2171700"/>
-                <a:gd name="connsiteY0" fmla="*/ 1701434 h 1701434"/>
-                <a:gd name="connsiteX1" fmla="*/ 9525 w 2171700"/>
-                <a:gd name="connsiteY1" fmla="*/ 367934 h 1701434"/>
-                <a:gd name="connsiteX2" fmla="*/ 66675 w 2171700"/>
-                <a:gd name="connsiteY2" fmla="*/ 158384 h 1701434"/>
-                <a:gd name="connsiteX3" fmla="*/ 304800 w 2171700"/>
-                <a:gd name="connsiteY3" fmla="*/ 5984 h 1701434"/>
-                <a:gd name="connsiteX4" fmla="*/ 619125 w 2171700"/>
-                <a:gd name="connsiteY4" fmla="*/ 53609 h 1701434"/>
-                <a:gd name="connsiteX5" fmla="*/ 942975 w 2171700"/>
-                <a:gd name="connsiteY5" fmla="*/ 263159 h 1701434"/>
-                <a:gd name="connsiteX6" fmla="*/ 1200150 w 2171700"/>
-                <a:gd name="connsiteY6" fmla="*/ 596534 h 1701434"/>
-                <a:gd name="connsiteX7" fmla="*/ 1524000 w 2171700"/>
-                <a:gd name="connsiteY7" fmla="*/ 1110884 h 1701434"/>
-                <a:gd name="connsiteX8" fmla="*/ 1914525 w 2171700"/>
-                <a:gd name="connsiteY8" fmla="*/ 1501409 h 1701434"/>
-                <a:gd name="connsiteX9" fmla="*/ 2171700 w 2171700"/>
-                <a:gd name="connsiteY9" fmla="*/ 1663334 h 1701434"/>
-                <a:gd name="connsiteX0" fmla="*/ 0 w 2171700"/>
-                <a:gd name="connsiteY0" fmla="*/ 1701434 h 1701434"/>
-                <a:gd name="connsiteX1" fmla="*/ 9525 w 2171700"/>
-                <a:gd name="connsiteY1" fmla="*/ 367934 h 1701434"/>
-                <a:gd name="connsiteX2" fmla="*/ 66675 w 2171700"/>
-                <a:gd name="connsiteY2" fmla="*/ 158384 h 1701434"/>
-                <a:gd name="connsiteX3" fmla="*/ 304800 w 2171700"/>
-                <a:gd name="connsiteY3" fmla="*/ 5984 h 1701434"/>
-                <a:gd name="connsiteX4" fmla="*/ 619125 w 2171700"/>
-                <a:gd name="connsiteY4" fmla="*/ 53609 h 1701434"/>
-                <a:gd name="connsiteX5" fmla="*/ 942975 w 2171700"/>
-                <a:gd name="connsiteY5" fmla="*/ 263159 h 1701434"/>
-                <a:gd name="connsiteX6" fmla="*/ 1200150 w 2171700"/>
-                <a:gd name="connsiteY6" fmla="*/ 596534 h 1701434"/>
-                <a:gd name="connsiteX7" fmla="*/ 1524000 w 2171700"/>
-                <a:gd name="connsiteY7" fmla="*/ 1110884 h 1701434"/>
-                <a:gd name="connsiteX8" fmla="*/ 1914525 w 2171700"/>
-                <a:gd name="connsiteY8" fmla="*/ 1501409 h 1701434"/>
-                <a:gd name="connsiteX9" fmla="*/ 2171700 w 2171700"/>
-                <a:gd name="connsiteY9" fmla="*/ 1663334 h 1701434"/>
-                <a:gd name="connsiteX0" fmla="*/ 0 w 2171700"/>
-                <a:gd name="connsiteY0" fmla="*/ 1701434 h 1701434"/>
-                <a:gd name="connsiteX1" fmla="*/ 9525 w 2171700"/>
-                <a:gd name="connsiteY1" fmla="*/ 367934 h 1701434"/>
-                <a:gd name="connsiteX2" fmla="*/ 66675 w 2171700"/>
-                <a:gd name="connsiteY2" fmla="*/ 158384 h 1701434"/>
-                <a:gd name="connsiteX3" fmla="*/ 304800 w 2171700"/>
-                <a:gd name="connsiteY3" fmla="*/ 5984 h 1701434"/>
-                <a:gd name="connsiteX4" fmla="*/ 619125 w 2171700"/>
-                <a:gd name="connsiteY4" fmla="*/ 53609 h 1701434"/>
-                <a:gd name="connsiteX5" fmla="*/ 942975 w 2171700"/>
-                <a:gd name="connsiteY5" fmla="*/ 263159 h 1701434"/>
-                <a:gd name="connsiteX6" fmla="*/ 1200150 w 2171700"/>
-                <a:gd name="connsiteY6" fmla="*/ 596534 h 1701434"/>
-                <a:gd name="connsiteX7" fmla="*/ 1524000 w 2171700"/>
-                <a:gd name="connsiteY7" fmla="*/ 1110884 h 1701434"/>
-                <a:gd name="connsiteX8" fmla="*/ 1914525 w 2171700"/>
-                <a:gd name="connsiteY8" fmla="*/ 1501409 h 1701434"/>
-                <a:gd name="connsiteX9" fmla="*/ 2171700 w 2171700"/>
-                <a:gd name="connsiteY9" fmla="*/ 1663334 h 1701434"/>
-                <a:gd name="connsiteX0" fmla="*/ 0 w 2171700"/>
-                <a:gd name="connsiteY0" fmla="*/ 1701434 h 1701434"/>
-                <a:gd name="connsiteX1" fmla="*/ 9525 w 2171700"/>
-                <a:gd name="connsiteY1" fmla="*/ 367934 h 1701434"/>
-                <a:gd name="connsiteX2" fmla="*/ 66675 w 2171700"/>
-                <a:gd name="connsiteY2" fmla="*/ 158384 h 1701434"/>
-                <a:gd name="connsiteX3" fmla="*/ 304800 w 2171700"/>
-                <a:gd name="connsiteY3" fmla="*/ 5984 h 1701434"/>
-                <a:gd name="connsiteX4" fmla="*/ 619125 w 2171700"/>
-                <a:gd name="connsiteY4" fmla="*/ 53609 h 1701434"/>
-                <a:gd name="connsiteX5" fmla="*/ 942975 w 2171700"/>
-                <a:gd name="connsiteY5" fmla="*/ 263159 h 1701434"/>
-                <a:gd name="connsiteX6" fmla="*/ 1200150 w 2171700"/>
-                <a:gd name="connsiteY6" fmla="*/ 596534 h 1701434"/>
-                <a:gd name="connsiteX7" fmla="*/ 1524000 w 2171700"/>
-                <a:gd name="connsiteY7" fmla="*/ 1110884 h 1701434"/>
-                <a:gd name="connsiteX8" fmla="*/ 1914525 w 2171700"/>
-                <a:gd name="connsiteY8" fmla="*/ 1501409 h 1701434"/>
-                <a:gd name="connsiteX9" fmla="*/ 2171700 w 2171700"/>
-                <a:gd name="connsiteY9" fmla="*/ 1663334 h 1701434"/>
-                <a:gd name="connsiteX0" fmla="*/ 0 w 2171700"/>
-                <a:gd name="connsiteY0" fmla="*/ 1701434 h 1701434"/>
-                <a:gd name="connsiteX1" fmla="*/ 9525 w 2171700"/>
-                <a:gd name="connsiteY1" fmla="*/ 367934 h 1701434"/>
-                <a:gd name="connsiteX2" fmla="*/ 38100 w 2171700"/>
-                <a:gd name="connsiteY2" fmla="*/ 263159 h 1701434"/>
-                <a:gd name="connsiteX3" fmla="*/ 66675 w 2171700"/>
-                <a:gd name="connsiteY3" fmla="*/ 158384 h 1701434"/>
-                <a:gd name="connsiteX4" fmla="*/ 304800 w 2171700"/>
-                <a:gd name="connsiteY4" fmla="*/ 5984 h 1701434"/>
-                <a:gd name="connsiteX5" fmla="*/ 619125 w 2171700"/>
-                <a:gd name="connsiteY5" fmla="*/ 53609 h 1701434"/>
-                <a:gd name="connsiteX6" fmla="*/ 942975 w 2171700"/>
-                <a:gd name="connsiteY6" fmla="*/ 263159 h 1701434"/>
-                <a:gd name="connsiteX7" fmla="*/ 1200150 w 2171700"/>
-                <a:gd name="connsiteY7" fmla="*/ 596534 h 1701434"/>
-                <a:gd name="connsiteX8" fmla="*/ 1524000 w 2171700"/>
-                <a:gd name="connsiteY8" fmla="*/ 1110884 h 1701434"/>
-                <a:gd name="connsiteX9" fmla="*/ 1914525 w 2171700"/>
-                <a:gd name="connsiteY9" fmla="*/ 1501409 h 1701434"/>
-                <a:gd name="connsiteX10" fmla="*/ 2171700 w 2171700"/>
-                <a:gd name="connsiteY10" fmla="*/ 1663334 h 1701434"/>
-                <a:gd name="connsiteX0" fmla="*/ 0 w 2171700"/>
-                <a:gd name="connsiteY0" fmla="*/ 1701434 h 1701434"/>
-                <a:gd name="connsiteX1" fmla="*/ 9525 w 2171700"/>
-                <a:gd name="connsiteY1" fmla="*/ 367934 h 1701434"/>
-                <a:gd name="connsiteX2" fmla="*/ 33337 w 2171700"/>
-                <a:gd name="connsiteY2" fmla="*/ 248872 h 1701434"/>
-                <a:gd name="connsiteX3" fmla="*/ 66675 w 2171700"/>
-                <a:gd name="connsiteY3" fmla="*/ 158384 h 1701434"/>
-                <a:gd name="connsiteX4" fmla="*/ 304800 w 2171700"/>
-                <a:gd name="connsiteY4" fmla="*/ 5984 h 1701434"/>
-                <a:gd name="connsiteX5" fmla="*/ 619125 w 2171700"/>
-                <a:gd name="connsiteY5" fmla="*/ 53609 h 1701434"/>
-                <a:gd name="connsiteX6" fmla="*/ 942975 w 2171700"/>
-                <a:gd name="connsiteY6" fmla="*/ 263159 h 1701434"/>
-                <a:gd name="connsiteX7" fmla="*/ 1200150 w 2171700"/>
-                <a:gd name="connsiteY7" fmla="*/ 596534 h 1701434"/>
-                <a:gd name="connsiteX8" fmla="*/ 1524000 w 2171700"/>
-                <a:gd name="connsiteY8" fmla="*/ 1110884 h 1701434"/>
-                <a:gd name="connsiteX9" fmla="*/ 1914525 w 2171700"/>
-                <a:gd name="connsiteY9" fmla="*/ 1501409 h 1701434"/>
-                <a:gd name="connsiteX10" fmla="*/ 2171700 w 2171700"/>
-                <a:gd name="connsiteY10" fmla="*/ 1663334 h 1701434"/>
-                <a:gd name="connsiteX0" fmla="*/ 0 w 2171700"/>
-                <a:gd name="connsiteY0" fmla="*/ 1701434 h 1701434"/>
-                <a:gd name="connsiteX1" fmla="*/ 9525 w 2171700"/>
-                <a:gd name="connsiteY1" fmla="*/ 367934 h 1701434"/>
-                <a:gd name="connsiteX2" fmla="*/ 33337 w 2171700"/>
-                <a:gd name="connsiteY2" fmla="*/ 248872 h 1701434"/>
-                <a:gd name="connsiteX3" fmla="*/ 66675 w 2171700"/>
-                <a:gd name="connsiteY3" fmla="*/ 158384 h 1701434"/>
-                <a:gd name="connsiteX4" fmla="*/ 304800 w 2171700"/>
-                <a:gd name="connsiteY4" fmla="*/ 5984 h 1701434"/>
-                <a:gd name="connsiteX5" fmla="*/ 619125 w 2171700"/>
-                <a:gd name="connsiteY5" fmla="*/ 53609 h 1701434"/>
-                <a:gd name="connsiteX6" fmla="*/ 942975 w 2171700"/>
-                <a:gd name="connsiteY6" fmla="*/ 263159 h 1701434"/>
-                <a:gd name="connsiteX7" fmla="*/ 1200150 w 2171700"/>
-                <a:gd name="connsiteY7" fmla="*/ 596534 h 1701434"/>
-                <a:gd name="connsiteX8" fmla="*/ 1524000 w 2171700"/>
-                <a:gd name="connsiteY8" fmla="*/ 1110884 h 1701434"/>
-                <a:gd name="connsiteX9" fmla="*/ 1914525 w 2171700"/>
-                <a:gd name="connsiteY9" fmla="*/ 1501409 h 1701434"/>
-                <a:gd name="connsiteX10" fmla="*/ 2171700 w 2171700"/>
-                <a:gd name="connsiteY10" fmla="*/ 1663334 h 1701434"/>
-                <a:gd name="connsiteX0" fmla="*/ 0 w 2171700"/>
-                <a:gd name="connsiteY0" fmla="*/ 1701434 h 1701434"/>
-                <a:gd name="connsiteX1" fmla="*/ 9525 w 2171700"/>
-                <a:gd name="connsiteY1" fmla="*/ 367934 h 1701434"/>
-                <a:gd name="connsiteX2" fmla="*/ 33337 w 2171700"/>
-                <a:gd name="connsiteY2" fmla="*/ 248872 h 1701434"/>
-                <a:gd name="connsiteX3" fmla="*/ 66675 w 2171700"/>
-                <a:gd name="connsiteY3" fmla="*/ 158384 h 1701434"/>
-                <a:gd name="connsiteX4" fmla="*/ 304800 w 2171700"/>
-                <a:gd name="connsiteY4" fmla="*/ 5984 h 1701434"/>
-                <a:gd name="connsiteX5" fmla="*/ 619125 w 2171700"/>
-                <a:gd name="connsiteY5" fmla="*/ 53609 h 1701434"/>
-                <a:gd name="connsiteX6" fmla="*/ 942975 w 2171700"/>
-                <a:gd name="connsiteY6" fmla="*/ 263159 h 1701434"/>
-                <a:gd name="connsiteX7" fmla="*/ 1200150 w 2171700"/>
-                <a:gd name="connsiteY7" fmla="*/ 596534 h 1701434"/>
-                <a:gd name="connsiteX8" fmla="*/ 1524000 w 2171700"/>
-                <a:gd name="connsiteY8" fmla="*/ 1110884 h 1701434"/>
-                <a:gd name="connsiteX9" fmla="*/ 1914525 w 2171700"/>
-                <a:gd name="connsiteY9" fmla="*/ 1501409 h 1701434"/>
-                <a:gd name="connsiteX10" fmla="*/ 2171700 w 2171700"/>
-                <a:gd name="connsiteY10" fmla="*/ 1663334 h 1701434"/>
-                <a:gd name="connsiteX0" fmla="*/ 0 w 2171700"/>
-                <a:gd name="connsiteY0" fmla="*/ 1701434 h 1701434"/>
-                <a:gd name="connsiteX1" fmla="*/ 9525 w 2171700"/>
-                <a:gd name="connsiteY1" fmla="*/ 367934 h 1701434"/>
-                <a:gd name="connsiteX2" fmla="*/ 133349 w 2171700"/>
-                <a:gd name="connsiteY2" fmla="*/ 310784 h 1701434"/>
-                <a:gd name="connsiteX3" fmla="*/ 66675 w 2171700"/>
-                <a:gd name="connsiteY3" fmla="*/ 158384 h 1701434"/>
-                <a:gd name="connsiteX4" fmla="*/ 304800 w 2171700"/>
-                <a:gd name="connsiteY4" fmla="*/ 5984 h 1701434"/>
-                <a:gd name="connsiteX5" fmla="*/ 619125 w 2171700"/>
-                <a:gd name="connsiteY5" fmla="*/ 53609 h 1701434"/>
-                <a:gd name="connsiteX6" fmla="*/ 942975 w 2171700"/>
-                <a:gd name="connsiteY6" fmla="*/ 263159 h 1701434"/>
-                <a:gd name="connsiteX7" fmla="*/ 1200150 w 2171700"/>
-                <a:gd name="connsiteY7" fmla="*/ 596534 h 1701434"/>
-                <a:gd name="connsiteX8" fmla="*/ 1524000 w 2171700"/>
-                <a:gd name="connsiteY8" fmla="*/ 1110884 h 1701434"/>
-                <a:gd name="connsiteX9" fmla="*/ 1914525 w 2171700"/>
-                <a:gd name="connsiteY9" fmla="*/ 1501409 h 1701434"/>
-                <a:gd name="connsiteX10" fmla="*/ 2171700 w 2171700"/>
-                <a:gd name="connsiteY10" fmla="*/ 1663334 h 1701434"/>
-                <a:gd name="connsiteX0" fmla="*/ 0 w 2171700"/>
-                <a:gd name="connsiteY0" fmla="*/ 1701434 h 1701434"/>
-                <a:gd name="connsiteX1" fmla="*/ 9525 w 2171700"/>
-                <a:gd name="connsiteY1" fmla="*/ 367934 h 1701434"/>
-                <a:gd name="connsiteX2" fmla="*/ 28574 w 2171700"/>
-                <a:gd name="connsiteY2" fmla="*/ 248872 h 1701434"/>
-                <a:gd name="connsiteX3" fmla="*/ 66675 w 2171700"/>
-                <a:gd name="connsiteY3" fmla="*/ 158384 h 1701434"/>
-                <a:gd name="connsiteX4" fmla="*/ 304800 w 2171700"/>
-                <a:gd name="connsiteY4" fmla="*/ 5984 h 1701434"/>
-                <a:gd name="connsiteX5" fmla="*/ 619125 w 2171700"/>
-                <a:gd name="connsiteY5" fmla="*/ 53609 h 1701434"/>
-                <a:gd name="connsiteX6" fmla="*/ 942975 w 2171700"/>
-                <a:gd name="connsiteY6" fmla="*/ 263159 h 1701434"/>
-                <a:gd name="connsiteX7" fmla="*/ 1200150 w 2171700"/>
-                <a:gd name="connsiteY7" fmla="*/ 596534 h 1701434"/>
-                <a:gd name="connsiteX8" fmla="*/ 1524000 w 2171700"/>
-                <a:gd name="connsiteY8" fmla="*/ 1110884 h 1701434"/>
-                <a:gd name="connsiteX9" fmla="*/ 1914525 w 2171700"/>
-                <a:gd name="connsiteY9" fmla="*/ 1501409 h 1701434"/>
-                <a:gd name="connsiteX10" fmla="*/ 2171700 w 2171700"/>
-                <a:gd name="connsiteY10" fmla="*/ 1663334 h 1701434"/>
-                <a:gd name="connsiteX0" fmla="*/ 0 w 2171700"/>
-                <a:gd name="connsiteY0" fmla="*/ 1701434 h 1701434"/>
-                <a:gd name="connsiteX1" fmla="*/ 9525 w 2171700"/>
-                <a:gd name="connsiteY1" fmla="*/ 367934 h 1701434"/>
-                <a:gd name="connsiteX2" fmla="*/ 28574 w 2171700"/>
-                <a:gd name="connsiteY2" fmla="*/ 248872 h 1701434"/>
-                <a:gd name="connsiteX3" fmla="*/ 66675 w 2171700"/>
-                <a:gd name="connsiteY3" fmla="*/ 158384 h 1701434"/>
-                <a:gd name="connsiteX4" fmla="*/ 304800 w 2171700"/>
-                <a:gd name="connsiteY4" fmla="*/ 5984 h 1701434"/>
-                <a:gd name="connsiteX5" fmla="*/ 619125 w 2171700"/>
-                <a:gd name="connsiteY5" fmla="*/ 53609 h 1701434"/>
-                <a:gd name="connsiteX6" fmla="*/ 942975 w 2171700"/>
-                <a:gd name="connsiteY6" fmla="*/ 263159 h 1701434"/>
-                <a:gd name="connsiteX7" fmla="*/ 1200150 w 2171700"/>
-                <a:gd name="connsiteY7" fmla="*/ 596534 h 1701434"/>
-                <a:gd name="connsiteX8" fmla="*/ 1524000 w 2171700"/>
-                <a:gd name="connsiteY8" fmla="*/ 1110884 h 1701434"/>
-                <a:gd name="connsiteX9" fmla="*/ 1914525 w 2171700"/>
-                <a:gd name="connsiteY9" fmla="*/ 1501409 h 1701434"/>
-                <a:gd name="connsiteX10" fmla="*/ 2171700 w 2171700"/>
-                <a:gd name="connsiteY10" fmla="*/ 1663334 h 1701434"/>
-                <a:gd name="connsiteX0" fmla="*/ 0 w 2171700"/>
-                <a:gd name="connsiteY0" fmla="*/ 1701434 h 1701434"/>
-                <a:gd name="connsiteX1" fmla="*/ 9525 w 2171700"/>
-                <a:gd name="connsiteY1" fmla="*/ 367934 h 1701434"/>
-                <a:gd name="connsiteX2" fmla="*/ 28574 w 2171700"/>
-                <a:gd name="connsiteY2" fmla="*/ 248872 h 1701434"/>
-                <a:gd name="connsiteX3" fmla="*/ 66675 w 2171700"/>
-                <a:gd name="connsiteY3" fmla="*/ 158384 h 1701434"/>
-                <a:gd name="connsiteX4" fmla="*/ 304800 w 2171700"/>
-                <a:gd name="connsiteY4" fmla="*/ 5984 h 1701434"/>
-                <a:gd name="connsiteX5" fmla="*/ 619125 w 2171700"/>
-                <a:gd name="connsiteY5" fmla="*/ 53609 h 1701434"/>
-                <a:gd name="connsiteX6" fmla="*/ 942975 w 2171700"/>
-                <a:gd name="connsiteY6" fmla="*/ 263159 h 1701434"/>
-                <a:gd name="connsiteX7" fmla="*/ 1200150 w 2171700"/>
-                <a:gd name="connsiteY7" fmla="*/ 596534 h 1701434"/>
-                <a:gd name="connsiteX8" fmla="*/ 1524000 w 2171700"/>
-                <a:gd name="connsiteY8" fmla="*/ 1110884 h 1701434"/>
-                <a:gd name="connsiteX9" fmla="*/ 1914525 w 2171700"/>
-                <a:gd name="connsiteY9" fmla="*/ 1501409 h 1701434"/>
-                <a:gd name="connsiteX10" fmla="*/ 2171700 w 2171700"/>
-                <a:gd name="connsiteY10" fmla="*/ 1663334 h 1701434"/>
-                <a:gd name="connsiteX0" fmla="*/ 0 w 2166938"/>
-                <a:gd name="connsiteY0" fmla="*/ 1701434 h 1701434"/>
-                <a:gd name="connsiteX1" fmla="*/ 9525 w 2166938"/>
-                <a:gd name="connsiteY1" fmla="*/ 367934 h 1701434"/>
-                <a:gd name="connsiteX2" fmla="*/ 28574 w 2166938"/>
-                <a:gd name="connsiteY2" fmla="*/ 248872 h 1701434"/>
-                <a:gd name="connsiteX3" fmla="*/ 66675 w 2166938"/>
-                <a:gd name="connsiteY3" fmla="*/ 158384 h 1701434"/>
-                <a:gd name="connsiteX4" fmla="*/ 304800 w 2166938"/>
-                <a:gd name="connsiteY4" fmla="*/ 5984 h 1701434"/>
-                <a:gd name="connsiteX5" fmla="*/ 619125 w 2166938"/>
-                <a:gd name="connsiteY5" fmla="*/ 53609 h 1701434"/>
-                <a:gd name="connsiteX6" fmla="*/ 942975 w 2166938"/>
-                <a:gd name="connsiteY6" fmla="*/ 263159 h 1701434"/>
-                <a:gd name="connsiteX7" fmla="*/ 1200150 w 2166938"/>
-                <a:gd name="connsiteY7" fmla="*/ 596534 h 1701434"/>
-                <a:gd name="connsiteX8" fmla="*/ 1524000 w 2166938"/>
-                <a:gd name="connsiteY8" fmla="*/ 1110884 h 1701434"/>
-                <a:gd name="connsiteX9" fmla="*/ 1914525 w 2166938"/>
-                <a:gd name="connsiteY9" fmla="*/ 1501409 h 1701434"/>
-                <a:gd name="connsiteX10" fmla="*/ 2166938 w 2166938"/>
-                <a:gd name="connsiteY10" fmla="*/ 1696671 h 1701434"/>
-              </a:gdLst>
-              <a:ahLst/>
-              <a:cxnLst>
-                <a:cxn ang="0">
-                  <a:pos x="connsiteX0" y="connsiteY0"/>
-                </a:cxn>
-                <a:cxn ang="0">
-                  <a:pos x="connsiteX1" y="connsiteY1"/>
-                </a:cxn>
-                <a:cxn ang="0">
-                  <a:pos x="connsiteX2" y="connsiteY2"/>
-                </a:cxn>
-                <a:cxn ang="0">
-                  <a:pos x="connsiteX3" y="connsiteY3"/>
-                </a:cxn>
-                <a:cxn ang="0">
-                  <a:pos x="connsiteX4" y="connsiteY4"/>
-                </a:cxn>
-                <a:cxn ang="0">
-                  <a:pos x="connsiteX5" y="connsiteY5"/>
-                </a:cxn>
-                <a:cxn ang="0">
-                  <a:pos x="connsiteX6" y="connsiteY6"/>
-                </a:cxn>
-                <a:cxn ang="0">
-                  <a:pos x="connsiteX7" y="connsiteY7"/>
-                </a:cxn>
-                <a:cxn ang="0">
-                  <a:pos x="connsiteX8" y="connsiteY8"/>
-                </a:cxn>
-                <a:cxn ang="0">
-                  <a:pos x="connsiteX9" y="connsiteY9"/>
-                </a:cxn>
-                <a:cxn ang="0">
-                  <a:pos x="connsiteX10" y="connsiteY10"/>
-                </a:cxn>
-              </a:cxnLst>
-              <a:rect l="l" t="t" r="r" b="b"/>
-              <a:pathLst>
-                <a:path w="2166938" h="1701434">
-                  <a:moveTo>
-                    <a:pt x="0" y="1701434"/>
-                  </a:moveTo>
-                  <a:lnTo>
-                    <a:pt x="9525" y="367934"/>
-                  </a:lnTo>
-                  <a:cubicBezTo>
-                    <a:pt x="6350" y="294909"/>
-                    <a:pt x="19049" y="302847"/>
-                    <a:pt x="28574" y="248872"/>
-                  </a:cubicBezTo>
-                  <a:cubicBezTo>
-                    <a:pt x="52386" y="194897"/>
-                    <a:pt x="46038" y="206008"/>
-                    <a:pt x="66675" y="158384"/>
-                  </a:cubicBezTo>
-                  <a:cubicBezTo>
-                    <a:pt x="98425" y="131396"/>
-                    <a:pt x="212725" y="23446"/>
-                    <a:pt x="304800" y="5984"/>
-                  </a:cubicBezTo>
-                  <a:cubicBezTo>
-                    <a:pt x="396875" y="-11478"/>
-                    <a:pt x="512763" y="10747"/>
-                    <a:pt x="619125" y="53609"/>
-                  </a:cubicBezTo>
-                  <a:cubicBezTo>
-                    <a:pt x="725487" y="96471"/>
-                    <a:pt x="846138" y="172672"/>
-                    <a:pt x="942975" y="263159"/>
-                  </a:cubicBezTo>
-                  <a:cubicBezTo>
-                    <a:pt x="1039813" y="353647"/>
-                    <a:pt x="1103313" y="455247"/>
-                    <a:pt x="1200150" y="596534"/>
-                  </a:cubicBezTo>
-                  <a:cubicBezTo>
-                    <a:pt x="1296987" y="737821"/>
-                    <a:pt x="1404938" y="960072"/>
-                    <a:pt x="1524000" y="1110884"/>
-                  </a:cubicBezTo>
-                  <a:cubicBezTo>
-                    <a:pt x="1643062" y="1261696"/>
-                    <a:pt x="1806575" y="1409334"/>
-                    <a:pt x="1914525" y="1501409"/>
-                  </a:cubicBezTo>
-                  <a:cubicBezTo>
-                    <a:pt x="2022475" y="1593484"/>
-                    <a:pt x="2092325" y="1661746"/>
-                    <a:pt x="2166938" y="1696671"/>
-                  </a:cubicBezTo>
-                </a:path>
-              </a:pathLst>
-            </a:custGeom>
-            <a:solidFill>
-              <a:schemeClr val="bg1">
-                <a:lumMod val="90000"/>
-              </a:schemeClr>
-            </a:solidFill>
-            <a:ln>
-              <a:solidFill>
-                <a:schemeClr val="tx2">
-                  <a:lumMod val="50000"/>
-                  <a:lumOff val="50000"/>
-                </a:schemeClr>
-              </a:solidFill>
-            </a:ln>
-          </p:spPr>
-          <p:style>
-            <a:lnRef idx="2">
-              <a:schemeClr val="accent1">
-                <a:shade val="50000"/>
-              </a:schemeClr>
-            </a:lnRef>
-            <a:fillRef idx="1">
-              <a:schemeClr val="accent1"/>
-            </a:fillRef>
-            <a:effectRef idx="0">
-              <a:schemeClr val="accent1"/>
-            </a:effectRef>
-            <a:fontRef idx="minor">
-              <a:schemeClr val="lt1"/>
-            </a:fontRef>
-          </p:style>
-          <p:txBody>
-            <a:bodyPr rtlCol="0" anchor="ctr"/>
-            <a:lstStyle/>
-            <a:p>
-              <a:pPr algn="ctr"/>
-              <a:endParaRPr lang="en-US"/>
-            </a:p>
-          </p:txBody>
-        </p:sp>
-        <p:cxnSp>
-          <p:nvCxnSpPr>
-            <p:cNvPr id="9" name="Conector recto 8">
-              <a:extLst>
-                <a:ext uri="{FF2B5EF4-FFF2-40B4-BE49-F238E27FC236}">
-                  <a16:creationId xmlns:a16="http://schemas.microsoft.com/office/drawing/2014/main" id="{4E5B830E-769D-F922-B0E2-122154753215}"/>
-                </a:ext>
-              </a:extLst>
-            </p:cNvPr>
-            <p:cNvCxnSpPr>
-              <a:cxnSpLocks/>
-            </p:cNvCxnSpPr>
-            <p:nvPr/>
-          </p:nvCxnSpPr>
-          <p:spPr>
-            <a:xfrm>
-              <a:off x="948600" y="6299992"/>
-              <a:ext cx="4417763" cy="796"/>
-            </a:xfrm>
-            <a:prstGeom prst="line">
-              <a:avLst/>
-            </a:prstGeom>
-            <a:ln w="12700">
-              <a:solidFill>
-                <a:schemeClr val="tx2">
-                  <a:lumMod val="50000"/>
-                  <a:lumOff val="50000"/>
-                </a:schemeClr>
-              </a:solidFill>
-            </a:ln>
-          </p:spPr>
-          <p:style>
-            <a:lnRef idx="1">
-              <a:schemeClr val="accent1"/>
-            </a:lnRef>
-            <a:fillRef idx="0">
-              <a:schemeClr val="accent1"/>
-            </a:fillRef>
-            <a:effectRef idx="0">
-              <a:schemeClr val="accent1"/>
-            </a:effectRef>
-            <a:fontRef idx="minor">
-              <a:schemeClr val="tx1"/>
-            </a:fontRef>
-          </p:style>
-        </p:cxnSp>
-        <p:sp>
-          <p:nvSpPr>
-            <p:cNvPr id="11" name="Forma libre: forma 10">
-              <a:extLst>
-                <a:ext uri="{FF2B5EF4-FFF2-40B4-BE49-F238E27FC236}">
-                  <a16:creationId xmlns:a16="http://schemas.microsoft.com/office/drawing/2014/main" id="{B4F5D50C-40A9-711E-76E3-15F975A4FFE2}"/>
-                </a:ext>
-              </a:extLst>
-            </p:cNvPr>
-            <p:cNvSpPr/>
-            <p:nvPr/>
-          </p:nvSpPr>
-          <p:spPr>
-            <a:xfrm>
-              <a:off x="936133" y="4741773"/>
-              <a:ext cx="2468012" cy="1446984"/>
-            </a:xfrm>
-            <a:custGeom>
-              <a:avLst/>
-              <a:gdLst>
-                <a:gd name="connsiteX0" fmla="*/ 0 w 2143125"/>
-                <a:gd name="connsiteY0" fmla="*/ 168563 h 1663988"/>
-                <a:gd name="connsiteX1" fmla="*/ 276225 w 2143125"/>
-                <a:gd name="connsiteY1" fmla="*/ 6638 h 1663988"/>
-                <a:gd name="connsiteX2" fmla="*/ 590550 w 2143125"/>
-                <a:gd name="connsiteY2" fmla="*/ 54263 h 1663988"/>
-                <a:gd name="connsiteX3" fmla="*/ 914400 w 2143125"/>
-                <a:gd name="connsiteY3" fmla="*/ 263813 h 1663988"/>
-                <a:gd name="connsiteX4" fmla="*/ 1171575 w 2143125"/>
-                <a:gd name="connsiteY4" fmla="*/ 597188 h 1663988"/>
-                <a:gd name="connsiteX5" fmla="*/ 1495425 w 2143125"/>
-                <a:gd name="connsiteY5" fmla="*/ 1111538 h 1663988"/>
-                <a:gd name="connsiteX6" fmla="*/ 1885950 w 2143125"/>
-                <a:gd name="connsiteY6" fmla="*/ 1502063 h 1663988"/>
-                <a:gd name="connsiteX7" fmla="*/ 2143125 w 2143125"/>
-                <a:gd name="connsiteY7" fmla="*/ 1663988 h 1663988"/>
-                <a:gd name="connsiteX0" fmla="*/ 0 w 2143125"/>
-                <a:gd name="connsiteY0" fmla="*/ 168563 h 1663988"/>
-                <a:gd name="connsiteX1" fmla="*/ 0 w 2143125"/>
-                <a:gd name="connsiteY1" fmla="*/ 168563 h 1663988"/>
-                <a:gd name="connsiteX2" fmla="*/ 276225 w 2143125"/>
-                <a:gd name="connsiteY2" fmla="*/ 6638 h 1663988"/>
-                <a:gd name="connsiteX3" fmla="*/ 590550 w 2143125"/>
-                <a:gd name="connsiteY3" fmla="*/ 54263 h 1663988"/>
-                <a:gd name="connsiteX4" fmla="*/ 914400 w 2143125"/>
-                <a:gd name="connsiteY4" fmla="*/ 263813 h 1663988"/>
-                <a:gd name="connsiteX5" fmla="*/ 1171575 w 2143125"/>
-                <a:gd name="connsiteY5" fmla="*/ 597188 h 1663988"/>
-                <a:gd name="connsiteX6" fmla="*/ 1495425 w 2143125"/>
-                <a:gd name="connsiteY6" fmla="*/ 1111538 h 1663988"/>
-                <a:gd name="connsiteX7" fmla="*/ 1885950 w 2143125"/>
-                <a:gd name="connsiteY7" fmla="*/ 1502063 h 1663988"/>
-                <a:gd name="connsiteX8" fmla="*/ 2143125 w 2143125"/>
-                <a:gd name="connsiteY8" fmla="*/ 1663988 h 1663988"/>
-                <a:gd name="connsiteX0" fmla="*/ 0 w 2143125"/>
-                <a:gd name="connsiteY0" fmla="*/ 171228 h 1666653"/>
-                <a:gd name="connsiteX1" fmla="*/ 180975 w 2143125"/>
-                <a:gd name="connsiteY1" fmla="*/ 209328 h 1666653"/>
-                <a:gd name="connsiteX2" fmla="*/ 276225 w 2143125"/>
-                <a:gd name="connsiteY2" fmla="*/ 9303 h 1666653"/>
-                <a:gd name="connsiteX3" fmla="*/ 590550 w 2143125"/>
-                <a:gd name="connsiteY3" fmla="*/ 56928 h 1666653"/>
-                <a:gd name="connsiteX4" fmla="*/ 914400 w 2143125"/>
-                <a:gd name="connsiteY4" fmla="*/ 266478 h 1666653"/>
-                <a:gd name="connsiteX5" fmla="*/ 1171575 w 2143125"/>
-                <a:gd name="connsiteY5" fmla="*/ 599853 h 1666653"/>
-                <a:gd name="connsiteX6" fmla="*/ 1495425 w 2143125"/>
-                <a:gd name="connsiteY6" fmla="*/ 1114203 h 1666653"/>
-                <a:gd name="connsiteX7" fmla="*/ 1885950 w 2143125"/>
-                <a:gd name="connsiteY7" fmla="*/ 1504728 h 1666653"/>
-                <a:gd name="connsiteX8" fmla="*/ 2143125 w 2143125"/>
-                <a:gd name="connsiteY8" fmla="*/ 1666653 h 1666653"/>
-                <a:gd name="connsiteX0" fmla="*/ 0 w 2190750"/>
-                <a:gd name="connsiteY0" fmla="*/ 485553 h 1666653"/>
-                <a:gd name="connsiteX1" fmla="*/ 228600 w 2190750"/>
-                <a:gd name="connsiteY1" fmla="*/ 209328 h 1666653"/>
-                <a:gd name="connsiteX2" fmla="*/ 323850 w 2190750"/>
-                <a:gd name="connsiteY2" fmla="*/ 9303 h 1666653"/>
-                <a:gd name="connsiteX3" fmla="*/ 638175 w 2190750"/>
-                <a:gd name="connsiteY3" fmla="*/ 56928 h 1666653"/>
-                <a:gd name="connsiteX4" fmla="*/ 962025 w 2190750"/>
-                <a:gd name="connsiteY4" fmla="*/ 266478 h 1666653"/>
-                <a:gd name="connsiteX5" fmla="*/ 1219200 w 2190750"/>
-                <a:gd name="connsiteY5" fmla="*/ 599853 h 1666653"/>
-                <a:gd name="connsiteX6" fmla="*/ 1543050 w 2190750"/>
-                <a:gd name="connsiteY6" fmla="*/ 1114203 h 1666653"/>
-                <a:gd name="connsiteX7" fmla="*/ 1933575 w 2190750"/>
-                <a:gd name="connsiteY7" fmla="*/ 1504728 h 1666653"/>
-                <a:gd name="connsiteX8" fmla="*/ 2190750 w 2190750"/>
-                <a:gd name="connsiteY8" fmla="*/ 1666653 h 1666653"/>
-                <a:gd name="connsiteX0" fmla="*/ 0 w 2190750"/>
-                <a:gd name="connsiteY0" fmla="*/ 482234 h 1663334"/>
-                <a:gd name="connsiteX1" fmla="*/ 85725 w 2190750"/>
-                <a:gd name="connsiteY1" fmla="*/ 158384 h 1663334"/>
-                <a:gd name="connsiteX2" fmla="*/ 323850 w 2190750"/>
-                <a:gd name="connsiteY2" fmla="*/ 5984 h 1663334"/>
-                <a:gd name="connsiteX3" fmla="*/ 638175 w 2190750"/>
-                <a:gd name="connsiteY3" fmla="*/ 53609 h 1663334"/>
-                <a:gd name="connsiteX4" fmla="*/ 962025 w 2190750"/>
-                <a:gd name="connsiteY4" fmla="*/ 263159 h 1663334"/>
-                <a:gd name="connsiteX5" fmla="*/ 1219200 w 2190750"/>
-                <a:gd name="connsiteY5" fmla="*/ 596534 h 1663334"/>
-                <a:gd name="connsiteX6" fmla="*/ 1543050 w 2190750"/>
-                <a:gd name="connsiteY6" fmla="*/ 1110884 h 1663334"/>
-                <a:gd name="connsiteX7" fmla="*/ 1933575 w 2190750"/>
-                <a:gd name="connsiteY7" fmla="*/ 1501409 h 1663334"/>
-                <a:gd name="connsiteX8" fmla="*/ 2190750 w 2190750"/>
-                <a:gd name="connsiteY8" fmla="*/ 1663334 h 1663334"/>
-                <a:gd name="connsiteX0" fmla="*/ 0 w 2190750"/>
-                <a:gd name="connsiteY0" fmla="*/ 482234 h 1663334"/>
-                <a:gd name="connsiteX1" fmla="*/ 28575 w 2190750"/>
-                <a:gd name="connsiteY1" fmla="*/ 367934 h 1663334"/>
-                <a:gd name="connsiteX2" fmla="*/ 85725 w 2190750"/>
-                <a:gd name="connsiteY2" fmla="*/ 158384 h 1663334"/>
-                <a:gd name="connsiteX3" fmla="*/ 323850 w 2190750"/>
-                <a:gd name="connsiteY3" fmla="*/ 5984 h 1663334"/>
-                <a:gd name="connsiteX4" fmla="*/ 638175 w 2190750"/>
-                <a:gd name="connsiteY4" fmla="*/ 53609 h 1663334"/>
-                <a:gd name="connsiteX5" fmla="*/ 962025 w 2190750"/>
-                <a:gd name="connsiteY5" fmla="*/ 263159 h 1663334"/>
-                <a:gd name="connsiteX6" fmla="*/ 1219200 w 2190750"/>
-                <a:gd name="connsiteY6" fmla="*/ 596534 h 1663334"/>
-                <a:gd name="connsiteX7" fmla="*/ 1543050 w 2190750"/>
-                <a:gd name="connsiteY7" fmla="*/ 1110884 h 1663334"/>
-                <a:gd name="connsiteX8" fmla="*/ 1933575 w 2190750"/>
-                <a:gd name="connsiteY8" fmla="*/ 1501409 h 1663334"/>
-                <a:gd name="connsiteX9" fmla="*/ 2190750 w 2190750"/>
-                <a:gd name="connsiteY9" fmla="*/ 1663334 h 1663334"/>
-                <a:gd name="connsiteX0" fmla="*/ 0 w 2171700"/>
-                <a:gd name="connsiteY0" fmla="*/ 1701434 h 1701434"/>
-                <a:gd name="connsiteX1" fmla="*/ 9525 w 2171700"/>
-                <a:gd name="connsiteY1" fmla="*/ 367934 h 1701434"/>
-                <a:gd name="connsiteX2" fmla="*/ 66675 w 2171700"/>
-                <a:gd name="connsiteY2" fmla="*/ 158384 h 1701434"/>
-                <a:gd name="connsiteX3" fmla="*/ 304800 w 2171700"/>
-                <a:gd name="connsiteY3" fmla="*/ 5984 h 1701434"/>
-                <a:gd name="connsiteX4" fmla="*/ 619125 w 2171700"/>
-                <a:gd name="connsiteY4" fmla="*/ 53609 h 1701434"/>
-                <a:gd name="connsiteX5" fmla="*/ 942975 w 2171700"/>
-                <a:gd name="connsiteY5" fmla="*/ 263159 h 1701434"/>
-                <a:gd name="connsiteX6" fmla="*/ 1200150 w 2171700"/>
-                <a:gd name="connsiteY6" fmla="*/ 596534 h 1701434"/>
-                <a:gd name="connsiteX7" fmla="*/ 1524000 w 2171700"/>
-                <a:gd name="connsiteY7" fmla="*/ 1110884 h 1701434"/>
-                <a:gd name="connsiteX8" fmla="*/ 1914525 w 2171700"/>
-                <a:gd name="connsiteY8" fmla="*/ 1501409 h 1701434"/>
-                <a:gd name="connsiteX9" fmla="*/ 2171700 w 2171700"/>
-                <a:gd name="connsiteY9" fmla="*/ 1663334 h 1701434"/>
-                <a:gd name="connsiteX0" fmla="*/ 0 w 2171700"/>
-                <a:gd name="connsiteY0" fmla="*/ 1701434 h 1701434"/>
-                <a:gd name="connsiteX1" fmla="*/ 9525 w 2171700"/>
-                <a:gd name="connsiteY1" fmla="*/ 367934 h 1701434"/>
-                <a:gd name="connsiteX2" fmla="*/ 66675 w 2171700"/>
-                <a:gd name="connsiteY2" fmla="*/ 158384 h 1701434"/>
-                <a:gd name="connsiteX3" fmla="*/ 304800 w 2171700"/>
-                <a:gd name="connsiteY3" fmla="*/ 5984 h 1701434"/>
-                <a:gd name="connsiteX4" fmla="*/ 619125 w 2171700"/>
-                <a:gd name="connsiteY4" fmla="*/ 53609 h 1701434"/>
-                <a:gd name="connsiteX5" fmla="*/ 942975 w 2171700"/>
-                <a:gd name="connsiteY5" fmla="*/ 263159 h 1701434"/>
-                <a:gd name="connsiteX6" fmla="*/ 1200150 w 2171700"/>
-                <a:gd name="connsiteY6" fmla="*/ 596534 h 1701434"/>
-                <a:gd name="connsiteX7" fmla="*/ 1524000 w 2171700"/>
-                <a:gd name="connsiteY7" fmla="*/ 1110884 h 1701434"/>
-                <a:gd name="connsiteX8" fmla="*/ 1914525 w 2171700"/>
-                <a:gd name="connsiteY8" fmla="*/ 1501409 h 1701434"/>
-                <a:gd name="connsiteX9" fmla="*/ 2171700 w 2171700"/>
-                <a:gd name="connsiteY9" fmla="*/ 1663334 h 1701434"/>
-                <a:gd name="connsiteX0" fmla="*/ 0 w 2171700"/>
-                <a:gd name="connsiteY0" fmla="*/ 1701434 h 1701434"/>
-                <a:gd name="connsiteX1" fmla="*/ 9525 w 2171700"/>
-                <a:gd name="connsiteY1" fmla="*/ 367934 h 1701434"/>
-                <a:gd name="connsiteX2" fmla="*/ 66675 w 2171700"/>
-                <a:gd name="connsiteY2" fmla="*/ 158384 h 1701434"/>
-                <a:gd name="connsiteX3" fmla="*/ 304800 w 2171700"/>
-                <a:gd name="connsiteY3" fmla="*/ 5984 h 1701434"/>
-                <a:gd name="connsiteX4" fmla="*/ 619125 w 2171700"/>
-                <a:gd name="connsiteY4" fmla="*/ 53609 h 1701434"/>
-                <a:gd name="connsiteX5" fmla="*/ 942975 w 2171700"/>
-                <a:gd name="connsiteY5" fmla="*/ 263159 h 1701434"/>
-                <a:gd name="connsiteX6" fmla="*/ 1200150 w 2171700"/>
-                <a:gd name="connsiteY6" fmla="*/ 596534 h 1701434"/>
-                <a:gd name="connsiteX7" fmla="*/ 1524000 w 2171700"/>
-                <a:gd name="connsiteY7" fmla="*/ 1110884 h 1701434"/>
-                <a:gd name="connsiteX8" fmla="*/ 1914525 w 2171700"/>
-                <a:gd name="connsiteY8" fmla="*/ 1501409 h 1701434"/>
-                <a:gd name="connsiteX9" fmla="*/ 2171700 w 2171700"/>
-                <a:gd name="connsiteY9" fmla="*/ 1663334 h 1701434"/>
-                <a:gd name="connsiteX0" fmla="*/ 0 w 2171700"/>
-                <a:gd name="connsiteY0" fmla="*/ 1701434 h 1701434"/>
-                <a:gd name="connsiteX1" fmla="*/ 9525 w 2171700"/>
-                <a:gd name="connsiteY1" fmla="*/ 367934 h 1701434"/>
-                <a:gd name="connsiteX2" fmla="*/ 66675 w 2171700"/>
-                <a:gd name="connsiteY2" fmla="*/ 158384 h 1701434"/>
-                <a:gd name="connsiteX3" fmla="*/ 304800 w 2171700"/>
-                <a:gd name="connsiteY3" fmla="*/ 5984 h 1701434"/>
-                <a:gd name="connsiteX4" fmla="*/ 619125 w 2171700"/>
-                <a:gd name="connsiteY4" fmla="*/ 53609 h 1701434"/>
-                <a:gd name="connsiteX5" fmla="*/ 942975 w 2171700"/>
-                <a:gd name="connsiteY5" fmla="*/ 263159 h 1701434"/>
-                <a:gd name="connsiteX6" fmla="*/ 1200150 w 2171700"/>
-                <a:gd name="connsiteY6" fmla="*/ 596534 h 1701434"/>
-                <a:gd name="connsiteX7" fmla="*/ 1524000 w 2171700"/>
-                <a:gd name="connsiteY7" fmla="*/ 1110884 h 1701434"/>
-                <a:gd name="connsiteX8" fmla="*/ 1914525 w 2171700"/>
-                <a:gd name="connsiteY8" fmla="*/ 1501409 h 1701434"/>
-                <a:gd name="connsiteX9" fmla="*/ 2171700 w 2171700"/>
-                <a:gd name="connsiteY9" fmla="*/ 1663334 h 1701434"/>
-                <a:gd name="connsiteX0" fmla="*/ 0 w 2171700"/>
-                <a:gd name="connsiteY0" fmla="*/ 1701434 h 1701434"/>
-                <a:gd name="connsiteX1" fmla="*/ 9525 w 2171700"/>
-                <a:gd name="connsiteY1" fmla="*/ 367934 h 1701434"/>
-                <a:gd name="connsiteX2" fmla="*/ 66675 w 2171700"/>
-                <a:gd name="connsiteY2" fmla="*/ 158384 h 1701434"/>
-                <a:gd name="connsiteX3" fmla="*/ 304800 w 2171700"/>
-                <a:gd name="connsiteY3" fmla="*/ 5984 h 1701434"/>
-                <a:gd name="connsiteX4" fmla="*/ 619125 w 2171700"/>
-                <a:gd name="connsiteY4" fmla="*/ 53609 h 1701434"/>
-                <a:gd name="connsiteX5" fmla="*/ 942975 w 2171700"/>
-                <a:gd name="connsiteY5" fmla="*/ 263159 h 1701434"/>
-                <a:gd name="connsiteX6" fmla="*/ 1200150 w 2171700"/>
-                <a:gd name="connsiteY6" fmla="*/ 596534 h 1701434"/>
-                <a:gd name="connsiteX7" fmla="*/ 1524000 w 2171700"/>
-                <a:gd name="connsiteY7" fmla="*/ 1110884 h 1701434"/>
-                <a:gd name="connsiteX8" fmla="*/ 1914525 w 2171700"/>
-                <a:gd name="connsiteY8" fmla="*/ 1501409 h 1701434"/>
-                <a:gd name="connsiteX9" fmla="*/ 2171700 w 2171700"/>
-                <a:gd name="connsiteY9" fmla="*/ 1663334 h 1701434"/>
-                <a:gd name="connsiteX0" fmla="*/ 0 w 2171700"/>
-                <a:gd name="connsiteY0" fmla="*/ 1701434 h 1701434"/>
-                <a:gd name="connsiteX1" fmla="*/ 9525 w 2171700"/>
-                <a:gd name="connsiteY1" fmla="*/ 367934 h 1701434"/>
-                <a:gd name="connsiteX2" fmla="*/ 66675 w 2171700"/>
-                <a:gd name="connsiteY2" fmla="*/ 158384 h 1701434"/>
-                <a:gd name="connsiteX3" fmla="*/ 304800 w 2171700"/>
-                <a:gd name="connsiteY3" fmla="*/ 5984 h 1701434"/>
-                <a:gd name="connsiteX4" fmla="*/ 619125 w 2171700"/>
-                <a:gd name="connsiteY4" fmla="*/ 53609 h 1701434"/>
-                <a:gd name="connsiteX5" fmla="*/ 942975 w 2171700"/>
-                <a:gd name="connsiteY5" fmla="*/ 263159 h 1701434"/>
-                <a:gd name="connsiteX6" fmla="*/ 1200150 w 2171700"/>
-                <a:gd name="connsiteY6" fmla="*/ 596534 h 1701434"/>
-                <a:gd name="connsiteX7" fmla="*/ 1524000 w 2171700"/>
-                <a:gd name="connsiteY7" fmla="*/ 1110884 h 1701434"/>
-                <a:gd name="connsiteX8" fmla="*/ 1914525 w 2171700"/>
-                <a:gd name="connsiteY8" fmla="*/ 1501409 h 1701434"/>
-                <a:gd name="connsiteX9" fmla="*/ 2171700 w 2171700"/>
-                <a:gd name="connsiteY9" fmla="*/ 1663334 h 1701434"/>
-                <a:gd name="connsiteX0" fmla="*/ 0 w 2171700"/>
-                <a:gd name="connsiteY0" fmla="*/ 1701434 h 1701434"/>
-                <a:gd name="connsiteX1" fmla="*/ 9525 w 2171700"/>
-                <a:gd name="connsiteY1" fmla="*/ 367934 h 1701434"/>
-                <a:gd name="connsiteX2" fmla="*/ 66675 w 2171700"/>
-                <a:gd name="connsiteY2" fmla="*/ 158384 h 1701434"/>
-                <a:gd name="connsiteX3" fmla="*/ 304800 w 2171700"/>
-                <a:gd name="connsiteY3" fmla="*/ 5984 h 1701434"/>
-                <a:gd name="connsiteX4" fmla="*/ 619125 w 2171700"/>
-                <a:gd name="connsiteY4" fmla="*/ 53609 h 1701434"/>
-                <a:gd name="connsiteX5" fmla="*/ 942975 w 2171700"/>
-                <a:gd name="connsiteY5" fmla="*/ 263159 h 1701434"/>
-                <a:gd name="connsiteX6" fmla="*/ 1200150 w 2171700"/>
-                <a:gd name="connsiteY6" fmla="*/ 596534 h 1701434"/>
-                <a:gd name="connsiteX7" fmla="*/ 1524000 w 2171700"/>
-                <a:gd name="connsiteY7" fmla="*/ 1110884 h 1701434"/>
-                <a:gd name="connsiteX8" fmla="*/ 1914525 w 2171700"/>
-                <a:gd name="connsiteY8" fmla="*/ 1501409 h 1701434"/>
-                <a:gd name="connsiteX9" fmla="*/ 2171700 w 2171700"/>
-                <a:gd name="connsiteY9" fmla="*/ 1663334 h 1701434"/>
-                <a:gd name="connsiteX0" fmla="*/ 0 w 2171700"/>
-                <a:gd name="connsiteY0" fmla="*/ 1701434 h 1701434"/>
-                <a:gd name="connsiteX1" fmla="*/ 9525 w 2171700"/>
-                <a:gd name="connsiteY1" fmla="*/ 367934 h 1701434"/>
-                <a:gd name="connsiteX2" fmla="*/ 66675 w 2171700"/>
-                <a:gd name="connsiteY2" fmla="*/ 158384 h 1701434"/>
-                <a:gd name="connsiteX3" fmla="*/ 304800 w 2171700"/>
-                <a:gd name="connsiteY3" fmla="*/ 5984 h 1701434"/>
-                <a:gd name="connsiteX4" fmla="*/ 619125 w 2171700"/>
-                <a:gd name="connsiteY4" fmla="*/ 53609 h 1701434"/>
-                <a:gd name="connsiteX5" fmla="*/ 942975 w 2171700"/>
-                <a:gd name="connsiteY5" fmla="*/ 263159 h 1701434"/>
-                <a:gd name="connsiteX6" fmla="*/ 1200150 w 2171700"/>
-                <a:gd name="connsiteY6" fmla="*/ 596534 h 1701434"/>
-                <a:gd name="connsiteX7" fmla="*/ 1524000 w 2171700"/>
-                <a:gd name="connsiteY7" fmla="*/ 1110884 h 1701434"/>
-                <a:gd name="connsiteX8" fmla="*/ 1914525 w 2171700"/>
-                <a:gd name="connsiteY8" fmla="*/ 1501409 h 1701434"/>
-                <a:gd name="connsiteX9" fmla="*/ 2171700 w 2171700"/>
-                <a:gd name="connsiteY9" fmla="*/ 1663334 h 1701434"/>
-                <a:gd name="connsiteX0" fmla="*/ 0 w 2171700"/>
-                <a:gd name="connsiteY0" fmla="*/ 1701434 h 1701434"/>
-                <a:gd name="connsiteX1" fmla="*/ 9525 w 2171700"/>
-                <a:gd name="connsiteY1" fmla="*/ 367934 h 1701434"/>
-                <a:gd name="connsiteX2" fmla="*/ 66675 w 2171700"/>
-                <a:gd name="connsiteY2" fmla="*/ 158384 h 1701434"/>
-                <a:gd name="connsiteX3" fmla="*/ 304800 w 2171700"/>
-                <a:gd name="connsiteY3" fmla="*/ 5984 h 1701434"/>
-                <a:gd name="connsiteX4" fmla="*/ 619125 w 2171700"/>
-                <a:gd name="connsiteY4" fmla="*/ 53609 h 1701434"/>
-                <a:gd name="connsiteX5" fmla="*/ 942975 w 2171700"/>
-                <a:gd name="connsiteY5" fmla="*/ 263159 h 1701434"/>
-                <a:gd name="connsiteX6" fmla="*/ 1200150 w 2171700"/>
-                <a:gd name="connsiteY6" fmla="*/ 596534 h 1701434"/>
-                <a:gd name="connsiteX7" fmla="*/ 1524000 w 2171700"/>
-                <a:gd name="connsiteY7" fmla="*/ 1110884 h 1701434"/>
-                <a:gd name="connsiteX8" fmla="*/ 1914525 w 2171700"/>
-                <a:gd name="connsiteY8" fmla="*/ 1501409 h 1701434"/>
-                <a:gd name="connsiteX9" fmla="*/ 2171700 w 2171700"/>
-                <a:gd name="connsiteY9" fmla="*/ 1663334 h 1701434"/>
-                <a:gd name="connsiteX0" fmla="*/ 0 w 2171700"/>
-                <a:gd name="connsiteY0" fmla="*/ 1701434 h 1701434"/>
-                <a:gd name="connsiteX1" fmla="*/ 9525 w 2171700"/>
-                <a:gd name="connsiteY1" fmla="*/ 367934 h 1701434"/>
-                <a:gd name="connsiteX2" fmla="*/ 66675 w 2171700"/>
-                <a:gd name="connsiteY2" fmla="*/ 158384 h 1701434"/>
-                <a:gd name="connsiteX3" fmla="*/ 304800 w 2171700"/>
-                <a:gd name="connsiteY3" fmla="*/ 5984 h 1701434"/>
-                <a:gd name="connsiteX4" fmla="*/ 619125 w 2171700"/>
-                <a:gd name="connsiteY4" fmla="*/ 53609 h 1701434"/>
-                <a:gd name="connsiteX5" fmla="*/ 942975 w 2171700"/>
-                <a:gd name="connsiteY5" fmla="*/ 263159 h 1701434"/>
-                <a:gd name="connsiteX6" fmla="*/ 1200150 w 2171700"/>
-                <a:gd name="connsiteY6" fmla="*/ 596534 h 1701434"/>
-                <a:gd name="connsiteX7" fmla="*/ 1524000 w 2171700"/>
-                <a:gd name="connsiteY7" fmla="*/ 1110884 h 1701434"/>
-                <a:gd name="connsiteX8" fmla="*/ 1914525 w 2171700"/>
-                <a:gd name="connsiteY8" fmla="*/ 1501409 h 1701434"/>
-                <a:gd name="connsiteX9" fmla="*/ 2171700 w 2171700"/>
-                <a:gd name="connsiteY9" fmla="*/ 1663334 h 1701434"/>
-                <a:gd name="connsiteX0" fmla="*/ 0 w 2171700"/>
-                <a:gd name="connsiteY0" fmla="*/ 1701434 h 1701434"/>
-                <a:gd name="connsiteX1" fmla="*/ 9525 w 2171700"/>
-                <a:gd name="connsiteY1" fmla="*/ 367934 h 1701434"/>
-                <a:gd name="connsiteX2" fmla="*/ 66675 w 2171700"/>
-                <a:gd name="connsiteY2" fmla="*/ 158384 h 1701434"/>
-                <a:gd name="connsiteX3" fmla="*/ 304800 w 2171700"/>
-                <a:gd name="connsiteY3" fmla="*/ 5984 h 1701434"/>
-                <a:gd name="connsiteX4" fmla="*/ 619125 w 2171700"/>
-                <a:gd name="connsiteY4" fmla="*/ 53609 h 1701434"/>
-                <a:gd name="connsiteX5" fmla="*/ 942975 w 2171700"/>
-                <a:gd name="connsiteY5" fmla="*/ 263159 h 1701434"/>
-                <a:gd name="connsiteX6" fmla="*/ 1200150 w 2171700"/>
-                <a:gd name="connsiteY6" fmla="*/ 596534 h 1701434"/>
-                <a:gd name="connsiteX7" fmla="*/ 1524000 w 2171700"/>
-                <a:gd name="connsiteY7" fmla="*/ 1110884 h 1701434"/>
-                <a:gd name="connsiteX8" fmla="*/ 1914525 w 2171700"/>
-                <a:gd name="connsiteY8" fmla="*/ 1501409 h 1701434"/>
-                <a:gd name="connsiteX9" fmla="*/ 2171700 w 2171700"/>
-                <a:gd name="connsiteY9" fmla="*/ 1663334 h 1701434"/>
-                <a:gd name="connsiteX0" fmla="*/ 0 w 2171700"/>
-                <a:gd name="connsiteY0" fmla="*/ 1701434 h 1701434"/>
-                <a:gd name="connsiteX1" fmla="*/ 9525 w 2171700"/>
-                <a:gd name="connsiteY1" fmla="*/ 367934 h 1701434"/>
-                <a:gd name="connsiteX2" fmla="*/ 38100 w 2171700"/>
-                <a:gd name="connsiteY2" fmla="*/ 263159 h 1701434"/>
-                <a:gd name="connsiteX3" fmla="*/ 66675 w 2171700"/>
-                <a:gd name="connsiteY3" fmla="*/ 158384 h 1701434"/>
-                <a:gd name="connsiteX4" fmla="*/ 304800 w 2171700"/>
-                <a:gd name="connsiteY4" fmla="*/ 5984 h 1701434"/>
-                <a:gd name="connsiteX5" fmla="*/ 619125 w 2171700"/>
-                <a:gd name="connsiteY5" fmla="*/ 53609 h 1701434"/>
-                <a:gd name="connsiteX6" fmla="*/ 942975 w 2171700"/>
-                <a:gd name="connsiteY6" fmla="*/ 263159 h 1701434"/>
-                <a:gd name="connsiteX7" fmla="*/ 1200150 w 2171700"/>
-                <a:gd name="connsiteY7" fmla="*/ 596534 h 1701434"/>
-                <a:gd name="connsiteX8" fmla="*/ 1524000 w 2171700"/>
-                <a:gd name="connsiteY8" fmla="*/ 1110884 h 1701434"/>
-                <a:gd name="connsiteX9" fmla="*/ 1914525 w 2171700"/>
-                <a:gd name="connsiteY9" fmla="*/ 1501409 h 1701434"/>
-                <a:gd name="connsiteX10" fmla="*/ 2171700 w 2171700"/>
-                <a:gd name="connsiteY10" fmla="*/ 1663334 h 1701434"/>
-                <a:gd name="connsiteX0" fmla="*/ 0 w 2171700"/>
-                <a:gd name="connsiteY0" fmla="*/ 1701434 h 1701434"/>
-                <a:gd name="connsiteX1" fmla="*/ 9525 w 2171700"/>
-                <a:gd name="connsiteY1" fmla="*/ 367934 h 1701434"/>
-                <a:gd name="connsiteX2" fmla="*/ 33337 w 2171700"/>
-                <a:gd name="connsiteY2" fmla="*/ 248872 h 1701434"/>
-                <a:gd name="connsiteX3" fmla="*/ 66675 w 2171700"/>
-                <a:gd name="connsiteY3" fmla="*/ 158384 h 1701434"/>
-                <a:gd name="connsiteX4" fmla="*/ 304800 w 2171700"/>
-                <a:gd name="connsiteY4" fmla="*/ 5984 h 1701434"/>
-                <a:gd name="connsiteX5" fmla="*/ 619125 w 2171700"/>
-                <a:gd name="connsiteY5" fmla="*/ 53609 h 1701434"/>
-                <a:gd name="connsiteX6" fmla="*/ 942975 w 2171700"/>
-                <a:gd name="connsiteY6" fmla="*/ 263159 h 1701434"/>
-                <a:gd name="connsiteX7" fmla="*/ 1200150 w 2171700"/>
-                <a:gd name="connsiteY7" fmla="*/ 596534 h 1701434"/>
-                <a:gd name="connsiteX8" fmla="*/ 1524000 w 2171700"/>
-                <a:gd name="connsiteY8" fmla="*/ 1110884 h 1701434"/>
-                <a:gd name="connsiteX9" fmla="*/ 1914525 w 2171700"/>
-                <a:gd name="connsiteY9" fmla="*/ 1501409 h 1701434"/>
-                <a:gd name="connsiteX10" fmla="*/ 2171700 w 2171700"/>
-                <a:gd name="connsiteY10" fmla="*/ 1663334 h 1701434"/>
-                <a:gd name="connsiteX0" fmla="*/ 0 w 2171700"/>
-                <a:gd name="connsiteY0" fmla="*/ 1701434 h 1701434"/>
-                <a:gd name="connsiteX1" fmla="*/ 9525 w 2171700"/>
-                <a:gd name="connsiteY1" fmla="*/ 367934 h 1701434"/>
-                <a:gd name="connsiteX2" fmla="*/ 33337 w 2171700"/>
-                <a:gd name="connsiteY2" fmla="*/ 248872 h 1701434"/>
-                <a:gd name="connsiteX3" fmla="*/ 66675 w 2171700"/>
-                <a:gd name="connsiteY3" fmla="*/ 158384 h 1701434"/>
-                <a:gd name="connsiteX4" fmla="*/ 304800 w 2171700"/>
-                <a:gd name="connsiteY4" fmla="*/ 5984 h 1701434"/>
-                <a:gd name="connsiteX5" fmla="*/ 619125 w 2171700"/>
-                <a:gd name="connsiteY5" fmla="*/ 53609 h 1701434"/>
-                <a:gd name="connsiteX6" fmla="*/ 942975 w 2171700"/>
-                <a:gd name="connsiteY6" fmla="*/ 263159 h 1701434"/>
-                <a:gd name="connsiteX7" fmla="*/ 1200150 w 2171700"/>
-                <a:gd name="connsiteY7" fmla="*/ 596534 h 1701434"/>
-                <a:gd name="connsiteX8" fmla="*/ 1524000 w 2171700"/>
-                <a:gd name="connsiteY8" fmla="*/ 1110884 h 1701434"/>
-                <a:gd name="connsiteX9" fmla="*/ 1914525 w 2171700"/>
-                <a:gd name="connsiteY9" fmla="*/ 1501409 h 1701434"/>
-                <a:gd name="connsiteX10" fmla="*/ 2171700 w 2171700"/>
-                <a:gd name="connsiteY10" fmla="*/ 1663334 h 1701434"/>
-                <a:gd name="connsiteX0" fmla="*/ 0 w 2171700"/>
-                <a:gd name="connsiteY0" fmla="*/ 1701434 h 1701434"/>
-                <a:gd name="connsiteX1" fmla="*/ 9525 w 2171700"/>
-                <a:gd name="connsiteY1" fmla="*/ 367934 h 1701434"/>
-                <a:gd name="connsiteX2" fmla="*/ 33337 w 2171700"/>
-                <a:gd name="connsiteY2" fmla="*/ 248872 h 1701434"/>
-                <a:gd name="connsiteX3" fmla="*/ 66675 w 2171700"/>
-                <a:gd name="connsiteY3" fmla="*/ 158384 h 1701434"/>
-                <a:gd name="connsiteX4" fmla="*/ 304800 w 2171700"/>
-                <a:gd name="connsiteY4" fmla="*/ 5984 h 1701434"/>
-                <a:gd name="connsiteX5" fmla="*/ 619125 w 2171700"/>
-                <a:gd name="connsiteY5" fmla="*/ 53609 h 1701434"/>
-                <a:gd name="connsiteX6" fmla="*/ 942975 w 2171700"/>
-                <a:gd name="connsiteY6" fmla="*/ 263159 h 1701434"/>
-                <a:gd name="connsiteX7" fmla="*/ 1200150 w 2171700"/>
-                <a:gd name="connsiteY7" fmla="*/ 596534 h 1701434"/>
-                <a:gd name="connsiteX8" fmla="*/ 1524000 w 2171700"/>
-                <a:gd name="connsiteY8" fmla="*/ 1110884 h 1701434"/>
-                <a:gd name="connsiteX9" fmla="*/ 1914525 w 2171700"/>
-                <a:gd name="connsiteY9" fmla="*/ 1501409 h 1701434"/>
-                <a:gd name="connsiteX10" fmla="*/ 2171700 w 2171700"/>
-                <a:gd name="connsiteY10" fmla="*/ 1663334 h 1701434"/>
-                <a:gd name="connsiteX0" fmla="*/ 0 w 2171700"/>
-                <a:gd name="connsiteY0" fmla="*/ 1701434 h 1701434"/>
-                <a:gd name="connsiteX1" fmla="*/ 9525 w 2171700"/>
-                <a:gd name="connsiteY1" fmla="*/ 367934 h 1701434"/>
-                <a:gd name="connsiteX2" fmla="*/ 133349 w 2171700"/>
-                <a:gd name="connsiteY2" fmla="*/ 310784 h 1701434"/>
-                <a:gd name="connsiteX3" fmla="*/ 66675 w 2171700"/>
-                <a:gd name="connsiteY3" fmla="*/ 158384 h 1701434"/>
-                <a:gd name="connsiteX4" fmla="*/ 304800 w 2171700"/>
-                <a:gd name="connsiteY4" fmla="*/ 5984 h 1701434"/>
-                <a:gd name="connsiteX5" fmla="*/ 619125 w 2171700"/>
-                <a:gd name="connsiteY5" fmla="*/ 53609 h 1701434"/>
-                <a:gd name="connsiteX6" fmla="*/ 942975 w 2171700"/>
-                <a:gd name="connsiteY6" fmla="*/ 263159 h 1701434"/>
-                <a:gd name="connsiteX7" fmla="*/ 1200150 w 2171700"/>
-                <a:gd name="connsiteY7" fmla="*/ 596534 h 1701434"/>
-                <a:gd name="connsiteX8" fmla="*/ 1524000 w 2171700"/>
-                <a:gd name="connsiteY8" fmla="*/ 1110884 h 1701434"/>
-                <a:gd name="connsiteX9" fmla="*/ 1914525 w 2171700"/>
-                <a:gd name="connsiteY9" fmla="*/ 1501409 h 1701434"/>
-                <a:gd name="connsiteX10" fmla="*/ 2171700 w 2171700"/>
-                <a:gd name="connsiteY10" fmla="*/ 1663334 h 1701434"/>
-                <a:gd name="connsiteX0" fmla="*/ 0 w 2171700"/>
-                <a:gd name="connsiteY0" fmla="*/ 1701434 h 1701434"/>
-                <a:gd name="connsiteX1" fmla="*/ 9525 w 2171700"/>
-                <a:gd name="connsiteY1" fmla="*/ 367934 h 1701434"/>
-                <a:gd name="connsiteX2" fmla="*/ 28574 w 2171700"/>
-                <a:gd name="connsiteY2" fmla="*/ 248872 h 1701434"/>
-                <a:gd name="connsiteX3" fmla="*/ 66675 w 2171700"/>
-                <a:gd name="connsiteY3" fmla="*/ 158384 h 1701434"/>
-                <a:gd name="connsiteX4" fmla="*/ 304800 w 2171700"/>
-                <a:gd name="connsiteY4" fmla="*/ 5984 h 1701434"/>
-                <a:gd name="connsiteX5" fmla="*/ 619125 w 2171700"/>
-                <a:gd name="connsiteY5" fmla="*/ 53609 h 1701434"/>
-                <a:gd name="connsiteX6" fmla="*/ 942975 w 2171700"/>
-                <a:gd name="connsiteY6" fmla="*/ 263159 h 1701434"/>
-                <a:gd name="connsiteX7" fmla="*/ 1200150 w 2171700"/>
-                <a:gd name="connsiteY7" fmla="*/ 596534 h 1701434"/>
-                <a:gd name="connsiteX8" fmla="*/ 1524000 w 2171700"/>
-                <a:gd name="connsiteY8" fmla="*/ 1110884 h 1701434"/>
-                <a:gd name="connsiteX9" fmla="*/ 1914525 w 2171700"/>
-                <a:gd name="connsiteY9" fmla="*/ 1501409 h 1701434"/>
-                <a:gd name="connsiteX10" fmla="*/ 2171700 w 2171700"/>
-                <a:gd name="connsiteY10" fmla="*/ 1663334 h 1701434"/>
-                <a:gd name="connsiteX0" fmla="*/ 0 w 2171700"/>
-                <a:gd name="connsiteY0" fmla="*/ 1701434 h 1701434"/>
-                <a:gd name="connsiteX1" fmla="*/ 9525 w 2171700"/>
-                <a:gd name="connsiteY1" fmla="*/ 367934 h 1701434"/>
-                <a:gd name="connsiteX2" fmla="*/ 28574 w 2171700"/>
-                <a:gd name="connsiteY2" fmla="*/ 248872 h 1701434"/>
-                <a:gd name="connsiteX3" fmla="*/ 66675 w 2171700"/>
-                <a:gd name="connsiteY3" fmla="*/ 158384 h 1701434"/>
-                <a:gd name="connsiteX4" fmla="*/ 304800 w 2171700"/>
-                <a:gd name="connsiteY4" fmla="*/ 5984 h 1701434"/>
-                <a:gd name="connsiteX5" fmla="*/ 619125 w 2171700"/>
-                <a:gd name="connsiteY5" fmla="*/ 53609 h 1701434"/>
-                <a:gd name="connsiteX6" fmla="*/ 942975 w 2171700"/>
-                <a:gd name="connsiteY6" fmla="*/ 263159 h 1701434"/>
-                <a:gd name="connsiteX7" fmla="*/ 1200150 w 2171700"/>
-                <a:gd name="connsiteY7" fmla="*/ 596534 h 1701434"/>
-                <a:gd name="connsiteX8" fmla="*/ 1524000 w 2171700"/>
-                <a:gd name="connsiteY8" fmla="*/ 1110884 h 1701434"/>
-                <a:gd name="connsiteX9" fmla="*/ 1914525 w 2171700"/>
-                <a:gd name="connsiteY9" fmla="*/ 1501409 h 1701434"/>
-                <a:gd name="connsiteX10" fmla="*/ 2171700 w 2171700"/>
-                <a:gd name="connsiteY10" fmla="*/ 1663334 h 1701434"/>
-                <a:gd name="connsiteX0" fmla="*/ 0 w 2171700"/>
-                <a:gd name="connsiteY0" fmla="*/ 1701434 h 1701434"/>
-                <a:gd name="connsiteX1" fmla="*/ 9525 w 2171700"/>
-                <a:gd name="connsiteY1" fmla="*/ 367934 h 1701434"/>
-                <a:gd name="connsiteX2" fmla="*/ 28574 w 2171700"/>
-                <a:gd name="connsiteY2" fmla="*/ 248872 h 1701434"/>
-                <a:gd name="connsiteX3" fmla="*/ 66675 w 2171700"/>
-                <a:gd name="connsiteY3" fmla="*/ 158384 h 1701434"/>
-                <a:gd name="connsiteX4" fmla="*/ 304800 w 2171700"/>
-                <a:gd name="connsiteY4" fmla="*/ 5984 h 1701434"/>
-                <a:gd name="connsiteX5" fmla="*/ 619125 w 2171700"/>
-                <a:gd name="connsiteY5" fmla="*/ 53609 h 1701434"/>
-                <a:gd name="connsiteX6" fmla="*/ 942975 w 2171700"/>
-                <a:gd name="connsiteY6" fmla="*/ 263159 h 1701434"/>
-                <a:gd name="connsiteX7" fmla="*/ 1200150 w 2171700"/>
-                <a:gd name="connsiteY7" fmla="*/ 596534 h 1701434"/>
-                <a:gd name="connsiteX8" fmla="*/ 1524000 w 2171700"/>
-                <a:gd name="connsiteY8" fmla="*/ 1110884 h 1701434"/>
-                <a:gd name="connsiteX9" fmla="*/ 1914525 w 2171700"/>
-                <a:gd name="connsiteY9" fmla="*/ 1501409 h 1701434"/>
-                <a:gd name="connsiteX10" fmla="*/ 2171700 w 2171700"/>
-                <a:gd name="connsiteY10" fmla="*/ 1663334 h 1701434"/>
-                <a:gd name="connsiteX0" fmla="*/ 0 w 2166938"/>
-                <a:gd name="connsiteY0" fmla="*/ 1701434 h 1701434"/>
-                <a:gd name="connsiteX1" fmla="*/ 9525 w 2166938"/>
-                <a:gd name="connsiteY1" fmla="*/ 367934 h 1701434"/>
-                <a:gd name="connsiteX2" fmla="*/ 28574 w 2166938"/>
-                <a:gd name="connsiteY2" fmla="*/ 248872 h 1701434"/>
-                <a:gd name="connsiteX3" fmla="*/ 66675 w 2166938"/>
-                <a:gd name="connsiteY3" fmla="*/ 158384 h 1701434"/>
-                <a:gd name="connsiteX4" fmla="*/ 304800 w 2166938"/>
-                <a:gd name="connsiteY4" fmla="*/ 5984 h 1701434"/>
-                <a:gd name="connsiteX5" fmla="*/ 619125 w 2166938"/>
-                <a:gd name="connsiteY5" fmla="*/ 53609 h 1701434"/>
-                <a:gd name="connsiteX6" fmla="*/ 942975 w 2166938"/>
-                <a:gd name="connsiteY6" fmla="*/ 263159 h 1701434"/>
-                <a:gd name="connsiteX7" fmla="*/ 1200150 w 2166938"/>
-                <a:gd name="connsiteY7" fmla="*/ 596534 h 1701434"/>
-                <a:gd name="connsiteX8" fmla="*/ 1524000 w 2166938"/>
-                <a:gd name="connsiteY8" fmla="*/ 1110884 h 1701434"/>
-                <a:gd name="connsiteX9" fmla="*/ 1914525 w 2166938"/>
-                <a:gd name="connsiteY9" fmla="*/ 1501409 h 1701434"/>
-                <a:gd name="connsiteX10" fmla="*/ 2166938 w 2166938"/>
-                <a:gd name="connsiteY10" fmla="*/ 1696671 h 1701434"/>
-                <a:gd name="connsiteX0" fmla="*/ 0 w 3243940"/>
-                <a:gd name="connsiteY0" fmla="*/ 0 h 1759687"/>
-                <a:gd name="connsiteX1" fmla="*/ 1086527 w 3243940"/>
-                <a:gd name="connsiteY1" fmla="*/ 430951 h 1759687"/>
-                <a:gd name="connsiteX2" fmla="*/ 1105576 w 3243940"/>
-                <a:gd name="connsiteY2" fmla="*/ 311889 h 1759687"/>
-                <a:gd name="connsiteX3" fmla="*/ 1143677 w 3243940"/>
-                <a:gd name="connsiteY3" fmla="*/ 221401 h 1759687"/>
-                <a:gd name="connsiteX4" fmla="*/ 1381802 w 3243940"/>
-                <a:gd name="connsiteY4" fmla="*/ 69001 h 1759687"/>
-                <a:gd name="connsiteX5" fmla="*/ 1696127 w 3243940"/>
-                <a:gd name="connsiteY5" fmla="*/ 116626 h 1759687"/>
-                <a:gd name="connsiteX6" fmla="*/ 2019977 w 3243940"/>
-                <a:gd name="connsiteY6" fmla="*/ 326176 h 1759687"/>
-                <a:gd name="connsiteX7" fmla="*/ 2277152 w 3243940"/>
-                <a:gd name="connsiteY7" fmla="*/ 659551 h 1759687"/>
-                <a:gd name="connsiteX8" fmla="*/ 2601002 w 3243940"/>
-                <a:gd name="connsiteY8" fmla="*/ 1173901 h 1759687"/>
-                <a:gd name="connsiteX9" fmla="*/ 2991527 w 3243940"/>
-                <a:gd name="connsiteY9" fmla="*/ 1564426 h 1759687"/>
-                <a:gd name="connsiteX10" fmla="*/ 3243940 w 3243940"/>
-                <a:gd name="connsiteY10" fmla="*/ 1759688 h 1759687"/>
-                <a:gd name="connsiteX0" fmla="*/ 0 w 3243940"/>
-                <a:gd name="connsiteY0" fmla="*/ 0 h 1759688"/>
-                <a:gd name="connsiteX1" fmla="*/ 1105576 w 3243940"/>
-                <a:gd name="connsiteY1" fmla="*/ 311889 h 1759688"/>
-                <a:gd name="connsiteX2" fmla="*/ 1143677 w 3243940"/>
-                <a:gd name="connsiteY2" fmla="*/ 221401 h 1759688"/>
-                <a:gd name="connsiteX3" fmla="*/ 1381802 w 3243940"/>
-                <a:gd name="connsiteY3" fmla="*/ 69001 h 1759688"/>
-                <a:gd name="connsiteX4" fmla="*/ 1696127 w 3243940"/>
-                <a:gd name="connsiteY4" fmla="*/ 116626 h 1759688"/>
-                <a:gd name="connsiteX5" fmla="*/ 2019977 w 3243940"/>
-                <a:gd name="connsiteY5" fmla="*/ 326176 h 1759688"/>
-                <a:gd name="connsiteX6" fmla="*/ 2277152 w 3243940"/>
-                <a:gd name="connsiteY6" fmla="*/ 659551 h 1759688"/>
-                <a:gd name="connsiteX7" fmla="*/ 2601002 w 3243940"/>
-                <a:gd name="connsiteY7" fmla="*/ 1173901 h 1759688"/>
-                <a:gd name="connsiteX8" fmla="*/ 2991527 w 3243940"/>
-                <a:gd name="connsiteY8" fmla="*/ 1564426 h 1759688"/>
-                <a:gd name="connsiteX9" fmla="*/ 3243940 w 3243940"/>
-                <a:gd name="connsiteY9" fmla="*/ 1759688 h 1759688"/>
-                <a:gd name="connsiteX0" fmla="*/ 0 w 3243940"/>
-                <a:gd name="connsiteY0" fmla="*/ 0 h 1759688"/>
-                <a:gd name="connsiteX1" fmla="*/ 1143677 w 3243940"/>
-                <a:gd name="connsiteY1" fmla="*/ 221401 h 1759688"/>
-                <a:gd name="connsiteX2" fmla="*/ 1381802 w 3243940"/>
-                <a:gd name="connsiteY2" fmla="*/ 69001 h 1759688"/>
-                <a:gd name="connsiteX3" fmla="*/ 1696127 w 3243940"/>
-                <a:gd name="connsiteY3" fmla="*/ 116626 h 1759688"/>
-                <a:gd name="connsiteX4" fmla="*/ 2019977 w 3243940"/>
-                <a:gd name="connsiteY4" fmla="*/ 326176 h 1759688"/>
-                <a:gd name="connsiteX5" fmla="*/ 2277152 w 3243940"/>
-                <a:gd name="connsiteY5" fmla="*/ 659551 h 1759688"/>
-                <a:gd name="connsiteX6" fmla="*/ 2601002 w 3243940"/>
-                <a:gd name="connsiteY6" fmla="*/ 1173901 h 1759688"/>
-                <a:gd name="connsiteX7" fmla="*/ 2991527 w 3243940"/>
-                <a:gd name="connsiteY7" fmla="*/ 1564426 h 1759688"/>
-                <a:gd name="connsiteX8" fmla="*/ 3243940 w 3243940"/>
-                <a:gd name="connsiteY8" fmla="*/ 1759688 h 1759688"/>
-                <a:gd name="connsiteX0" fmla="*/ 0 w 3243940"/>
-                <a:gd name="connsiteY0" fmla="*/ 0 h 1759688"/>
-                <a:gd name="connsiteX1" fmla="*/ 943172 w 3243940"/>
-                <a:gd name="connsiteY1" fmla="*/ 95369 h 1759688"/>
-                <a:gd name="connsiteX2" fmla="*/ 1381802 w 3243940"/>
-                <a:gd name="connsiteY2" fmla="*/ 69001 h 1759688"/>
-                <a:gd name="connsiteX3" fmla="*/ 1696127 w 3243940"/>
-                <a:gd name="connsiteY3" fmla="*/ 116626 h 1759688"/>
-                <a:gd name="connsiteX4" fmla="*/ 2019977 w 3243940"/>
-                <a:gd name="connsiteY4" fmla="*/ 326176 h 1759688"/>
-                <a:gd name="connsiteX5" fmla="*/ 2277152 w 3243940"/>
-                <a:gd name="connsiteY5" fmla="*/ 659551 h 1759688"/>
-                <a:gd name="connsiteX6" fmla="*/ 2601002 w 3243940"/>
-                <a:gd name="connsiteY6" fmla="*/ 1173901 h 1759688"/>
-                <a:gd name="connsiteX7" fmla="*/ 2991527 w 3243940"/>
-                <a:gd name="connsiteY7" fmla="*/ 1564426 h 1759688"/>
-                <a:gd name="connsiteX8" fmla="*/ 3243940 w 3243940"/>
-                <a:gd name="connsiteY8" fmla="*/ 1759688 h 1759688"/>
-                <a:gd name="connsiteX0" fmla="*/ 0 w 3243940"/>
-                <a:gd name="connsiteY0" fmla="*/ 0 h 1759688"/>
-                <a:gd name="connsiteX1" fmla="*/ 943172 w 3243940"/>
-                <a:gd name="connsiteY1" fmla="*/ 95369 h 1759688"/>
-                <a:gd name="connsiteX2" fmla="*/ 1381802 w 3243940"/>
-                <a:gd name="connsiteY2" fmla="*/ 69001 h 1759688"/>
-                <a:gd name="connsiteX3" fmla="*/ 1696127 w 3243940"/>
-                <a:gd name="connsiteY3" fmla="*/ 116626 h 1759688"/>
-                <a:gd name="connsiteX4" fmla="*/ 2019977 w 3243940"/>
-                <a:gd name="connsiteY4" fmla="*/ 326176 h 1759688"/>
-                <a:gd name="connsiteX5" fmla="*/ 2277152 w 3243940"/>
-                <a:gd name="connsiteY5" fmla="*/ 659551 h 1759688"/>
-                <a:gd name="connsiteX6" fmla="*/ 2601002 w 3243940"/>
-                <a:gd name="connsiteY6" fmla="*/ 1173901 h 1759688"/>
-                <a:gd name="connsiteX7" fmla="*/ 2991527 w 3243940"/>
-                <a:gd name="connsiteY7" fmla="*/ 1564426 h 1759688"/>
-                <a:gd name="connsiteX8" fmla="*/ 3243940 w 3243940"/>
-                <a:gd name="connsiteY8" fmla="*/ 1759688 h 1759688"/>
-                <a:gd name="connsiteX0" fmla="*/ 0 w 3243940"/>
-                <a:gd name="connsiteY0" fmla="*/ 0 h 1759688"/>
-                <a:gd name="connsiteX1" fmla="*/ 920257 w 3243940"/>
-                <a:gd name="connsiteY1" fmla="*/ 66726 h 1759688"/>
-                <a:gd name="connsiteX2" fmla="*/ 1381802 w 3243940"/>
-                <a:gd name="connsiteY2" fmla="*/ 69001 h 1759688"/>
-                <a:gd name="connsiteX3" fmla="*/ 1696127 w 3243940"/>
-                <a:gd name="connsiteY3" fmla="*/ 116626 h 1759688"/>
-                <a:gd name="connsiteX4" fmla="*/ 2019977 w 3243940"/>
-                <a:gd name="connsiteY4" fmla="*/ 326176 h 1759688"/>
-                <a:gd name="connsiteX5" fmla="*/ 2277152 w 3243940"/>
-                <a:gd name="connsiteY5" fmla="*/ 659551 h 1759688"/>
-                <a:gd name="connsiteX6" fmla="*/ 2601002 w 3243940"/>
-                <a:gd name="connsiteY6" fmla="*/ 1173901 h 1759688"/>
-                <a:gd name="connsiteX7" fmla="*/ 2991527 w 3243940"/>
-                <a:gd name="connsiteY7" fmla="*/ 1564426 h 1759688"/>
-                <a:gd name="connsiteX8" fmla="*/ 3243940 w 3243940"/>
-                <a:gd name="connsiteY8" fmla="*/ 1759688 h 1759688"/>
-                <a:gd name="connsiteX0" fmla="*/ 0 w 3243940"/>
-                <a:gd name="connsiteY0" fmla="*/ 0 h 1759688"/>
-                <a:gd name="connsiteX1" fmla="*/ 920257 w 3243940"/>
-                <a:gd name="connsiteY1" fmla="*/ 66726 h 1759688"/>
-                <a:gd name="connsiteX2" fmla="*/ 1381802 w 3243940"/>
-                <a:gd name="connsiteY2" fmla="*/ 69001 h 1759688"/>
-                <a:gd name="connsiteX3" fmla="*/ 1696127 w 3243940"/>
-                <a:gd name="connsiteY3" fmla="*/ 116626 h 1759688"/>
-                <a:gd name="connsiteX4" fmla="*/ 2019977 w 3243940"/>
-                <a:gd name="connsiteY4" fmla="*/ 326176 h 1759688"/>
-                <a:gd name="connsiteX5" fmla="*/ 2277152 w 3243940"/>
-                <a:gd name="connsiteY5" fmla="*/ 659551 h 1759688"/>
-                <a:gd name="connsiteX6" fmla="*/ 2601002 w 3243940"/>
-                <a:gd name="connsiteY6" fmla="*/ 1173901 h 1759688"/>
-                <a:gd name="connsiteX7" fmla="*/ 2991527 w 3243940"/>
-                <a:gd name="connsiteY7" fmla="*/ 1564426 h 1759688"/>
-                <a:gd name="connsiteX8" fmla="*/ 3243940 w 3243940"/>
-                <a:gd name="connsiteY8" fmla="*/ 1759688 h 1759688"/>
-                <a:gd name="connsiteX0" fmla="*/ 0 w 3243940"/>
-                <a:gd name="connsiteY0" fmla="*/ 0 h 1759688"/>
-                <a:gd name="connsiteX1" fmla="*/ 920257 w 3243940"/>
-                <a:gd name="connsiteY1" fmla="*/ 66726 h 1759688"/>
-                <a:gd name="connsiteX2" fmla="*/ 1381802 w 3243940"/>
-                <a:gd name="connsiteY2" fmla="*/ 69001 h 1759688"/>
-                <a:gd name="connsiteX3" fmla="*/ 1696127 w 3243940"/>
-                <a:gd name="connsiteY3" fmla="*/ 116626 h 1759688"/>
-                <a:gd name="connsiteX4" fmla="*/ 2019977 w 3243940"/>
-                <a:gd name="connsiteY4" fmla="*/ 326176 h 1759688"/>
-                <a:gd name="connsiteX5" fmla="*/ 2277152 w 3243940"/>
-                <a:gd name="connsiteY5" fmla="*/ 659551 h 1759688"/>
-                <a:gd name="connsiteX6" fmla="*/ 2601002 w 3243940"/>
-                <a:gd name="connsiteY6" fmla="*/ 1173901 h 1759688"/>
-                <a:gd name="connsiteX7" fmla="*/ 2991527 w 3243940"/>
-                <a:gd name="connsiteY7" fmla="*/ 1564426 h 1759688"/>
-                <a:gd name="connsiteX8" fmla="*/ 3243940 w 3243940"/>
-                <a:gd name="connsiteY8" fmla="*/ 1759688 h 1759688"/>
-                <a:gd name="connsiteX0" fmla="*/ 0 w 3243940"/>
-                <a:gd name="connsiteY0" fmla="*/ 0 h 1759688"/>
-                <a:gd name="connsiteX1" fmla="*/ 920257 w 3243940"/>
-                <a:gd name="connsiteY1" fmla="*/ 66726 h 1759688"/>
-                <a:gd name="connsiteX2" fmla="*/ 1381802 w 3243940"/>
-                <a:gd name="connsiteY2" fmla="*/ 69001 h 1759688"/>
-                <a:gd name="connsiteX3" fmla="*/ 1696127 w 3243940"/>
-                <a:gd name="connsiteY3" fmla="*/ 116626 h 1759688"/>
-                <a:gd name="connsiteX4" fmla="*/ 2019977 w 3243940"/>
-                <a:gd name="connsiteY4" fmla="*/ 326176 h 1759688"/>
-                <a:gd name="connsiteX5" fmla="*/ 2277152 w 3243940"/>
-                <a:gd name="connsiteY5" fmla="*/ 659551 h 1759688"/>
-                <a:gd name="connsiteX6" fmla="*/ 2601002 w 3243940"/>
-                <a:gd name="connsiteY6" fmla="*/ 1173901 h 1759688"/>
-                <a:gd name="connsiteX7" fmla="*/ 2991527 w 3243940"/>
-                <a:gd name="connsiteY7" fmla="*/ 1564426 h 1759688"/>
-                <a:gd name="connsiteX8" fmla="*/ 3243940 w 3243940"/>
-                <a:gd name="connsiteY8" fmla="*/ 1759688 h 1759688"/>
-                <a:gd name="connsiteX0" fmla="*/ 0 w 3226754"/>
-                <a:gd name="connsiteY0" fmla="*/ 2019 h 1692962"/>
-                <a:gd name="connsiteX1" fmla="*/ 903071 w 3226754"/>
-                <a:gd name="connsiteY1" fmla="*/ 0 h 1692962"/>
-                <a:gd name="connsiteX2" fmla="*/ 1364616 w 3226754"/>
-                <a:gd name="connsiteY2" fmla="*/ 2275 h 1692962"/>
-                <a:gd name="connsiteX3" fmla="*/ 1678941 w 3226754"/>
-                <a:gd name="connsiteY3" fmla="*/ 49900 h 1692962"/>
-                <a:gd name="connsiteX4" fmla="*/ 2002791 w 3226754"/>
-                <a:gd name="connsiteY4" fmla="*/ 259450 h 1692962"/>
-                <a:gd name="connsiteX5" fmla="*/ 2259966 w 3226754"/>
-                <a:gd name="connsiteY5" fmla="*/ 592825 h 1692962"/>
-                <a:gd name="connsiteX6" fmla="*/ 2583816 w 3226754"/>
-                <a:gd name="connsiteY6" fmla="*/ 1107175 h 1692962"/>
-                <a:gd name="connsiteX7" fmla="*/ 2974341 w 3226754"/>
-                <a:gd name="connsiteY7" fmla="*/ 1497700 h 1692962"/>
-                <a:gd name="connsiteX8" fmla="*/ 3226754 w 3226754"/>
-                <a:gd name="connsiteY8" fmla="*/ 1692962 h 1692962"/>
-                <a:gd name="connsiteX0" fmla="*/ 0 w 3226754"/>
-                <a:gd name="connsiteY0" fmla="*/ 2019 h 1692962"/>
-                <a:gd name="connsiteX1" fmla="*/ 903071 w 3226754"/>
-                <a:gd name="connsiteY1" fmla="*/ 0 h 1692962"/>
-                <a:gd name="connsiteX2" fmla="*/ 1364616 w 3226754"/>
-                <a:gd name="connsiteY2" fmla="*/ 2275 h 1692962"/>
-                <a:gd name="connsiteX3" fmla="*/ 1678941 w 3226754"/>
-                <a:gd name="connsiteY3" fmla="*/ 49900 h 1692962"/>
-                <a:gd name="connsiteX4" fmla="*/ 2002791 w 3226754"/>
-                <a:gd name="connsiteY4" fmla="*/ 259450 h 1692962"/>
-                <a:gd name="connsiteX5" fmla="*/ 2259966 w 3226754"/>
-                <a:gd name="connsiteY5" fmla="*/ 592825 h 1692962"/>
-                <a:gd name="connsiteX6" fmla="*/ 2583816 w 3226754"/>
-                <a:gd name="connsiteY6" fmla="*/ 1107175 h 1692962"/>
-                <a:gd name="connsiteX7" fmla="*/ 2951426 w 3226754"/>
-                <a:gd name="connsiteY7" fmla="*/ 1509158 h 1692962"/>
-                <a:gd name="connsiteX8" fmla="*/ 3226754 w 3226754"/>
-                <a:gd name="connsiteY8" fmla="*/ 1692962 h 1692962"/>
-                <a:gd name="connsiteX0" fmla="*/ 0 w 3221025"/>
-                <a:gd name="connsiteY0" fmla="*/ 2019 h 1750249"/>
-                <a:gd name="connsiteX1" fmla="*/ 903071 w 3221025"/>
-                <a:gd name="connsiteY1" fmla="*/ 0 h 1750249"/>
-                <a:gd name="connsiteX2" fmla="*/ 1364616 w 3221025"/>
-                <a:gd name="connsiteY2" fmla="*/ 2275 h 1750249"/>
-                <a:gd name="connsiteX3" fmla="*/ 1678941 w 3221025"/>
-                <a:gd name="connsiteY3" fmla="*/ 49900 h 1750249"/>
-                <a:gd name="connsiteX4" fmla="*/ 2002791 w 3221025"/>
-                <a:gd name="connsiteY4" fmla="*/ 259450 h 1750249"/>
-                <a:gd name="connsiteX5" fmla="*/ 2259966 w 3221025"/>
-                <a:gd name="connsiteY5" fmla="*/ 592825 h 1750249"/>
-                <a:gd name="connsiteX6" fmla="*/ 2583816 w 3221025"/>
-                <a:gd name="connsiteY6" fmla="*/ 1107175 h 1750249"/>
-                <a:gd name="connsiteX7" fmla="*/ 2951426 w 3221025"/>
-                <a:gd name="connsiteY7" fmla="*/ 1509158 h 1750249"/>
-                <a:gd name="connsiteX8" fmla="*/ 3221025 w 3221025"/>
-                <a:gd name="connsiteY8" fmla="*/ 1750249 h 1750249"/>
-                <a:gd name="connsiteX0" fmla="*/ 0 w 3255397"/>
-                <a:gd name="connsiteY0" fmla="*/ 2019 h 1750249"/>
-                <a:gd name="connsiteX1" fmla="*/ 903071 w 3255397"/>
-                <a:gd name="connsiteY1" fmla="*/ 0 h 1750249"/>
-                <a:gd name="connsiteX2" fmla="*/ 1364616 w 3255397"/>
-                <a:gd name="connsiteY2" fmla="*/ 2275 h 1750249"/>
-                <a:gd name="connsiteX3" fmla="*/ 1678941 w 3255397"/>
-                <a:gd name="connsiteY3" fmla="*/ 49900 h 1750249"/>
-                <a:gd name="connsiteX4" fmla="*/ 2002791 w 3255397"/>
-                <a:gd name="connsiteY4" fmla="*/ 259450 h 1750249"/>
-                <a:gd name="connsiteX5" fmla="*/ 2259966 w 3255397"/>
-                <a:gd name="connsiteY5" fmla="*/ 592825 h 1750249"/>
-                <a:gd name="connsiteX6" fmla="*/ 2583816 w 3255397"/>
-                <a:gd name="connsiteY6" fmla="*/ 1107175 h 1750249"/>
-                <a:gd name="connsiteX7" fmla="*/ 2951426 w 3255397"/>
-                <a:gd name="connsiteY7" fmla="*/ 1509158 h 1750249"/>
-                <a:gd name="connsiteX8" fmla="*/ 3255397 w 3255397"/>
-                <a:gd name="connsiteY8" fmla="*/ 1750249 h 1750249"/>
-                <a:gd name="connsiteX0" fmla="*/ 0 w 3225770"/>
-                <a:gd name="connsiteY0" fmla="*/ 2019 h 1731732"/>
-                <a:gd name="connsiteX1" fmla="*/ 903071 w 3225770"/>
-                <a:gd name="connsiteY1" fmla="*/ 0 h 1731732"/>
-                <a:gd name="connsiteX2" fmla="*/ 1364616 w 3225770"/>
-                <a:gd name="connsiteY2" fmla="*/ 2275 h 1731732"/>
-                <a:gd name="connsiteX3" fmla="*/ 1678941 w 3225770"/>
-                <a:gd name="connsiteY3" fmla="*/ 49900 h 1731732"/>
-                <a:gd name="connsiteX4" fmla="*/ 2002791 w 3225770"/>
-                <a:gd name="connsiteY4" fmla="*/ 259450 h 1731732"/>
-                <a:gd name="connsiteX5" fmla="*/ 2259966 w 3225770"/>
-                <a:gd name="connsiteY5" fmla="*/ 592825 h 1731732"/>
-                <a:gd name="connsiteX6" fmla="*/ 2583816 w 3225770"/>
-                <a:gd name="connsiteY6" fmla="*/ 1107175 h 1731732"/>
-                <a:gd name="connsiteX7" fmla="*/ 2951426 w 3225770"/>
-                <a:gd name="connsiteY7" fmla="*/ 1509158 h 1731732"/>
-                <a:gd name="connsiteX8" fmla="*/ 3225770 w 3225770"/>
-                <a:gd name="connsiteY8" fmla="*/ 1731732 h 1731732"/>
-                <a:gd name="connsiteX0" fmla="*/ 0 w 3225770"/>
-                <a:gd name="connsiteY0" fmla="*/ 2019 h 1731732"/>
-                <a:gd name="connsiteX1" fmla="*/ 903071 w 3225770"/>
-                <a:gd name="connsiteY1" fmla="*/ 0 h 1731732"/>
-                <a:gd name="connsiteX2" fmla="*/ 1364616 w 3225770"/>
-                <a:gd name="connsiteY2" fmla="*/ 2275 h 1731732"/>
-                <a:gd name="connsiteX3" fmla="*/ 1678941 w 3225770"/>
-                <a:gd name="connsiteY3" fmla="*/ 49900 h 1731732"/>
-                <a:gd name="connsiteX4" fmla="*/ 2002791 w 3225770"/>
-                <a:gd name="connsiteY4" fmla="*/ 259450 h 1731732"/>
-                <a:gd name="connsiteX5" fmla="*/ 2259966 w 3225770"/>
-                <a:gd name="connsiteY5" fmla="*/ 592825 h 1731732"/>
-                <a:gd name="connsiteX6" fmla="*/ 2583816 w 3225770"/>
-                <a:gd name="connsiteY6" fmla="*/ 1107175 h 1731732"/>
-                <a:gd name="connsiteX7" fmla="*/ 2951426 w 3225770"/>
-                <a:gd name="connsiteY7" fmla="*/ 1509158 h 1731732"/>
-                <a:gd name="connsiteX8" fmla="*/ 3225770 w 3225770"/>
-                <a:gd name="connsiteY8" fmla="*/ 1731732 h 1731732"/>
-                <a:gd name="connsiteX0" fmla="*/ 0 w 3193420"/>
-                <a:gd name="connsiteY0" fmla="*/ 2019 h 1717027"/>
-                <a:gd name="connsiteX1" fmla="*/ 903071 w 3193420"/>
-                <a:gd name="connsiteY1" fmla="*/ 0 h 1717027"/>
-                <a:gd name="connsiteX2" fmla="*/ 1364616 w 3193420"/>
-                <a:gd name="connsiteY2" fmla="*/ 2275 h 1717027"/>
-                <a:gd name="connsiteX3" fmla="*/ 1678941 w 3193420"/>
-                <a:gd name="connsiteY3" fmla="*/ 49900 h 1717027"/>
-                <a:gd name="connsiteX4" fmla="*/ 2002791 w 3193420"/>
-                <a:gd name="connsiteY4" fmla="*/ 259450 h 1717027"/>
-                <a:gd name="connsiteX5" fmla="*/ 2259966 w 3193420"/>
-                <a:gd name="connsiteY5" fmla="*/ 592825 h 1717027"/>
-                <a:gd name="connsiteX6" fmla="*/ 2583816 w 3193420"/>
-                <a:gd name="connsiteY6" fmla="*/ 1107175 h 1717027"/>
-                <a:gd name="connsiteX7" fmla="*/ 2951426 w 3193420"/>
-                <a:gd name="connsiteY7" fmla="*/ 1509158 h 1717027"/>
-                <a:gd name="connsiteX8" fmla="*/ 3193420 w 3193420"/>
-                <a:gd name="connsiteY8" fmla="*/ 1717027 h 1717027"/>
-                <a:gd name="connsiteX0" fmla="*/ 0 w 3228713"/>
-                <a:gd name="connsiteY0" fmla="*/ 2019 h 1740554"/>
-                <a:gd name="connsiteX1" fmla="*/ 903071 w 3228713"/>
-                <a:gd name="connsiteY1" fmla="*/ 0 h 1740554"/>
-                <a:gd name="connsiteX2" fmla="*/ 1364616 w 3228713"/>
-                <a:gd name="connsiteY2" fmla="*/ 2275 h 1740554"/>
-                <a:gd name="connsiteX3" fmla="*/ 1678941 w 3228713"/>
-                <a:gd name="connsiteY3" fmla="*/ 49900 h 1740554"/>
-                <a:gd name="connsiteX4" fmla="*/ 2002791 w 3228713"/>
-                <a:gd name="connsiteY4" fmla="*/ 259450 h 1740554"/>
-                <a:gd name="connsiteX5" fmla="*/ 2259966 w 3228713"/>
-                <a:gd name="connsiteY5" fmla="*/ 592825 h 1740554"/>
-                <a:gd name="connsiteX6" fmla="*/ 2583816 w 3228713"/>
-                <a:gd name="connsiteY6" fmla="*/ 1107175 h 1740554"/>
-                <a:gd name="connsiteX7" fmla="*/ 2951426 w 3228713"/>
-                <a:gd name="connsiteY7" fmla="*/ 1509158 h 1740554"/>
-                <a:gd name="connsiteX8" fmla="*/ 3228713 w 3228713"/>
-                <a:gd name="connsiteY8" fmla="*/ 1740554 h 1740554"/>
-                <a:gd name="connsiteX0" fmla="*/ 0 w 3228713"/>
-                <a:gd name="connsiteY0" fmla="*/ 2019 h 1740554"/>
-                <a:gd name="connsiteX1" fmla="*/ 903071 w 3228713"/>
-                <a:gd name="connsiteY1" fmla="*/ 0 h 1740554"/>
-                <a:gd name="connsiteX2" fmla="*/ 1364616 w 3228713"/>
-                <a:gd name="connsiteY2" fmla="*/ 2275 h 1740554"/>
-                <a:gd name="connsiteX3" fmla="*/ 1678941 w 3228713"/>
-                <a:gd name="connsiteY3" fmla="*/ 49900 h 1740554"/>
-                <a:gd name="connsiteX4" fmla="*/ 2002791 w 3228713"/>
-                <a:gd name="connsiteY4" fmla="*/ 259450 h 1740554"/>
-                <a:gd name="connsiteX5" fmla="*/ 2259966 w 3228713"/>
-                <a:gd name="connsiteY5" fmla="*/ 592825 h 1740554"/>
-                <a:gd name="connsiteX6" fmla="*/ 2583816 w 3228713"/>
-                <a:gd name="connsiteY6" fmla="*/ 1107175 h 1740554"/>
-                <a:gd name="connsiteX7" fmla="*/ 2951426 w 3228713"/>
-                <a:gd name="connsiteY7" fmla="*/ 1509158 h 1740554"/>
-                <a:gd name="connsiteX8" fmla="*/ 3228713 w 3228713"/>
-                <a:gd name="connsiteY8" fmla="*/ 1740554 h 1740554"/>
-                <a:gd name="connsiteX0" fmla="*/ 0 w 3228713"/>
-                <a:gd name="connsiteY0" fmla="*/ 2019 h 1740554"/>
-                <a:gd name="connsiteX1" fmla="*/ 903071 w 3228713"/>
-                <a:gd name="connsiteY1" fmla="*/ 0 h 1740554"/>
-                <a:gd name="connsiteX2" fmla="*/ 1364616 w 3228713"/>
-                <a:gd name="connsiteY2" fmla="*/ 2275 h 1740554"/>
-                <a:gd name="connsiteX3" fmla="*/ 1678941 w 3228713"/>
-                <a:gd name="connsiteY3" fmla="*/ 49900 h 1740554"/>
-                <a:gd name="connsiteX4" fmla="*/ 2002791 w 3228713"/>
-                <a:gd name="connsiteY4" fmla="*/ 259450 h 1740554"/>
-                <a:gd name="connsiteX5" fmla="*/ 2259966 w 3228713"/>
-                <a:gd name="connsiteY5" fmla="*/ 592825 h 1740554"/>
-                <a:gd name="connsiteX6" fmla="*/ 2583816 w 3228713"/>
-                <a:gd name="connsiteY6" fmla="*/ 1107175 h 1740554"/>
-                <a:gd name="connsiteX7" fmla="*/ 2951426 w 3228713"/>
-                <a:gd name="connsiteY7" fmla="*/ 1509158 h 1740554"/>
-                <a:gd name="connsiteX8" fmla="*/ 3228713 w 3228713"/>
-                <a:gd name="connsiteY8" fmla="*/ 1740554 h 1740554"/>
-                <a:gd name="connsiteX0" fmla="*/ 0 w 2968732"/>
-                <a:gd name="connsiteY0" fmla="*/ 2018 h 1740554"/>
-                <a:gd name="connsiteX1" fmla="*/ 643090 w 2968732"/>
-                <a:gd name="connsiteY1" fmla="*/ 0 h 1740554"/>
-                <a:gd name="connsiteX2" fmla="*/ 1104635 w 2968732"/>
-                <a:gd name="connsiteY2" fmla="*/ 2275 h 1740554"/>
-                <a:gd name="connsiteX3" fmla="*/ 1418960 w 2968732"/>
-                <a:gd name="connsiteY3" fmla="*/ 49900 h 1740554"/>
-                <a:gd name="connsiteX4" fmla="*/ 1742810 w 2968732"/>
-                <a:gd name="connsiteY4" fmla="*/ 259450 h 1740554"/>
-                <a:gd name="connsiteX5" fmla="*/ 1999985 w 2968732"/>
-                <a:gd name="connsiteY5" fmla="*/ 592825 h 1740554"/>
-                <a:gd name="connsiteX6" fmla="*/ 2323835 w 2968732"/>
-                <a:gd name="connsiteY6" fmla="*/ 1107175 h 1740554"/>
-                <a:gd name="connsiteX7" fmla="*/ 2691445 w 2968732"/>
-                <a:gd name="connsiteY7" fmla="*/ 1509158 h 1740554"/>
-                <a:gd name="connsiteX8" fmla="*/ 2968732 w 2968732"/>
-                <a:gd name="connsiteY8" fmla="*/ 1740554 h 1740554"/>
-              </a:gdLst>
-              <a:ahLst/>
-              <a:cxnLst>
-                <a:cxn ang="0">
-                  <a:pos x="connsiteX0" y="connsiteY0"/>
-                </a:cxn>
-                <a:cxn ang="0">
-                  <a:pos x="connsiteX1" y="connsiteY1"/>
-                </a:cxn>
-                <a:cxn ang="0">
-                  <a:pos x="connsiteX2" y="connsiteY2"/>
-                </a:cxn>
-                <a:cxn ang="0">
-                  <a:pos x="connsiteX3" y="connsiteY3"/>
-                </a:cxn>
-                <a:cxn ang="0">
-                  <a:pos x="connsiteX4" y="connsiteY4"/>
-                </a:cxn>
-                <a:cxn ang="0">
-                  <a:pos x="connsiteX5" y="connsiteY5"/>
-                </a:cxn>
-                <a:cxn ang="0">
-                  <a:pos x="connsiteX6" y="connsiteY6"/>
-                </a:cxn>
-                <a:cxn ang="0">
-                  <a:pos x="connsiteX7" y="connsiteY7"/>
-                </a:cxn>
-                <a:cxn ang="0">
-                  <a:pos x="connsiteX8" y="connsiteY8"/>
-                </a:cxn>
-              </a:cxnLst>
-              <a:rect l="l" t="t" r="r" b="b"/>
-              <a:pathLst>
-                <a:path w="2968732" h="1740554">
-                  <a:moveTo>
-                    <a:pt x="0" y="2018"/>
-                  </a:moveTo>
-                  <a:lnTo>
-                    <a:pt x="643090" y="0"/>
-                  </a:lnTo>
-                  <a:cubicBezTo>
-                    <a:pt x="995649" y="7385"/>
-                    <a:pt x="918035" y="-312"/>
-                    <a:pt x="1104635" y="2275"/>
-                  </a:cubicBezTo>
-                  <a:cubicBezTo>
-                    <a:pt x="1291235" y="4862"/>
-                    <a:pt x="1312598" y="7038"/>
-                    <a:pt x="1418960" y="49900"/>
-                  </a:cubicBezTo>
-                  <a:cubicBezTo>
-                    <a:pt x="1525322" y="92762"/>
-                    <a:pt x="1645973" y="168963"/>
-                    <a:pt x="1742810" y="259450"/>
-                  </a:cubicBezTo>
-                  <a:cubicBezTo>
-                    <a:pt x="1839648" y="349938"/>
-                    <a:pt x="1903148" y="451538"/>
-                    <a:pt x="1999985" y="592825"/>
-                  </a:cubicBezTo>
-                  <a:cubicBezTo>
-                    <a:pt x="2096822" y="734112"/>
-                    <a:pt x="2208592" y="954453"/>
-                    <a:pt x="2323835" y="1107175"/>
-                  </a:cubicBezTo>
-                  <a:cubicBezTo>
-                    <a:pt x="2439078" y="1259897"/>
-                    <a:pt x="2583495" y="1417083"/>
-                    <a:pt x="2691445" y="1509158"/>
-                  </a:cubicBezTo>
-                  <a:cubicBezTo>
-                    <a:pt x="2799395" y="1601233"/>
-                    <a:pt x="2861769" y="1661514"/>
-                    <a:pt x="2968732" y="1740554"/>
-                  </a:cubicBezTo>
-                </a:path>
-              </a:pathLst>
-            </a:custGeom>
-            <a:noFill/>
-            <a:ln>
-              <a:solidFill>
-                <a:schemeClr val="tx2">
-                  <a:lumMod val="85000"/>
-                  <a:lumOff val="15000"/>
-                </a:schemeClr>
-              </a:solidFill>
-            </a:ln>
-          </p:spPr>
-          <p:style>
-            <a:lnRef idx="2">
-              <a:schemeClr val="accent1">
-                <a:shade val="50000"/>
-              </a:schemeClr>
-            </a:lnRef>
-            <a:fillRef idx="1">
-              <a:schemeClr val="accent1"/>
-            </a:fillRef>
-            <a:effectRef idx="0">
-              <a:schemeClr val="accent1"/>
-            </a:effectRef>
-            <a:fontRef idx="minor">
-              <a:schemeClr val="lt1"/>
-            </a:fontRef>
-          </p:style>
-          <p:txBody>
-            <a:bodyPr rtlCol="0" anchor="ctr"/>
-            <a:lstStyle/>
-            <a:p>
-              <a:pPr algn="ctr"/>
-              <a:endParaRPr lang="en-US"/>
-            </a:p>
-          </p:txBody>
-        </p:sp>
-        <p:sp>
-          <p:nvSpPr>
-            <p:cNvPr id="13" name="Forma libre: forma 12">
-              <a:extLst>
-                <a:ext uri="{FF2B5EF4-FFF2-40B4-BE49-F238E27FC236}">
-                  <a16:creationId xmlns:a16="http://schemas.microsoft.com/office/drawing/2014/main" id="{9FBE4260-0D1B-398A-5472-C39F66B53E28}"/>
-                </a:ext>
-              </a:extLst>
-            </p:cNvPr>
-            <p:cNvSpPr/>
-            <p:nvPr/>
-          </p:nvSpPr>
-          <p:spPr>
-            <a:xfrm>
-              <a:off x="3396343" y="5314906"/>
-              <a:ext cx="1911478" cy="932121"/>
-            </a:xfrm>
-            <a:custGeom>
-              <a:avLst/>
-              <a:gdLst>
-                <a:gd name="connsiteX0" fmla="*/ 0 w 1878227"/>
-                <a:gd name="connsiteY0" fmla="*/ 869645 h 931233"/>
-                <a:gd name="connsiteX1" fmla="*/ 63549 w 1878227"/>
-                <a:gd name="connsiteY1" fmla="*/ 897889 h 931233"/>
-                <a:gd name="connsiteX2" fmla="*/ 222421 w 1878227"/>
-                <a:gd name="connsiteY2" fmla="*/ 922603 h 931233"/>
-                <a:gd name="connsiteX3" fmla="*/ 427191 w 1878227"/>
-                <a:gd name="connsiteY3" fmla="*/ 922603 h 931233"/>
-                <a:gd name="connsiteX4" fmla="*/ 579002 w 1878227"/>
-                <a:gd name="connsiteY4" fmla="*/ 922603 h 931233"/>
-                <a:gd name="connsiteX5" fmla="*/ 759058 w 1878227"/>
-                <a:gd name="connsiteY5" fmla="*/ 806096 h 931233"/>
-                <a:gd name="connsiteX6" fmla="*/ 769649 w 1878227"/>
-                <a:gd name="connsiteY6" fmla="*/ 703712 h 931233"/>
-                <a:gd name="connsiteX7" fmla="*/ 924991 w 1878227"/>
-                <a:gd name="connsiteY7" fmla="*/ 629571 h 931233"/>
-                <a:gd name="connsiteX8" fmla="*/ 956766 w 1878227"/>
-                <a:gd name="connsiteY8" fmla="*/ 534248 h 931233"/>
-                <a:gd name="connsiteX9" fmla="*/ 1080333 w 1878227"/>
-                <a:gd name="connsiteY9" fmla="*/ 438924 h 931233"/>
-                <a:gd name="connsiteX10" fmla="*/ 1228615 w 1878227"/>
-                <a:gd name="connsiteY10" fmla="*/ 308296 h 931233"/>
-                <a:gd name="connsiteX11" fmla="*/ 1221554 w 1878227"/>
-                <a:gd name="connsiteY11" fmla="*/ 160014 h 931233"/>
-                <a:gd name="connsiteX12" fmla="*/ 1292164 w 1878227"/>
-                <a:gd name="connsiteY12" fmla="*/ 78813 h 931233"/>
-                <a:gd name="connsiteX13" fmla="*/ 1330999 w 1878227"/>
-                <a:gd name="connsiteY13" fmla="*/ 29386 h 931233"/>
-                <a:gd name="connsiteX14" fmla="*/ 1465158 w 1878227"/>
-                <a:gd name="connsiteY14" fmla="*/ 1142 h 931233"/>
-                <a:gd name="connsiteX15" fmla="*/ 1878227 w 1878227"/>
-                <a:gd name="connsiteY15" fmla="*/ 8203 h 931233"/>
-                <a:gd name="connsiteX0" fmla="*/ 0 w 1911478"/>
-                <a:gd name="connsiteY0" fmla="*/ 870533 h 932121"/>
-                <a:gd name="connsiteX1" fmla="*/ 63549 w 1911478"/>
-                <a:gd name="connsiteY1" fmla="*/ 898777 h 932121"/>
-                <a:gd name="connsiteX2" fmla="*/ 222421 w 1911478"/>
-                <a:gd name="connsiteY2" fmla="*/ 923491 h 932121"/>
-                <a:gd name="connsiteX3" fmla="*/ 427191 w 1911478"/>
-                <a:gd name="connsiteY3" fmla="*/ 923491 h 932121"/>
-                <a:gd name="connsiteX4" fmla="*/ 579002 w 1911478"/>
-                <a:gd name="connsiteY4" fmla="*/ 923491 h 932121"/>
-                <a:gd name="connsiteX5" fmla="*/ 759058 w 1911478"/>
-                <a:gd name="connsiteY5" fmla="*/ 806984 h 932121"/>
-                <a:gd name="connsiteX6" fmla="*/ 769649 w 1911478"/>
-                <a:gd name="connsiteY6" fmla="*/ 704600 h 932121"/>
-                <a:gd name="connsiteX7" fmla="*/ 924991 w 1911478"/>
-                <a:gd name="connsiteY7" fmla="*/ 630459 h 932121"/>
-                <a:gd name="connsiteX8" fmla="*/ 956766 w 1911478"/>
-                <a:gd name="connsiteY8" fmla="*/ 535136 h 932121"/>
-                <a:gd name="connsiteX9" fmla="*/ 1080333 w 1911478"/>
-                <a:gd name="connsiteY9" fmla="*/ 439812 h 932121"/>
-                <a:gd name="connsiteX10" fmla="*/ 1228615 w 1911478"/>
-                <a:gd name="connsiteY10" fmla="*/ 309184 h 932121"/>
-                <a:gd name="connsiteX11" fmla="*/ 1221554 w 1911478"/>
-                <a:gd name="connsiteY11" fmla="*/ 160902 h 932121"/>
-                <a:gd name="connsiteX12" fmla="*/ 1292164 w 1911478"/>
-                <a:gd name="connsiteY12" fmla="*/ 79701 h 932121"/>
-                <a:gd name="connsiteX13" fmla="*/ 1330999 w 1911478"/>
-                <a:gd name="connsiteY13" fmla="*/ 30274 h 932121"/>
-                <a:gd name="connsiteX14" fmla="*/ 1465158 w 1911478"/>
-                <a:gd name="connsiteY14" fmla="*/ 2030 h 932121"/>
-                <a:gd name="connsiteX15" fmla="*/ 1911478 w 1911478"/>
-                <a:gd name="connsiteY15" fmla="*/ 4934 h 932121"/>
-                <a:gd name="connsiteX0" fmla="*/ 0 w 1911478"/>
-                <a:gd name="connsiteY0" fmla="*/ 870533 h 932121"/>
-                <a:gd name="connsiteX1" fmla="*/ 63549 w 1911478"/>
-                <a:gd name="connsiteY1" fmla="*/ 898777 h 932121"/>
-                <a:gd name="connsiteX2" fmla="*/ 222421 w 1911478"/>
-                <a:gd name="connsiteY2" fmla="*/ 923491 h 932121"/>
-                <a:gd name="connsiteX3" fmla="*/ 427191 w 1911478"/>
-                <a:gd name="connsiteY3" fmla="*/ 923491 h 932121"/>
-                <a:gd name="connsiteX4" fmla="*/ 579002 w 1911478"/>
-                <a:gd name="connsiteY4" fmla="*/ 923491 h 932121"/>
-                <a:gd name="connsiteX5" fmla="*/ 759058 w 1911478"/>
-                <a:gd name="connsiteY5" fmla="*/ 806984 h 932121"/>
-                <a:gd name="connsiteX6" fmla="*/ 769649 w 1911478"/>
-                <a:gd name="connsiteY6" fmla="*/ 704600 h 932121"/>
-                <a:gd name="connsiteX7" fmla="*/ 924991 w 1911478"/>
-                <a:gd name="connsiteY7" fmla="*/ 630459 h 932121"/>
-                <a:gd name="connsiteX8" fmla="*/ 956766 w 1911478"/>
-                <a:gd name="connsiteY8" fmla="*/ 535136 h 932121"/>
-                <a:gd name="connsiteX9" fmla="*/ 1080333 w 1911478"/>
-                <a:gd name="connsiteY9" fmla="*/ 439812 h 932121"/>
-                <a:gd name="connsiteX10" fmla="*/ 1228615 w 1911478"/>
-                <a:gd name="connsiteY10" fmla="*/ 309184 h 932121"/>
-                <a:gd name="connsiteX11" fmla="*/ 1221554 w 1911478"/>
-                <a:gd name="connsiteY11" fmla="*/ 160902 h 932121"/>
-                <a:gd name="connsiteX12" fmla="*/ 1292164 w 1911478"/>
-                <a:gd name="connsiteY12" fmla="*/ 79701 h 932121"/>
-                <a:gd name="connsiteX13" fmla="*/ 1330999 w 1911478"/>
-                <a:gd name="connsiteY13" fmla="*/ 30274 h 932121"/>
-                <a:gd name="connsiteX14" fmla="*/ 1465158 w 1911478"/>
-                <a:gd name="connsiteY14" fmla="*/ 2030 h 932121"/>
-                <a:gd name="connsiteX15" fmla="*/ 1911478 w 1911478"/>
-                <a:gd name="connsiteY15" fmla="*/ 4934 h 932121"/>
-              </a:gdLst>
-              <a:ahLst/>
-              <a:cxnLst>
-                <a:cxn ang="0">
-                  <a:pos x="connsiteX0" y="connsiteY0"/>
-                </a:cxn>
-                <a:cxn ang="0">
-                  <a:pos x="connsiteX1" y="connsiteY1"/>
-                </a:cxn>
-                <a:cxn ang="0">
-                  <a:pos x="connsiteX2" y="connsiteY2"/>
-                </a:cxn>
-                <a:cxn ang="0">
-                  <a:pos x="connsiteX3" y="connsiteY3"/>
-                </a:cxn>
-                <a:cxn ang="0">
-                  <a:pos x="connsiteX4" y="connsiteY4"/>
-                </a:cxn>
-                <a:cxn ang="0">
-                  <a:pos x="connsiteX5" y="connsiteY5"/>
-                </a:cxn>
-                <a:cxn ang="0">
-                  <a:pos x="connsiteX6" y="connsiteY6"/>
-                </a:cxn>
-                <a:cxn ang="0">
-                  <a:pos x="connsiteX7" y="connsiteY7"/>
-                </a:cxn>
-                <a:cxn ang="0">
-                  <a:pos x="connsiteX8" y="connsiteY8"/>
-                </a:cxn>
-                <a:cxn ang="0">
-                  <a:pos x="connsiteX9" y="connsiteY9"/>
-                </a:cxn>
-                <a:cxn ang="0">
-                  <a:pos x="connsiteX10" y="connsiteY10"/>
-                </a:cxn>
-                <a:cxn ang="0">
-                  <a:pos x="connsiteX11" y="connsiteY11"/>
-                </a:cxn>
-                <a:cxn ang="0">
-                  <a:pos x="connsiteX12" y="connsiteY12"/>
-                </a:cxn>
-                <a:cxn ang="0">
-                  <a:pos x="connsiteX13" y="connsiteY13"/>
-                </a:cxn>
-                <a:cxn ang="0">
-                  <a:pos x="connsiteX14" y="connsiteY14"/>
-                </a:cxn>
-                <a:cxn ang="0">
-                  <a:pos x="connsiteX15" y="connsiteY15"/>
-                </a:cxn>
-              </a:cxnLst>
-              <a:rect l="l" t="t" r="r" b="b"/>
-              <a:pathLst>
-                <a:path w="1911478" h="932121">
-                  <a:moveTo>
-                    <a:pt x="0" y="870533"/>
-                  </a:moveTo>
-                  <a:cubicBezTo>
-                    <a:pt x="13239" y="880242"/>
-                    <a:pt x="26479" y="889951"/>
-                    <a:pt x="63549" y="898777"/>
-                  </a:cubicBezTo>
-                  <a:cubicBezTo>
-                    <a:pt x="100619" y="907603"/>
-                    <a:pt x="161814" y="919372"/>
-                    <a:pt x="222421" y="923491"/>
-                  </a:cubicBezTo>
-                  <a:cubicBezTo>
-                    <a:pt x="283028" y="927610"/>
-                    <a:pt x="427191" y="923491"/>
-                    <a:pt x="427191" y="923491"/>
-                  </a:cubicBezTo>
-                  <a:cubicBezTo>
-                    <a:pt x="486621" y="923491"/>
-                    <a:pt x="523691" y="942909"/>
-                    <a:pt x="579002" y="923491"/>
-                  </a:cubicBezTo>
-                  <a:cubicBezTo>
-                    <a:pt x="634313" y="904073"/>
-                    <a:pt x="727284" y="843466"/>
-                    <a:pt x="759058" y="806984"/>
-                  </a:cubicBezTo>
-                  <a:cubicBezTo>
-                    <a:pt x="790832" y="770502"/>
-                    <a:pt x="741994" y="734021"/>
-                    <a:pt x="769649" y="704600"/>
-                  </a:cubicBezTo>
-                  <a:cubicBezTo>
-                    <a:pt x="797304" y="675179"/>
-                    <a:pt x="893805" y="658703"/>
-                    <a:pt x="924991" y="630459"/>
-                  </a:cubicBezTo>
-                  <a:cubicBezTo>
-                    <a:pt x="956177" y="602215"/>
-                    <a:pt x="930876" y="566910"/>
-                    <a:pt x="956766" y="535136"/>
-                  </a:cubicBezTo>
-                  <a:cubicBezTo>
-                    <a:pt x="982656" y="503362"/>
-                    <a:pt x="1080333" y="439812"/>
-                    <a:pt x="1080333" y="439812"/>
-                  </a:cubicBezTo>
-                  <a:cubicBezTo>
-                    <a:pt x="1125641" y="402153"/>
-                    <a:pt x="1205078" y="355669"/>
-                    <a:pt x="1228615" y="309184"/>
-                  </a:cubicBezTo>
-                  <a:cubicBezTo>
-                    <a:pt x="1252152" y="262699"/>
-                    <a:pt x="1210963" y="199149"/>
-                    <a:pt x="1221554" y="160902"/>
-                  </a:cubicBezTo>
-                  <a:cubicBezTo>
-                    <a:pt x="1232145" y="122655"/>
-                    <a:pt x="1273923" y="101472"/>
-                    <a:pt x="1292164" y="79701"/>
-                  </a:cubicBezTo>
-                  <a:cubicBezTo>
-                    <a:pt x="1310405" y="57930"/>
-                    <a:pt x="1302167" y="43219"/>
-                    <a:pt x="1330999" y="30274"/>
-                  </a:cubicBezTo>
-                  <a:cubicBezTo>
-                    <a:pt x="1359831" y="17329"/>
-                    <a:pt x="1373953" y="5560"/>
-                    <a:pt x="1465158" y="2030"/>
-                  </a:cubicBezTo>
-                  <a:cubicBezTo>
-                    <a:pt x="1556363" y="-1500"/>
-                    <a:pt x="1750546" y="-362"/>
-                    <a:pt x="1911478" y="4934"/>
-                  </a:cubicBezTo>
-                </a:path>
-              </a:pathLst>
-            </a:custGeom>
-            <a:noFill/>
-            <a:ln>
-              <a:solidFill>
-                <a:schemeClr val="tx2">
-                  <a:lumMod val="85000"/>
-                  <a:lumOff val="15000"/>
-                </a:schemeClr>
-              </a:solidFill>
-            </a:ln>
-          </p:spPr>
-          <p:style>
-            <a:lnRef idx="2">
-              <a:schemeClr val="accent1">
-                <a:shade val="50000"/>
-              </a:schemeClr>
-            </a:lnRef>
-            <a:fillRef idx="1">
-              <a:schemeClr val="accent1"/>
-            </a:fillRef>
-            <a:effectRef idx="0">
-              <a:schemeClr val="accent1"/>
-            </a:effectRef>
-            <a:fontRef idx="minor">
-              <a:schemeClr val="lt1"/>
-            </a:fontRef>
-          </p:style>
-          <p:txBody>
-            <a:bodyPr rtlCol="0" anchor="ctr"/>
-            <a:lstStyle/>
-            <a:p>
-              <a:pPr algn="ctr"/>
-              <a:endParaRPr lang="en-US"/>
-            </a:p>
-          </p:txBody>
-        </p:sp>
-        <p:sp>
-          <p:nvSpPr>
-            <p:cNvPr id="15" name="Forma libre: forma 14">
-              <a:extLst>
-                <a:ext uri="{FF2B5EF4-FFF2-40B4-BE49-F238E27FC236}">
-                  <a16:creationId xmlns:a16="http://schemas.microsoft.com/office/drawing/2014/main" id="{3DD89C17-9E69-A05A-E324-FB98B6C768D6}"/>
-                </a:ext>
-              </a:extLst>
-            </p:cNvPr>
-            <p:cNvSpPr/>
-            <p:nvPr/>
-          </p:nvSpPr>
-          <p:spPr>
-            <a:xfrm>
-              <a:off x="4355869" y="5892646"/>
-              <a:ext cx="274635" cy="183958"/>
-            </a:xfrm>
-            <a:custGeom>
-              <a:avLst/>
-              <a:gdLst>
-                <a:gd name="connsiteX0" fmla="*/ 0 w 274635"/>
-                <a:gd name="connsiteY0" fmla="*/ 183958 h 183958"/>
-                <a:gd name="connsiteX1" fmla="*/ 195349 w 274635"/>
-                <a:gd name="connsiteY1" fmla="*/ 142394 h 183958"/>
-                <a:gd name="connsiteX2" fmla="*/ 274320 w 274635"/>
-                <a:gd name="connsiteY2" fmla="*/ 9390 h 183958"/>
-                <a:gd name="connsiteX3" fmla="*/ 170411 w 274635"/>
-                <a:gd name="connsiteY3" fmla="*/ 21859 h 183958"/>
-                <a:gd name="connsiteX4" fmla="*/ 16626 w 274635"/>
-                <a:gd name="connsiteY4" fmla="*/ 109143 h 183958"/>
-                <a:gd name="connsiteX5" fmla="*/ 149629 w 274635"/>
-                <a:gd name="connsiteY5" fmla="*/ 121612 h 183958"/>
-                <a:gd name="connsiteX6" fmla="*/ 187036 w 274635"/>
-                <a:gd name="connsiteY6" fmla="*/ 92518 h 183958"/>
-              </a:gdLst>
-              <a:ahLst/>
-              <a:cxnLst>
-                <a:cxn ang="0">
-                  <a:pos x="connsiteX0" y="connsiteY0"/>
-                </a:cxn>
-                <a:cxn ang="0">
-                  <a:pos x="connsiteX1" y="connsiteY1"/>
-                </a:cxn>
-                <a:cxn ang="0">
-                  <a:pos x="connsiteX2" y="connsiteY2"/>
-                </a:cxn>
-                <a:cxn ang="0">
-                  <a:pos x="connsiteX3" y="connsiteY3"/>
-                </a:cxn>
-                <a:cxn ang="0">
-                  <a:pos x="connsiteX4" y="connsiteY4"/>
-                </a:cxn>
-                <a:cxn ang="0">
-                  <a:pos x="connsiteX5" y="connsiteY5"/>
-                </a:cxn>
-                <a:cxn ang="0">
-                  <a:pos x="connsiteX6" y="connsiteY6"/>
-                </a:cxn>
-              </a:cxnLst>
-              <a:rect l="l" t="t" r="r" b="b"/>
-              <a:pathLst>
-                <a:path w="274635" h="183958">
-                  <a:moveTo>
-                    <a:pt x="0" y="183958"/>
-                  </a:moveTo>
-                  <a:cubicBezTo>
-                    <a:pt x="74814" y="177723"/>
-                    <a:pt x="149629" y="171489"/>
-                    <a:pt x="195349" y="142394"/>
-                  </a:cubicBezTo>
-                  <a:cubicBezTo>
-                    <a:pt x="241069" y="113299"/>
-                    <a:pt x="278476" y="29479"/>
-                    <a:pt x="274320" y="9390"/>
-                  </a:cubicBezTo>
-                  <a:cubicBezTo>
-                    <a:pt x="270164" y="-10699"/>
-                    <a:pt x="213360" y="5234"/>
-                    <a:pt x="170411" y="21859"/>
-                  </a:cubicBezTo>
-                  <a:cubicBezTo>
-                    <a:pt x="127462" y="38484"/>
-                    <a:pt x="20090" y="92517"/>
-                    <a:pt x="16626" y="109143"/>
-                  </a:cubicBezTo>
-                  <a:cubicBezTo>
-                    <a:pt x="13162" y="125768"/>
-                    <a:pt x="121227" y="124383"/>
-                    <a:pt x="149629" y="121612"/>
-                  </a:cubicBezTo>
-                  <a:cubicBezTo>
-                    <a:pt x="178031" y="118841"/>
-                    <a:pt x="182533" y="105679"/>
-                    <a:pt x="187036" y="92518"/>
-                  </a:cubicBezTo>
-                </a:path>
-              </a:pathLst>
-            </a:custGeom>
-            <a:noFill/>
-            <a:ln>
-              <a:solidFill>
-                <a:schemeClr val="tx2">
-                  <a:lumMod val="85000"/>
-                  <a:lumOff val="15000"/>
-                </a:schemeClr>
-              </a:solidFill>
-            </a:ln>
-          </p:spPr>
-          <p:style>
-            <a:lnRef idx="2">
-              <a:schemeClr val="accent1">
-                <a:shade val="50000"/>
-              </a:schemeClr>
-            </a:lnRef>
-            <a:fillRef idx="1">
-              <a:schemeClr val="accent1"/>
-            </a:fillRef>
-            <a:effectRef idx="0">
-              <a:schemeClr val="accent1"/>
-            </a:effectRef>
-            <a:fontRef idx="minor">
-              <a:schemeClr val="lt1"/>
-            </a:fontRef>
-          </p:style>
-          <p:txBody>
-            <a:bodyPr rtlCol="0" anchor="ctr"/>
-            <a:lstStyle/>
-            <a:p>
-              <a:pPr algn="ctr"/>
-              <a:endParaRPr lang="en-US"/>
-            </a:p>
-          </p:txBody>
-        </p:sp>
-        <p:sp>
-          <p:nvSpPr>
-            <p:cNvPr id="16" name="Forma libre: forma 15">
-              <a:extLst>
-                <a:ext uri="{FF2B5EF4-FFF2-40B4-BE49-F238E27FC236}">
-                  <a16:creationId xmlns:a16="http://schemas.microsoft.com/office/drawing/2014/main" id="{FFC2D6C6-8716-12F2-3A6B-4F5CD9012EF3}"/>
-                </a:ext>
-              </a:extLst>
-            </p:cNvPr>
-            <p:cNvSpPr/>
-            <p:nvPr/>
-          </p:nvSpPr>
-          <p:spPr>
-            <a:xfrm rot="20373695">
-              <a:off x="4653979" y="5555291"/>
-              <a:ext cx="274635" cy="183958"/>
-            </a:xfrm>
-            <a:custGeom>
-              <a:avLst/>
-              <a:gdLst>
-                <a:gd name="connsiteX0" fmla="*/ 0 w 274635"/>
-                <a:gd name="connsiteY0" fmla="*/ 183958 h 183958"/>
-                <a:gd name="connsiteX1" fmla="*/ 195349 w 274635"/>
-                <a:gd name="connsiteY1" fmla="*/ 142394 h 183958"/>
-                <a:gd name="connsiteX2" fmla="*/ 274320 w 274635"/>
-                <a:gd name="connsiteY2" fmla="*/ 9390 h 183958"/>
-                <a:gd name="connsiteX3" fmla="*/ 170411 w 274635"/>
-                <a:gd name="connsiteY3" fmla="*/ 21859 h 183958"/>
-                <a:gd name="connsiteX4" fmla="*/ 16626 w 274635"/>
-                <a:gd name="connsiteY4" fmla="*/ 109143 h 183958"/>
-                <a:gd name="connsiteX5" fmla="*/ 149629 w 274635"/>
-                <a:gd name="connsiteY5" fmla="*/ 121612 h 183958"/>
-                <a:gd name="connsiteX6" fmla="*/ 187036 w 274635"/>
-                <a:gd name="connsiteY6" fmla="*/ 92518 h 183958"/>
-              </a:gdLst>
-              <a:ahLst/>
-              <a:cxnLst>
-                <a:cxn ang="0">
-                  <a:pos x="connsiteX0" y="connsiteY0"/>
-                </a:cxn>
-                <a:cxn ang="0">
-                  <a:pos x="connsiteX1" y="connsiteY1"/>
-                </a:cxn>
-                <a:cxn ang="0">
-                  <a:pos x="connsiteX2" y="connsiteY2"/>
-                </a:cxn>
-                <a:cxn ang="0">
-                  <a:pos x="connsiteX3" y="connsiteY3"/>
-                </a:cxn>
-                <a:cxn ang="0">
-                  <a:pos x="connsiteX4" y="connsiteY4"/>
-                </a:cxn>
-                <a:cxn ang="0">
-                  <a:pos x="connsiteX5" y="connsiteY5"/>
-                </a:cxn>
-                <a:cxn ang="0">
-                  <a:pos x="connsiteX6" y="connsiteY6"/>
-                </a:cxn>
-              </a:cxnLst>
-              <a:rect l="l" t="t" r="r" b="b"/>
-              <a:pathLst>
-                <a:path w="274635" h="183958">
-                  <a:moveTo>
-                    <a:pt x="0" y="183958"/>
-                  </a:moveTo>
-                  <a:cubicBezTo>
-                    <a:pt x="74814" y="177723"/>
-                    <a:pt x="149629" y="171489"/>
-                    <a:pt x="195349" y="142394"/>
-                  </a:cubicBezTo>
-                  <a:cubicBezTo>
-                    <a:pt x="241069" y="113299"/>
-                    <a:pt x="278476" y="29479"/>
-                    <a:pt x="274320" y="9390"/>
-                  </a:cubicBezTo>
-                  <a:cubicBezTo>
-                    <a:pt x="270164" y="-10699"/>
-                    <a:pt x="213360" y="5234"/>
-                    <a:pt x="170411" y="21859"/>
-                  </a:cubicBezTo>
-                  <a:cubicBezTo>
-                    <a:pt x="127462" y="38484"/>
-                    <a:pt x="20090" y="92517"/>
-                    <a:pt x="16626" y="109143"/>
-                  </a:cubicBezTo>
-                  <a:cubicBezTo>
-                    <a:pt x="13162" y="125768"/>
-                    <a:pt x="121227" y="124383"/>
-                    <a:pt x="149629" y="121612"/>
-                  </a:cubicBezTo>
-                  <a:cubicBezTo>
-                    <a:pt x="178031" y="118841"/>
-                    <a:pt x="182533" y="105679"/>
-                    <a:pt x="187036" y="92518"/>
-                  </a:cubicBezTo>
-                </a:path>
-              </a:pathLst>
-            </a:custGeom>
-            <a:noFill/>
-            <a:ln>
-              <a:solidFill>
-                <a:schemeClr val="tx2">
-                  <a:lumMod val="85000"/>
-                  <a:lumOff val="15000"/>
-                </a:schemeClr>
-              </a:solidFill>
-            </a:ln>
-          </p:spPr>
-          <p:style>
-            <a:lnRef idx="2">
-              <a:schemeClr val="accent1">
-                <a:shade val="50000"/>
-              </a:schemeClr>
-            </a:lnRef>
-            <a:fillRef idx="1">
-              <a:schemeClr val="accent1"/>
-            </a:fillRef>
-            <a:effectRef idx="0">
-              <a:schemeClr val="accent1"/>
-            </a:effectRef>
-            <a:fontRef idx="minor">
-              <a:schemeClr val="lt1"/>
-            </a:fontRef>
-          </p:style>
-          <p:txBody>
-            <a:bodyPr rtlCol="0" anchor="ctr"/>
-            <a:lstStyle/>
-            <a:p>
-              <a:pPr algn="ctr"/>
-              <a:endParaRPr lang="en-US"/>
-            </a:p>
-          </p:txBody>
-        </p:sp>
-        <p:cxnSp>
-          <p:nvCxnSpPr>
-            <p:cNvPr id="18" name="Conector recto 17">
-              <a:extLst>
-                <a:ext uri="{FF2B5EF4-FFF2-40B4-BE49-F238E27FC236}">
-                  <a16:creationId xmlns:a16="http://schemas.microsoft.com/office/drawing/2014/main" id="{0AF0083F-FC30-E8CE-147B-D1B4FA22B574}"/>
-                </a:ext>
-              </a:extLst>
-            </p:cNvPr>
-            <p:cNvCxnSpPr>
-              <a:cxnSpLocks/>
-            </p:cNvCxnSpPr>
-            <p:nvPr/>
-          </p:nvCxnSpPr>
-          <p:spPr>
-            <a:xfrm>
-              <a:off x="1071905" y="4789846"/>
-              <a:ext cx="274320" cy="796"/>
-            </a:xfrm>
-            <a:prstGeom prst="line">
-              <a:avLst/>
-            </a:prstGeom>
-            <a:ln w="12700">
-              <a:solidFill>
-                <a:schemeClr val="tx2">
-                  <a:lumMod val="85000"/>
-                  <a:lumOff val="15000"/>
-                </a:schemeClr>
-              </a:solidFill>
-            </a:ln>
-          </p:spPr>
-          <p:style>
-            <a:lnRef idx="1">
-              <a:schemeClr val="accent1"/>
-            </a:lnRef>
-            <a:fillRef idx="0">
-              <a:schemeClr val="accent1"/>
-            </a:fillRef>
-            <a:effectRef idx="0">
-              <a:schemeClr val="accent1"/>
-            </a:effectRef>
-            <a:fontRef idx="minor">
-              <a:schemeClr val="tx1"/>
-            </a:fontRef>
-          </p:style>
-        </p:cxnSp>
-        <p:cxnSp>
-          <p:nvCxnSpPr>
-            <p:cNvPr id="19" name="Conector recto 18">
-              <a:extLst>
-                <a:ext uri="{FF2B5EF4-FFF2-40B4-BE49-F238E27FC236}">
-                  <a16:creationId xmlns:a16="http://schemas.microsoft.com/office/drawing/2014/main" id="{C4CD2C36-488C-1D6C-7BE5-819FA8C986F5}"/>
-                </a:ext>
-              </a:extLst>
-            </p:cNvPr>
-            <p:cNvCxnSpPr>
-              <a:cxnSpLocks/>
-            </p:cNvCxnSpPr>
-            <p:nvPr/>
-          </p:nvCxnSpPr>
-          <p:spPr>
-            <a:xfrm>
-              <a:off x="1154595" y="4818583"/>
-              <a:ext cx="91440" cy="796"/>
-            </a:xfrm>
-            <a:prstGeom prst="line">
-              <a:avLst/>
-            </a:prstGeom>
-            <a:ln w="12700">
-              <a:solidFill>
-                <a:schemeClr val="tx2">
-                  <a:lumMod val="85000"/>
-                  <a:lumOff val="15000"/>
-                </a:schemeClr>
-              </a:solidFill>
-            </a:ln>
-          </p:spPr>
-          <p:style>
-            <a:lnRef idx="1">
-              <a:schemeClr val="accent1"/>
-            </a:lnRef>
-            <a:fillRef idx="0">
-              <a:schemeClr val="accent1"/>
-            </a:fillRef>
-            <a:effectRef idx="0">
-              <a:schemeClr val="accent1"/>
-            </a:effectRef>
-            <a:fontRef idx="minor">
-              <a:schemeClr val="tx1"/>
-            </a:fontRef>
-          </p:style>
-        </p:cxnSp>
-        <p:cxnSp>
-          <p:nvCxnSpPr>
-            <p:cNvPr id="20" name="Conector recto 19">
-              <a:extLst>
-                <a:ext uri="{FF2B5EF4-FFF2-40B4-BE49-F238E27FC236}">
-                  <a16:creationId xmlns:a16="http://schemas.microsoft.com/office/drawing/2014/main" id="{94B369CE-A9AE-C826-A5DC-F0C3A71223C7}"/>
-                </a:ext>
-              </a:extLst>
-            </p:cNvPr>
-            <p:cNvCxnSpPr>
-              <a:cxnSpLocks/>
-            </p:cNvCxnSpPr>
-            <p:nvPr/>
-          </p:nvCxnSpPr>
-          <p:spPr>
-            <a:xfrm>
-              <a:off x="5042564" y="5370351"/>
-              <a:ext cx="274320" cy="796"/>
-            </a:xfrm>
-            <a:prstGeom prst="line">
-              <a:avLst/>
-            </a:prstGeom>
-            <a:ln w="12700">
-              <a:solidFill>
-                <a:schemeClr val="tx2">
-                  <a:lumMod val="85000"/>
-                  <a:lumOff val="15000"/>
-                </a:schemeClr>
-              </a:solidFill>
-            </a:ln>
-          </p:spPr>
-          <p:style>
-            <a:lnRef idx="1">
-              <a:schemeClr val="accent1"/>
-            </a:lnRef>
-            <a:fillRef idx="0">
-              <a:schemeClr val="accent1"/>
-            </a:fillRef>
-            <a:effectRef idx="0">
-              <a:schemeClr val="accent1"/>
-            </a:effectRef>
-            <a:fontRef idx="minor">
-              <a:schemeClr val="tx1"/>
-            </a:fontRef>
-          </p:style>
-        </p:cxnSp>
-        <p:cxnSp>
-          <p:nvCxnSpPr>
-            <p:cNvPr id="21" name="Conector recto 20">
-              <a:extLst>
-                <a:ext uri="{FF2B5EF4-FFF2-40B4-BE49-F238E27FC236}">
-                  <a16:creationId xmlns:a16="http://schemas.microsoft.com/office/drawing/2014/main" id="{968A032A-4084-CB72-EC53-8DF9A6446F05}"/>
-                </a:ext>
-              </a:extLst>
-            </p:cNvPr>
-            <p:cNvCxnSpPr>
-              <a:cxnSpLocks/>
-            </p:cNvCxnSpPr>
-            <p:nvPr/>
-          </p:nvCxnSpPr>
-          <p:spPr>
-            <a:xfrm>
-              <a:off x="5125254" y="5399088"/>
-              <a:ext cx="91440" cy="796"/>
-            </a:xfrm>
-            <a:prstGeom prst="line">
-              <a:avLst/>
-            </a:prstGeom>
-            <a:ln w="12700">
-              <a:solidFill>
-                <a:schemeClr val="tx2">
-                  <a:lumMod val="85000"/>
-                  <a:lumOff val="15000"/>
-                </a:schemeClr>
-              </a:solidFill>
-            </a:ln>
-          </p:spPr>
-          <p:style>
-            <a:lnRef idx="1">
-              <a:schemeClr val="accent1"/>
-            </a:lnRef>
-            <a:fillRef idx="0">
-              <a:schemeClr val="accent1"/>
-            </a:fillRef>
-            <a:effectRef idx="0">
-              <a:schemeClr val="accent1"/>
-            </a:effectRef>
-            <a:fontRef idx="minor">
-              <a:schemeClr val="tx1"/>
-            </a:fontRef>
-          </p:style>
-        </p:cxnSp>
-      </p:grpSp>
+          <a:prstGeom prst="rect">
+            <a:avLst/>
+          </a:prstGeom>
+        </p:spPr>
+      </p:pic>
+      <p:sp>
+        <p:nvSpPr>
+          <p:cNvPr id="25" name="CuadroTexto 24">
+            <a:extLst>
+              <a:ext uri="{FF2B5EF4-FFF2-40B4-BE49-F238E27FC236}">
+                <a16:creationId xmlns:a16="http://schemas.microsoft.com/office/drawing/2014/main" id="{33CC7A98-D143-2F58-4A70-7886CF8F1820}"/>
+              </a:ext>
+            </a:extLst>
+          </p:cNvPr>
+          <p:cNvSpPr txBox="1"/>
+          <p:nvPr/>
+        </p:nvSpPr>
+        <p:spPr>
+          <a:xfrm>
+            <a:off x="5213663" y="5678668"/>
+            <a:ext cx="1524000" cy="369332"/>
+          </a:xfrm>
+          <a:prstGeom prst="rect">
+            <a:avLst/>
+          </a:prstGeom>
+          <a:noFill/>
+        </p:spPr>
+        <p:txBody>
+          <a:bodyPr wrap="square">
+            <a:spAutoFit/>
+          </a:bodyPr>
+          <a:lstStyle/>
+          <a:p>
+            <a:r>
+              <a:rPr lang="es-ES" sz="1800" dirty="0"/>
+              <a:t>Continuidad</a:t>
+            </a:r>
+            <a:endParaRPr lang="en-US" dirty="0"/>
+          </a:p>
+        </p:txBody>
+      </p:sp>
     </p:spTree>
     <p:extLst>
       <p:ext uri="{BB962C8B-B14F-4D97-AF65-F5344CB8AC3E}">
@@ -9342,7 +7394,111 @@
 </p:sld>
 </file>
 
-<file path=ppt/slides/slide12.xml><?xml version="1.0" encoding="utf-8"?>
+<file path=ppt/slides/slide6.xml><?xml version="1.0" encoding="utf-8"?>
+<p:sld xmlns:a="http://schemas.openxmlformats.org/drawingml/2006/main" xmlns:r="http://schemas.openxmlformats.org/officeDocument/2006/relationships" xmlns:p="http://schemas.openxmlformats.org/presentationml/2006/main">
+  <p:cSld>
+    <p:spTree>
+      <p:nvGrpSpPr>
+        <p:cNvPr id="1" name=""/>
+        <p:cNvGrpSpPr/>
+        <p:nvPr/>
+      </p:nvGrpSpPr>
+      <p:grpSpPr>
+        <a:xfrm>
+          <a:off x="0" y="0"/>
+          <a:ext cx="0" cy="0"/>
+          <a:chOff x="0" y="0"/>
+          <a:chExt cx="0" cy="0"/>
+        </a:xfrm>
+      </p:grpSpPr>
+      <p:sp>
+        <p:nvSpPr>
+          <p:cNvPr id="2" name="Título 1">
+            <a:extLst>
+              <a:ext uri="{FF2B5EF4-FFF2-40B4-BE49-F238E27FC236}">
+                <a16:creationId xmlns:a16="http://schemas.microsoft.com/office/drawing/2014/main" id="{B7A326E0-7378-DEAD-3AFB-15247D7E203A}"/>
+              </a:ext>
+            </a:extLst>
+          </p:cNvPr>
+          <p:cNvSpPr>
+            <a:spLocks noGrp="1"/>
+          </p:cNvSpPr>
+          <p:nvPr>
+            <p:ph type="title"/>
+          </p:nvPr>
+        </p:nvSpPr>
+        <p:spPr>
+          <a:xfrm>
+            <a:off x="720001" y="810000"/>
+            <a:ext cx="6121725" cy="810000"/>
+          </a:xfrm>
+        </p:spPr>
+        <p:txBody>
+          <a:bodyPr anchor="t"/>
+          <a:lstStyle/>
+          <a:p>
+            <a:r>
+              <a:rPr lang="es-CO" dirty="0"/>
+              <a:t>Ecuaciones de Saint-</a:t>
+            </a:r>
+            <a:r>
+              <a:rPr lang="es-CO" dirty="0" err="1"/>
+              <a:t>Venant</a:t>
+            </a:r>
+            <a:endParaRPr lang="en-US" dirty="0"/>
+          </a:p>
+        </p:txBody>
+      </p:sp>
+      <p:pic>
+        <p:nvPicPr>
+          <p:cNvPr id="5" name="Gráfico 4">
+            <a:extLst>
+              <a:ext uri="{FF2B5EF4-FFF2-40B4-BE49-F238E27FC236}">
+                <a16:creationId xmlns:a16="http://schemas.microsoft.com/office/drawing/2014/main" id="{622A056F-B987-B42D-11BF-BF9E0D4F92EA}"/>
+              </a:ext>
+            </a:extLst>
+          </p:cNvPr>
+          <p:cNvPicPr>
+            <a:picLocks noChangeAspect="1"/>
+          </p:cNvPicPr>
+          <p:nvPr/>
+        </p:nvPicPr>
+        <p:blipFill>
+          <a:blip r:embed="rId2">
+            <a:extLst>
+              <a:ext uri="{96DAC541-7B7A-43D3-8B79-37D633B846F1}">
+                <asvg:svgBlip xmlns:asvg="http://schemas.microsoft.com/office/drawing/2016/SVG/main" r:embed="rId3"/>
+              </a:ext>
+            </a:extLst>
+          </a:blip>
+          <a:stretch>
+            <a:fillRect/>
+          </a:stretch>
+        </p:blipFill>
+        <p:spPr>
+          <a:xfrm>
+            <a:off x="504825" y="1771650"/>
+            <a:ext cx="6359402" cy="4257300"/>
+          </a:xfrm>
+          <a:prstGeom prst="rect">
+            <a:avLst/>
+          </a:prstGeom>
+        </p:spPr>
+      </p:pic>
+    </p:spTree>
+    <p:extLst>
+      <p:ext uri="{BB962C8B-B14F-4D97-AF65-F5344CB8AC3E}">
+        <p14:creationId xmlns:p14="http://schemas.microsoft.com/office/powerpoint/2010/main" val="4229172536"/>
+      </p:ext>
+    </p:extLst>
+  </p:cSld>
+  <p:clrMapOvr>
+    <a:masterClrMapping/>
+  </p:clrMapOvr>
+</p:sld>
+</file>
+
+<file path=ppt/slides/slide7.xml><?xml version="1.0" encoding="utf-8"?>
 <p:sld xmlns:a="http://schemas.openxmlformats.org/drawingml/2006/main" xmlns:r="http://schemas.openxmlformats.org/officeDocument/2006/relationships" xmlns:p="http://schemas.openxmlformats.org/presentationml/2006/main">
   <p:cSld>
     <p:bg>
@@ -9899,5159 +8055,6 @@
     <p:extLst>
       <p:ext uri="{BB962C8B-B14F-4D97-AF65-F5344CB8AC3E}">
         <p14:creationId xmlns:p14="http://schemas.microsoft.com/office/powerpoint/2010/main" val="3656004048"/>
-      </p:ext>
-    </p:extLst>
-  </p:cSld>
-  <p:clrMapOvr>
-    <a:masterClrMapping/>
-  </p:clrMapOvr>
-</p:sld>
-</file>
-
-<file path=ppt/slides/slide2.xml><?xml version="1.0" encoding="utf-8"?>
-<p:sld xmlns:a="http://schemas.openxmlformats.org/drawingml/2006/main" xmlns:r="http://schemas.openxmlformats.org/officeDocument/2006/relationships" xmlns:p="http://schemas.openxmlformats.org/presentationml/2006/main">
-  <p:cSld>
-    <p:spTree>
-      <p:nvGrpSpPr>
-        <p:cNvPr id="1" name=""/>
-        <p:cNvGrpSpPr/>
-        <p:nvPr/>
-      </p:nvGrpSpPr>
-      <p:grpSpPr>
-        <a:xfrm>
-          <a:off x="0" y="0"/>
-          <a:ext cx="0" cy="0"/>
-          <a:chOff x="0" y="0"/>
-          <a:chExt cx="0" cy="0"/>
-        </a:xfrm>
-      </p:grpSpPr>
-      <p:sp>
-        <p:nvSpPr>
-          <p:cNvPr id="2" name="Título 1">
-            <a:extLst>
-              <a:ext uri="{FF2B5EF4-FFF2-40B4-BE49-F238E27FC236}">
-                <a16:creationId xmlns:a16="http://schemas.microsoft.com/office/drawing/2014/main" id="{B7A326E0-7378-DEAD-3AFB-15247D7E203A}"/>
-              </a:ext>
-            </a:extLst>
-          </p:cNvPr>
-          <p:cNvSpPr>
-            <a:spLocks noGrp="1"/>
-          </p:cNvSpPr>
-          <p:nvPr>
-            <p:ph type="title"/>
-          </p:nvPr>
-        </p:nvSpPr>
-        <p:spPr>
-          <a:xfrm>
-            <a:off x="720001" y="810000"/>
-            <a:ext cx="6121725" cy="810000"/>
-          </a:xfrm>
-        </p:spPr>
-        <p:txBody>
-          <a:bodyPr anchor="t"/>
-          <a:lstStyle/>
-          <a:p>
-            <a:r>
-              <a:rPr lang="es-CO" dirty="0"/>
-              <a:t>Flujo uniforme</a:t>
-            </a:r>
-            <a:endParaRPr lang="en-US" dirty="0"/>
-          </a:p>
-        </p:txBody>
-      </p:sp>
-      <p:grpSp>
-        <p:nvGrpSpPr>
-          <p:cNvPr id="51" name="Grupo 50">
-            <a:extLst>
-              <a:ext uri="{FF2B5EF4-FFF2-40B4-BE49-F238E27FC236}">
-                <a16:creationId xmlns:a16="http://schemas.microsoft.com/office/drawing/2014/main" id="{E42987B5-F644-4315-7E2A-9DE15A906E1C}"/>
-              </a:ext>
-            </a:extLst>
-          </p:cNvPr>
-          <p:cNvGrpSpPr/>
-          <p:nvPr/>
-        </p:nvGrpSpPr>
-        <p:grpSpPr>
-          <a:xfrm>
-            <a:off x="1563311" y="1504950"/>
-            <a:ext cx="4816103" cy="3848100"/>
-            <a:chOff x="834755" y="1714500"/>
-            <a:chExt cx="4816103" cy="3848100"/>
-          </a:xfrm>
-        </p:grpSpPr>
-        <p:pic>
-          <p:nvPicPr>
-            <p:cNvPr id="49" name="Imagen 48" descr="Diagrama, Dibujo de ingeniería&#10;&#10;Descripción generada automáticamente">
-              <a:extLst>
-                <a:ext uri="{FF2B5EF4-FFF2-40B4-BE49-F238E27FC236}">
-                  <a16:creationId xmlns:a16="http://schemas.microsoft.com/office/drawing/2014/main" id="{E6C4DE2F-1C75-087A-8446-F1AC70BEDD1B}"/>
-                </a:ext>
-              </a:extLst>
-            </p:cNvPr>
-            <p:cNvPicPr>
-              <a:picLocks noChangeAspect="1"/>
-            </p:cNvPicPr>
-            <p:nvPr/>
-          </p:nvPicPr>
-          <p:blipFill rotWithShape="1">
-            <a:blip r:embed="rId2">
-              <a:clrChange>
-                <a:clrFrom>
-                  <a:srgbClr val="FFFFFF"/>
-                </a:clrFrom>
-                <a:clrTo>
-                  <a:srgbClr val="FFFFFF">
-                    <a:alpha val="0"/>
-                  </a:srgbClr>
-                </a:clrTo>
-              </a:clrChange>
-            </a:blip>
-            <a:srcRect l="81168"/>
-            <a:stretch/>
-          </p:blipFill>
-          <p:spPr>
-            <a:xfrm>
-              <a:off x="4505325" y="1714500"/>
-              <a:ext cx="1145533" cy="3790950"/>
-            </a:xfrm>
-            <a:prstGeom prst="rect">
-              <a:avLst/>
-            </a:prstGeom>
-          </p:spPr>
-        </p:pic>
-        <p:pic>
-          <p:nvPicPr>
-            <p:cNvPr id="50" name="Imagen 49" descr="Diagrama, Dibujo de ingeniería&#10;&#10;Descripción generada automáticamente">
-              <a:extLst>
-                <a:ext uri="{FF2B5EF4-FFF2-40B4-BE49-F238E27FC236}">
-                  <a16:creationId xmlns:a16="http://schemas.microsoft.com/office/drawing/2014/main" id="{E40E858A-E2EA-1E43-BDF0-164022537C32}"/>
-                </a:ext>
-              </a:extLst>
-            </p:cNvPr>
-            <p:cNvPicPr>
-              <a:picLocks noChangeAspect="1"/>
-            </p:cNvPicPr>
-            <p:nvPr/>
-          </p:nvPicPr>
-          <p:blipFill rotWithShape="1">
-            <a:blip r:embed="rId2">
-              <a:clrChange>
-                <a:clrFrom>
-                  <a:srgbClr val="FFFFFF"/>
-                </a:clrFrom>
-                <a:clrTo>
-                  <a:srgbClr val="FFFFFF">
-                    <a:alpha val="0"/>
-                  </a:srgbClr>
-                </a:clrTo>
-              </a:clrChange>
-            </a:blip>
-            <a:srcRect r="39658"/>
-            <a:stretch/>
-          </p:blipFill>
-          <p:spPr>
-            <a:xfrm>
-              <a:off x="834755" y="1771650"/>
-              <a:ext cx="3670570" cy="3790950"/>
-            </a:xfrm>
-            <a:prstGeom prst="rect">
-              <a:avLst/>
-            </a:prstGeom>
-          </p:spPr>
-        </p:pic>
-      </p:grpSp>
-      <p:pic>
-        <p:nvPicPr>
-          <p:cNvPr id="53" name="Imagen 52" descr="Texto, Logotipo&#10;&#10;Descripción generada automáticamente con confianza media">
-            <a:extLst>
-              <a:ext uri="{FF2B5EF4-FFF2-40B4-BE49-F238E27FC236}">
-                <a16:creationId xmlns:a16="http://schemas.microsoft.com/office/drawing/2014/main" id="{3DBCDE20-F046-D38A-DC56-DCBBDC19244A}"/>
-              </a:ext>
-            </a:extLst>
-          </p:cNvPr>
-          <p:cNvPicPr>
-            <a:picLocks noChangeAspect="1"/>
-          </p:cNvPicPr>
-          <p:nvPr/>
-        </p:nvPicPr>
-        <p:blipFill>
-          <a:blip r:embed="rId3">
-            <a:clrChange>
-              <a:clrFrom>
-                <a:srgbClr val="FFFFFF"/>
-              </a:clrFrom>
-              <a:clrTo>
-                <a:srgbClr val="FFFFFF">
-                  <a:alpha val="0"/>
-                </a:srgbClr>
-              </a:clrTo>
-            </a:clrChange>
-          </a:blip>
-          <a:stretch>
-            <a:fillRect/>
-          </a:stretch>
-        </p:blipFill>
-        <p:spPr>
-          <a:xfrm>
-            <a:off x="2685085" y="5680285"/>
-            <a:ext cx="2191555" cy="539738"/>
-          </a:xfrm>
-          <a:prstGeom prst="rect">
-            <a:avLst/>
-          </a:prstGeom>
-        </p:spPr>
-      </p:pic>
-    </p:spTree>
-    <p:extLst>
-      <p:ext uri="{BB962C8B-B14F-4D97-AF65-F5344CB8AC3E}">
-        <p14:creationId xmlns:p14="http://schemas.microsoft.com/office/powerpoint/2010/main" val="158918161"/>
-      </p:ext>
-    </p:extLst>
-  </p:cSld>
-  <p:clrMapOvr>
-    <a:masterClrMapping/>
-  </p:clrMapOvr>
-</p:sld>
-</file>
-
-<file path=ppt/slides/slide3.xml><?xml version="1.0" encoding="utf-8"?>
-<p:sld xmlns:a="http://schemas.openxmlformats.org/drawingml/2006/main" xmlns:r="http://schemas.openxmlformats.org/officeDocument/2006/relationships" xmlns:p="http://schemas.openxmlformats.org/presentationml/2006/main">
-  <p:cSld>
-    <p:spTree>
-      <p:nvGrpSpPr>
-        <p:cNvPr id="1" name=""/>
-        <p:cNvGrpSpPr/>
-        <p:nvPr/>
-      </p:nvGrpSpPr>
-      <p:grpSpPr>
-        <a:xfrm>
-          <a:off x="0" y="0"/>
-          <a:ext cx="0" cy="0"/>
-          <a:chOff x="0" y="0"/>
-          <a:chExt cx="0" cy="0"/>
-        </a:xfrm>
-      </p:grpSpPr>
-      <p:sp>
-        <p:nvSpPr>
-          <p:cNvPr id="2" name="Título 1">
-            <a:extLst>
-              <a:ext uri="{FF2B5EF4-FFF2-40B4-BE49-F238E27FC236}">
-                <a16:creationId xmlns:a16="http://schemas.microsoft.com/office/drawing/2014/main" id="{B7A326E0-7378-DEAD-3AFB-15247D7E203A}"/>
-              </a:ext>
-            </a:extLst>
-          </p:cNvPr>
-          <p:cNvSpPr>
-            <a:spLocks noGrp="1"/>
-          </p:cNvSpPr>
-          <p:nvPr>
-            <p:ph type="title"/>
-          </p:nvPr>
-        </p:nvSpPr>
-        <p:spPr>
-          <a:xfrm>
-            <a:off x="720001" y="810000"/>
-            <a:ext cx="6121725" cy="810000"/>
-          </a:xfrm>
-        </p:spPr>
-        <p:txBody>
-          <a:bodyPr anchor="t"/>
-          <a:lstStyle/>
-          <a:p>
-            <a:r>
-              <a:rPr lang="es-CO" dirty="0"/>
-              <a:t>Flujo uniforme. Ecuación de Manning.</a:t>
-            </a:r>
-            <a:endParaRPr lang="en-US" dirty="0"/>
-          </a:p>
-        </p:txBody>
-      </p:sp>
-      <p:pic>
-        <p:nvPicPr>
-          <p:cNvPr id="2050" name="Picture 2" descr="See the source image">
-            <a:extLst>
-              <a:ext uri="{FF2B5EF4-FFF2-40B4-BE49-F238E27FC236}">
-                <a16:creationId xmlns:a16="http://schemas.microsoft.com/office/drawing/2014/main" id="{47C59DD9-97F6-DB9F-8B0C-466E05D35429}"/>
-              </a:ext>
-            </a:extLst>
-          </p:cNvPr>
-          <p:cNvPicPr>
-            <a:picLocks noChangeAspect="1" noChangeArrowheads="1"/>
-          </p:cNvPicPr>
-          <p:nvPr/>
-        </p:nvPicPr>
-        <p:blipFill rotWithShape="1">
-          <a:blip r:embed="rId2">
-            <a:extLst>
-              <a:ext uri="{28A0092B-C50C-407E-A947-70E740481C1C}">
-                <a14:useLocalDpi xmlns:a14="http://schemas.microsoft.com/office/drawing/2010/main" val="0"/>
-              </a:ext>
-            </a:extLst>
-          </a:blip>
-          <a:srcRect l="10119" t="1219" r="5750" b="42879"/>
-          <a:stretch/>
-        </p:blipFill>
-        <p:spPr bwMode="auto">
-          <a:xfrm>
-            <a:off x="1196836" y="4152745"/>
-            <a:ext cx="1602718" cy="1602718"/>
-          </a:xfrm>
-          <a:prstGeom prst="ellipse">
-            <a:avLst/>
-          </a:prstGeom>
-          <a:noFill/>
-          <a:extLst>
-            <a:ext uri="{909E8E84-426E-40DD-AFC4-6F175D3DCCD1}">
-              <a14:hiddenFill xmlns:a14="http://schemas.microsoft.com/office/drawing/2010/main">
-                <a:solidFill>
-                  <a:srgbClr val="FFFFFF"/>
-                </a:solidFill>
-              </a14:hiddenFill>
-            </a:ext>
-          </a:extLst>
-        </p:spPr>
-      </p:pic>
-      <p:sp>
-        <p:nvSpPr>
-          <p:cNvPr id="6" name="CuadroTexto 5">
-            <a:extLst>
-              <a:ext uri="{FF2B5EF4-FFF2-40B4-BE49-F238E27FC236}">
-                <a16:creationId xmlns:a16="http://schemas.microsoft.com/office/drawing/2014/main" id="{EC6B9064-A1FC-C8E2-8926-76B7ADED512C}"/>
-              </a:ext>
-            </a:extLst>
-          </p:cNvPr>
-          <p:cNvSpPr txBox="1"/>
-          <p:nvPr/>
-        </p:nvSpPr>
-        <p:spPr>
-          <a:xfrm>
-            <a:off x="2397350" y="5638204"/>
-            <a:ext cx="1785554" cy="369332"/>
-          </a:xfrm>
-          <a:prstGeom prst="rect">
-            <a:avLst/>
-          </a:prstGeom>
-          <a:noFill/>
-        </p:spPr>
-        <p:txBody>
-          <a:bodyPr wrap="square">
-            <a:spAutoFit/>
-          </a:bodyPr>
-          <a:lstStyle/>
-          <a:p>
-            <a:r>
-              <a:rPr lang="es-CO" sz="1800" dirty="0"/>
-              <a:t>Robert Manning</a:t>
-            </a:r>
-            <a:endParaRPr lang="en-US" dirty="0"/>
-          </a:p>
-        </p:txBody>
-      </p:sp>
-      <mc:AlternateContent xmlns:mc="http://schemas.openxmlformats.org/markup-compatibility/2006" xmlns:a14="http://schemas.microsoft.com/office/drawing/2010/main">
-        <mc:Choice Requires="a14">
-          <p:sp>
-            <p:nvSpPr>
-              <p:cNvPr id="8" name="CuadroTexto 7">
-                <a:extLst>
-                  <a:ext uri="{FF2B5EF4-FFF2-40B4-BE49-F238E27FC236}">
-                    <a16:creationId xmlns:a16="http://schemas.microsoft.com/office/drawing/2014/main" id="{484E9139-CEF9-948B-DCB3-79544BB3C5B2}"/>
-                  </a:ext>
-                </a:extLst>
-              </p:cNvPr>
-              <p:cNvSpPr txBox="1"/>
-              <p:nvPr/>
-            </p:nvSpPr>
-            <p:spPr>
-              <a:xfrm>
-                <a:off x="868051" y="2131333"/>
-                <a:ext cx="2410212" cy="809389"/>
-              </a:xfrm>
-              <a:prstGeom prst="rect">
-                <a:avLst/>
-              </a:prstGeom>
-              <a:noFill/>
-            </p:spPr>
-            <p:txBody>
-              <a:bodyPr wrap="none" lIns="0" tIns="0" rIns="0" bIns="0" rtlCol="0">
-                <a:spAutoFit/>
-              </a:bodyPr>
-              <a:lstStyle/>
-              <a:p>
-                <a:pPr/>
-                <a14:m>
-                  <m:oMathPara xmlns:m="http://schemas.openxmlformats.org/officeDocument/2006/math">
-                    <m:oMathParaPr>
-                      <m:jc m:val="centerGroup"/>
-                    </m:oMathParaPr>
-                    <m:oMath xmlns:m="http://schemas.openxmlformats.org/officeDocument/2006/math">
-                      <m:r>
-                        <a:rPr lang="es-CO" sz="2800" b="0" i="1" smtClean="0">
-                          <a:latin typeface="Cambria Math" panose="02040503050406030204" pitchFamily="18" charset="0"/>
-                        </a:rPr>
-                        <m:t>𝑉</m:t>
-                      </m:r>
-                      <m:r>
-                        <a:rPr lang="es-CO" sz="2800" b="0" i="1" smtClean="0">
-                          <a:latin typeface="Cambria Math" panose="02040503050406030204" pitchFamily="18" charset="0"/>
-                        </a:rPr>
-                        <m:t>=</m:t>
-                      </m:r>
-                      <m:f>
-                        <m:fPr>
-                          <m:ctrlPr>
-                            <a:rPr lang="es-CO" sz="2800" b="0" i="1" smtClean="0">
-                              <a:latin typeface="Cambria Math" panose="02040503050406030204" pitchFamily="18" charset="0"/>
-                            </a:rPr>
-                          </m:ctrlPr>
-                        </m:fPr>
-                        <m:num>
-                          <m:r>
-                            <a:rPr lang="es-CO" sz="2800" b="0" i="1" smtClean="0">
-                              <a:latin typeface="Cambria Math" panose="02040503050406030204" pitchFamily="18" charset="0"/>
-                            </a:rPr>
-                            <m:t>1</m:t>
-                          </m:r>
-                        </m:num>
-                        <m:den>
-                          <m:r>
-                            <a:rPr lang="es-CO" sz="2800" b="0" i="1" smtClean="0">
-                              <a:latin typeface="Cambria Math" panose="02040503050406030204" pitchFamily="18" charset="0"/>
-                            </a:rPr>
-                            <m:t>𝑛</m:t>
-                          </m:r>
-                        </m:den>
-                      </m:f>
-                      <m:sSup>
-                        <m:sSupPr>
-                          <m:ctrlPr>
-                            <a:rPr lang="es-CO" sz="2800" b="0" i="1" smtClean="0">
-                              <a:latin typeface="Cambria Math" panose="02040503050406030204" pitchFamily="18" charset="0"/>
-                            </a:rPr>
-                          </m:ctrlPr>
-                        </m:sSupPr>
-                        <m:e>
-                          <m:r>
-                            <a:rPr lang="es-CO" sz="2800" b="0" i="1" smtClean="0">
-                              <a:latin typeface="Cambria Math" panose="02040503050406030204" pitchFamily="18" charset="0"/>
-                            </a:rPr>
-                            <m:t>𝑅</m:t>
-                          </m:r>
-                        </m:e>
-                        <m:sup>
-                          <m:r>
-                            <a:rPr lang="es-CO" sz="2800" b="0" i="1" smtClean="0">
-                              <a:latin typeface="Cambria Math" panose="02040503050406030204" pitchFamily="18" charset="0"/>
-                            </a:rPr>
-                            <m:t>2/3</m:t>
-                          </m:r>
-                        </m:sup>
-                      </m:sSup>
-                      <m:sSubSup>
-                        <m:sSubSupPr>
-                          <m:ctrlPr>
-                            <a:rPr lang="es-CO" sz="2800" b="0" i="1" smtClean="0">
-                              <a:latin typeface="Cambria Math" panose="02040503050406030204" pitchFamily="18" charset="0"/>
-                            </a:rPr>
-                          </m:ctrlPr>
-                        </m:sSubSupPr>
-                        <m:e>
-                          <m:r>
-                            <a:rPr lang="es-CO" sz="2800" b="0" i="1" smtClean="0">
-                              <a:latin typeface="Cambria Math" panose="02040503050406030204" pitchFamily="18" charset="0"/>
-                            </a:rPr>
-                            <m:t>𝑆</m:t>
-                          </m:r>
-                        </m:e>
-                        <m:sub>
-                          <m:r>
-                            <a:rPr lang="es-CO" sz="2800" b="0" i="1" smtClean="0">
-                              <a:latin typeface="Cambria Math" panose="02040503050406030204" pitchFamily="18" charset="0"/>
-                            </a:rPr>
-                            <m:t>0</m:t>
-                          </m:r>
-                        </m:sub>
-                        <m:sup>
-                          <m:r>
-                            <a:rPr lang="es-CO" sz="2800" b="0" i="1" smtClean="0">
-                              <a:latin typeface="Cambria Math" panose="02040503050406030204" pitchFamily="18" charset="0"/>
-                            </a:rPr>
-                            <m:t>1/2</m:t>
-                          </m:r>
-                        </m:sup>
-                      </m:sSubSup>
-                    </m:oMath>
-                  </m:oMathPara>
-                </a14:m>
-                <a:endParaRPr lang="en-US" sz="2800" dirty="0"/>
-              </a:p>
-            </p:txBody>
-          </p:sp>
-        </mc:Choice>
-        <mc:Fallback xmlns="">
-          <p:sp>
-            <p:nvSpPr>
-              <p:cNvPr id="8" name="CuadroTexto 7">
-                <a:extLst>
-                  <a:ext uri="{FF2B5EF4-FFF2-40B4-BE49-F238E27FC236}">
-                    <a16:creationId xmlns:a16="http://schemas.microsoft.com/office/drawing/2014/main" id="{484E9139-CEF9-948B-DCB3-79544BB3C5B2}"/>
-                  </a:ext>
-                </a:extLst>
-              </p:cNvPr>
-              <p:cNvSpPr txBox="1">
-                <a:spLocks noRot="1" noChangeAspect="1" noMove="1" noResize="1" noEditPoints="1" noAdjustHandles="1" noChangeArrowheads="1" noChangeShapeType="1" noTextEdit="1"/>
-              </p:cNvSpPr>
-              <p:nvPr/>
-            </p:nvSpPr>
-            <p:spPr>
-              <a:xfrm>
-                <a:off x="868051" y="2131333"/>
-                <a:ext cx="2410212" cy="809389"/>
-              </a:xfrm>
-              <a:prstGeom prst="rect">
-                <a:avLst/>
-              </a:prstGeom>
-              <a:blipFill>
-                <a:blip r:embed="rId3"/>
-                <a:stretch>
-                  <a:fillRect/>
-                </a:stretch>
-              </a:blipFill>
-            </p:spPr>
-            <p:txBody>
-              <a:bodyPr/>
-              <a:lstStyle/>
-              <a:p>
-                <a:r>
-                  <a:rPr lang="en-US">
-                    <a:noFill/>
-                  </a:rPr>
-                  <a:t> </a:t>
-                </a:r>
-              </a:p>
-            </p:txBody>
-          </p:sp>
-        </mc:Fallback>
-      </mc:AlternateContent>
-      <mc:AlternateContent xmlns:mc="http://schemas.openxmlformats.org/markup-compatibility/2006" xmlns:a14="http://schemas.microsoft.com/office/drawing/2010/main">
-        <mc:Choice Requires="a14">
-          <p:sp>
-            <p:nvSpPr>
-              <p:cNvPr id="10" name="CuadroTexto 9">
-                <a:extLst>
-                  <a:ext uri="{FF2B5EF4-FFF2-40B4-BE49-F238E27FC236}">
-                    <a16:creationId xmlns:a16="http://schemas.microsoft.com/office/drawing/2014/main" id="{E2E8C65D-9C5C-9B04-392F-2CE9752BCDD4}"/>
-                  </a:ext>
-                </a:extLst>
-              </p:cNvPr>
-              <p:cNvSpPr txBox="1"/>
-              <p:nvPr/>
-            </p:nvSpPr>
-            <p:spPr>
-              <a:xfrm>
-                <a:off x="3566963" y="2122361"/>
-                <a:ext cx="2867323" cy="809389"/>
-              </a:xfrm>
-              <a:prstGeom prst="rect">
-                <a:avLst/>
-              </a:prstGeom>
-              <a:noFill/>
-            </p:spPr>
-            <p:txBody>
-              <a:bodyPr wrap="none" lIns="0" tIns="0" rIns="0" bIns="0" rtlCol="0">
-                <a:spAutoFit/>
-              </a:bodyPr>
-              <a:lstStyle/>
-              <a:p>
-                <a:pPr/>
-                <a14:m>
-                  <m:oMathPara xmlns:m="http://schemas.openxmlformats.org/officeDocument/2006/math">
-                    <m:oMathParaPr>
-                      <m:jc m:val="centerGroup"/>
-                    </m:oMathParaPr>
-                    <m:oMath xmlns:m="http://schemas.openxmlformats.org/officeDocument/2006/math">
-                      <m:r>
-                        <a:rPr lang="es-CO" sz="2800" b="0" i="1" smtClean="0">
-                          <a:latin typeface="Cambria Math" panose="02040503050406030204" pitchFamily="18" charset="0"/>
-                        </a:rPr>
-                        <m:t>𝑉</m:t>
-                      </m:r>
-                      <m:r>
-                        <a:rPr lang="es-CO" sz="2800" b="0" i="1" smtClean="0">
-                          <a:latin typeface="Cambria Math" panose="02040503050406030204" pitchFamily="18" charset="0"/>
-                        </a:rPr>
-                        <m:t>=</m:t>
-                      </m:r>
-                      <m:f>
-                        <m:fPr>
-                          <m:ctrlPr>
-                            <a:rPr lang="es-CO" sz="2800" b="0" i="1" smtClean="0">
-                              <a:latin typeface="Cambria Math" panose="02040503050406030204" pitchFamily="18" charset="0"/>
-                            </a:rPr>
-                          </m:ctrlPr>
-                        </m:fPr>
-                        <m:num>
-                          <m:r>
-                            <a:rPr lang="es-CO" sz="2800" b="0" i="1" smtClean="0">
-                              <a:latin typeface="Cambria Math" panose="02040503050406030204" pitchFamily="18" charset="0"/>
-                            </a:rPr>
-                            <m:t>1.49</m:t>
-                          </m:r>
-                        </m:num>
-                        <m:den>
-                          <m:r>
-                            <a:rPr lang="es-CO" sz="2800" b="0" i="1" smtClean="0">
-                              <a:latin typeface="Cambria Math" panose="02040503050406030204" pitchFamily="18" charset="0"/>
-                            </a:rPr>
-                            <m:t>𝑛</m:t>
-                          </m:r>
-                        </m:den>
-                      </m:f>
-                      <m:sSup>
-                        <m:sSupPr>
-                          <m:ctrlPr>
-                            <a:rPr lang="es-CO" sz="2800" b="0" i="1" smtClean="0">
-                              <a:latin typeface="Cambria Math" panose="02040503050406030204" pitchFamily="18" charset="0"/>
-                            </a:rPr>
-                          </m:ctrlPr>
-                        </m:sSupPr>
-                        <m:e>
-                          <m:r>
-                            <a:rPr lang="es-CO" sz="2800" b="0" i="1" smtClean="0">
-                              <a:latin typeface="Cambria Math" panose="02040503050406030204" pitchFamily="18" charset="0"/>
-                            </a:rPr>
-                            <m:t>𝑅</m:t>
-                          </m:r>
-                        </m:e>
-                        <m:sup>
-                          <m:r>
-                            <a:rPr lang="es-CO" sz="2800" b="0" i="1" smtClean="0">
-                              <a:latin typeface="Cambria Math" panose="02040503050406030204" pitchFamily="18" charset="0"/>
-                            </a:rPr>
-                            <m:t>2/3</m:t>
-                          </m:r>
-                        </m:sup>
-                      </m:sSup>
-                      <m:sSubSup>
-                        <m:sSubSupPr>
-                          <m:ctrlPr>
-                            <a:rPr lang="es-CO" sz="2800" b="0" i="1" smtClean="0">
-                              <a:latin typeface="Cambria Math" panose="02040503050406030204" pitchFamily="18" charset="0"/>
-                            </a:rPr>
-                          </m:ctrlPr>
-                        </m:sSubSupPr>
-                        <m:e>
-                          <m:r>
-                            <a:rPr lang="es-CO" sz="2800" b="0" i="1" smtClean="0">
-                              <a:latin typeface="Cambria Math" panose="02040503050406030204" pitchFamily="18" charset="0"/>
-                            </a:rPr>
-                            <m:t>𝑆</m:t>
-                          </m:r>
-                        </m:e>
-                        <m:sub>
-                          <m:r>
-                            <a:rPr lang="es-CO" sz="2800" b="0" i="1" smtClean="0">
-                              <a:latin typeface="Cambria Math" panose="02040503050406030204" pitchFamily="18" charset="0"/>
-                            </a:rPr>
-                            <m:t>0</m:t>
-                          </m:r>
-                        </m:sub>
-                        <m:sup>
-                          <m:r>
-                            <a:rPr lang="es-CO" sz="2800" b="0" i="1" smtClean="0">
-                              <a:latin typeface="Cambria Math" panose="02040503050406030204" pitchFamily="18" charset="0"/>
-                            </a:rPr>
-                            <m:t>1/2</m:t>
-                          </m:r>
-                        </m:sup>
-                      </m:sSubSup>
-                    </m:oMath>
-                  </m:oMathPara>
-                </a14:m>
-                <a:endParaRPr lang="en-US" sz="2800" dirty="0"/>
-              </a:p>
-            </p:txBody>
-          </p:sp>
-        </mc:Choice>
-        <mc:Fallback xmlns="">
-          <p:sp>
-            <p:nvSpPr>
-              <p:cNvPr id="10" name="CuadroTexto 9">
-                <a:extLst>
-                  <a:ext uri="{FF2B5EF4-FFF2-40B4-BE49-F238E27FC236}">
-                    <a16:creationId xmlns:a16="http://schemas.microsoft.com/office/drawing/2014/main" id="{E2E8C65D-9C5C-9B04-392F-2CE9752BCDD4}"/>
-                  </a:ext>
-                </a:extLst>
-              </p:cNvPr>
-              <p:cNvSpPr txBox="1">
-                <a:spLocks noRot="1" noChangeAspect="1" noMove="1" noResize="1" noEditPoints="1" noAdjustHandles="1" noChangeArrowheads="1" noChangeShapeType="1" noTextEdit="1"/>
-              </p:cNvSpPr>
-              <p:nvPr/>
-            </p:nvSpPr>
-            <p:spPr>
-              <a:xfrm>
-                <a:off x="3566963" y="2122361"/>
-                <a:ext cx="2867323" cy="809389"/>
-              </a:xfrm>
-              <a:prstGeom prst="rect">
-                <a:avLst/>
-              </a:prstGeom>
-              <a:blipFill>
-                <a:blip r:embed="rId4"/>
-                <a:stretch>
-                  <a:fillRect/>
-                </a:stretch>
-              </a:blipFill>
-            </p:spPr>
-            <p:txBody>
-              <a:bodyPr/>
-              <a:lstStyle/>
-              <a:p>
-                <a:r>
-                  <a:rPr lang="en-US">
-                    <a:noFill/>
-                  </a:rPr>
-                  <a:t> </a:t>
-                </a:r>
-              </a:p>
-            </p:txBody>
-          </p:sp>
-        </mc:Fallback>
-      </mc:AlternateContent>
-      <p:sp>
-        <p:nvSpPr>
-          <p:cNvPr id="11" name="CuadroTexto 10">
-            <a:extLst>
-              <a:ext uri="{FF2B5EF4-FFF2-40B4-BE49-F238E27FC236}">
-                <a16:creationId xmlns:a16="http://schemas.microsoft.com/office/drawing/2014/main" id="{DE80FB6B-8C38-8B4C-B556-7F6389BBD7AC}"/>
-              </a:ext>
-            </a:extLst>
-          </p:cNvPr>
-          <p:cNvSpPr txBox="1"/>
-          <p:nvPr/>
-        </p:nvSpPr>
-        <p:spPr>
-          <a:xfrm>
-            <a:off x="6096000" y="2757523"/>
-            <a:ext cx="761090" cy="369332"/>
-          </a:xfrm>
-          <a:prstGeom prst="rect">
-            <a:avLst/>
-          </a:prstGeom>
-          <a:noFill/>
-        </p:spPr>
-        <p:txBody>
-          <a:bodyPr wrap="square">
-            <a:spAutoFit/>
-          </a:bodyPr>
-          <a:lstStyle/>
-          <a:p>
-            <a:r>
-              <a:rPr lang="es-CO" sz="1800" dirty="0"/>
-              <a:t>U.S.</a:t>
-            </a:r>
-            <a:endParaRPr lang="en-US" dirty="0"/>
-          </a:p>
-        </p:txBody>
-      </p:sp>
-      <p:sp>
-        <p:nvSpPr>
-          <p:cNvPr id="12" name="CuadroTexto 11">
-            <a:extLst>
-              <a:ext uri="{FF2B5EF4-FFF2-40B4-BE49-F238E27FC236}">
-                <a16:creationId xmlns:a16="http://schemas.microsoft.com/office/drawing/2014/main" id="{FAF04660-CF35-B3C8-35BD-D0CC6A92A2BB}"/>
-              </a:ext>
-            </a:extLst>
-          </p:cNvPr>
-          <p:cNvSpPr txBox="1"/>
-          <p:nvPr/>
-        </p:nvSpPr>
-        <p:spPr>
-          <a:xfrm>
-            <a:off x="2984036" y="2706203"/>
-            <a:ext cx="454141" cy="369332"/>
-          </a:xfrm>
-          <a:prstGeom prst="rect">
-            <a:avLst/>
-          </a:prstGeom>
-          <a:noFill/>
-        </p:spPr>
-        <p:txBody>
-          <a:bodyPr wrap="square">
-            <a:spAutoFit/>
-          </a:bodyPr>
-          <a:lstStyle/>
-          <a:p>
-            <a:r>
-              <a:rPr lang="es-CO" sz="1800" dirty="0"/>
-              <a:t>S.I.</a:t>
-            </a:r>
-            <a:endParaRPr lang="en-US" dirty="0"/>
-          </a:p>
-        </p:txBody>
-      </p:sp>
-      <mc:AlternateContent xmlns:mc="http://schemas.openxmlformats.org/markup-compatibility/2006" xmlns:a14="http://schemas.microsoft.com/office/drawing/2010/main">
-        <mc:Choice Requires="a14">
-          <p:sp>
-            <p:nvSpPr>
-              <p:cNvPr id="18" name="CuadroTexto 17">
-                <a:extLst>
-                  <a:ext uri="{FF2B5EF4-FFF2-40B4-BE49-F238E27FC236}">
-                    <a16:creationId xmlns:a16="http://schemas.microsoft.com/office/drawing/2014/main" id="{D006AF0A-4131-FD1A-CF32-57518A497311}"/>
-                  </a:ext>
-                </a:extLst>
-              </p:cNvPr>
-              <p:cNvSpPr txBox="1"/>
-              <p:nvPr/>
-            </p:nvSpPr>
-            <p:spPr>
-              <a:xfrm>
-                <a:off x="3461172" y="3700104"/>
-                <a:ext cx="2867323" cy="1200329"/>
-              </a:xfrm>
-              <a:prstGeom prst="rect">
-                <a:avLst/>
-              </a:prstGeom>
-              <a:noFill/>
-            </p:spPr>
-            <p:txBody>
-              <a:bodyPr wrap="square">
-                <a:spAutoFit/>
-              </a:bodyPr>
-              <a:lstStyle/>
-              <a:p>
-                <a14:m>
-                  <m:oMath xmlns:m="http://schemas.openxmlformats.org/officeDocument/2006/math">
-                    <m:r>
-                      <m:rPr>
-                        <m:sty m:val="p"/>
-                      </m:rPr>
-                      <a:rPr lang="es-CO" sz="1800" b="0" i="0" smtClean="0">
-                        <a:latin typeface="Cambria Math" panose="02040503050406030204" pitchFamily="18" charset="0"/>
-                      </a:rPr>
-                      <m:t>V</m:t>
-                    </m:r>
-                  </m:oMath>
-                </a14:m>
-                <a:r>
-                  <a:rPr lang="es-CO" sz="1800" b="0" dirty="0"/>
-                  <a:t>, velocidad media de flujo.</a:t>
-                </a:r>
-                <a:br>
-                  <a:rPr lang="es-CO" sz="1800" b="0" dirty="0"/>
-                </a:br>
-                <a14:m>
-                  <m:oMath xmlns:m="http://schemas.openxmlformats.org/officeDocument/2006/math">
-                    <m:r>
-                      <a:rPr lang="es-CO" sz="1800" b="0" i="1" smtClean="0">
-                        <a:latin typeface="Cambria Math" panose="02040503050406030204" pitchFamily="18" charset="0"/>
-                      </a:rPr>
-                      <m:t>𝑛</m:t>
-                    </m:r>
-                  </m:oMath>
-                </a14:m>
-                <a:r>
-                  <a:rPr lang="es-CO" sz="1800" b="0" dirty="0"/>
-                  <a:t>, coeficiente de Manning.</a:t>
-                </a:r>
-              </a:p>
-              <a:p>
-                <a14:m>
-                  <m:oMath xmlns:m="http://schemas.openxmlformats.org/officeDocument/2006/math">
-                    <m:r>
-                      <m:rPr>
-                        <m:sty m:val="p"/>
-                      </m:rPr>
-                      <a:rPr lang="es-CO" sz="1800" b="0" i="0" smtClean="0">
-                        <a:latin typeface="Cambria Math" panose="02040503050406030204" pitchFamily="18" charset="0"/>
-                      </a:rPr>
-                      <m:t>R</m:t>
-                    </m:r>
-                  </m:oMath>
-                </a14:m>
-                <a:r>
-                  <a:rPr lang="es-CO" sz="1800" b="0" dirty="0"/>
-                  <a:t>, radio hidráulico.</a:t>
-                </a:r>
-              </a:p>
-              <a:p>
-                <a14:m>
-                  <m:oMath xmlns:m="http://schemas.openxmlformats.org/officeDocument/2006/math">
-                    <m:sSub>
-                      <m:sSubPr>
-                        <m:ctrlPr>
-                          <a:rPr lang="es-CO" sz="1800" b="0" i="1" smtClean="0">
-                            <a:latin typeface="Cambria Math" panose="02040503050406030204" pitchFamily="18" charset="0"/>
-                          </a:rPr>
-                        </m:ctrlPr>
-                      </m:sSubPr>
-                      <m:e>
-                        <m:r>
-                          <m:rPr>
-                            <m:sty m:val="p"/>
-                          </m:rPr>
-                          <a:rPr lang="es-CO" sz="1800" b="0" i="0" smtClean="0">
-                            <a:latin typeface="Cambria Math" panose="02040503050406030204" pitchFamily="18" charset="0"/>
-                          </a:rPr>
-                          <m:t>S</m:t>
-                        </m:r>
-                      </m:e>
-                      <m:sub>
-                        <m:r>
-                          <m:rPr>
-                            <m:sty m:val="p"/>
-                          </m:rPr>
-                          <a:rPr lang="es-CO" sz="1800" b="0" i="0" smtClean="0">
-                            <a:latin typeface="Cambria Math" panose="02040503050406030204" pitchFamily="18" charset="0"/>
-                          </a:rPr>
-                          <m:t>o</m:t>
-                        </m:r>
-                      </m:sub>
-                    </m:sSub>
-                  </m:oMath>
-                </a14:m>
-                <a:r>
-                  <a:rPr lang="es-CO" sz="1800" b="0" dirty="0"/>
-                  <a:t>, pendiente del fondo.</a:t>
-                </a:r>
-                <a:endParaRPr lang="en-US" dirty="0"/>
-              </a:p>
-            </p:txBody>
-          </p:sp>
-        </mc:Choice>
-        <mc:Fallback xmlns="">
-          <p:sp>
-            <p:nvSpPr>
-              <p:cNvPr id="18" name="CuadroTexto 17">
-                <a:extLst>
-                  <a:ext uri="{FF2B5EF4-FFF2-40B4-BE49-F238E27FC236}">
-                    <a16:creationId xmlns:a16="http://schemas.microsoft.com/office/drawing/2014/main" id="{D006AF0A-4131-FD1A-CF32-57518A497311}"/>
-                  </a:ext>
-                </a:extLst>
-              </p:cNvPr>
-              <p:cNvSpPr txBox="1">
-                <a:spLocks noRot="1" noChangeAspect="1" noMove="1" noResize="1" noEditPoints="1" noAdjustHandles="1" noChangeArrowheads="1" noChangeShapeType="1" noTextEdit="1"/>
-              </p:cNvSpPr>
-              <p:nvPr/>
-            </p:nvSpPr>
-            <p:spPr>
-              <a:xfrm>
-                <a:off x="3461172" y="3700104"/>
-                <a:ext cx="2867323" cy="1200329"/>
-              </a:xfrm>
-              <a:prstGeom prst="rect">
-                <a:avLst/>
-              </a:prstGeom>
-              <a:blipFill>
-                <a:blip r:embed="rId5"/>
-                <a:stretch>
-                  <a:fillRect t="-2538" r="-426" b="-7614"/>
-                </a:stretch>
-              </a:blipFill>
-            </p:spPr>
-            <p:txBody>
-              <a:bodyPr/>
-              <a:lstStyle/>
-              <a:p>
-                <a:r>
-                  <a:rPr lang="en-US">
-                    <a:noFill/>
-                  </a:rPr>
-                  <a:t> </a:t>
-                </a:r>
-              </a:p>
-            </p:txBody>
-          </p:sp>
-        </mc:Fallback>
-      </mc:AlternateContent>
-    </p:spTree>
-    <p:extLst>
-      <p:ext uri="{BB962C8B-B14F-4D97-AF65-F5344CB8AC3E}">
-        <p14:creationId xmlns:p14="http://schemas.microsoft.com/office/powerpoint/2010/main" val="3546169220"/>
-      </p:ext>
-    </p:extLst>
-  </p:cSld>
-  <p:clrMapOvr>
-    <a:masterClrMapping/>
-  </p:clrMapOvr>
-</p:sld>
-</file>
-
-<file path=ppt/slides/slide4.xml><?xml version="1.0" encoding="utf-8"?>
-<p:sld xmlns:a="http://schemas.openxmlformats.org/drawingml/2006/main" xmlns:r="http://schemas.openxmlformats.org/officeDocument/2006/relationships" xmlns:p="http://schemas.openxmlformats.org/presentationml/2006/main">
-  <p:cSld>
-    <p:spTree>
-      <p:nvGrpSpPr>
-        <p:cNvPr id="1" name=""/>
-        <p:cNvGrpSpPr/>
-        <p:nvPr/>
-      </p:nvGrpSpPr>
-      <p:grpSpPr>
-        <a:xfrm>
-          <a:off x="0" y="0"/>
-          <a:ext cx="0" cy="0"/>
-          <a:chOff x="0" y="0"/>
-          <a:chExt cx="0" cy="0"/>
-        </a:xfrm>
-      </p:grpSpPr>
-      <p:sp>
-        <p:nvSpPr>
-          <p:cNvPr id="2" name="Título 1">
-            <a:extLst>
-              <a:ext uri="{FF2B5EF4-FFF2-40B4-BE49-F238E27FC236}">
-                <a16:creationId xmlns:a16="http://schemas.microsoft.com/office/drawing/2014/main" id="{B7A326E0-7378-DEAD-3AFB-15247D7E203A}"/>
-              </a:ext>
-            </a:extLst>
-          </p:cNvPr>
-          <p:cNvSpPr>
-            <a:spLocks noGrp="1"/>
-          </p:cNvSpPr>
-          <p:nvPr>
-            <p:ph type="title"/>
-          </p:nvPr>
-        </p:nvSpPr>
-        <p:spPr>
-          <a:xfrm>
-            <a:off x="720001" y="810000"/>
-            <a:ext cx="6121725" cy="810000"/>
-          </a:xfrm>
-        </p:spPr>
-        <p:txBody>
-          <a:bodyPr anchor="t"/>
-          <a:lstStyle/>
-          <a:p>
-            <a:r>
-              <a:rPr lang="es-CO" dirty="0"/>
-              <a:t>Flujo uniforme. Canal compuesto.</a:t>
-            </a:r>
-            <a:endParaRPr lang="en-US" dirty="0"/>
-          </a:p>
-        </p:txBody>
-      </p:sp>
-      <p:pic>
-        <p:nvPicPr>
-          <p:cNvPr id="4" name="Imagen 3" descr="Imagen que contiene interior, viendo, cuarto, frente&#10;&#10;Descripción generada automáticamente">
-            <a:extLst>
-              <a:ext uri="{FF2B5EF4-FFF2-40B4-BE49-F238E27FC236}">
-                <a16:creationId xmlns:a16="http://schemas.microsoft.com/office/drawing/2014/main" id="{DCC3C4EE-27CA-184C-CF08-12E888334B33}"/>
-              </a:ext>
-            </a:extLst>
-          </p:cNvPr>
-          <p:cNvPicPr>
-            <a:picLocks noChangeAspect="1"/>
-          </p:cNvPicPr>
-          <p:nvPr/>
-        </p:nvPicPr>
-        <p:blipFill>
-          <a:blip r:embed="rId2"/>
-          <a:stretch>
-            <a:fillRect/>
-          </a:stretch>
-        </p:blipFill>
-        <p:spPr>
-          <a:xfrm>
-            <a:off x="108700" y="3429000"/>
-            <a:ext cx="7605614" cy="2714625"/>
-          </a:xfrm>
-          <a:prstGeom prst="rect">
-            <a:avLst/>
-          </a:prstGeom>
-        </p:spPr>
-      </p:pic>
-      <mc:AlternateContent xmlns:mc="http://schemas.openxmlformats.org/markup-compatibility/2006" xmlns:a14="http://schemas.microsoft.com/office/drawing/2010/main">
-        <mc:Choice Requires="a14">
-          <p:sp>
-            <p:nvSpPr>
-              <p:cNvPr id="5" name="CuadroTexto 4">
-                <a:extLst>
-                  <a:ext uri="{FF2B5EF4-FFF2-40B4-BE49-F238E27FC236}">
-                    <a16:creationId xmlns:a16="http://schemas.microsoft.com/office/drawing/2014/main" id="{AEAB082F-718A-5E14-3150-5484211A972D}"/>
-                  </a:ext>
-                </a:extLst>
-              </p:cNvPr>
-              <p:cNvSpPr txBox="1"/>
-              <p:nvPr/>
-            </p:nvSpPr>
-            <p:spPr>
-              <a:xfrm>
-                <a:off x="1857937" y="1836159"/>
-                <a:ext cx="2414507" cy="1056571"/>
-              </a:xfrm>
-              <a:prstGeom prst="rect">
-                <a:avLst/>
-              </a:prstGeom>
-              <a:noFill/>
-            </p:spPr>
-            <p:txBody>
-              <a:bodyPr wrap="none" lIns="0" tIns="0" rIns="0" bIns="0" rtlCol="0">
-                <a:spAutoFit/>
-              </a:bodyPr>
-              <a:lstStyle/>
-              <a:p>
-                <a:pPr/>
-                <a14:m>
-                  <m:oMathPara xmlns:m="http://schemas.openxmlformats.org/officeDocument/2006/math">
-                    <m:oMathParaPr>
-                      <m:jc m:val="centerGroup"/>
-                    </m:oMathParaPr>
-                    <m:oMath xmlns:m="http://schemas.openxmlformats.org/officeDocument/2006/math">
-                      <m:r>
-                        <a:rPr lang="es-CO" sz="2400" b="0" i="1" smtClean="0">
-                          <a:latin typeface="Cambria Math" panose="02040503050406030204" pitchFamily="18" charset="0"/>
-                        </a:rPr>
-                        <m:t>𝑛</m:t>
-                      </m:r>
-                      <m:r>
-                        <a:rPr lang="es-CO" sz="2400" b="0" i="1" smtClean="0">
-                          <a:latin typeface="Cambria Math" panose="02040503050406030204" pitchFamily="18" charset="0"/>
-                        </a:rPr>
-                        <m:t>=</m:t>
-                      </m:r>
-                      <m:sSup>
-                        <m:sSupPr>
-                          <m:ctrlPr>
-                            <a:rPr lang="es-CO" sz="2400" b="0" i="1" smtClean="0">
-                              <a:latin typeface="Cambria Math" panose="02040503050406030204" pitchFamily="18" charset="0"/>
-                              <a:ea typeface="Cambria Math" panose="02040503050406030204" pitchFamily="18" charset="0"/>
-                            </a:rPr>
-                          </m:ctrlPr>
-                        </m:sSupPr>
-                        <m:e>
-                          <m:d>
-                            <m:dPr>
-                              <m:ctrlPr>
-                                <a:rPr lang="es-CO" sz="2400" b="0" i="1" smtClean="0">
-                                  <a:latin typeface="Cambria Math" panose="02040503050406030204" pitchFamily="18" charset="0"/>
-                                  <a:ea typeface="Cambria Math" panose="02040503050406030204" pitchFamily="18" charset="0"/>
-                                </a:rPr>
-                              </m:ctrlPr>
-                            </m:dPr>
-                            <m:e>
-                              <m:f>
-                                <m:fPr>
-                                  <m:ctrlPr>
-                                    <a:rPr lang="es-CO" sz="2400" b="0" i="1" smtClean="0">
-                                      <a:latin typeface="Cambria Math" panose="02040503050406030204" pitchFamily="18" charset="0"/>
-                                      <a:ea typeface="Cambria Math" panose="02040503050406030204" pitchFamily="18" charset="0"/>
-                                    </a:rPr>
-                                  </m:ctrlPr>
-                                </m:fPr>
-                                <m:num>
-                                  <m:r>
-                                    <m:rPr>
-                                      <m:sty m:val="p"/>
-                                    </m:rPr>
-                                    <a:rPr lang="el-GR" sz="2400" i="1">
-                                      <a:latin typeface="Cambria Math" panose="02040503050406030204" pitchFamily="18" charset="0"/>
-                                      <a:ea typeface="Cambria Math" panose="02040503050406030204" pitchFamily="18" charset="0"/>
-                                    </a:rPr>
-                                    <m:t>Σ</m:t>
-                                  </m:r>
-                                  <m:sSub>
-                                    <m:sSubPr>
-                                      <m:ctrlPr>
-                                        <a:rPr lang="es-CO" sz="2400" b="0" i="1" smtClean="0">
-                                          <a:latin typeface="Cambria Math" panose="02040503050406030204" pitchFamily="18" charset="0"/>
-                                          <a:ea typeface="Cambria Math" panose="02040503050406030204" pitchFamily="18" charset="0"/>
-                                        </a:rPr>
-                                      </m:ctrlPr>
-                                    </m:sSubPr>
-                                    <m:e>
-                                      <m:r>
-                                        <a:rPr lang="es-CO" sz="2400" b="0" i="1" smtClean="0">
-                                          <a:latin typeface="Cambria Math" panose="02040503050406030204" pitchFamily="18" charset="0"/>
-                                          <a:ea typeface="Cambria Math" panose="02040503050406030204" pitchFamily="18" charset="0"/>
-                                        </a:rPr>
-                                        <m:t>𝑃</m:t>
-                                      </m:r>
-                                    </m:e>
-                                    <m:sub>
-                                      <m:r>
-                                        <a:rPr lang="es-CO" sz="2400" b="0" i="1" smtClean="0">
-                                          <a:latin typeface="Cambria Math" panose="02040503050406030204" pitchFamily="18" charset="0"/>
-                                          <a:ea typeface="Cambria Math" panose="02040503050406030204" pitchFamily="18" charset="0"/>
-                                        </a:rPr>
-                                        <m:t>𝑖</m:t>
-                                      </m:r>
-                                    </m:sub>
-                                  </m:sSub>
-                                  <m:sSubSup>
-                                    <m:sSubSupPr>
-                                      <m:ctrlPr>
-                                        <a:rPr lang="es-CO" sz="2400" b="0" i="1" smtClean="0">
-                                          <a:latin typeface="Cambria Math" panose="02040503050406030204" pitchFamily="18" charset="0"/>
-                                          <a:ea typeface="Cambria Math" panose="02040503050406030204" pitchFamily="18" charset="0"/>
-                                        </a:rPr>
-                                      </m:ctrlPr>
-                                    </m:sSubSupPr>
-                                    <m:e>
-                                      <m:r>
-                                        <a:rPr lang="es-CO" sz="2400" b="0" i="1" smtClean="0">
-                                          <a:latin typeface="Cambria Math" panose="02040503050406030204" pitchFamily="18" charset="0"/>
-                                          <a:ea typeface="Cambria Math" panose="02040503050406030204" pitchFamily="18" charset="0"/>
-                                        </a:rPr>
-                                        <m:t>𝑛</m:t>
-                                      </m:r>
-                                    </m:e>
-                                    <m:sub>
-                                      <m:r>
-                                        <a:rPr lang="es-CO" sz="2400" b="0" i="1" smtClean="0">
-                                          <a:latin typeface="Cambria Math" panose="02040503050406030204" pitchFamily="18" charset="0"/>
-                                          <a:ea typeface="Cambria Math" panose="02040503050406030204" pitchFamily="18" charset="0"/>
-                                        </a:rPr>
-                                        <m:t>𝑖</m:t>
-                                      </m:r>
-                                    </m:sub>
-                                    <m:sup>
-                                      <m:r>
-                                        <a:rPr lang="es-CO" sz="2400" b="0" i="1" smtClean="0">
-                                          <a:latin typeface="Cambria Math" panose="02040503050406030204" pitchFamily="18" charset="0"/>
-                                          <a:ea typeface="Cambria Math" panose="02040503050406030204" pitchFamily="18" charset="0"/>
-                                        </a:rPr>
-                                        <m:t>3/2</m:t>
-                                      </m:r>
-                                    </m:sup>
-                                  </m:sSubSup>
-                                </m:num>
-                                <m:den>
-                                  <m:sSub>
-                                    <m:sSubPr>
-                                      <m:ctrlPr>
-                                        <a:rPr lang="es-CO" sz="2400" b="0" i="1" smtClean="0">
-                                          <a:latin typeface="Cambria Math" panose="02040503050406030204" pitchFamily="18" charset="0"/>
-                                          <a:ea typeface="Cambria Math" panose="02040503050406030204" pitchFamily="18" charset="0"/>
-                                        </a:rPr>
-                                      </m:ctrlPr>
-                                    </m:sSubPr>
-                                    <m:e>
-                                      <m:r>
-                                        <a:rPr lang="es-CO" sz="2400" b="0" i="1" smtClean="0">
-                                          <a:latin typeface="Cambria Math" panose="02040503050406030204" pitchFamily="18" charset="0"/>
-                                          <a:ea typeface="Cambria Math" panose="02040503050406030204" pitchFamily="18" charset="0"/>
-                                        </a:rPr>
-                                        <m:t>𝑃</m:t>
-                                      </m:r>
-                                    </m:e>
-                                    <m:sub>
-                                      <m:r>
-                                        <a:rPr lang="es-CO" sz="2400" b="0" i="1" smtClean="0">
-                                          <a:latin typeface="Cambria Math" panose="02040503050406030204" pitchFamily="18" charset="0"/>
-                                          <a:ea typeface="Cambria Math" panose="02040503050406030204" pitchFamily="18" charset="0"/>
-                                        </a:rPr>
-                                        <m:t>𝑡</m:t>
-                                      </m:r>
-                                    </m:sub>
-                                  </m:sSub>
-                                </m:den>
-                              </m:f>
-                            </m:e>
-                          </m:d>
-                        </m:e>
-                        <m:sup>
-                          <m:r>
-                            <a:rPr lang="es-CO" sz="2400" b="0" i="1" smtClean="0">
-                              <a:latin typeface="Cambria Math" panose="02040503050406030204" pitchFamily="18" charset="0"/>
-                              <a:ea typeface="Cambria Math" panose="02040503050406030204" pitchFamily="18" charset="0"/>
-                            </a:rPr>
-                            <m:t>2/3</m:t>
-                          </m:r>
-                        </m:sup>
-                      </m:sSup>
-                    </m:oMath>
-                  </m:oMathPara>
-                </a14:m>
-                <a:endParaRPr lang="en-US" sz="2400" dirty="0"/>
-              </a:p>
-            </p:txBody>
-          </p:sp>
-        </mc:Choice>
-        <mc:Fallback xmlns="">
-          <p:sp>
-            <p:nvSpPr>
-              <p:cNvPr id="5" name="CuadroTexto 4">
-                <a:extLst>
-                  <a:ext uri="{FF2B5EF4-FFF2-40B4-BE49-F238E27FC236}">
-                    <a16:creationId xmlns:a16="http://schemas.microsoft.com/office/drawing/2014/main" id="{AEAB082F-718A-5E14-3150-5484211A972D}"/>
-                  </a:ext>
-                </a:extLst>
-              </p:cNvPr>
-              <p:cNvSpPr txBox="1">
-                <a:spLocks noRot="1" noChangeAspect="1" noMove="1" noResize="1" noEditPoints="1" noAdjustHandles="1" noChangeArrowheads="1" noChangeShapeType="1" noTextEdit="1"/>
-              </p:cNvSpPr>
-              <p:nvPr/>
-            </p:nvSpPr>
-            <p:spPr>
-              <a:xfrm>
-                <a:off x="1857937" y="1836159"/>
-                <a:ext cx="2414507" cy="1056571"/>
-              </a:xfrm>
-              <a:prstGeom prst="rect">
-                <a:avLst/>
-              </a:prstGeom>
-              <a:blipFill>
-                <a:blip r:embed="rId3"/>
-                <a:stretch>
-                  <a:fillRect/>
-                </a:stretch>
-              </a:blipFill>
-            </p:spPr>
-            <p:txBody>
-              <a:bodyPr/>
-              <a:lstStyle/>
-              <a:p>
-                <a:r>
-                  <a:rPr lang="en-US">
-                    <a:noFill/>
-                  </a:rPr>
-                  <a:t> </a:t>
-                </a:r>
-              </a:p>
-            </p:txBody>
-          </p:sp>
-        </mc:Fallback>
-      </mc:AlternateContent>
-      <p:sp>
-        <p:nvSpPr>
-          <p:cNvPr id="9" name="CuadroTexto 8">
-            <a:extLst>
-              <a:ext uri="{FF2B5EF4-FFF2-40B4-BE49-F238E27FC236}">
-                <a16:creationId xmlns:a16="http://schemas.microsoft.com/office/drawing/2014/main" id="{BE4B75A7-518C-ED96-2874-7B5AFF1B7E5E}"/>
-              </a:ext>
-            </a:extLst>
-          </p:cNvPr>
-          <p:cNvSpPr txBox="1"/>
-          <p:nvPr/>
-        </p:nvSpPr>
-        <p:spPr>
-          <a:xfrm>
-            <a:off x="3987274" y="2763237"/>
-            <a:ext cx="1785554" cy="338554"/>
-          </a:xfrm>
-          <a:prstGeom prst="rect">
-            <a:avLst/>
-          </a:prstGeom>
-          <a:noFill/>
-        </p:spPr>
-        <p:txBody>
-          <a:bodyPr wrap="square">
-            <a:spAutoFit/>
-          </a:bodyPr>
-          <a:lstStyle/>
-          <a:p>
-            <a:r>
-              <a:rPr lang="es-CO" sz="1600" dirty="0"/>
-              <a:t>Einstein-Horton</a:t>
-            </a:r>
-            <a:endParaRPr lang="en-US" sz="1600" dirty="0"/>
-          </a:p>
-        </p:txBody>
-      </p:sp>
-    </p:spTree>
-    <p:extLst>
-      <p:ext uri="{BB962C8B-B14F-4D97-AF65-F5344CB8AC3E}">
-        <p14:creationId xmlns:p14="http://schemas.microsoft.com/office/powerpoint/2010/main" val="284813920"/>
-      </p:ext>
-    </p:extLst>
-  </p:cSld>
-  <p:clrMapOvr>
-    <a:masterClrMapping/>
-  </p:clrMapOvr>
-</p:sld>
-</file>
-
-<file path=ppt/slides/slide5.xml><?xml version="1.0" encoding="utf-8"?>
-<p:sld xmlns:a="http://schemas.openxmlformats.org/drawingml/2006/main" xmlns:r="http://schemas.openxmlformats.org/officeDocument/2006/relationships" xmlns:p="http://schemas.openxmlformats.org/presentationml/2006/main">
-  <p:cSld>
-    <p:spTree>
-      <p:nvGrpSpPr>
-        <p:cNvPr id="1" name=""/>
-        <p:cNvGrpSpPr/>
-        <p:nvPr/>
-      </p:nvGrpSpPr>
-      <p:grpSpPr>
-        <a:xfrm>
-          <a:off x="0" y="0"/>
-          <a:ext cx="0" cy="0"/>
-          <a:chOff x="0" y="0"/>
-          <a:chExt cx="0" cy="0"/>
-        </a:xfrm>
-      </p:grpSpPr>
-      <p:sp>
-        <p:nvSpPr>
-          <p:cNvPr id="2" name="Título 1">
-            <a:extLst>
-              <a:ext uri="{FF2B5EF4-FFF2-40B4-BE49-F238E27FC236}">
-                <a16:creationId xmlns:a16="http://schemas.microsoft.com/office/drawing/2014/main" id="{B7A326E0-7378-DEAD-3AFB-15247D7E203A}"/>
-              </a:ext>
-            </a:extLst>
-          </p:cNvPr>
-          <p:cNvSpPr>
-            <a:spLocks noGrp="1"/>
-          </p:cNvSpPr>
-          <p:nvPr>
-            <p:ph type="title"/>
-          </p:nvPr>
-        </p:nvSpPr>
-        <p:spPr>
-          <a:xfrm>
-            <a:off x="720001" y="810000"/>
-            <a:ext cx="6121725" cy="810000"/>
-          </a:xfrm>
-        </p:spPr>
-        <p:txBody>
-          <a:bodyPr anchor="t"/>
-          <a:lstStyle/>
-          <a:p>
-            <a:r>
-              <a:rPr lang="es-CO" dirty="0"/>
-              <a:t>Flujo gradualmente variado (FGV)</a:t>
-            </a:r>
-            <a:endParaRPr lang="en-US" dirty="0"/>
-          </a:p>
-        </p:txBody>
-      </p:sp>
-      <p:pic>
-        <p:nvPicPr>
-          <p:cNvPr id="4" name="Imagen 3" descr="Diagrama&#10;&#10;Descripción generada automáticamente">
-            <a:extLst>
-              <a:ext uri="{FF2B5EF4-FFF2-40B4-BE49-F238E27FC236}">
-                <a16:creationId xmlns:a16="http://schemas.microsoft.com/office/drawing/2014/main" id="{71BF6235-A5DC-DDAF-237F-75BCE8BB19A2}"/>
-              </a:ext>
-            </a:extLst>
-          </p:cNvPr>
-          <p:cNvPicPr>
-            <a:picLocks noChangeAspect="1"/>
-          </p:cNvPicPr>
-          <p:nvPr/>
-        </p:nvPicPr>
-        <p:blipFill>
-          <a:blip r:embed="rId2">
-            <a:clrChange>
-              <a:clrFrom>
-                <a:srgbClr val="FFFFFF"/>
-              </a:clrFrom>
-              <a:clrTo>
-                <a:srgbClr val="FFFFFF">
-                  <a:alpha val="0"/>
-                </a:srgbClr>
-              </a:clrTo>
-            </a:clrChange>
-          </a:blip>
-          <a:stretch>
-            <a:fillRect/>
-          </a:stretch>
-        </p:blipFill>
-        <p:spPr>
-          <a:xfrm>
-            <a:off x="369325" y="2116412"/>
-            <a:ext cx="6823075" cy="4254573"/>
-          </a:xfrm>
-          <a:prstGeom prst="rect">
-            <a:avLst/>
-          </a:prstGeom>
-        </p:spPr>
-      </p:pic>
-      <mc:AlternateContent xmlns:mc="http://schemas.openxmlformats.org/markup-compatibility/2006">
-        <mc:Choice xmlns:a14="http://schemas.microsoft.com/office/drawing/2010/main" Requires="a14">
-          <p:sp>
-            <p:nvSpPr>
-              <p:cNvPr id="6" name="CuadroTexto 5">
-                <a:extLst>
-                  <a:ext uri="{FF2B5EF4-FFF2-40B4-BE49-F238E27FC236}">
-                    <a16:creationId xmlns:a16="http://schemas.microsoft.com/office/drawing/2014/main" id="{52B3CC38-FFB6-2A41-81B8-E041DAD5ACE5}"/>
-                  </a:ext>
-                </a:extLst>
-              </p:cNvPr>
-              <p:cNvSpPr txBox="1"/>
-              <p:nvPr/>
-            </p:nvSpPr>
-            <p:spPr>
-              <a:xfrm>
-                <a:off x="4026545" y="1839075"/>
-                <a:ext cx="2177006" cy="1115883"/>
-              </a:xfrm>
-              <a:prstGeom prst="rect">
-                <a:avLst/>
-              </a:prstGeom>
-              <a:noFill/>
-            </p:spPr>
-            <p:txBody>
-              <a:bodyPr wrap="none" lIns="0" tIns="0" rIns="0" bIns="0" rtlCol="0">
-                <a:spAutoFit/>
-              </a:bodyPr>
-              <a:lstStyle/>
-              <a:p>
-                <a:pPr/>
-                <a14:m>
-                  <m:oMathPara xmlns:m="http://schemas.openxmlformats.org/officeDocument/2006/math">
-                    <m:oMathParaPr>
-                      <m:jc m:val="centerGroup"/>
-                    </m:oMathParaPr>
-                    <m:oMath xmlns:m="http://schemas.openxmlformats.org/officeDocument/2006/math">
-                      <m:f>
-                        <m:fPr>
-                          <m:ctrlPr>
-                            <a:rPr lang="es-CO" sz="2400" b="0" i="1" smtClean="0">
-                              <a:latin typeface="Cambria Math" panose="02040503050406030204" pitchFamily="18" charset="0"/>
-                            </a:rPr>
-                          </m:ctrlPr>
-                        </m:fPr>
-                        <m:num>
-                          <m:r>
-                            <a:rPr lang="es-CO" sz="2400" b="0" i="1" smtClean="0">
-                              <a:latin typeface="Cambria Math" panose="02040503050406030204" pitchFamily="18" charset="0"/>
-                            </a:rPr>
-                            <m:t>𝑑𝑦</m:t>
-                          </m:r>
-                        </m:num>
-                        <m:den>
-                          <m:r>
-                            <a:rPr lang="es-CO" sz="2400" b="0" i="1" smtClean="0">
-                              <a:latin typeface="Cambria Math" panose="02040503050406030204" pitchFamily="18" charset="0"/>
-                            </a:rPr>
-                            <m:t>𝑑𝑥</m:t>
-                          </m:r>
-                        </m:den>
-                      </m:f>
-                      <m:r>
-                        <a:rPr lang="es-CO" sz="2400" b="0" i="1" smtClean="0">
-                          <a:latin typeface="Cambria Math" panose="02040503050406030204" pitchFamily="18" charset="0"/>
-                        </a:rPr>
-                        <m:t>=</m:t>
-                      </m:r>
-                      <m:f>
-                        <m:fPr>
-                          <m:ctrlPr>
-                            <a:rPr lang="es-CO" sz="2400" b="0" i="1" smtClean="0">
-                              <a:latin typeface="Cambria Math" panose="02040503050406030204" pitchFamily="18" charset="0"/>
-                            </a:rPr>
-                          </m:ctrlPr>
-                        </m:fPr>
-                        <m:num>
-                          <m:sSub>
-                            <m:sSubPr>
-                              <m:ctrlPr>
-                                <a:rPr lang="es-CO" sz="2400" b="0" i="1" smtClean="0">
-                                  <a:latin typeface="Cambria Math" panose="02040503050406030204" pitchFamily="18" charset="0"/>
-                                </a:rPr>
-                              </m:ctrlPr>
-                            </m:sSubPr>
-                            <m:e>
-                              <m:r>
-                                <a:rPr lang="es-CO" sz="2400" b="0" i="1" smtClean="0">
-                                  <a:latin typeface="Cambria Math" panose="02040503050406030204" pitchFamily="18" charset="0"/>
-                                </a:rPr>
-                                <m:t>𝑆</m:t>
-                              </m:r>
-                            </m:e>
-                            <m:sub>
-                              <m:r>
-                                <a:rPr lang="es-CO" sz="2400" b="0" i="1" smtClean="0">
-                                  <a:latin typeface="Cambria Math" panose="02040503050406030204" pitchFamily="18" charset="0"/>
-                                </a:rPr>
-                                <m:t>𝑜</m:t>
-                              </m:r>
-                            </m:sub>
-                          </m:sSub>
-                          <m:r>
-                            <a:rPr lang="es-CO" sz="2400" b="0" i="1" smtClean="0">
-                              <a:latin typeface="Cambria Math" panose="02040503050406030204" pitchFamily="18" charset="0"/>
-                            </a:rPr>
-                            <m:t>−</m:t>
-                          </m:r>
-                          <m:sSub>
-                            <m:sSubPr>
-                              <m:ctrlPr>
-                                <a:rPr lang="es-CO" sz="2400" b="0" i="1" smtClean="0">
-                                  <a:latin typeface="Cambria Math" panose="02040503050406030204" pitchFamily="18" charset="0"/>
-                                </a:rPr>
-                              </m:ctrlPr>
-                            </m:sSubPr>
-                            <m:e>
-                              <m:r>
-                                <a:rPr lang="es-CO" sz="2400" b="0" i="1" smtClean="0">
-                                  <a:latin typeface="Cambria Math" panose="02040503050406030204" pitchFamily="18" charset="0"/>
-                                </a:rPr>
-                                <m:t>𝑆</m:t>
-                              </m:r>
-                            </m:e>
-                            <m:sub>
-                              <m:r>
-                                <a:rPr lang="es-CO" sz="2400" b="0" i="1" smtClean="0">
-                                  <a:latin typeface="Cambria Math" panose="02040503050406030204" pitchFamily="18" charset="0"/>
-                                </a:rPr>
-                                <m:t>𝑓</m:t>
-                              </m:r>
-                            </m:sub>
-                          </m:sSub>
-                        </m:num>
-                        <m:den>
-                          <m:r>
-                            <a:rPr lang="es-CO" sz="2400" b="0" i="1" smtClean="0">
-                              <a:latin typeface="Cambria Math" panose="02040503050406030204" pitchFamily="18" charset="0"/>
-                            </a:rPr>
-                            <m:t>1−</m:t>
-                          </m:r>
-                          <m:f>
-                            <m:fPr>
-                              <m:ctrlPr>
-                                <a:rPr lang="es-CO" sz="2400" b="0" i="1" smtClean="0">
-                                  <a:latin typeface="Cambria Math" panose="02040503050406030204" pitchFamily="18" charset="0"/>
-                                </a:rPr>
-                              </m:ctrlPr>
-                            </m:fPr>
-                            <m:num>
-                              <m:sSup>
-                                <m:sSupPr>
-                                  <m:ctrlPr>
-                                    <a:rPr lang="es-CO" sz="2400" b="0" i="1" smtClean="0">
-                                      <a:latin typeface="Cambria Math" panose="02040503050406030204" pitchFamily="18" charset="0"/>
-                                    </a:rPr>
-                                  </m:ctrlPr>
-                                </m:sSupPr>
-                                <m:e>
-                                  <m:r>
-                                    <a:rPr lang="es-CO" sz="2400" b="0" i="1" smtClean="0">
-                                      <a:latin typeface="Cambria Math" panose="02040503050406030204" pitchFamily="18" charset="0"/>
-                                      <a:ea typeface="Cambria Math" panose="02040503050406030204" pitchFamily="18" charset="0"/>
-                                    </a:rPr>
-                                    <m:t>𝛼</m:t>
-                                  </m:r>
-                                  <m:r>
-                                    <a:rPr lang="es-CO" sz="2400" b="0" i="1" smtClean="0">
-                                      <a:latin typeface="Cambria Math" panose="02040503050406030204" pitchFamily="18" charset="0"/>
-                                    </a:rPr>
-                                    <m:t>𝑄</m:t>
-                                  </m:r>
-                                </m:e>
-                                <m:sup>
-                                  <m:r>
-                                    <a:rPr lang="es-CO" sz="2400" b="0" i="1" smtClean="0">
-                                      <a:latin typeface="Cambria Math" panose="02040503050406030204" pitchFamily="18" charset="0"/>
-                                    </a:rPr>
-                                    <m:t>2</m:t>
-                                  </m:r>
-                                </m:sup>
-                              </m:sSup>
-                              <m:r>
-                                <a:rPr lang="es-CO" sz="2400" b="0" i="1" smtClean="0">
-                                  <a:latin typeface="Cambria Math" panose="02040503050406030204" pitchFamily="18" charset="0"/>
-                                </a:rPr>
-                                <m:t>𝑇</m:t>
-                              </m:r>
-                            </m:num>
-                            <m:den>
-                              <m:r>
-                                <a:rPr lang="es-CO" sz="2400" b="0" i="1" smtClean="0">
-                                  <a:latin typeface="Cambria Math" panose="02040503050406030204" pitchFamily="18" charset="0"/>
-                                </a:rPr>
-                                <m:t>𝑔</m:t>
-                              </m:r>
-                              <m:sSup>
-                                <m:sSupPr>
-                                  <m:ctrlPr>
-                                    <a:rPr lang="es-CO" sz="2400" b="0" i="1" smtClean="0">
-                                      <a:latin typeface="Cambria Math" panose="02040503050406030204" pitchFamily="18" charset="0"/>
-                                    </a:rPr>
-                                  </m:ctrlPr>
-                                </m:sSupPr>
-                                <m:e>
-                                  <m:r>
-                                    <a:rPr lang="es-CO" sz="2400" b="0" i="1" smtClean="0">
-                                      <a:latin typeface="Cambria Math" panose="02040503050406030204" pitchFamily="18" charset="0"/>
-                                    </a:rPr>
-                                    <m:t>𝐴</m:t>
-                                  </m:r>
-                                </m:e>
-                                <m:sup>
-                                  <m:r>
-                                    <a:rPr lang="es-CO" sz="2400" b="0" i="1" smtClean="0">
-                                      <a:latin typeface="Cambria Math" panose="02040503050406030204" pitchFamily="18" charset="0"/>
-                                    </a:rPr>
-                                    <m:t>3</m:t>
-                                  </m:r>
-                                </m:sup>
-                              </m:sSup>
-                            </m:den>
-                          </m:f>
-                        </m:den>
-                      </m:f>
-                      <m:r>
-                        <a:rPr lang="es-CO" sz="2400" b="0" i="1" smtClean="0">
-                          <a:latin typeface="Cambria Math" panose="02040503050406030204" pitchFamily="18" charset="0"/>
-                        </a:rPr>
-                        <m:t> </m:t>
-                      </m:r>
-                    </m:oMath>
-                  </m:oMathPara>
-                </a14:m>
-                <a:endParaRPr lang="en-US" sz="2400" dirty="0"/>
-              </a:p>
-            </p:txBody>
-          </p:sp>
-        </mc:Choice>
-        <mc:Fallback>
-          <p:sp>
-            <p:nvSpPr>
-              <p:cNvPr id="6" name="CuadroTexto 5">
-                <a:extLst>
-                  <a:ext uri="{FF2B5EF4-FFF2-40B4-BE49-F238E27FC236}">
-                    <a16:creationId xmlns:a16="http://schemas.microsoft.com/office/drawing/2014/main" id="{52B3CC38-FFB6-2A41-81B8-E041DAD5ACE5}"/>
-                  </a:ext>
-                </a:extLst>
-              </p:cNvPr>
-              <p:cNvSpPr txBox="1">
-                <a:spLocks noRot="1" noChangeAspect="1" noMove="1" noResize="1" noEditPoints="1" noAdjustHandles="1" noChangeArrowheads="1" noChangeShapeType="1" noTextEdit="1"/>
-              </p:cNvSpPr>
-              <p:nvPr/>
-            </p:nvSpPr>
-            <p:spPr>
-              <a:xfrm>
-                <a:off x="4026545" y="1839075"/>
-                <a:ext cx="2177006" cy="1115883"/>
-              </a:xfrm>
-              <a:prstGeom prst="rect">
-                <a:avLst/>
-              </a:prstGeom>
-              <a:blipFill>
-                <a:blip r:embed="rId3"/>
-                <a:stretch>
-                  <a:fillRect/>
-                </a:stretch>
-              </a:blipFill>
-            </p:spPr>
-            <p:txBody>
-              <a:bodyPr/>
-              <a:lstStyle/>
-              <a:p>
-                <a:r>
-                  <a:rPr lang="en-US">
-                    <a:noFill/>
-                  </a:rPr>
-                  <a:t> </a:t>
-                </a:r>
-              </a:p>
-            </p:txBody>
-          </p:sp>
-        </mc:Fallback>
-      </mc:AlternateContent>
-    </p:spTree>
-    <p:extLst>
-      <p:ext uri="{BB962C8B-B14F-4D97-AF65-F5344CB8AC3E}">
-        <p14:creationId xmlns:p14="http://schemas.microsoft.com/office/powerpoint/2010/main" val="4202401583"/>
-      </p:ext>
-    </p:extLst>
-  </p:cSld>
-  <p:clrMapOvr>
-    <a:masterClrMapping/>
-  </p:clrMapOvr>
-</p:sld>
-</file>
-
-<file path=ppt/slides/slide6.xml><?xml version="1.0" encoding="utf-8"?>
-<p:sld xmlns:a="http://schemas.openxmlformats.org/drawingml/2006/main" xmlns:r="http://schemas.openxmlformats.org/officeDocument/2006/relationships" xmlns:p="http://schemas.openxmlformats.org/presentationml/2006/main">
-  <p:cSld>
-    <p:spTree>
-      <p:nvGrpSpPr>
-        <p:cNvPr id="1" name=""/>
-        <p:cNvGrpSpPr/>
-        <p:nvPr/>
-      </p:nvGrpSpPr>
-      <p:grpSpPr>
-        <a:xfrm>
-          <a:off x="0" y="0"/>
-          <a:ext cx="0" cy="0"/>
-          <a:chOff x="0" y="0"/>
-          <a:chExt cx="0" cy="0"/>
-        </a:xfrm>
-      </p:grpSpPr>
-      <p:sp>
-        <p:nvSpPr>
-          <p:cNvPr id="2" name="Título 1">
-            <a:extLst>
-              <a:ext uri="{FF2B5EF4-FFF2-40B4-BE49-F238E27FC236}">
-                <a16:creationId xmlns:a16="http://schemas.microsoft.com/office/drawing/2014/main" id="{B7A326E0-7378-DEAD-3AFB-15247D7E203A}"/>
-              </a:ext>
-            </a:extLst>
-          </p:cNvPr>
-          <p:cNvSpPr>
-            <a:spLocks noGrp="1"/>
-          </p:cNvSpPr>
-          <p:nvPr>
-            <p:ph type="title"/>
-          </p:nvPr>
-        </p:nvSpPr>
-        <p:spPr>
-          <a:xfrm>
-            <a:off x="720001" y="810000"/>
-            <a:ext cx="6121725" cy="810000"/>
-          </a:xfrm>
-        </p:spPr>
-        <p:txBody>
-          <a:bodyPr anchor="t"/>
-          <a:lstStyle/>
-          <a:p>
-            <a:r>
-              <a:rPr lang="es-CO" dirty="0"/>
-              <a:t>Flujo gradualmente variado (FGV)</a:t>
-            </a:r>
-            <a:endParaRPr lang="en-US" dirty="0"/>
-          </a:p>
-        </p:txBody>
-      </p:sp>
-      <p:pic>
-        <p:nvPicPr>
-          <p:cNvPr id="5" name="Imagen 4" descr="Diagrama, Carta&#10;&#10;Descripción generada automáticamente">
-            <a:extLst>
-              <a:ext uri="{FF2B5EF4-FFF2-40B4-BE49-F238E27FC236}">
-                <a16:creationId xmlns:a16="http://schemas.microsoft.com/office/drawing/2014/main" id="{76090853-B96B-D882-6055-BDEE8EA14ED9}"/>
-              </a:ext>
-            </a:extLst>
-          </p:cNvPr>
-          <p:cNvPicPr>
-            <a:picLocks noChangeAspect="1"/>
-          </p:cNvPicPr>
-          <p:nvPr/>
-        </p:nvPicPr>
-        <p:blipFill rotWithShape="1">
-          <a:blip r:embed="rId2">
-            <a:clrChange>
-              <a:clrFrom>
-                <a:srgbClr val="FFFFFF"/>
-              </a:clrFrom>
-              <a:clrTo>
-                <a:srgbClr val="FFFFFF">
-                  <a:alpha val="0"/>
-                </a:srgbClr>
-              </a:clrTo>
-            </a:clrChange>
-          </a:blip>
-          <a:srcRect r="51641"/>
-          <a:stretch/>
-        </p:blipFill>
-        <p:spPr>
-          <a:xfrm>
-            <a:off x="1920153" y="1548817"/>
-            <a:ext cx="3657600" cy="2380033"/>
-          </a:xfrm>
-          <a:prstGeom prst="rect">
-            <a:avLst/>
-          </a:prstGeom>
-        </p:spPr>
-      </p:pic>
-      <p:pic>
-        <p:nvPicPr>
-          <p:cNvPr id="7" name="Imagen 6" descr="Diagrama, Carta&#10;&#10;Descripción generada automáticamente">
-            <a:extLst>
-              <a:ext uri="{FF2B5EF4-FFF2-40B4-BE49-F238E27FC236}">
-                <a16:creationId xmlns:a16="http://schemas.microsoft.com/office/drawing/2014/main" id="{BCA31257-16F1-F219-B921-9AA15C13F3F2}"/>
-              </a:ext>
-            </a:extLst>
-          </p:cNvPr>
-          <p:cNvPicPr>
-            <a:picLocks noChangeAspect="1"/>
-          </p:cNvPicPr>
-          <p:nvPr/>
-        </p:nvPicPr>
-        <p:blipFill rotWithShape="1">
-          <a:blip r:embed="rId2">
-            <a:clrChange>
-              <a:clrFrom>
-                <a:srgbClr val="FFFFFF"/>
-              </a:clrFrom>
-              <a:clrTo>
-                <a:srgbClr val="FFFFFF">
-                  <a:alpha val="0"/>
-                </a:srgbClr>
-              </a:clrTo>
-            </a:clrChange>
-          </a:blip>
-          <a:srcRect l="52523"/>
-          <a:stretch/>
-        </p:blipFill>
-        <p:spPr>
-          <a:xfrm>
-            <a:off x="1920153" y="3995525"/>
-            <a:ext cx="3657600" cy="2424256"/>
-          </a:xfrm>
-          <a:prstGeom prst="rect">
-            <a:avLst/>
-          </a:prstGeom>
-        </p:spPr>
-      </p:pic>
-    </p:spTree>
-    <p:extLst>
-      <p:ext uri="{BB962C8B-B14F-4D97-AF65-F5344CB8AC3E}">
-        <p14:creationId xmlns:p14="http://schemas.microsoft.com/office/powerpoint/2010/main" val="108691881"/>
-      </p:ext>
-    </p:extLst>
-  </p:cSld>
-  <p:clrMapOvr>
-    <a:masterClrMapping/>
-  </p:clrMapOvr>
-</p:sld>
-</file>
-
-<file path=ppt/slides/slide7.xml><?xml version="1.0" encoding="utf-8"?>
-<p:sld xmlns:a="http://schemas.openxmlformats.org/drawingml/2006/main" xmlns:r="http://schemas.openxmlformats.org/officeDocument/2006/relationships" xmlns:p="http://schemas.openxmlformats.org/presentationml/2006/main">
-  <p:cSld>
-    <p:spTree>
-      <p:nvGrpSpPr>
-        <p:cNvPr id="1" name=""/>
-        <p:cNvGrpSpPr/>
-        <p:nvPr/>
-      </p:nvGrpSpPr>
-      <p:grpSpPr>
-        <a:xfrm>
-          <a:off x="0" y="0"/>
-          <a:ext cx="0" cy="0"/>
-          <a:chOff x="0" y="0"/>
-          <a:chExt cx="0" cy="0"/>
-        </a:xfrm>
-      </p:grpSpPr>
-      <p:sp>
-        <p:nvSpPr>
-          <p:cNvPr id="2" name="Título 1">
-            <a:extLst>
-              <a:ext uri="{FF2B5EF4-FFF2-40B4-BE49-F238E27FC236}">
-                <a16:creationId xmlns:a16="http://schemas.microsoft.com/office/drawing/2014/main" id="{B7A326E0-7378-DEAD-3AFB-15247D7E203A}"/>
-              </a:ext>
-            </a:extLst>
-          </p:cNvPr>
-          <p:cNvSpPr>
-            <a:spLocks noGrp="1"/>
-          </p:cNvSpPr>
-          <p:nvPr>
-            <p:ph type="title"/>
-          </p:nvPr>
-        </p:nvSpPr>
-        <p:spPr>
-          <a:xfrm>
-            <a:off x="720001" y="810000"/>
-            <a:ext cx="6121725" cy="810000"/>
-          </a:xfrm>
-        </p:spPr>
-        <p:txBody>
-          <a:bodyPr anchor="t"/>
-          <a:lstStyle/>
-          <a:p>
-            <a:r>
-              <a:rPr lang="es-CO" dirty="0"/>
-              <a:t>Flujo gradualmente variado (FGV)</a:t>
-            </a:r>
-            <a:endParaRPr lang="en-US" dirty="0"/>
-          </a:p>
-        </p:txBody>
-      </p:sp>
-      <p:graphicFrame>
-        <p:nvGraphicFramePr>
-          <p:cNvPr id="9" name="Tabla 9">
-            <a:extLst>
-              <a:ext uri="{FF2B5EF4-FFF2-40B4-BE49-F238E27FC236}">
-                <a16:creationId xmlns:a16="http://schemas.microsoft.com/office/drawing/2014/main" id="{930AD5D2-0C83-50D5-0CCE-510AE266CC67}"/>
-              </a:ext>
-            </a:extLst>
-          </p:cNvPr>
-          <p:cNvGraphicFramePr>
-            <a:graphicFrameLocks noGrp="1"/>
-          </p:cNvGraphicFramePr>
-          <p:nvPr>
-            <p:extLst>
-              <p:ext uri="{D42A27DB-BD31-4B8C-83A1-F6EECF244321}">
-                <p14:modId xmlns:p14="http://schemas.microsoft.com/office/powerpoint/2010/main" val="232985664"/>
-              </p:ext>
-            </p:extLst>
-          </p:nvPr>
-        </p:nvGraphicFramePr>
-        <p:xfrm>
-          <a:off x="1489825" y="1835568"/>
-          <a:ext cx="3796354" cy="4358640"/>
-        </p:xfrm>
-        <a:graphic>
-          <a:graphicData uri="http://schemas.openxmlformats.org/drawingml/2006/table">
-            <a:tbl>
-              <a:tblPr firstRow="1">
-                <a:tableStyleId>{3C2FFA5D-87B4-456A-9821-1D502468CF0F}</a:tableStyleId>
-              </a:tblPr>
-              <a:tblGrid>
-                <a:gridCol w="690002">
-                  <a:extLst>
-                    <a:ext uri="{9D8B030D-6E8A-4147-A177-3AD203B41FA5}">
-                      <a16:colId xmlns:a16="http://schemas.microsoft.com/office/drawing/2014/main" val="337724528"/>
-                    </a:ext>
-                  </a:extLst>
-                </a:gridCol>
-                <a:gridCol w="707631">
-                  <a:extLst>
-                    <a:ext uri="{9D8B030D-6E8A-4147-A177-3AD203B41FA5}">
-                      <a16:colId xmlns:a16="http://schemas.microsoft.com/office/drawing/2014/main" val="12610463"/>
-                    </a:ext>
-                  </a:extLst>
-                </a:gridCol>
-                <a:gridCol w="1390650">
-                  <a:extLst>
-                    <a:ext uri="{9D8B030D-6E8A-4147-A177-3AD203B41FA5}">
-                      <a16:colId xmlns:a16="http://schemas.microsoft.com/office/drawing/2014/main" val="3918772437"/>
-                    </a:ext>
-                  </a:extLst>
-                </a:gridCol>
-                <a:gridCol w="1008071">
-                  <a:extLst>
-                    <a:ext uri="{9D8B030D-6E8A-4147-A177-3AD203B41FA5}">
-                      <a16:colId xmlns:a16="http://schemas.microsoft.com/office/drawing/2014/main" val="4199767705"/>
-                    </a:ext>
-                  </a:extLst>
-                </a:gridCol>
-              </a:tblGrid>
-              <a:tr h="329184">
-                <a:tc>
-                  <a:txBody>
-                    <a:bodyPr/>
-                    <a:lstStyle/>
-                    <a:p>
-                      <a:pPr algn="ctr"/>
-                      <a:r>
-                        <a:rPr lang="es-CO" sz="1600" dirty="0"/>
-                        <a:t>Perfil</a:t>
-                      </a:r>
-                      <a:endParaRPr lang="en-US" sz="1600" dirty="0"/>
-                    </a:p>
-                  </a:txBody>
-                  <a:tcPr anchor="ctr">
-                    <a:solidFill>
-                      <a:schemeClr val="bg1">
-                        <a:lumMod val="50000"/>
-                      </a:schemeClr>
-                    </a:solidFill>
-                  </a:tcPr>
-                </a:tc>
-                <a:tc>
-                  <a:txBody>
-                    <a:bodyPr/>
-                    <a:lstStyle/>
-                    <a:p>
-                      <a:pPr algn="ctr"/>
-                      <a:r>
-                        <a:rPr lang="es-CO" sz="1600" dirty="0"/>
-                        <a:t>So</a:t>
-                      </a:r>
-                      <a:endParaRPr lang="en-US" sz="1600" dirty="0"/>
-                    </a:p>
-                  </a:txBody>
-                  <a:tcPr anchor="ctr">
-                    <a:solidFill>
-                      <a:schemeClr val="bg1">
-                        <a:lumMod val="50000"/>
-                      </a:schemeClr>
-                    </a:solidFill>
-                  </a:tcPr>
-                </a:tc>
-                <a:tc>
-                  <a:txBody>
-                    <a:bodyPr/>
-                    <a:lstStyle/>
-                    <a:p>
-                      <a:pPr algn="ctr"/>
-                      <a:r>
-                        <a:rPr lang="es-CO" sz="1600" dirty="0"/>
-                        <a:t>Flujo</a:t>
-                      </a:r>
-                      <a:endParaRPr lang="en-US" sz="1600" dirty="0"/>
-                    </a:p>
-                  </a:txBody>
-                  <a:tcPr anchor="ctr">
-                    <a:solidFill>
-                      <a:schemeClr val="bg1">
-                        <a:lumMod val="50000"/>
-                      </a:schemeClr>
-                    </a:solidFill>
-                  </a:tcPr>
-                </a:tc>
-                <a:tc>
-                  <a:txBody>
-                    <a:bodyPr/>
-                    <a:lstStyle/>
-                    <a:p>
-                      <a:pPr algn="ctr"/>
-                      <a:r>
-                        <a:rPr lang="es-CO" sz="1600" dirty="0"/>
-                        <a:t>y</a:t>
-                      </a:r>
-                      <a:endParaRPr lang="en-US" sz="1600" dirty="0"/>
-                    </a:p>
-                  </a:txBody>
-                  <a:tcPr anchor="ctr">
-                    <a:solidFill>
-                      <a:schemeClr val="bg1">
-                        <a:lumMod val="50000"/>
-                      </a:schemeClr>
-                    </a:solidFill>
-                  </a:tcPr>
-                </a:tc>
-                <a:extLst>
-                  <a:ext uri="{0D108BD9-81ED-4DB2-BD59-A6C34878D82A}">
-                    <a16:rowId xmlns:a16="http://schemas.microsoft.com/office/drawing/2014/main" val="2181016861"/>
-                  </a:ext>
-                </a:extLst>
-              </a:tr>
-              <a:tr h="329184">
-                <a:tc>
-                  <a:txBody>
-                    <a:bodyPr/>
-                    <a:lstStyle/>
-                    <a:p>
-                      <a:pPr algn="ctr"/>
-                      <a:r>
-                        <a:rPr lang="es-CO" sz="1600" dirty="0"/>
-                        <a:t>M1</a:t>
-                      </a:r>
-                      <a:endParaRPr lang="en-US" sz="1600" dirty="0"/>
-                    </a:p>
-                  </a:txBody>
-                  <a:tcPr anchor="ctr">
-                    <a:solidFill>
-                      <a:schemeClr val="bg1">
-                        <a:lumMod val="90000"/>
-                      </a:schemeClr>
-                    </a:solidFill>
-                  </a:tcPr>
-                </a:tc>
-                <a:tc rowSpan="3">
-                  <a:txBody>
-                    <a:bodyPr/>
-                    <a:lstStyle/>
-                    <a:p>
-                      <a:pPr marL="0" marR="0" lvl="0" indent="0" algn="ctr" defTabSz="914377" rtl="0" eaLnBrk="1" fontAlgn="auto" latinLnBrk="0" hangingPunct="1">
-                        <a:lnSpc>
-                          <a:spcPct val="100000"/>
-                        </a:lnSpc>
-                        <a:spcBef>
-                          <a:spcPts val="0"/>
-                        </a:spcBef>
-                        <a:spcAft>
-                          <a:spcPts val="0"/>
-                        </a:spcAft>
-                        <a:buClrTx/>
-                        <a:buSzTx/>
-                        <a:buFontTx/>
-                        <a:buNone/>
-                        <a:tabLst/>
-                        <a:defRPr/>
-                      </a:pPr>
-                      <a:r>
-                        <a:rPr lang="es-CO" sz="1600" dirty="0"/>
-                        <a:t>&lt;S</a:t>
-                      </a:r>
-                      <a:r>
-                        <a:rPr lang="es-CO" sz="1600" baseline="-25000" dirty="0"/>
-                        <a:t>c</a:t>
-                      </a:r>
-                      <a:endParaRPr lang="en-US" sz="1600" dirty="0"/>
-                    </a:p>
-                    <a:p>
-                      <a:pPr algn="ctr"/>
-                      <a:endParaRPr lang="en-US" sz="1600" dirty="0"/>
-                    </a:p>
-                  </a:txBody>
-                  <a:tcPr anchor="ctr">
-                    <a:lnB w="9525" cap="flat" cmpd="sng" algn="ctr">
-                      <a:solidFill>
-                        <a:schemeClr val="tx1"/>
-                      </a:solidFill>
-                      <a:prstDash val="sysDot"/>
-                      <a:round/>
-                      <a:headEnd type="none" w="med" len="med"/>
-                      <a:tailEnd type="none" w="med" len="med"/>
-                    </a:lnB>
-                    <a:solidFill>
-                      <a:schemeClr val="bg1">
-                        <a:lumMod val="90000"/>
-                      </a:schemeClr>
-                    </a:solidFill>
-                  </a:tcPr>
-                </a:tc>
-                <a:tc>
-                  <a:txBody>
-                    <a:bodyPr/>
-                    <a:lstStyle/>
-                    <a:p>
-                      <a:pPr algn="ctr"/>
-                      <a:r>
-                        <a:rPr lang="es-CO" sz="1600" dirty="0"/>
-                        <a:t>Subcrítico</a:t>
-                      </a:r>
-                      <a:endParaRPr lang="en-US" sz="1600" dirty="0"/>
-                    </a:p>
-                  </a:txBody>
-                  <a:tcPr anchor="ctr">
-                    <a:solidFill>
-                      <a:schemeClr val="bg1">
-                        <a:lumMod val="90000"/>
-                      </a:schemeClr>
-                    </a:solidFill>
-                  </a:tcPr>
-                </a:tc>
-                <a:tc>
-                  <a:txBody>
-                    <a:bodyPr/>
-                    <a:lstStyle/>
-                    <a:p>
-                      <a:pPr algn="ctr"/>
-                      <a:r>
-                        <a:rPr lang="es-CO" sz="1600" dirty="0"/>
-                        <a:t>y&gt;</a:t>
-                      </a:r>
-                      <a:r>
-                        <a:rPr lang="es-CO" sz="1600" dirty="0" err="1"/>
-                        <a:t>y</a:t>
-                      </a:r>
-                      <a:r>
-                        <a:rPr lang="es-CO" sz="1600" baseline="-25000" dirty="0" err="1"/>
-                        <a:t>n</a:t>
-                      </a:r>
-                      <a:endParaRPr lang="en-US" sz="1600" baseline="-25000" dirty="0"/>
-                    </a:p>
-                  </a:txBody>
-                  <a:tcPr anchor="ctr">
-                    <a:solidFill>
-                      <a:schemeClr val="bg1">
-                        <a:lumMod val="90000"/>
-                      </a:schemeClr>
-                    </a:solidFill>
-                  </a:tcPr>
-                </a:tc>
-                <a:extLst>
-                  <a:ext uri="{0D108BD9-81ED-4DB2-BD59-A6C34878D82A}">
-                    <a16:rowId xmlns:a16="http://schemas.microsoft.com/office/drawing/2014/main" val="635261192"/>
-                  </a:ext>
-                </a:extLst>
-              </a:tr>
-              <a:tr h="329184">
-                <a:tc>
-                  <a:txBody>
-                    <a:bodyPr/>
-                    <a:lstStyle/>
-                    <a:p>
-                      <a:pPr algn="ctr"/>
-                      <a:r>
-                        <a:rPr lang="es-CO" sz="1600" dirty="0"/>
-                        <a:t>M2</a:t>
-                      </a:r>
-                      <a:endParaRPr lang="en-US" sz="1600" dirty="0"/>
-                    </a:p>
-                  </a:txBody>
-                  <a:tcPr anchor="ctr">
-                    <a:solidFill>
-                      <a:schemeClr val="bg1">
-                        <a:lumMod val="90000"/>
-                      </a:schemeClr>
-                    </a:solidFill>
-                  </a:tcPr>
-                </a:tc>
-                <a:tc vMerge="1">
-                  <a:txBody>
-                    <a:bodyPr/>
-                    <a:lstStyle/>
-                    <a:p>
-                      <a:pPr algn="ctr"/>
-                      <a:endParaRPr lang="en-US" dirty="0"/>
-                    </a:p>
-                  </a:txBody>
-                  <a:tcPr anchor="ctr">
-                    <a:solidFill>
-                      <a:schemeClr val="bg1">
-                        <a:lumMod val="90000"/>
-                      </a:schemeClr>
-                    </a:solidFill>
-                  </a:tcPr>
-                </a:tc>
-                <a:tc>
-                  <a:txBody>
-                    <a:bodyPr/>
-                    <a:lstStyle/>
-                    <a:p>
-                      <a:pPr marL="0" marR="0" lvl="0" indent="0" algn="ctr" defTabSz="914377" rtl="0" eaLnBrk="1" fontAlgn="auto" latinLnBrk="0" hangingPunct="1">
-                        <a:lnSpc>
-                          <a:spcPct val="100000"/>
-                        </a:lnSpc>
-                        <a:spcBef>
-                          <a:spcPts val="0"/>
-                        </a:spcBef>
-                        <a:spcAft>
-                          <a:spcPts val="0"/>
-                        </a:spcAft>
-                        <a:buClrTx/>
-                        <a:buSzTx/>
-                        <a:buFontTx/>
-                        <a:buNone/>
-                        <a:tabLst/>
-                        <a:defRPr/>
-                      </a:pPr>
-                      <a:r>
-                        <a:rPr lang="es-CO" sz="1600" dirty="0"/>
-                        <a:t>Subcrítico</a:t>
-                      </a:r>
-                      <a:endParaRPr lang="en-US" sz="1600" dirty="0"/>
-                    </a:p>
-                  </a:txBody>
-                  <a:tcPr anchor="ctr">
-                    <a:solidFill>
-                      <a:schemeClr val="bg1">
-                        <a:lumMod val="90000"/>
-                      </a:schemeClr>
-                    </a:solidFill>
-                  </a:tcPr>
-                </a:tc>
-                <a:tc>
-                  <a:txBody>
-                    <a:bodyPr/>
-                    <a:lstStyle/>
-                    <a:p>
-                      <a:pPr algn="ctr"/>
-                      <a:r>
-                        <a:rPr lang="es-CO" sz="1600" dirty="0"/>
-                        <a:t>y</a:t>
-                      </a:r>
-                      <a:r>
-                        <a:rPr lang="es-CO" sz="1600" baseline="-25000" dirty="0"/>
-                        <a:t>c</a:t>
-                      </a:r>
-                      <a:r>
-                        <a:rPr lang="es-CO" sz="1600" dirty="0"/>
-                        <a:t>&lt;y&lt;</a:t>
-                      </a:r>
-                      <a:r>
-                        <a:rPr lang="es-CO" sz="1600" dirty="0" err="1"/>
-                        <a:t>y</a:t>
-                      </a:r>
-                      <a:r>
-                        <a:rPr lang="es-CO" sz="1600" baseline="-25000" dirty="0" err="1"/>
-                        <a:t>n</a:t>
-                      </a:r>
-                      <a:endParaRPr lang="en-US" sz="1600" dirty="0"/>
-                    </a:p>
-                  </a:txBody>
-                  <a:tcPr anchor="ctr">
-                    <a:solidFill>
-                      <a:schemeClr val="bg1">
-                        <a:lumMod val="90000"/>
-                      </a:schemeClr>
-                    </a:solidFill>
-                  </a:tcPr>
-                </a:tc>
-                <a:extLst>
-                  <a:ext uri="{0D108BD9-81ED-4DB2-BD59-A6C34878D82A}">
-                    <a16:rowId xmlns:a16="http://schemas.microsoft.com/office/drawing/2014/main" val="3148373442"/>
-                  </a:ext>
-                </a:extLst>
-              </a:tr>
-              <a:tr h="329184">
-                <a:tc>
-                  <a:txBody>
-                    <a:bodyPr/>
-                    <a:lstStyle/>
-                    <a:p>
-                      <a:pPr algn="ctr"/>
-                      <a:r>
-                        <a:rPr lang="es-CO" sz="1600" dirty="0"/>
-                        <a:t>M3</a:t>
-                      </a:r>
-                      <a:endParaRPr lang="en-US" sz="1600" dirty="0"/>
-                    </a:p>
-                  </a:txBody>
-                  <a:tcPr anchor="ctr">
-                    <a:lnB w="9525" cap="flat" cmpd="sng" algn="ctr">
-                      <a:solidFill>
-                        <a:schemeClr val="tx1"/>
-                      </a:solidFill>
-                      <a:prstDash val="sysDot"/>
-                      <a:round/>
-                      <a:headEnd type="none" w="med" len="med"/>
-                      <a:tailEnd type="none" w="med" len="med"/>
-                    </a:lnB>
-                    <a:solidFill>
-                      <a:schemeClr val="bg1">
-                        <a:lumMod val="90000"/>
-                      </a:schemeClr>
-                    </a:solidFill>
-                  </a:tcPr>
-                </a:tc>
-                <a:tc vMerge="1">
-                  <a:txBody>
-                    <a:bodyPr/>
-                    <a:lstStyle/>
-                    <a:p>
-                      <a:pPr algn="ctr"/>
-                      <a:endParaRPr lang="en-US" dirty="0"/>
-                    </a:p>
-                  </a:txBody>
-                  <a:tcPr anchor="ctr">
-                    <a:solidFill>
-                      <a:schemeClr val="bg1">
-                        <a:lumMod val="90000"/>
-                      </a:schemeClr>
-                    </a:solidFill>
-                  </a:tcPr>
-                </a:tc>
-                <a:tc>
-                  <a:txBody>
-                    <a:bodyPr/>
-                    <a:lstStyle/>
-                    <a:p>
-                      <a:pPr algn="ctr"/>
-                      <a:r>
-                        <a:rPr lang="es-CO" sz="1600" dirty="0"/>
-                        <a:t>Supercrítico</a:t>
-                      </a:r>
-                      <a:endParaRPr lang="en-US" sz="1600" dirty="0"/>
-                    </a:p>
-                  </a:txBody>
-                  <a:tcPr anchor="ctr">
-                    <a:lnB w="9525" cap="flat" cmpd="sng" algn="ctr">
-                      <a:solidFill>
-                        <a:schemeClr val="tx1"/>
-                      </a:solidFill>
-                      <a:prstDash val="sysDot"/>
-                      <a:round/>
-                      <a:headEnd type="none" w="med" len="med"/>
-                      <a:tailEnd type="none" w="med" len="med"/>
-                    </a:lnB>
-                    <a:solidFill>
-                      <a:schemeClr val="bg1">
-                        <a:lumMod val="90000"/>
-                      </a:schemeClr>
-                    </a:solidFill>
-                  </a:tcPr>
-                </a:tc>
-                <a:tc>
-                  <a:txBody>
-                    <a:bodyPr/>
-                    <a:lstStyle/>
-                    <a:p>
-                      <a:pPr marL="0" marR="0" lvl="0" indent="0" algn="ctr" defTabSz="914377" rtl="0" eaLnBrk="1" fontAlgn="auto" latinLnBrk="0" hangingPunct="1">
-                        <a:lnSpc>
-                          <a:spcPct val="100000"/>
-                        </a:lnSpc>
-                        <a:spcBef>
-                          <a:spcPts val="0"/>
-                        </a:spcBef>
-                        <a:spcAft>
-                          <a:spcPts val="0"/>
-                        </a:spcAft>
-                        <a:buClrTx/>
-                        <a:buSzTx/>
-                        <a:buFontTx/>
-                        <a:buNone/>
-                        <a:tabLst/>
-                        <a:defRPr/>
-                      </a:pPr>
-                      <a:r>
-                        <a:rPr lang="es-CO" sz="1600" dirty="0"/>
-                        <a:t>y&lt;y</a:t>
-                      </a:r>
-                      <a:r>
-                        <a:rPr lang="es-CO" sz="1600" baseline="-25000" dirty="0"/>
-                        <a:t>c</a:t>
-                      </a:r>
-                      <a:endParaRPr lang="en-US" sz="1600" baseline="-25000" dirty="0"/>
-                    </a:p>
-                  </a:txBody>
-                  <a:tcPr anchor="ctr">
-                    <a:lnB w="9525" cap="flat" cmpd="sng" algn="ctr">
-                      <a:solidFill>
-                        <a:schemeClr val="tx1"/>
-                      </a:solidFill>
-                      <a:prstDash val="sysDot"/>
-                      <a:round/>
-                      <a:headEnd type="none" w="med" len="med"/>
-                      <a:tailEnd type="none" w="med" len="med"/>
-                    </a:lnB>
-                    <a:solidFill>
-                      <a:schemeClr val="bg1">
-                        <a:lumMod val="90000"/>
-                      </a:schemeClr>
-                    </a:solidFill>
-                  </a:tcPr>
-                </a:tc>
-                <a:extLst>
-                  <a:ext uri="{0D108BD9-81ED-4DB2-BD59-A6C34878D82A}">
-                    <a16:rowId xmlns:a16="http://schemas.microsoft.com/office/drawing/2014/main" val="13854"/>
-                  </a:ext>
-                </a:extLst>
-              </a:tr>
-              <a:tr h="329184">
-                <a:tc>
-                  <a:txBody>
-                    <a:bodyPr/>
-                    <a:lstStyle/>
-                    <a:p>
-                      <a:pPr algn="ctr"/>
-                      <a:r>
-                        <a:rPr lang="es-CO" sz="1600" dirty="0"/>
-                        <a:t>S1</a:t>
-                      </a:r>
-                      <a:endParaRPr lang="en-US" sz="1600" dirty="0"/>
-                    </a:p>
-                  </a:txBody>
-                  <a:tcPr anchor="ctr">
-                    <a:lnT w="9525" cap="flat" cmpd="sng" algn="ctr">
-                      <a:solidFill>
-                        <a:schemeClr val="tx1"/>
-                      </a:solidFill>
-                      <a:prstDash val="sysDot"/>
-                      <a:round/>
-                      <a:headEnd type="none" w="med" len="med"/>
-                      <a:tailEnd type="none" w="med" len="med"/>
-                    </a:lnT>
-                    <a:solidFill>
-                      <a:schemeClr val="bg1">
-                        <a:lumMod val="90000"/>
-                      </a:schemeClr>
-                    </a:solidFill>
-                  </a:tcPr>
-                </a:tc>
-                <a:tc rowSpan="3">
-                  <a:txBody>
-                    <a:bodyPr/>
-                    <a:lstStyle/>
-                    <a:p>
-                      <a:pPr algn="ctr"/>
-                      <a:r>
-                        <a:rPr lang="es-CO" sz="1600" dirty="0"/>
-                        <a:t>&gt;S</a:t>
-                      </a:r>
-                      <a:r>
-                        <a:rPr lang="es-CO" sz="1600" baseline="-25000" dirty="0"/>
-                        <a:t>c</a:t>
-                      </a:r>
-                      <a:endParaRPr lang="en-US" sz="1600" dirty="0"/>
-                    </a:p>
-                  </a:txBody>
-                  <a:tcPr anchor="ctr">
-                    <a:lnT w="9525" cap="flat" cmpd="sng" algn="ctr">
-                      <a:solidFill>
-                        <a:schemeClr val="tx1"/>
-                      </a:solidFill>
-                      <a:prstDash val="sysDot"/>
-                      <a:round/>
-                      <a:headEnd type="none" w="med" len="med"/>
-                      <a:tailEnd type="none" w="med" len="med"/>
-                    </a:lnT>
-                    <a:lnB w="9525" cap="flat" cmpd="sng" algn="ctr">
-                      <a:solidFill>
-                        <a:schemeClr val="tx1"/>
-                      </a:solidFill>
-                      <a:prstDash val="sysDot"/>
-                      <a:round/>
-                      <a:headEnd type="none" w="med" len="med"/>
-                      <a:tailEnd type="none" w="med" len="med"/>
-                    </a:lnB>
-                    <a:solidFill>
-                      <a:schemeClr val="bg1">
-                        <a:lumMod val="90000"/>
-                      </a:schemeClr>
-                    </a:solidFill>
-                  </a:tcPr>
-                </a:tc>
-                <a:tc>
-                  <a:txBody>
-                    <a:bodyPr/>
-                    <a:lstStyle/>
-                    <a:p>
-                      <a:pPr algn="ctr"/>
-                      <a:r>
-                        <a:rPr lang="es-CO" sz="1600" dirty="0"/>
-                        <a:t>Subcrítico</a:t>
-                      </a:r>
-                      <a:endParaRPr lang="en-US" sz="1600" dirty="0"/>
-                    </a:p>
-                  </a:txBody>
-                  <a:tcPr anchor="ctr">
-                    <a:lnT w="9525" cap="flat" cmpd="sng" algn="ctr">
-                      <a:solidFill>
-                        <a:schemeClr val="tx1"/>
-                      </a:solidFill>
-                      <a:prstDash val="sysDot"/>
-                      <a:round/>
-                      <a:headEnd type="none" w="med" len="med"/>
-                      <a:tailEnd type="none" w="med" len="med"/>
-                    </a:lnT>
-                    <a:solidFill>
-                      <a:schemeClr val="bg1">
-                        <a:lumMod val="90000"/>
-                      </a:schemeClr>
-                    </a:solidFill>
-                  </a:tcPr>
-                </a:tc>
-                <a:tc>
-                  <a:txBody>
-                    <a:bodyPr/>
-                    <a:lstStyle/>
-                    <a:p>
-                      <a:pPr algn="ctr"/>
-                      <a:r>
-                        <a:rPr lang="es-CO" sz="1600" dirty="0"/>
-                        <a:t>y&gt;y</a:t>
-                      </a:r>
-                      <a:r>
-                        <a:rPr lang="es-CO" sz="1600" baseline="-25000" dirty="0"/>
-                        <a:t>c</a:t>
-                      </a:r>
-                      <a:endParaRPr lang="en-US" sz="1600" baseline="-25000" dirty="0"/>
-                    </a:p>
-                  </a:txBody>
-                  <a:tcPr anchor="ctr">
-                    <a:lnT w="9525" cap="flat" cmpd="sng" algn="ctr">
-                      <a:solidFill>
-                        <a:schemeClr val="tx1"/>
-                      </a:solidFill>
-                      <a:prstDash val="sysDot"/>
-                      <a:round/>
-                      <a:headEnd type="none" w="med" len="med"/>
-                      <a:tailEnd type="none" w="med" len="med"/>
-                    </a:lnT>
-                    <a:solidFill>
-                      <a:schemeClr val="bg1">
-                        <a:lumMod val="90000"/>
-                      </a:schemeClr>
-                    </a:solidFill>
-                  </a:tcPr>
-                </a:tc>
-                <a:extLst>
-                  <a:ext uri="{0D108BD9-81ED-4DB2-BD59-A6C34878D82A}">
-                    <a16:rowId xmlns:a16="http://schemas.microsoft.com/office/drawing/2014/main" val="1205070847"/>
-                  </a:ext>
-                </a:extLst>
-              </a:tr>
-              <a:tr h="329184">
-                <a:tc>
-                  <a:txBody>
-                    <a:bodyPr/>
-                    <a:lstStyle/>
-                    <a:p>
-                      <a:pPr algn="ctr"/>
-                      <a:r>
-                        <a:rPr lang="es-CO" sz="1600" dirty="0"/>
-                        <a:t>S2</a:t>
-                      </a:r>
-                      <a:endParaRPr lang="en-US" sz="1600" dirty="0"/>
-                    </a:p>
-                  </a:txBody>
-                  <a:tcPr anchor="ctr">
-                    <a:solidFill>
-                      <a:schemeClr val="bg1">
-                        <a:lumMod val="90000"/>
-                      </a:schemeClr>
-                    </a:solidFill>
-                  </a:tcPr>
-                </a:tc>
-                <a:tc vMerge="1">
-                  <a:txBody>
-                    <a:bodyPr/>
-                    <a:lstStyle/>
-                    <a:p>
-                      <a:pPr algn="ctr"/>
-                      <a:endParaRPr lang="en-US" dirty="0"/>
-                    </a:p>
-                  </a:txBody>
-                  <a:tcPr anchor="ctr">
-                    <a:solidFill>
-                      <a:schemeClr val="bg1">
-                        <a:lumMod val="90000"/>
-                      </a:schemeClr>
-                    </a:solidFill>
-                  </a:tcPr>
-                </a:tc>
-                <a:tc>
-                  <a:txBody>
-                    <a:bodyPr/>
-                    <a:lstStyle/>
-                    <a:p>
-                      <a:pPr marL="0" marR="0" lvl="0" indent="0" algn="ctr" defTabSz="914377" rtl="0" eaLnBrk="1" fontAlgn="auto" latinLnBrk="0" hangingPunct="1">
-                        <a:lnSpc>
-                          <a:spcPct val="100000"/>
-                        </a:lnSpc>
-                        <a:spcBef>
-                          <a:spcPts val="0"/>
-                        </a:spcBef>
-                        <a:spcAft>
-                          <a:spcPts val="0"/>
-                        </a:spcAft>
-                        <a:buClrTx/>
-                        <a:buSzTx/>
-                        <a:buFontTx/>
-                        <a:buNone/>
-                        <a:tabLst/>
-                        <a:defRPr/>
-                      </a:pPr>
-                      <a:r>
-                        <a:rPr lang="es-CO" sz="1600" dirty="0"/>
-                        <a:t>Supercrítico</a:t>
-                      </a:r>
-                      <a:endParaRPr lang="en-US" sz="1600" dirty="0"/>
-                    </a:p>
-                  </a:txBody>
-                  <a:tcPr anchor="ctr">
-                    <a:solidFill>
-                      <a:schemeClr val="bg1">
-                        <a:lumMod val="90000"/>
-                      </a:schemeClr>
-                    </a:solidFill>
-                  </a:tcPr>
-                </a:tc>
-                <a:tc>
-                  <a:txBody>
-                    <a:bodyPr/>
-                    <a:lstStyle/>
-                    <a:p>
-                      <a:pPr algn="ctr"/>
-                      <a:r>
-                        <a:rPr lang="es-CO" sz="1600" dirty="0" err="1"/>
-                        <a:t>y</a:t>
-                      </a:r>
-                      <a:r>
-                        <a:rPr lang="es-CO" sz="1600" baseline="-25000" dirty="0" err="1"/>
-                        <a:t>n</a:t>
-                      </a:r>
-                      <a:r>
-                        <a:rPr lang="es-CO" sz="1600" dirty="0"/>
-                        <a:t>&lt;y&lt;y</a:t>
-                      </a:r>
-                      <a:r>
-                        <a:rPr lang="es-CO" sz="1600" baseline="-25000" dirty="0"/>
-                        <a:t>c</a:t>
-                      </a:r>
-                      <a:endParaRPr lang="en-US" sz="1600" dirty="0"/>
-                    </a:p>
-                  </a:txBody>
-                  <a:tcPr anchor="ctr">
-                    <a:solidFill>
-                      <a:schemeClr val="bg1">
-                        <a:lumMod val="90000"/>
-                      </a:schemeClr>
-                    </a:solidFill>
-                  </a:tcPr>
-                </a:tc>
-                <a:extLst>
-                  <a:ext uri="{0D108BD9-81ED-4DB2-BD59-A6C34878D82A}">
-                    <a16:rowId xmlns:a16="http://schemas.microsoft.com/office/drawing/2014/main" val="4204432161"/>
-                  </a:ext>
-                </a:extLst>
-              </a:tr>
-              <a:tr h="329184">
-                <a:tc>
-                  <a:txBody>
-                    <a:bodyPr/>
-                    <a:lstStyle/>
-                    <a:p>
-                      <a:pPr algn="ctr"/>
-                      <a:r>
-                        <a:rPr lang="es-CO" sz="1600" dirty="0"/>
-                        <a:t>S3</a:t>
-                      </a:r>
-                      <a:endParaRPr lang="en-US" sz="1600" dirty="0"/>
-                    </a:p>
-                  </a:txBody>
-                  <a:tcPr anchor="ctr">
-                    <a:lnB w="9525" cap="flat" cmpd="sng" algn="ctr">
-                      <a:solidFill>
-                        <a:schemeClr val="tx1"/>
-                      </a:solidFill>
-                      <a:prstDash val="sysDot"/>
-                      <a:round/>
-                      <a:headEnd type="none" w="med" len="med"/>
-                      <a:tailEnd type="none" w="med" len="med"/>
-                    </a:lnB>
-                    <a:solidFill>
-                      <a:schemeClr val="bg1">
-                        <a:lumMod val="90000"/>
-                      </a:schemeClr>
-                    </a:solidFill>
-                  </a:tcPr>
-                </a:tc>
-                <a:tc vMerge="1">
-                  <a:txBody>
-                    <a:bodyPr/>
-                    <a:lstStyle/>
-                    <a:p>
-                      <a:pPr algn="ctr"/>
-                      <a:endParaRPr lang="en-US" dirty="0"/>
-                    </a:p>
-                  </a:txBody>
-                  <a:tcPr anchor="ctr">
-                    <a:solidFill>
-                      <a:schemeClr val="bg1">
-                        <a:lumMod val="90000"/>
-                      </a:schemeClr>
-                    </a:solidFill>
-                  </a:tcPr>
-                </a:tc>
-                <a:tc>
-                  <a:txBody>
-                    <a:bodyPr/>
-                    <a:lstStyle/>
-                    <a:p>
-                      <a:pPr algn="ctr"/>
-                      <a:r>
-                        <a:rPr lang="es-CO" sz="1600" dirty="0"/>
-                        <a:t>Supercrítico</a:t>
-                      </a:r>
-                      <a:endParaRPr lang="en-US" sz="1600" dirty="0"/>
-                    </a:p>
-                  </a:txBody>
-                  <a:tcPr anchor="ctr">
-                    <a:lnB w="9525" cap="flat" cmpd="sng" algn="ctr">
-                      <a:solidFill>
-                        <a:schemeClr val="tx1"/>
-                      </a:solidFill>
-                      <a:prstDash val="sysDot"/>
-                      <a:round/>
-                      <a:headEnd type="none" w="med" len="med"/>
-                      <a:tailEnd type="none" w="med" len="med"/>
-                    </a:lnB>
-                    <a:solidFill>
-                      <a:schemeClr val="bg1">
-                        <a:lumMod val="90000"/>
-                      </a:schemeClr>
-                    </a:solidFill>
-                  </a:tcPr>
-                </a:tc>
-                <a:tc>
-                  <a:txBody>
-                    <a:bodyPr/>
-                    <a:lstStyle/>
-                    <a:p>
-                      <a:pPr marL="0" marR="0" lvl="0" indent="0" algn="ctr" defTabSz="914377" rtl="0" eaLnBrk="1" fontAlgn="auto" latinLnBrk="0" hangingPunct="1">
-                        <a:lnSpc>
-                          <a:spcPct val="100000"/>
-                        </a:lnSpc>
-                        <a:spcBef>
-                          <a:spcPts val="0"/>
-                        </a:spcBef>
-                        <a:spcAft>
-                          <a:spcPts val="0"/>
-                        </a:spcAft>
-                        <a:buClrTx/>
-                        <a:buSzTx/>
-                        <a:buFontTx/>
-                        <a:buNone/>
-                        <a:tabLst/>
-                        <a:defRPr/>
-                      </a:pPr>
-                      <a:r>
-                        <a:rPr lang="es-CO" sz="1600" dirty="0"/>
-                        <a:t>y&lt;</a:t>
-                      </a:r>
-                      <a:r>
-                        <a:rPr lang="es-CO" sz="1600" dirty="0" err="1"/>
-                        <a:t>y</a:t>
-                      </a:r>
-                      <a:r>
-                        <a:rPr lang="es-CO" sz="1600" baseline="-25000" dirty="0" err="1"/>
-                        <a:t>n</a:t>
-                      </a:r>
-                      <a:endParaRPr lang="en-US" sz="1600" baseline="-25000" dirty="0"/>
-                    </a:p>
-                  </a:txBody>
-                  <a:tcPr anchor="ctr">
-                    <a:lnB w="9525" cap="flat" cmpd="sng" algn="ctr">
-                      <a:solidFill>
-                        <a:schemeClr val="tx1"/>
-                      </a:solidFill>
-                      <a:prstDash val="sysDot"/>
-                      <a:round/>
-                      <a:headEnd type="none" w="med" len="med"/>
-                      <a:tailEnd type="none" w="med" len="med"/>
-                    </a:lnB>
-                    <a:solidFill>
-                      <a:schemeClr val="bg1">
-                        <a:lumMod val="90000"/>
-                      </a:schemeClr>
-                    </a:solidFill>
-                  </a:tcPr>
-                </a:tc>
-                <a:extLst>
-                  <a:ext uri="{0D108BD9-81ED-4DB2-BD59-A6C34878D82A}">
-                    <a16:rowId xmlns:a16="http://schemas.microsoft.com/office/drawing/2014/main" val="3690394784"/>
-                  </a:ext>
-                </a:extLst>
-              </a:tr>
-              <a:tr h="329184">
-                <a:tc>
-                  <a:txBody>
-                    <a:bodyPr/>
-                    <a:lstStyle/>
-                    <a:p>
-                      <a:pPr algn="ctr"/>
-                      <a:r>
-                        <a:rPr lang="es-CO" sz="1600" dirty="0"/>
-                        <a:t>H2</a:t>
-                      </a:r>
-                      <a:endParaRPr lang="en-US" sz="1600" dirty="0"/>
-                    </a:p>
-                  </a:txBody>
-                  <a:tcPr anchor="ctr">
-                    <a:lnT w="9525" cap="flat" cmpd="sng" algn="ctr">
-                      <a:solidFill>
-                        <a:schemeClr val="tx1"/>
-                      </a:solidFill>
-                      <a:prstDash val="sysDot"/>
-                      <a:round/>
-                      <a:headEnd type="none" w="med" len="med"/>
-                      <a:tailEnd type="none" w="med" len="med"/>
-                    </a:lnT>
-                    <a:solidFill>
-                      <a:schemeClr val="bg1">
-                        <a:lumMod val="90000"/>
-                      </a:schemeClr>
-                    </a:solidFill>
-                  </a:tcPr>
-                </a:tc>
-                <a:tc rowSpan="2">
-                  <a:txBody>
-                    <a:bodyPr/>
-                    <a:lstStyle/>
-                    <a:p>
-                      <a:pPr algn="ctr"/>
-                      <a:r>
-                        <a:rPr lang="es-CO" sz="1600" dirty="0"/>
-                        <a:t>0</a:t>
-                      </a:r>
-                      <a:endParaRPr lang="en-US" sz="1600" dirty="0"/>
-                    </a:p>
-                  </a:txBody>
-                  <a:tcPr anchor="ctr">
-                    <a:lnT w="9525" cap="flat" cmpd="sng" algn="ctr">
-                      <a:solidFill>
-                        <a:schemeClr val="tx1"/>
-                      </a:solidFill>
-                      <a:prstDash val="sysDot"/>
-                      <a:round/>
-                      <a:headEnd type="none" w="med" len="med"/>
-                      <a:tailEnd type="none" w="med" len="med"/>
-                    </a:lnT>
-                    <a:lnB w="9525" cap="flat" cmpd="sng" algn="ctr">
-                      <a:solidFill>
-                        <a:schemeClr val="tx1"/>
-                      </a:solidFill>
-                      <a:prstDash val="sysDot"/>
-                      <a:round/>
-                      <a:headEnd type="none" w="med" len="med"/>
-                      <a:tailEnd type="none" w="med" len="med"/>
-                    </a:lnB>
-                    <a:solidFill>
-                      <a:schemeClr val="bg1">
-                        <a:lumMod val="90000"/>
-                      </a:schemeClr>
-                    </a:solidFill>
-                  </a:tcPr>
-                </a:tc>
-                <a:tc>
-                  <a:txBody>
-                    <a:bodyPr/>
-                    <a:lstStyle/>
-                    <a:p>
-                      <a:pPr algn="ctr"/>
-                      <a:r>
-                        <a:rPr lang="es-CO" sz="1600" dirty="0"/>
-                        <a:t>Subcrítico</a:t>
-                      </a:r>
-                      <a:endParaRPr lang="en-US" sz="1600" dirty="0"/>
-                    </a:p>
-                  </a:txBody>
-                  <a:tcPr anchor="ctr">
-                    <a:lnT w="9525" cap="flat" cmpd="sng" algn="ctr">
-                      <a:solidFill>
-                        <a:schemeClr val="tx1"/>
-                      </a:solidFill>
-                      <a:prstDash val="sysDot"/>
-                      <a:round/>
-                      <a:headEnd type="none" w="med" len="med"/>
-                      <a:tailEnd type="none" w="med" len="med"/>
-                    </a:lnT>
-                    <a:solidFill>
-                      <a:schemeClr val="bg1">
-                        <a:lumMod val="90000"/>
-                      </a:schemeClr>
-                    </a:solidFill>
-                  </a:tcPr>
-                </a:tc>
-                <a:tc>
-                  <a:txBody>
-                    <a:bodyPr/>
-                    <a:lstStyle/>
-                    <a:p>
-                      <a:pPr marL="0" marR="0" lvl="0" indent="0" algn="ctr" defTabSz="914377" rtl="0" eaLnBrk="1" fontAlgn="auto" latinLnBrk="0" hangingPunct="1">
-                        <a:lnSpc>
-                          <a:spcPct val="100000"/>
-                        </a:lnSpc>
-                        <a:spcBef>
-                          <a:spcPts val="0"/>
-                        </a:spcBef>
-                        <a:spcAft>
-                          <a:spcPts val="0"/>
-                        </a:spcAft>
-                        <a:buClrTx/>
-                        <a:buSzTx/>
-                        <a:buFontTx/>
-                        <a:buNone/>
-                        <a:tabLst/>
-                        <a:defRPr/>
-                      </a:pPr>
-                      <a:r>
-                        <a:rPr lang="es-CO" sz="1600" dirty="0"/>
-                        <a:t>y&gt;y</a:t>
-                      </a:r>
-                      <a:r>
-                        <a:rPr lang="es-CO" sz="1600" baseline="-25000" dirty="0"/>
-                        <a:t>c</a:t>
-                      </a:r>
-                      <a:endParaRPr lang="en-US" sz="1600" baseline="-25000" dirty="0"/>
-                    </a:p>
-                  </a:txBody>
-                  <a:tcPr anchor="ctr">
-                    <a:lnT w="9525" cap="flat" cmpd="sng" algn="ctr">
-                      <a:solidFill>
-                        <a:schemeClr val="tx1"/>
-                      </a:solidFill>
-                      <a:prstDash val="sysDot"/>
-                      <a:round/>
-                      <a:headEnd type="none" w="med" len="med"/>
-                      <a:tailEnd type="none" w="med" len="med"/>
-                    </a:lnT>
-                    <a:solidFill>
-                      <a:schemeClr val="bg1">
-                        <a:lumMod val="90000"/>
-                      </a:schemeClr>
-                    </a:solidFill>
-                  </a:tcPr>
-                </a:tc>
-                <a:extLst>
-                  <a:ext uri="{0D108BD9-81ED-4DB2-BD59-A6C34878D82A}">
-                    <a16:rowId xmlns:a16="http://schemas.microsoft.com/office/drawing/2014/main" val="1679333306"/>
-                  </a:ext>
-                </a:extLst>
-              </a:tr>
-              <a:tr h="329184">
-                <a:tc>
-                  <a:txBody>
-                    <a:bodyPr/>
-                    <a:lstStyle/>
-                    <a:p>
-                      <a:pPr algn="ctr"/>
-                      <a:r>
-                        <a:rPr lang="es-CO" sz="1600" dirty="0"/>
-                        <a:t>H3</a:t>
-                      </a:r>
-                      <a:endParaRPr lang="en-US" sz="1600" dirty="0"/>
-                    </a:p>
-                  </a:txBody>
-                  <a:tcPr anchor="ctr">
-                    <a:lnB w="9525" cap="flat" cmpd="sng" algn="ctr">
-                      <a:solidFill>
-                        <a:schemeClr val="tx1"/>
-                      </a:solidFill>
-                      <a:prstDash val="sysDot"/>
-                      <a:round/>
-                      <a:headEnd type="none" w="med" len="med"/>
-                      <a:tailEnd type="none" w="med" len="med"/>
-                    </a:lnB>
-                    <a:solidFill>
-                      <a:schemeClr val="bg1">
-                        <a:lumMod val="90000"/>
-                      </a:schemeClr>
-                    </a:solidFill>
-                  </a:tcPr>
-                </a:tc>
-                <a:tc vMerge="1">
-                  <a:txBody>
-                    <a:bodyPr/>
-                    <a:lstStyle/>
-                    <a:p>
-                      <a:pPr algn="ctr"/>
-                      <a:r>
-                        <a:rPr lang="es-CO" dirty="0"/>
-                        <a:t>0</a:t>
-                      </a:r>
-                      <a:endParaRPr lang="en-US" dirty="0"/>
-                    </a:p>
-                  </a:txBody>
-                  <a:tcPr anchor="ctr">
-                    <a:lnB w="6350" cap="flat" cmpd="sng" algn="ctr">
-                      <a:noFill/>
-                      <a:prstDash val="solid"/>
-                      <a:miter lim="800000"/>
-                    </a:lnB>
-                    <a:solidFill>
-                      <a:schemeClr val="bg1">
-                        <a:lumMod val="90000"/>
-                      </a:schemeClr>
-                    </a:solidFill>
-                  </a:tcPr>
-                </a:tc>
-                <a:tc>
-                  <a:txBody>
-                    <a:bodyPr/>
-                    <a:lstStyle/>
-                    <a:p>
-                      <a:pPr algn="ctr"/>
-                      <a:r>
-                        <a:rPr lang="es-CO" sz="1600" dirty="0"/>
-                        <a:t>Supercrítico</a:t>
-                      </a:r>
-                      <a:endParaRPr lang="en-US" sz="1600" dirty="0"/>
-                    </a:p>
-                  </a:txBody>
-                  <a:tcPr anchor="ctr">
-                    <a:lnB w="9525" cap="flat" cmpd="sng" algn="ctr">
-                      <a:solidFill>
-                        <a:schemeClr val="tx1"/>
-                      </a:solidFill>
-                      <a:prstDash val="sysDot"/>
-                      <a:round/>
-                      <a:headEnd type="none" w="med" len="med"/>
-                      <a:tailEnd type="none" w="med" len="med"/>
-                    </a:lnB>
-                    <a:solidFill>
-                      <a:schemeClr val="bg1">
-                        <a:lumMod val="90000"/>
-                      </a:schemeClr>
-                    </a:solidFill>
-                  </a:tcPr>
-                </a:tc>
-                <a:tc>
-                  <a:txBody>
-                    <a:bodyPr/>
-                    <a:lstStyle/>
-                    <a:p>
-                      <a:pPr marL="0" marR="0" lvl="0" indent="0" algn="ctr" defTabSz="914377" rtl="0" eaLnBrk="1" fontAlgn="auto" latinLnBrk="0" hangingPunct="1">
-                        <a:lnSpc>
-                          <a:spcPct val="100000"/>
-                        </a:lnSpc>
-                        <a:spcBef>
-                          <a:spcPts val="0"/>
-                        </a:spcBef>
-                        <a:spcAft>
-                          <a:spcPts val="0"/>
-                        </a:spcAft>
-                        <a:buClrTx/>
-                        <a:buSzTx/>
-                        <a:buFontTx/>
-                        <a:buNone/>
-                        <a:tabLst/>
-                        <a:defRPr/>
-                      </a:pPr>
-                      <a:r>
-                        <a:rPr lang="es-CO" sz="1600" dirty="0"/>
-                        <a:t>y&lt;y</a:t>
-                      </a:r>
-                      <a:r>
-                        <a:rPr lang="es-CO" sz="1600" baseline="-25000" dirty="0"/>
-                        <a:t>c</a:t>
-                      </a:r>
-                      <a:endParaRPr lang="en-US" sz="1600" baseline="-25000" dirty="0"/>
-                    </a:p>
-                  </a:txBody>
-                  <a:tcPr anchor="ctr">
-                    <a:lnB w="9525" cap="flat" cmpd="sng" algn="ctr">
-                      <a:solidFill>
-                        <a:schemeClr val="tx1"/>
-                      </a:solidFill>
-                      <a:prstDash val="sysDot"/>
-                      <a:round/>
-                      <a:headEnd type="none" w="med" len="med"/>
-                      <a:tailEnd type="none" w="med" len="med"/>
-                    </a:lnB>
-                    <a:solidFill>
-                      <a:schemeClr val="bg1">
-                        <a:lumMod val="90000"/>
-                      </a:schemeClr>
-                    </a:solidFill>
-                  </a:tcPr>
-                </a:tc>
-                <a:extLst>
-                  <a:ext uri="{0D108BD9-81ED-4DB2-BD59-A6C34878D82A}">
-                    <a16:rowId xmlns:a16="http://schemas.microsoft.com/office/drawing/2014/main" val="3919748864"/>
-                  </a:ext>
-                </a:extLst>
-              </a:tr>
-              <a:tr h="329184">
-                <a:tc>
-                  <a:txBody>
-                    <a:bodyPr/>
-                    <a:lstStyle/>
-                    <a:p>
-                      <a:pPr algn="ctr"/>
-                      <a:r>
-                        <a:rPr lang="es-CO" sz="1600" dirty="0"/>
-                        <a:t>A2</a:t>
-                      </a:r>
-                      <a:endParaRPr lang="en-US" sz="1600" dirty="0"/>
-                    </a:p>
-                  </a:txBody>
-                  <a:tcPr anchor="ctr">
-                    <a:lnL w="6350" cap="flat" cmpd="sng" algn="ctr">
-                      <a:noFill/>
-                      <a:prstDash val="solid"/>
-                      <a:miter lim="800000"/>
-                    </a:lnL>
-                    <a:lnR w="6350" cap="flat" cmpd="sng" algn="ctr">
-                      <a:noFill/>
-                      <a:prstDash val="solid"/>
-                      <a:miter lim="800000"/>
-                    </a:lnR>
-                    <a:lnT w="9525" cap="flat" cmpd="sng" algn="ctr">
-                      <a:solidFill>
-                        <a:schemeClr val="tx1"/>
-                      </a:solidFill>
-                      <a:prstDash val="sysDot"/>
-                      <a:round/>
-                      <a:headEnd type="none" w="med" len="med"/>
-                      <a:tailEnd type="none" w="med" len="med"/>
-                    </a:lnT>
-                    <a:lnB w="12700" cap="flat" cmpd="sng" algn="ctr">
-                      <a:noFill/>
-                      <a:prstDash val="solid"/>
-                      <a:round/>
-                      <a:headEnd type="none" w="med" len="med"/>
-                      <a:tailEnd type="none" w="med" len="med"/>
-                    </a:lnB>
-                    <a:lnTlToBr w="12700" cmpd="sng">
-                      <a:noFill/>
-                      <a:prstDash val="solid"/>
-                    </a:lnTlToBr>
-                    <a:lnBlToTr w="12700" cmpd="sng">
-                      <a:noFill/>
-                      <a:prstDash val="solid"/>
-                    </a:lnBlToTr>
-                    <a:solidFill>
-                      <a:schemeClr val="bg1">
-                        <a:lumMod val="90000"/>
-                      </a:schemeClr>
-                    </a:solidFill>
-                  </a:tcPr>
-                </a:tc>
-                <a:tc rowSpan="2">
-                  <a:txBody>
-                    <a:bodyPr/>
-                    <a:lstStyle/>
-                    <a:p>
-                      <a:pPr algn="ctr"/>
-                      <a:r>
-                        <a:rPr lang="es-CO" sz="1600" dirty="0"/>
-                        <a:t>&lt;0</a:t>
-                      </a:r>
-                      <a:endParaRPr lang="en-US" sz="1600" dirty="0"/>
-                    </a:p>
-                  </a:txBody>
-                  <a:tcPr anchor="ctr">
-                    <a:lnL w="6350" cap="flat" cmpd="sng" algn="ctr">
-                      <a:noFill/>
-                      <a:prstDash val="solid"/>
-                      <a:miter lim="800000"/>
-                    </a:lnL>
-                    <a:lnR w="6350" cap="flat" cmpd="sng" algn="ctr">
-                      <a:noFill/>
-                      <a:prstDash val="solid"/>
-                      <a:miter lim="800000"/>
-                    </a:lnR>
-                    <a:lnT w="9525" cap="flat" cmpd="sng" algn="ctr">
-                      <a:solidFill>
-                        <a:schemeClr val="tx1"/>
-                      </a:solidFill>
-                      <a:prstDash val="sysDot"/>
-                      <a:round/>
-                      <a:headEnd type="none" w="med" len="med"/>
-                      <a:tailEnd type="none" w="med" len="med"/>
-                    </a:lnT>
-                    <a:lnB w="9525" cap="flat" cmpd="sng" algn="ctr">
-                      <a:solidFill>
-                        <a:schemeClr val="tx1"/>
-                      </a:solidFill>
-                      <a:prstDash val="sysDot"/>
-                      <a:round/>
-                      <a:headEnd type="none" w="med" len="med"/>
-                      <a:tailEnd type="none" w="med" len="med"/>
-                    </a:lnB>
-                    <a:lnTlToBr w="12700" cmpd="sng">
-                      <a:noFill/>
-                      <a:prstDash val="solid"/>
-                    </a:lnTlToBr>
-                    <a:lnBlToTr w="12700" cmpd="sng">
-                      <a:noFill/>
-                      <a:prstDash val="solid"/>
-                    </a:lnBlToTr>
-                    <a:solidFill>
-                      <a:schemeClr val="bg1">
-                        <a:lumMod val="90000"/>
-                      </a:schemeClr>
-                    </a:solidFill>
-                  </a:tcPr>
-                </a:tc>
-                <a:tc>
-                  <a:txBody>
-                    <a:bodyPr/>
-                    <a:lstStyle/>
-                    <a:p>
-                      <a:pPr algn="ctr"/>
-                      <a:r>
-                        <a:rPr lang="es-CO" sz="1600" dirty="0"/>
-                        <a:t>Subcrítico</a:t>
-                      </a:r>
-                      <a:endParaRPr lang="en-US" sz="1600" dirty="0"/>
-                    </a:p>
-                  </a:txBody>
-                  <a:tcPr anchor="ctr">
-                    <a:lnL w="6350" cap="flat" cmpd="sng" algn="ctr">
-                      <a:noFill/>
-                      <a:prstDash val="solid"/>
-                      <a:miter lim="800000"/>
-                    </a:lnL>
-                    <a:lnR w="6350" cap="flat" cmpd="sng" algn="ctr">
-                      <a:noFill/>
-                      <a:prstDash val="solid"/>
-                      <a:miter lim="800000"/>
-                    </a:lnR>
-                    <a:lnT w="9525" cap="flat" cmpd="sng" algn="ctr">
-                      <a:solidFill>
-                        <a:schemeClr val="tx1"/>
-                      </a:solidFill>
-                      <a:prstDash val="sysDot"/>
-                      <a:round/>
-                      <a:headEnd type="none" w="med" len="med"/>
-                      <a:tailEnd type="none" w="med" len="med"/>
-                    </a:lnT>
-                    <a:lnB w="12700" cap="flat" cmpd="sng" algn="ctr">
-                      <a:noFill/>
-                      <a:prstDash val="solid"/>
-                      <a:round/>
-                      <a:headEnd type="none" w="med" len="med"/>
-                      <a:tailEnd type="none" w="med" len="med"/>
-                    </a:lnB>
-                    <a:lnTlToBr w="12700" cmpd="sng">
-                      <a:noFill/>
-                      <a:prstDash val="solid"/>
-                    </a:lnTlToBr>
-                    <a:lnBlToTr w="12700" cmpd="sng">
-                      <a:noFill/>
-                      <a:prstDash val="solid"/>
-                    </a:lnBlToTr>
-                    <a:solidFill>
-                      <a:schemeClr val="bg1">
-                        <a:lumMod val="90000"/>
-                      </a:schemeClr>
-                    </a:solidFill>
-                  </a:tcPr>
-                </a:tc>
-                <a:tc>
-                  <a:txBody>
-                    <a:bodyPr/>
-                    <a:lstStyle/>
-                    <a:p>
-                      <a:pPr marL="0" marR="0" lvl="0" indent="0" algn="ctr" defTabSz="914377" rtl="0" eaLnBrk="1" fontAlgn="auto" latinLnBrk="0" hangingPunct="1">
-                        <a:lnSpc>
-                          <a:spcPct val="100000"/>
-                        </a:lnSpc>
-                        <a:spcBef>
-                          <a:spcPts val="0"/>
-                        </a:spcBef>
-                        <a:spcAft>
-                          <a:spcPts val="0"/>
-                        </a:spcAft>
-                        <a:buClrTx/>
-                        <a:buSzTx/>
-                        <a:buFontTx/>
-                        <a:buNone/>
-                        <a:tabLst/>
-                        <a:defRPr/>
-                      </a:pPr>
-                      <a:r>
-                        <a:rPr lang="es-CO" sz="1600" dirty="0"/>
-                        <a:t>y&gt;y</a:t>
-                      </a:r>
-                      <a:r>
-                        <a:rPr lang="es-CO" sz="1600" baseline="-25000" dirty="0"/>
-                        <a:t>c</a:t>
-                      </a:r>
-                      <a:endParaRPr lang="en-US" sz="1600" baseline="-25000" dirty="0"/>
-                    </a:p>
-                  </a:txBody>
-                  <a:tcPr anchor="ctr">
-                    <a:lnL w="6350" cap="flat" cmpd="sng" algn="ctr">
-                      <a:noFill/>
-                      <a:prstDash val="solid"/>
-                      <a:miter lim="800000"/>
-                    </a:lnL>
-                    <a:lnR w="6350" cap="flat" cmpd="sng" algn="ctr">
-                      <a:noFill/>
-                      <a:prstDash val="solid"/>
-                      <a:miter lim="800000"/>
-                    </a:lnR>
-                    <a:lnT w="9525" cap="flat" cmpd="sng" algn="ctr">
-                      <a:solidFill>
-                        <a:schemeClr val="tx1"/>
-                      </a:solidFill>
-                      <a:prstDash val="sysDot"/>
-                      <a:round/>
-                      <a:headEnd type="none" w="med" len="med"/>
-                      <a:tailEnd type="none" w="med" len="med"/>
-                    </a:lnT>
-                    <a:lnB w="12700" cap="flat" cmpd="sng" algn="ctr">
-                      <a:noFill/>
-                      <a:prstDash val="solid"/>
-                      <a:round/>
-                      <a:headEnd type="none" w="med" len="med"/>
-                      <a:tailEnd type="none" w="med" len="med"/>
-                    </a:lnB>
-                    <a:lnTlToBr w="12700" cmpd="sng">
-                      <a:noFill/>
-                      <a:prstDash val="solid"/>
-                    </a:lnTlToBr>
-                    <a:lnBlToTr w="12700" cmpd="sng">
-                      <a:noFill/>
-                      <a:prstDash val="solid"/>
-                    </a:lnBlToTr>
-                    <a:solidFill>
-                      <a:schemeClr val="bg1">
-                        <a:lumMod val="90000"/>
-                      </a:schemeClr>
-                    </a:solidFill>
-                  </a:tcPr>
-                </a:tc>
-                <a:extLst>
-                  <a:ext uri="{0D108BD9-81ED-4DB2-BD59-A6C34878D82A}">
-                    <a16:rowId xmlns:a16="http://schemas.microsoft.com/office/drawing/2014/main" val="2606736990"/>
-                  </a:ext>
-                </a:extLst>
-              </a:tr>
-              <a:tr h="329184">
-                <a:tc>
-                  <a:txBody>
-                    <a:bodyPr/>
-                    <a:lstStyle/>
-                    <a:p>
-                      <a:pPr algn="ctr"/>
-                      <a:r>
-                        <a:rPr lang="es-CO" sz="1600" dirty="0"/>
-                        <a:t>A3</a:t>
-                      </a:r>
-                      <a:endParaRPr lang="en-US" sz="1600" dirty="0"/>
-                    </a:p>
-                  </a:txBody>
-                  <a:tcPr anchor="ctr">
-                    <a:lnL w="6350" cap="flat" cmpd="sng" algn="ctr">
-                      <a:noFill/>
-                      <a:prstDash val="solid"/>
-                      <a:miter lim="800000"/>
-                    </a:lnL>
-                    <a:lnR w="6350" cap="flat" cmpd="sng" algn="ctr">
-                      <a:noFill/>
-                      <a:prstDash val="solid"/>
-                      <a:miter lim="800000"/>
-                    </a:lnR>
-                    <a:lnT w="6350" cap="flat" cmpd="sng" algn="ctr">
-                      <a:noFill/>
-                      <a:prstDash val="solid"/>
-                      <a:miter lim="800000"/>
-                    </a:lnT>
-                    <a:lnB w="9525" cap="flat" cmpd="sng" algn="ctr">
-                      <a:solidFill>
-                        <a:schemeClr val="tx1"/>
-                      </a:solidFill>
-                      <a:prstDash val="sysDot"/>
-                      <a:round/>
-                      <a:headEnd type="none" w="med" len="med"/>
-                      <a:tailEnd type="none" w="med" len="med"/>
-                    </a:lnB>
-                    <a:lnTlToBr w="12700" cmpd="sng">
-                      <a:noFill/>
-                      <a:prstDash val="solid"/>
-                    </a:lnTlToBr>
-                    <a:lnBlToTr w="12700" cmpd="sng">
-                      <a:noFill/>
-                      <a:prstDash val="solid"/>
-                    </a:lnBlToTr>
-                    <a:solidFill>
-                      <a:schemeClr val="bg1">
-                        <a:lumMod val="90000"/>
-                      </a:schemeClr>
-                    </a:solidFill>
-                  </a:tcPr>
-                </a:tc>
-                <a:tc vMerge="1">
-                  <a:txBody>
-                    <a:bodyPr/>
-                    <a:lstStyle/>
-                    <a:p>
-                      <a:pPr algn="ctr"/>
-                      <a:r>
-                        <a:rPr lang="es-CO" dirty="0"/>
-                        <a:t>0</a:t>
-                      </a:r>
-                      <a:endParaRPr lang="en-US" dirty="0"/>
-                    </a:p>
-                  </a:txBody>
-                  <a:tcPr anchor="ctr">
-                    <a:lnL w="6350" cap="flat" cmpd="sng" algn="ctr">
-                      <a:noFill/>
-                      <a:prstDash val="solid"/>
-                      <a:miter lim="800000"/>
-                    </a:lnL>
-                    <a:lnR w="6350" cap="flat" cmpd="sng" algn="ctr">
-                      <a:noFill/>
-                      <a:prstDash val="solid"/>
-                      <a:miter lim="800000"/>
-                    </a:lnR>
-                    <a:lnT w="6350" cap="flat" cmpd="sng" algn="ctr">
-                      <a:noFill/>
-                      <a:prstDash val="solid"/>
-                      <a:miter lim="800000"/>
-                    </a:lnT>
-                    <a:lnB w="12700" cap="flat" cmpd="sng" algn="ctr">
-                      <a:noFill/>
-                      <a:prstDash val="solid"/>
-                      <a:round/>
-                      <a:headEnd type="none" w="med" len="med"/>
-                      <a:tailEnd type="none" w="med" len="med"/>
-                    </a:lnB>
-                    <a:lnTlToBr w="12700" cmpd="sng">
-                      <a:noFill/>
-                      <a:prstDash val="solid"/>
-                    </a:lnTlToBr>
-                    <a:lnBlToTr w="12700" cmpd="sng">
-                      <a:noFill/>
-                      <a:prstDash val="solid"/>
-                    </a:lnBlToTr>
-                    <a:solidFill>
-                      <a:schemeClr val="bg1">
-                        <a:lumMod val="90000"/>
-                      </a:schemeClr>
-                    </a:solidFill>
-                  </a:tcPr>
-                </a:tc>
-                <a:tc>
-                  <a:txBody>
-                    <a:bodyPr/>
-                    <a:lstStyle/>
-                    <a:p>
-                      <a:pPr algn="ctr"/>
-                      <a:r>
-                        <a:rPr lang="es-CO" sz="1600" dirty="0"/>
-                        <a:t>Supercrítico</a:t>
-                      </a:r>
-                      <a:endParaRPr lang="en-US" sz="1600" dirty="0"/>
-                    </a:p>
-                  </a:txBody>
-                  <a:tcPr anchor="ctr">
-                    <a:lnL w="6350" cap="flat" cmpd="sng" algn="ctr">
-                      <a:noFill/>
-                      <a:prstDash val="solid"/>
-                      <a:miter lim="800000"/>
-                    </a:lnL>
-                    <a:lnR w="6350" cap="flat" cmpd="sng" algn="ctr">
-                      <a:noFill/>
-                      <a:prstDash val="solid"/>
-                      <a:miter lim="800000"/>
-                    </a:lnR>
-                    <a:lnT w="6350" cap="flat" cmpd="sng" algn="ctr">
-                      <a:noFill/>
-                      <a:prstDash val="solid"/>
-                      <a:miter lim="800000"/>
-                    </a:lnT>
-                    <a:lnB w="9525" cap="flat" cmpd="sng" algn="ctr">
-                      <a:solidFill>
-                        <a:schemeClr val="tx1"/>
-                      </a:solidFill>
-                      <a:prstDash val="sysDot"/>
-                      <a:round/>
-                      <a:headEnd type="none" w="med" len="med"/>
-                      <a:tailEnd type="none" w="med" len="med"/>
-                    </a:lnB>
-                    <a:lnTlToBr w="12700" cmpd="sng">
-                      <a:noFill/>
-                      <a:prstDash val="solid"/>
-                    </a:lnTlToBr>
-                    <a:lnBlToTr w="12700" cmpd="sng">
-                      <a:noFill/>
-                      <a:prstDash val="solid"/>
-                    </a:lnBlToTr>
-                    <a:solidFill>
-                      <a:schemeClr val="bg1">
-                        <a:lumMod val="90000"/>
-                      </a:schemeClr>
-                    </a:solidFill>
-                  </a:tcPr>
-                </a:tc>
-                <a:tc>
-                  <a:txBody>
-                    <a:bodyPr/>
-                    <a:lstStyle/>
-                    <a:p>
-                      <a:pPr marL="0" marR="0" lvl="0" indent="0" algn="ctr" defTabSz="914377" rtl="0" eaLnBrk="1" fontAlgn="auto" latinLnBrk="0" hangingPunct="1">
-                        <a:lnSpc>
-                          <a:spcPct val="100000"/>
-                        </a:lnSpc>
-                        <a:spcBef>
-                          <a:spcPts val="0"/>
-                        </a:spcBef>
-                        <a:spcAft>
-                          <a:spcPts val="0"/>
-                        </a:spcAft>
-                        <a:buClrTx/>
-                        <a:buSzTx/>
-                        <a:buFontTx/>
-                        <a:buNone/>
-                        <a:tabLst/>
-                        <a:defRPr/>
-                      </a:pPr>
-                      <a:r>
-                        <a:rPr lang="es-CO" sz="1600" dirty="0"/>
-                        <a:t>y&lt;y</a:t>
-                      </a:r>
-                      <a:r>
-                        <a:rPr lang="es-CO" sz="1600" baseline="-25000" dirty="0"/>
-                        <a:t>c</a:t>
-                      </a:r>
-                      <a:endParaRPr lang="en-US" sz="1600" baseline="-25000" dirty="0"/>
-                    </a:p>
-                  </a:txBody>
-                  <a:tcPr anchor="ctr">
-                    <a:lnL w="6350" cap="flat" cmpd="sng" algn="ctr">
-                      <a:noFill/>
-                      <a:prstDash val="solid"/>
-                      <a:miter lim="800000"/>
-                    </a:lnL>
-                    <a:lnR w="6350" cap="flat" cmpd="sng" algn="ctr">
-                      <a:noFill/>
-                      <a:prstDash val="solid"/>
-                      <a:miter lim="800000"/>
-                    </a:lnR>
-                    <a:lnT w="6350" cap="flat" cmpd="sng" algn="ctr">
-                      <a:noFill/>
-                      <a:prstDash val="solid"/>
-                      <a:miter lim="800000"/>
-                    </a:lnT>
-                    <a:lnB w="9525" cap="flat" cmpd="sng" algn="ctr">
-                      <a:solidFill>
-                        <a:schemeClr val="tx1"/>
-                      </a:solidFill>
-                      <a:prstDash val="sysDot"/>
-                      <a:round/>
-                      <a:headEnd type="none" w="med" len="med"/>
-                      <a:tailEnd type="none" w="med" len="med"/>
-                    </a:lnB>
-                    <a:lnTlToBr w="12700" cmpd="sng">
-                      <a:noFill/>
-                      <a:prstDash val="solid"/>
-                    </a:lnTlToBr>
-                    <a:lnBlToTr w="12700" cmpd="sng">
-                      <a:noFill/>
-                      <a:prstDash val="solid"/>
-                    </a:lnBlToTr>
-                    <a:solidFill>
-                      <a:schemeClr val="bg1">
-                        <a:lumMod val="90000"/>
-                      </a:schemeClr>
-                    </a:solidFill>
-                  </a:tcPr>
-                </a:tc>
-                <a:extLst>
-                  <a:ext uri="{0D108BD9-81ED-4DB2-BD59-A6C34878D82A}">
-                    <a16:rowId xmlns:a16="http://schemas.microsoft.com/office/drawing/2014/main" val="3014092112"/>
-                  </a:ext>
-                </a:extLst>
-              </a:tr>
-              <a:tr h="329184">
-                <a:tc>
-                  <a:txBody>
-                    <a:bodyPr/>
-                    <a:lstStyle/>
-                    <a:p>
-                      <a:pPr algn="ctr"/>
-                      <a:r>
-                        <a:rPr lang="es-CO" sz="1600" dirty="0"/>
-                        <a:t>C1</a:t>
-                      </a:r>
-                      <a:endParaRPr lang="en-US" sz="1600" dirty="0"/>
-                    </a:p>
-                  </a:txBody>
-                  <a:tcPr anchor="ctr">
-                    <a:lnL w="6350" cap="flat" cmpd="sng" algn="ctr">
-                      <a:noFill/>
-                      <a:prstDash val="solid"/>
-                      <a:miter lim="800000"/>
-                    </a:lnL>
-                    <a:lnR w="6350" cap="flat" cmpd="sng" algn="ctr">
-                      <a:noFill/>
-                      <a:prstDash val="solid"/>
-                      <a:miter lim="800000"/>
-                    </a:lnR>
-                    <a:lnT w="9525" cap="flat" cmpd="sng" algn="ctr">
-                      <a:solidFill>
-                        <a:schemeClr val="tx1"/>
-                      </a:solidFill>
-                      <a:prstDash val="sysDot"/>
-                      <a:round/>
-                      <a:headEnd type="none" w="med" len="med"/>
-                      <a:tailEnd type="none" w="med" len="med"/>
-                    </a:lnT>
-                    <a:lnB w="12700" cap="flat" cmpd="sng" algn="ctr">
-                      <a:noFill/>
-                      <a:prstDash val="solid"/>
-                      <a:round/>
-                      <a:headEnd type="none" w="med" len="med"/>
-                      <a:tailEnd type="none" w="med" len="med"/>
-                    </a:lnB>
-                    <a:lnTlToBr w="12700" cmpd="sng">
-                      <a:noFill/>
-                      <a:prstDash val="solid"/>
-                    </a:lnTlToBr>
-                    <a:lnBlToTr w="12700" cmpd="sng">
-                      <a:noFill/>
-                      <a:prstDash val="solid"/>
-                    </a:lnBlToTr>
-                    <a:solidFill>
-                      <a:schemeClr val="bg1">
-                        <a:lumMod val="90000"/>
-                      </a:schemeClr>
-                    </a:solidFill>
-                  </a:tcPr>
-                </a:tc>
-                <a:tc rowSpan="2">
-                  <a:txBody>
-                    <a:bodyPr/>
-                    <a:lstStyle/>
-                    <a:p>
-                      <a:pPr algn="ctr"/>
-                      <a:r>
-                        <a:rPr lang="es-CO" sz="1600" dirty="0"/>
-                        <a:t>S</a:t>
-                      </a:r>
-                      <a:r>
-                        <a:rPr lang="es-CO" sz="1600" baseline="-25000" dirty="0"/>
-                        <a:t>c</a:t>
-                      </a:r>
-                      <a:endParaRPr lang="en-US" sz="1600" dirty="0"/>
-                    </a:p>
-                  </a:txBody>
-                  <a:tcPr anchor="ctr">
-                    <a:lnL w="6350" cap="flat" cmpd="sng" algn="ctr">
-                      <a:noFill/>
-                      <a:prstDash val="solid"/>
-                      <a:miter lim="800000"/>
-                    </a:lnL>
-                    <a:lnR w="6350" cap="flat" cmpd="sng" algn="ctr">
-                      <a:noFill/>
-                      <a:prstDash val="solid"/>
-                      <a:miter lim="800000"/>
-                    </a:lnR>
-                    <a:lnT w="9525" cap="flat" cmpd="sng" algn="ctr">
-                      <a:solidFill>
-                        <a:schemeClr val="tx1"/>
-                      </a:solidFill>
-                      <a:prstDash val="sysDot"/>
-                      <a:round/>
-                      <a:headEnd type="none" w="med" len="med"/>
-                      <a:tailEnd type="none" w="med" len="med"/>
-                    </a:lnT>
-                    <a:lnB w="12700" cap="flat" cmpd="sng" algn="ctr">
-                      <a:noFill/>
-                      <a:prstDash val="solid"/>
-                      <a:round/>
-                      <a:headEnd type="none" w="med" len="med"/>
-                      <a:tailEnd type="none" w="med" len="med"/>
-                    </a:lnB>
-                    <a:lnTlToBr w="12700" cmpd="sng">
-                      <a:noFill/>
-                      <a:prstDash val="solid"/>
-                    </a:lnTlToBr>
-                    <a:lnBlToTr w="12700" cmpd="sng">
-                      <a:noFill/>
-                      <a:prstDash val="solid"/>
-                    </a:lnBlToTr>
-                    <a:solidFill>
-                      <a:schemeClr val="bg1">
-                        <a:lumMod val="90000"/>
-                      </a:schemeClr>
-                    </a:solidFill>
-                  </a:tcPr>
-                </a:tc>
-                <a:tc>
-                  <a:txBody>
-                    <a:bodyPr/>
-                    <a:lstStyle/>
-                    <a:p>
-                      <a:pPr algn="ctr"/>
-                      <a:r>
-                        <a:rPr lang="es-CO" sz="1600" dirty="0"/>
-                        <a:t>Subcrítico</a:t>
-                      </a:r>
-                      <a:endParaRPr lang="en-US" sz="1600" dirty="0"/>
-                    </a:p>
-                  </a:txBody>
-                  <a:tcPr anchor="ctr">
-                    <a:lnL w="6350" cap="flat" cmpd="sng" algn="ctr">
-                      <a:noFill/>
-                      <a:prstDash val="solid"/>
-                      <a:miter lim="800000"/>
-                    </a:lnL>
-                    <a:lnR w="6350" cap="flat" cmpd="sng" algn="ctr">
-                      <a:noFill/>
-                      <a:prstDash val="solid"/>
-                      <a:miter lim="800000"/>
-                    </a:lnR>
-                    <a:lnT w="9525" cap="flat" cmpd="sng" algn="ctr">
-                      <a:solidFill>
-                        <a:schemeClr val="tx1"/>
-                      </a:solidFill>
-                      <a:prstDash val="sysDot"/>
-                      <a:round/>
-                      <a:headEnd type="none" w="med" len="med"/>
-                      <a:tailEnd type="none" w="med" len="med"/>
-                    </a:lnT>
-                    <a:lnB w="12700" cap="flat" cmpd="sng" algn="ctr">
-                      <a:noFill/>
-                      <a:prstDash val="solid"/>
-                      <a:round/>
-                      <a:headEnd type="none" w="med" len="med"/>
-                      <a:tailEnd type="none" w="med" len="med"/>
-                    </a:lnB>
-                    <a:lnTlToBr w="12700" cmpd="sng">
-                      <a:noFill/>
-                      <a:prstDash val="solid"/>
-                    </a:lnTlToBr>
-                    <a:lnBlToTr w="12700" cmpd="sng">
-                      <a:noFill/>
-                      <a:prstDash val="solid"/>
-                    </a:lnBlToTr>
-                    <a:solidFill>
-                      <a:schemeClr val="bg1">
-                        <a:lumMod val="90000"/>
-                      </a:schemeClr>
-                    </a:solidFill>
-                  </a:tcPr>
-                </a:tc>
-                <a:tc>
-                  <a:txBody>
-                    <a:bodyPr/>
-                    <a:lstStyle/>
-                    <a:p>
-                      <a:pPr marL="0" marR="0" lvl="0" indent="0" algn="ctr" defTabSz="914377" rtl="0" eaLnBrk="1" fontAlgn="auto" latinLnBrk="0" hangingPunct="1">
-                        <a:lnSpc>
-                          <a:spcPct val="100000"/>
-                        </a:lnSpc>
-                        <a:spcBef>
-                          <a:spcPts val="0"/>
-                        </a:spcBef>
-                        <a:spcAft>
-                          <a:spcPts val="0"/>
-                        </a:spcAft>
-                        <a:buClrTx/>
-                        <a:buSzTx/>
-                        <a:buFontTx/>
-                        <a:buNone/>
-                        <a:tabLst/>
-                        <a:defRPr/>
-                      </a:pPr>
-                      <a:r>
-                        <a:rPr lang="es-CO" sz="1600" dirty="0"/>
-                        <a:t>y&gt;y</a:t>
-                      </a:r>
-                      <a:r>
-                        <a:rPr lang="es-CO" sz="1600" baseline="-25000" dirty="0"/>
-                        <a:t>c</a:t>
-                      </a:r>
-                      <a:endParaRPr lang="en-US" sz="1600" baseline="-25000" dirty="0"/>
-                    </a:p>
-                  </a:txBody>
-                  <a:tcPr anchor="ctr">
-                    <a:lnL w="6350" cap="flat" cmpd="sng" algn="ctr">
-                      <a:noFill/>
-                      <a:prstDash val="solid"/>
-                      <a:miter lim="800000"/>
-                    </a:lnL>
-                    <a:lnR w="6350" cap="flat" cmpd="sng" algn="ctr">
-                      <a:noFill/>
-                      <a:prstDash val="solid"/>
-                      <a:miter lim="800000"/>
-                    </a:lnR>
-                    <a:lnT w="9525" cap="flat" cmpd="sng" algn="ctr">
-                      <a:solidFill>
-                        <a:schemeClr val="tx1"/>
-                      </a:solidFill>
-                      <a:prstDash val="sysDot"/>
-                      <a:round/>
-                      <a:headEnd type="none" w="med" len="med"/>
-                      <a:tailEnd type="none" w="med" len="med"/>
-                    </a:lnT>
-                    <a:lnB w="12700" cap="flat" cmpd="sng" algn="ctr">
-                      <a:noFill/>
-                      <a:prstDash val="solid"/>
-                      <a:round/>
-                      <a:headEnd type="none" w="med" len="med"/>
-                      <a:tailEnd type="none" w="med" len="med"/>
-                    </a:lnB>
-                    <a:lnTlToBr w="12700" cmpd="sng">
-                      <a:noFill/>
-                      <a:prstDash val="solid"/>
-                    </a:lnTlToBr>
-                    <a:lnBlToTr w="12700" cmpd="sng">
-                      <a:noFill/>
-                      <a:prstDash val="solid"/>
-                    </a:lnBlToTr>
-                    <a:solidFill>
-                      <a:schemeClr val="bg1">
-                        <a:lumMod val="90000"/>
-                      </a:schemeClr>
-                    </a:solidFill>
-                  </a:tcPr>
-                </a:tc>
-                <a:extLst>
-                  <a:ext uri="{0D108BD9-81ED-4DB2-BD59-A6C34878D82A}">
-                    <a16:rowId xmlns:a16="http://schemas.microsoft.com/office/drawing/2014/main" val="3664025990"/>
-                  </a:ext>
-                </a:extLst>
-              </a:tr>
-              <a:tr h="329184">
-                <a:tc>
-                  <a:txBody>
-                    <a:bodyPr/>
-                    <a:lstStyle/>
-                    <a:p>
-                      <a:pPr algn="ctr"/>
-                      <a:r>
-                        <a:rPr lang="es-CO" sz="1600" dirty="0"/>
-                        <a:t>C3</a:t>
-                      </a:r>
-                      <a:endParaRPr lang="en-US" sz="1600" dirty="0"/>
-                    </a:p>
-                  </a:txBody>
-                  <a:tcPr anchor="ctr">
-                    <a:lnL w="6350" cap="flat" cmpd="sng" algn="ctr">
-                      <a:noFill/>
-                      <a:prstDash val="solid"/>
-                      <a:miter lim="800000"/>
-                    </a:lnL>
-                    <a:lnR w="6350" cap="flat" cmpd="sng" algn="ctr">
-                      <a:noFill/>
-                      <a:prstDash val="solid"/>
-                      <a:miter lim="800000"/>
-                    </a:lnR>
-                    <a:lnT w="6350" cap="flat" cmpd="sng" algn="ctr">
-                      <a:noFill/>
-                      <a:prstDash val="solid"/>
-                      <a:miter lim="800000"/>
-                    </a:lnT>
-                    <a:lnB w="12700" cap="flat" cmpd="sng" algn="ctr">
-                      <a:noFill/>
-                      <a:prstDash val="solid"/>
-                      <a:round/>
-                      <a:headEnd type="none" w="med" len="med"/>
-                      <a:tailEnd type="none" w="med" len="med"/>
-                    </a:lnB>
-                    <a:lnTlToBr w="12700" cmpd="sng">
-                      <a:noFill/>
-                      <a:prstDash val="solid"/>
-                    </a:lnTlToBr>
-                    <a:lnBlToTr w="12700" cmpd="sng">
-                      <a:noFill/>
-                      <a:prstDash val="solid"/>
-                    </a:lnBlToTr>
-                    <a:solidFill>
-                      <a:schemeClr val="bg1">
-                        <a:lumMod val="90000"/>
-                      </a:schemeClr>
-                    </a:solidFill>
-                  </a:tcPr>
-                </a:tc>
-                <a:tc vMerge="1">
-                  <a:txBody>
-                    <a:bodyPr/>
-                    <a:lstStyle/>
-                    <a:p>
-                      <a:pPr algn="ctr"/>
-                      <a:r>
-                        <a:rPr lang="es-CO" dirty="0"/>
-                        <a:t>0</a:t>
-                      </a:r>
-                      <a:endParaRPr lang="en-US" dirty="0"/>
-                    </a:p>
-                  </a:txBody>
-                  <a:tcPr anchor="ctr">
-                    <a:lnL w="6350" cap="flat" cmpd="sng" algn="ctr">
-                      <a:noFill/>
-                      <a:prstDash val="solid"/>
-                      <a:miter lim="800000"/>
-                    </a:lnL>
-                    <a:lnR w="6350" cap="flat" cmpd="sng" algn="ctr">
-                      <a:noFill/>
-                      <a:prstDash val="solid"/>
-                      <a:miter lim="800000"/>
-                    </a:lnR>
-                    <a:lnT w="6350" cap="flat" cmpd="sng" algn="ctr">
-                      <a:noFill/>
-                      <a:prstDash val="solid"/>
-                      <a:miter lim="800000"/>
-                    </a:lnT>
-                    <a:lnB w="12700" cap="flat" cmpd="sng" algn="ctr">
-                      <a:noFill/>
-                      <a:prstDash val="solid"/>
-                      <a:round/>
-                      <a:headEnd type="none" w="med" len="med"/>
-                      <a:tailEnd type="none" w="med" len="med"/>
-                    </a:lnB>
-                    <a:lnTlToBr w="12700" cmpd="sng">
-                      <a:noFill/>
-                      <a:prstDash val="solid"/>
-                    </a:lnTlToBr>
-                    <a:lnBlToTr w="12700" cmpd="sng">
-                      <a:noFill/>
-                      <a:prstDash val="solid"/>
-                    </a:lnBlToTr>
-                    <a:solidFill>
-                      <a:schemeClr val="bg1">
-                        <a:lumMod val="90000"/>
-                      </a:schemeClr>
-                    </a:solidFill>
-                  </a:tcPr>
-                </a:tc>
-                <a:tc>
-                  <a:txBody>
-                    <a:bodyPr/>
-                    <a:lstStyle/>
-                    <a:p>
-                      <a:pPr algn="ctr"/>
-                      <a:r>
-                        <a:rPr lang="es-CO" sz="1600" dirty="0"/>
-                        <a:t>Supercrítico</a:t>
-                      </a:r>
-                      <a:endParaRPr lang="en-US" sz="1600" dirty="0"/>
-                    </a:p>
-                  </a:txBody>
-                  <a:tcPr anchor="ctr">
-                    <a:lnL w="6350" cap="flat" cmpd="sng" algn="ctr">
-                      <a:noFill/>
-                      <a:prstDash val="solid"/>
-                      <a:miter lim="800000"/>
-                    </a:lnL>
-                    <a:lnR w="6350" cap="flat" cmpd="sng" algn="ctr">
-                      <a:noFill/>
-                      <a:prstDash val="solid"/>
-                      <a:miter lim="800000"/>
-                    </a:lnR>
-                    <a:lnT w="6350" cap="flat" cmpd="sng" algn="ctr">
-                      <a:noFill/>
-                      <a:prstDash val="solid"/>
-                      <a:miter lim="800000"/>
-                    </a:lnT>
-                    <a:lnB w="12700" cap="flat" cmpd="sng" algn="ctr">
-                      <a:noFill/>
-                      <a:prstDash val="solid"/>
-                      <a:round/>
-                      <a:headEnd type="none" w="med" len="med"/>
-                      <a:tailEnd type="none" w="med" len="med"/>
-                    </a:lnB>
-                    <a:lnTlToBr w="12700" cmpd="sng">
-                      <a:noFill/>
-                      <a:prstDash val="solid"/>
-                    </a:lnTlToBr>
-                    <a:lnBlToTr w="12700" cmpd="sng">
-                      <a:noFill/>
-                      <a:prstDash val="solid"/>
-                    </a:lnBlToTr>
-                    <a:solidFill>
-                      <a:schemeClr val="bg1">
-                        <a:lumMod val="90000"/>
-                      </a:schemeClr>
-                    </a:solidFill>
-                  </a:tcPr>
-                </a:tc>
-                <a:tc>
-                  <a:txBody>
-                    <a:bodyPr/>
-                    <a:lstStyle/>
-                    <a:p>
-                      <a:pPr marL="0" marR="0" lvl="0" indent="0" algn="ctr" defTabSz="914377" rtl="0" eaLnBrk="1" fontAlgn="auto" latinLnBrk="0" hangingPunct="1">
-                        <a:lnSpc>
-                          <a:spcPct val="100000"/>
-                        </a:lnSpc>
-                        <a:spcBef>
-                          <a:spcPts val="0"/>
-                        </a:spcBef>
-                        <a:spcAft>
-                          <a:spcPts val="0"/>
-                        </a:spcAft>
-                        <a:buClrTx/>
-                        <a:buSzTx/>
-                        <a:buFontTx/>
-                        <a:buNone/>
-                        <a:tabLst/>
-                        <a:defRPr/>
-                      </a:pPr>
-                      <a:r>
-                        <a:rPr lang="es-CO" sz="1600" dirty="0"/>
-                        <a:t>y&lt;y</a:t>
-                      </a:r>
-                      <a:r>
-                        <a:rPr lang="es-CO" sz="1600" baseline="-25000" dirty="0"/>
-                        <a:t>c</a:t>
-                      </a:r>
-                      <a:endParaRPr lang="en-US" sz="1600" baseline="-25000" dirty="0"/>
-                    </a:p>
-                  </a:txBody>
-                  <a:tcPr anchor="ctr">
-                    <a:lnL w="6350" cap="flat" cmpd="sng" algn="ctr">
-                      <a:noFill/>
-                      <a:prstDash val="solid"/>
-                      <a:miter lim="800000"/>
-                    </a:lnL>
-                    <a:lnR w="6350" cap="flat" cmpd="sng" algn="ctr">
-                      <a:noFill/>
-                      <a:prstDash val="solid"/>
-                      <a:miter lim="800000"/>
-                    </a:lnR>
-                    <a:lnT w="6350" cap="flat" cmpd="sng" algn="ctr">
-                      <a:noFill/>
-                      <a:prstDash val="solid"/>
-                      <a:miter lim="800000"/>
-                    </a:lnT>
-                    <a:lnB w="12700" cap="flat" cmpd="sng" algn="ctr">
-                      <a:noFill/>
-                      <a:prstDash val="solid"/>
-                      <a:round/>
-                      <a:headEnd type="none" w="med" len="med"/>
-                      <a:tailEnd type="none" w="med" len="med"/>
-                    </a:lnB>
-                    <a:lnTlToBr w="12700" cmpd="sng">
-                      <a:noFill/>
-                      <a:prstDash val="solid"/>
-                    </a:lnTlToBr>
-                    <a:lnBlToTr w="12700" cmpd="sng">
-                      <a:noFill/>
-                      <a:prstDash val="solid"/>
-                    </a:lnBlToTr>
-                    <a:solidFill>
-                      <a:schemeClr val="bg1">
-                        <a:lumMod val="90000"/>
-                      </a:schemeClr>
-                    </a:solidFill>
-                  </a:tcPr>
-                </a:tc>
-                <a:extLst>
-                  <a:ext uri="{0D108BD9-81ED-4DB2-BD59-A6C34878D82A}">
-                    <a16:rowId xmlns:a16="http://schemas.microsoft.com/office/drawing/2014/main" val="947038247"/>
-                  </a:ext>
-                </a:extLst>
-              </a:tr>
-            </a:tbl>
-          </a:graphicData>
-        </a:graphic>
-      </p:graphicFrame>
-    </p:spTree>
-    <p:extLst>
-      <p:ext uri="{BB962C8B-B14F-4D97-AF65-F5344CB8AC3E}">
-        <p14:creationId xmlns:p14="http://schemas.microsoft.com/office/powerpoint/2010/main" val="3943943027"/>
-      </p:ext>
-    </p:extLst>
-  </p:cSld>
-  <p:clrMapOvr>
-    <a:masterClrMapping/>
-  </p:clrMapOvr>
-</p:sld>
-</file>
-
-<file path=ppt/slides/slide8.xml><?xml version="1.0" encoding="utf-8"?>
-<p:sld xmlns:a="http://schemas.openxmlformats.org/drawingml/2006/main" xmlns:r="http://schemas.openxmlformats.org/officeDocument/2006/relationships" xmlns:p="http://schemas.openxmlformats.org/presentationml/2006/main">
-  <p:cSld>
-    <p:spTree>
-      <p:nvGrpSpPr>
-        <p:cNvPr id="1" name=""/>
-        <p:cNvGrpSpPr/>
-        <p:nvPr/>
-      </p:nvGrpSpPr>
-      <p:grpSpPr>
-        <a:xfrm>
-          <a:off x="0" y="0"/>
-          <a:ext cx="0" cy="0"/>
-          <a:chOff x="0" y="0"/>
-          <a:chExt cx="0" cy="0"/>
-        </a:xfrm>
-      </p:grpSpPr>
-      <p:sp>
-        <p:nvSpPr>
-          <p:cNvPr id="2" name="Título 1">
-            <a:extLst>
-              <a:ext uri="{FF2B5EF4-FFF2-40B4-BE49-F238E27FC236}">
-                <a16:creationId xmlns:a16="http://schemas.microsoft.com/office/drawing/2014/main" id="{B7A326E0-7378-DEAD-3AFB-15247D7E203A}"/>
-              </a:ext>
-            </a:extLst>
-          </p:cNvPr>
-          <p:cNvSpPr>
-            <a:spLocks noGrp="1"/>
-          </p:cNvSpPr>
-          <p:nvPr>
-            <p:ph type="title"/>
-          </p:nvPr>
-        </p:nvSpPr>
-        <p:spPr>
-          <a:xfrm>
-            <a:off x="720001" y="810000"/>
-            <a:ext cx="6121725" cy="810000"/>
-          </a:xfrm>
-        </p:spPr>
-        <p:txBody>
-          <a:bodyPr anchor="t"/>
-          <a:lstStyle/>
-          <a:p>
-            <a:r>
-              <a:rPr lang="es-CO" dirty="0"/>
-              <a:t>Flujo espacialmente variado (FEV)</a:t>
-            </a:r>
-            <a:endParaRPr lang="en-US" dirty="0"/>
-          </a:p>
-        </p:txBody>
-      </p:sp>
-      <p:pic>
-        <p:nvPicPr>
-          <p:cNvPr id="5" name="Imagen 4" descr="Imagen que contiene edificio, banca, tabla, hecho de madera&#10;&#10;Descripción generada automáticamente">
-            <a:extLst>
-              <a:ext uri="{FF2B5EF4-FFF2-40B4-BE49-F238E27FC236}">
-                <a16:creationId xmlns:a16="http://schemas.microsoft.com/office/drawing/2014/main" id="{817AC205-73EB-7901-09B3-5774148040D6}"/>
-              </a:ext>
-            </a:extLst>
-          </p:cNvPr>
-          <p:cNvPicPr>
-            <a:picLocks noChangeAspect="1"/>
-          </p:cNvPicPr>
-          <p:nvPr/>
-        </p:nvPicPr>
-        <p:blipFill>
-          <a:blip r:embed="rId2"/>
-          <a:stretch>
-            <a:fillRect/>
-          </a:stretch>
-        </p:blipFill>
-        <p:spPr>
-          <a:xfrm>
-            <a:off x="1137676" y="1547812"/>
-            <a:ext cx="4844024" cy="2422012"/>
-          </a:xfrm>
-          <a:prstGeom prst="rect">
-            <a:avLst/>
-          </a:prstGeom>
-        </p:spPr>
-      </p:pic>
-      <p:pic>
-        <p:nvPicPr>
-          <p:cNvPr id="11" name="Imagen 10" descr="Imagen en blanco y negro&#10;&#10;Descripción generada automáticamente con confianza baja">
-            <a:extLst>
-              <a:ext uri="{FF2B5EF4-FFF2-40B4-BE49-F238E27FC236}">
-                <a16:creationId xmlns:a16="http://schemas.microsoft.com/office/drawing/2014/main" id="{D39D988A-DD4E-1ADF-6B80-2D0B2CE4E55A}"/>
-              </a:ext>
-            </a:extLst>
-          </p:cNvPr>
-          <p:cNvPicPr>
-            <a:picLocks noChangeAspect="1"/>
-          </p:cNvPicPr>
-          <p:nvPr/>
-        </p:nvPicPr>
-        <p:blipFill>
-          <a:blip r:embed="rId3"/>
-          <a:stretch>
-            <a:fillRect/>
-          </a:stretch>
-        </p:blipFill>
-        <p:spPr>
-          <a:xfrm>
-            <a:off x="1137676" y="4099182"/>
-            <a:ext cx="4844024" cy="2422012"/>
-          </a:xfrm>
-          <a:prstGeom prst="rect">
-            <a:avLst/>
-          </a:prstGeom>
-        </p:spPr>
-      </p:pic>
-    </p:spTree>
-    <p:extLst>
-      <p:ext uri="{BB962C8B-B14F-4D97-AF65-F5344CB8AC3E}">
-        <p14:creationId xmlns:p14="http://schemas.microsoft.com/office/powerpoint/2010/main" val="2490225753"/>
-      </p:ext>
-    </p:extLst>
-  </p:cSld>
-  <p:clrMapOvr>
-    <a:masterClrMapping/>
-  </p:clrMapOvr>
-</p:sld>
-</file>
-
-<file path=ppt/slides/slide9.xml><?xml version="1.0" encoding="utf-8"?>
-<p:sld xmlns:a="http://schemas.openxmlformats.org/drawingml/2006/main" xmlns:r="http://schemas.openxmlformats.org/officeDocument/2006/relationships" xmlns:p="http://schemas.openxmlformats.org/presentationml/2006/main">
-  <p:cSld>
-    <p:spTree>
-      <p:nvGrpSpPr>
-        <p:cNvPr id="1" name=""/>
-        <p:cNvGrpSpPr/>
-        <p:nvPr/>
-      </p:nvGrpSpPr>
-      <p:grpSpPr>
-        <a:xfrm>
-          <a:off x="0" y="0"/>
-          <a:ext cx="0" cy="0"/>
-          <a:chOff x="0" y="0"/>
-          <a:chExt cx="0" cy="0"/>
-        </a:xfrm>
-      </p:grpSpPr>
-      <p:sp>
-        <p:nvSpPr>
-          <p:cNvPr id="2" name="Título 1">
-            <a:extLst>
-              <a:ext uri="{FF2B5EF4-FFF2-40B4-BE49-F238E27FC236}">
-                <a16:creationId xmlns:a16="http://schemas.microsoft.com/office/drawing/2014/main" id="{B7A326E0-7378-DEAD-3AFB-15247D7E203A}"/>
-              </a:ext>
-            </a:extLst>
-          </p:cNvPr>
-          <p:cNvSpPr>
-            <a:spLocks noGrp="1"/>
-          </p:cNvSpPr>
-          <p:nvPr>
-            <p:ph type="title"/>
-          </p:nvPr>
-        </p:nvSpPr>
-        <p:spPr>
-          <a:xfrm>
-            <a:off x="720001" y="810000"/>
-            <a:ext cx="6121725" cy="810000"/>
-          </a:xfrm>
-        </p:spPr>
-        <p:txBody>
-          <a:bodyPr anchor="t"/>
-          <a:lstStyle/>
-          <a:p>
-            <a:r>
-              <a:rPr lang="es-CO" dirty="0"/>
-              <a:t>Flujo espacialmente variado (FEV)</a:t>
-            </a:r>
-            <a:endParaRPr lang="en-US" dirty="0"/>
-          </a:p>
-        </p:txBody>
-      </p:sp>
-      <mc:AlternateContent xmlns:mc="http://schemas.openxmlformats.org/markup-compatibility/2006">
-        <mc:Choice xmlns:a14="http://schemas.microsoft.com/office/drawing/2010/main" Requires="a14">
-          <p:sp>
-            <p:nvSpPr>
-              <p:cNvPr id="6" name="CuadroTexto 5">
-                <a:extLst>
-                  <a:ext uri="{FF2B5EF4-FFF2-40B4-BE49-F238E27FC236}">
-                    <a16:creationId xmlns:a16="http://schemas.microsoft.com/office/drawing/2014/main" id="{52B3CC38-FFB6-2A41-81B8-E041DAD5ACE5}"/>
-                  </a:ext>
-                </a:extLst>
-              </p:cNvPr>
-              <p:cNvSpPr txBox="1"/>
-              <p:nvPr/>
-            </p:nvSpPr>
-            <p:spPr>
-              <a:xfrm>
-                <a:off x="1350020" y="1925568"/>
-                <a:ext cx="3374578" cy="1674882"/>
-              </a:xfrm>
-              <a:prstGeom prst="rect">
-                <a:avLst/>
-              </a:prstGeom>
-              <a:noFill/>
-            </p:spPr>
-            <p:txBody>
-              <a:bodyPr wrap="none" lIns="0" tIns="0" rIns="0" bIns="0" rtlCol="0">
-                <a:spAutoFit/>
-              </a:bodyPr>
-              <a:lstStyle/>
-              <a:p>
-                <a:pPr/>
-                <a14:m>
-                  <m:oMathPara xmlns:m="http://schemas.openxmlformats.org/officeDocument/2006/math">
-                    <m:oMathParaPr>
-                      <m:jc m:val="centerGroup"/>
-                    </m:oMathParaPr>
-                    <m:oMath xmlns:m="http://schemas.openxmlformats.org/officeDocument/2006/math">
-                      <m:f>
-                        <m:fPr>
-                          <m:ctrlPr>
-                            <a:rPr lang="es-CO" sz="2800" b="0" i="1" smtClean="0">
-                              <a:latin typeface="Cambria Math" panose="02040503050406030204" pitchFamily="18" charset="0"/>
-                            </a:rPr>
-                          </m:ctrlPr>
-                        </m:fPr>
-                        <m:num>
-                          <m:r>
-                            <a:rPr lang="es-CO" sz="2800" b="0" i="1" smtClean="0">
-                              <a:latin typeface="Cambria Math" panose="02040503050406030204" pitchFamily="18" charset="0"/>
-                            </a:rPr>
-                            <m:t>𝑑𝑦</m:t>
-                          </m:r>
-                        </m:num>
-                        <m:den>
-                          <m:r>
-                            <a:rPr lang="es-CO" sz="2800" b="0" i="1" smtClean="0">
-                              <a:latin typeface="Cambria Math" panose="02040503050406030204" pitchFamily="18" charset="0"/>
-                            </a:rPr>
-                            <m:t>𝑑𝑥</m:t>
-                          </m:r>
-                        </m:den>
-                      </m:f>
-                      <m:r>
-                        <a:rPr lang="es-CO" sz="2800" b="0" i="1" smtClean="0">
-                          <a:latin typeface="Cambria Math" panose="02040503050406030204" pitchFamily="18" charset="0"/>
-                        </a:rPr>
-                        <m:t>=</m:t>
-                      </m:r>
-                      <m:f>
-                        <m:fPr>
-                          <m:ctrlPr>
-                            <a:rPr lang="es-CO" sz="2800" b="0" i="1" smtClean="0">
-                              <a:latin typeface="Cambria Math" panose="02040503050406030204" pitchFamily="18" charset="0"/>
-                            </a:rPr>
-                          </m:ctrlPr>
-                        </m:fPr>
-                        <m:num>
-                          <m:sSub>
-                            <m:sSubPr>
-                              <m:ctrlPr>
-                                <a:rPr lang="es-CO" sz="2800" b="0" i="1" smtClean="0">
-                                  <a:latin typeface="Cambria Math" panose="02040503050406030204" pitchFamily="18" charset="0"/>
-                                </a:rPr>
-                              </m:ctrlPr>
-                            </m:sSubPr>
-                            <m:e>
-                              <m:r>
-                                <a:rPr lang="es-CO" sz="2800" b="0" i="1" smtClean="0">
-                                  <a:latin typeface="Cambria Math" panose="02040503050406030204" pitchFamily="18" charset="0"/>
-                                </a:rPr>
-                                <m:t>𝑆</m:t>
-                              </m:r>
-                            </m:e>
-                            <m:sub>
-                              <m:r>
-                                <a:rPr lang="es-CO" sz="2800" b="0" i="1" smtClean="0">
-                                  <a:latin typeface="Cambria Math" panose="02040503050406030204" pitchFamily="18" charset="0"/>
-                                </a:rPr>
-                                <m:t>𝑜</m:t>
-                              </m:r>
-                            </m:sub>
-                          </m:sSub>
-                          <m:r>
-                            <a:rPr lang="es-CO" sz="2800" b="0" i="1" smtClean="0">
-                              <a:latin typeface="Cambria Math" panose="02040503050406030204" pitchFamily="18" charset="0"/>
-                            </a:rPr>
-                            <m:t>−</m:t>
-                          </m:r>
-                          <m:sSub>
-                            <m:sSubPr>
-                              <m:ctrlPr>
-                                <a:rPr lang="es-CO" sz="2800" b="0" i="1" smtClean="0">
-                                  <a:latin typeface="Cambria Math" panose="02040503050406030204" pitchFamily="18" charset="0"/>
-                                </a:rPr>
-                              </m:ctrlPr>
-                            </m:sSubPr>
-                            <m:e>
-                              <m:r>
-                                <a:rPr lang="es-CO" sz="2800" b="0" i="1" smtClean="0">
-                                  <a:latin typeface="Cambria Math" panose="02040503050406030204" pitchFamily="18" charset="0"/>
-                                </a:rPr>
-                                <m:t>𝑆</m:t>
-                              </m:r>
-                            </m:e>
-                            <m:sub>
-                              <m:r>
-                                <a:rPr lang="es-CO" sz="2800" b="0" i="1" smtClean="0">
-                                  <a:latin typeface="Cambria Math" panose="02040503050406030204" pitchFamily="18" charset="0"/>
-                                </a:rPr>
-                                <m:t>𝑓</m:t>
-                              </m:r>
-                            </m:sub>
-                          </m:sSub>
-                          <m:r>
-                            <a:rPr lang="es-CO" sz="2800" b="0" i="1" smtClean="0">
-                              <a:latin typeface="Cambria Math" panose="02040503050406030204" pitchFamily="18" charset="0"/>
-                            </a:rPr>
-                            <m:t>−</m:t>
-                          </m:r>
-                          <m:f>
-                            <m:fPr>
-                              <m:ctrlPr>
-                                <a:rPr lang="es-CO" sz="2800" b="0" i="1" smtClean="0">
-                                  <a:latin typeface="Cambria Math" panose="02040503050406030204" pitchFamily="18" charset="0"/>
-                                </a:rPr>
-                              </m:ctrlPr>
-                            </m:fPr>
-                            <m:num>
-                              <m:r>
-                                <a:rPr lang="es-CO" sz="2800" b="0" i="1" smtClean="0">
-                                  <a:latin typeface="Cambria Math" panose="02040503050406030204" pitchFamily="18" charset="0"/>
-                                </a:rPr>
-                                <m:t>2</m:t>
-                              </m:r>
-                              <m:r>
-                                <a:rPr lang="es-CO" sz="2800" b="0" i="1" smtClean="0">
-                                  <a:latin typeface="Cambria Math" panose="02040503050406030204" pitchFamily="18" charset="0"/>
-                                </a:rPr>
-                                <m:t>𝑄</m:t>
-                              </m:r>
-                              <m:sSub>
-                                <m:sSubPr>
-                                  <m:ctrlPr>
-                                    <a:rPr lang="es-CO" sz="2800" b="0" i="1" smtClean="0">
-                                      <a:latin typeface="Cambria Math" panose="02040503050406030204" pitchFamily="18" charset="0"/>
-                                    </a:rPr>
-                                  </m:ctrlPr>
-                                </m:sSubPr>
-                                <m:e>
-                                  <m:r>
-                                    <a:rPr lang="es-CO" sz="2800" b="0" i="1" smtClean="0">
-                                      <a:latin typeface="Cambria Math" panose="02040503050406030204" pitchFamily="18" charset="0"/>
-                                    </a:rPr>
-                                    <m:t>𝑞</m:t>
-                                  </m:r>
-                                </m:e>
-                                <m:sub>
-                                  <m:r>
-                                    <a:rPr lang="es-CO" sz="2800" b="0" i="1" smtClean="0">
-                                      <a:latin typeface="Cambria Math" panose="02040503050406030204" pitchFamily="18" charset="0"/>
-                                    </a:rPr>
-                                    <m:t>∗</m:t>
-                                  </m:r>
-                                </m:sub>
-                              </m:sSub>
-                            </m:num>
-                            <m:den>
-                              <m:r>
-                                <a:rPr lang="es-CO" sz="2800" b="0" i="1" smtClean="0">
-                                  <a:latin typeface="Cambria Math" panose="02040503050406030204" pitchFamily="18" charset="0"/>
-                                </a:rPr>
-                                <m:t>𝑔</m:t>
-                              </m:r>
-                              <m:sSup>
-                                <m:sSupPr>
-                                  <m:ctrlPr>
-                                    <a:rPr lang="es-CO" sz="2800" b="0" i="1" smtClean="0">
-                                      <a:latin typeface="Cambria Math" panose="02040503050406030204" pitchFamily="18" charset="0"/>
-                                    </a:rPr>
-                                  </m:ctrlPr>
-                                </m:sSupPr>
-                                <m:e>
-                                  <m:r>
-                                    <a:rPr lang="es-CO" sz="2800" b="0" i="1" smtClean="0">
-                                      <a:latin typeface="Cambria Math" panose="02040503050406030204" pitchFamily="18" charset="0"/>
-                                    </a:rPr>
-                                    <m:t>𝐴</m:t>
-                                  </m:r>
-                                </m:e>
-                                <m:sup>
-                                  <m:r>
-                                    <a:rPr lang="es-CO" sz="2800" b="0" i="1" smtClean="0">
-                                      <a:latin typeface="Cambria Math" panose="02040503050406030204" pitchFamily="18" charset="0"/>
-                                    </a:rPr>
-                                    <m:t>2</m:t>
-                                  </m:r>
-                                </m:sup>
-                              </m:sSup>
-                            </m:den>
-                          </m:f>
-                        </m:num>
-                        <m:den>
-                          <m:r>
-                            <a:rPr lang="es-CO" sz="2800" b="0" i="1" smtClean="0">
-                              <a:latin typeface="Cambria Math" panose="02040503050406030204" pitchFamily="18" charset="0"/>
-                            </a:rPr>
-                            <m:t>1−</m:t>
-                          </m:r>
-                          <m:f>
-                            <m:fPr>
-                              <m:ctrlPr>
-                                <a:rPr lang="es-CO" sz="2800" b="0" i="1" smtClean="0">
-                                  <a:latin typeface="Cambria Math" panose="02040503050406030204" pitchFamily="18" charset="0"/>
-                                </a:rPr>
-                              </m:ctrlPr>
-                            </m:fPr>
-                            <m:num>
-                              <m:sSup>
-                                <m:sSupPr>
-                                  <m:ctrlPr>
-                                    <a:rPr lang="es-CO" sz="2800" b="0" i="1" smtClean="0">
-                                      <a:latin typeface="Cambria Math" panose="02040503050406030204" pitchFamily="18" charset="0"/>
-                                    </a:rPr>
-                                  </m:ctrlPr>
-                                </m:sSupPr>
-                                <m:e>
-                                  <m:r>
-                                    <a:rPr lang="es-CO" sz="2800" b="0" i="1" smtClean="0">
-                                      <a:latin typeface="Cambria Math" panose="02040503050406030204" pitchFamily="18" charset="0"/>
-                                      <a:ea typeface="Cambria Math" panose="02040503050406030204" pitchFamily="18" charset="0"/>
-                                    </a:rPr>
-                                    <m:t>𝛼</m:t>
-                                  </m:r>
-                                  <m:r>
-                                    <a:rPr lang="es-CO" sz="2800" b="0" i="1" smtClean="0">
-                                      <a:latin typeface="Cambria Math" panose="02040503050406030204" pitchFamily="18" charset="0"/>
-                                    </a:rPr>
-                                    <m:t>𝑄</m:t>
-                                  </m:r>
-                                </m:e>
-                                <m:sup>
-                                  <m:r>
-                                    <a:rPr lang="es-CO" sz="2800" b="0" i="1" smtClean="0">
-                                      <a:latin typeface="Cambria Math" panose="02040503050406030204" pitchFamily="18" charset="0"/>
-                                    </a:rPr>
-                                    <m:t>2</m:t>
-                                  </m:r>
-                                </m:sup>
-                              </m:sSup>
-                            </m:num>
-                            <m:den>
-                              <m:r>
-                                <a:rPr lang="es-CO" sz="2800" b="0" i="1" smtClean="0">
-                                  <a:latin typeface="Cambria Math" panose="02040503050406030204" pitchFamily="18" charset="0"/>
-                                </a:rPr>
-                                <m:t>𝑔</m:t>
-                              </m:r>
-                              <m:sSup>
-                                <m:sSupPr>
-                                  <m:ctrlPr>
-                                    <a:rPr lang="es-CO" sz="2800" b="0" i="1" smtClean="0">
-                                      <a:latin typeface="Cambria Math" panose="02040503050406030204" pitchFamily="18" charset="0"/>
-                                    </a:rPr>
-                                  </m:ctrlPr>
-                                </m:sSupPr>
-                                <m:e>
-                                  <m:r>
-                                    <a:rPr lang="es-CO" sz="2800" b="0" i="1" smtClean="0">
-                                      <a:latin typeface="Cambria Math" panose="02040503050406030204" pitchFamily="18" charset="0"/>
-                                    </a:rPr>
-                                    <m:t>𝐴</m:t>
-                                  </m:r>
-                                </m:e>
-                                <m:sup>
-                                  <m:r>
-                                    <a:rPr lang="es-CO" sz="2800" b="0" i="1" smtClean="0">
-                                      <a:latin typeface="Cambria Math" panose="02040503050406030204" pitchFamily="18" charset="0"/>
-                                    </a:rPr>
-                                    <m:t>2</m:t>
-                                  </m:r>
-                                </m:sup>
-                              </m:sSup>
-                              <m:r>
-                                <a:rPr lang="es-CO" sz="2800" b="0" i="1" smtClean="0">
-                                  <a:latin typeface="Cambria Math" panose="02040503050406030204" pitchFamily="18" charset="0"/>
-                                </a:rPr>
-                                <m:t>𝐷</m:t>
-                              </m:r>
-                            </m:den>
-                          </m:f>
-                        </m:den>
-                      </m:f>
-                      <m:r>
-                        <a:rPr lang="es-CO" sz="2800" b="0" i="1" smtClean="0">
-                          <a:latin typeface="Cambria Math" panose="02040503050406030204" pitchFamily="18" charset="0"/>
-                        </a:rPr>
-                        <m:t> </m:t>
-                      </m:r>
-                    </m:oMath>
-                  </m:oMathPara>
-                </a14:m>
-                <a:endParaRPr lang="en-US" sz="2800" dirty="0"/>
-              </a:p>
-            </p:txBody>
-          </p:sp>
-        </mc:Choice>
-        <mc:Fallback>
-          <p:sp>
-            <p:nvSpPr>
-              <p:cNvPr id="6" name="CuadroTexto 5">
-                <a:extLst>
-                  <a:ext uri="{FF2B5EF4-FFF2-40B4-BE49-F238E27FC236}">
-                    <a16:creationId xmlns:a16="http://schemas.microsoft.com/office/drawing/2014/main" id="{52B3CC38-FFB6-2A41-81B8-E041DAD5ACE5}"/>
-                  </a:ext>
-                </a:extLst>
-              </p:cNvPr>
-              <p:cNvSpPr txBox="1">
-                <a:spLocks noRot="1" noChangeAspect="1" noMove="1" noResize="1" noEditPoints="1" noAdjustHandles="1" noChangeArrowheads="1" noChangeShapeType="1" noTextEdit="1"/>
-              </p:cNvSpPr>
-              <p:nvPr/>
-            </p:nvSpPr>
-            <p:spPr>
-              <a:xfrm>
-                <a:off x="1350020" y="1925568"/>
-                <a:ext cx="3374578" cy="1674882"/>
-              </a:xfrm>
-              <a:prstGeom prst="rect">
-                <a:avLst/>
-              </a:prstGeom>
-              <a:blipFill>
-                <a:blip r:embed="rId2"/>
-                <a:stretch>
-                  <a:fillRect/>
-                </a:stretch>
-              </a:blipFill>
-            </p:spPr>
-            <p:txBody>
-              <a:bodyPr/>
-              <a:lstStyle/>
-              <a:p>
-                <a:r>
-                  <a:rPr lang="en-US">
-                    <a:noFill/>
-                  </a:rPr>
-                  <a:t> </a:t>
-                </a:r>
-              </a:p>
-            </p:txBody>
-          </p:sp>
-        </mc:Fallback>
-      </mc:AlternateContent>
-      <p:sp>
-        <p:nvSpPr>
-          <p:cNvPr id="3" name="CuadroTexto 2">
-            <a:extLst>
-              <a:ext uri="{FF2B5EF4-FFF2-40B4-BE49-F238E27FC236}">
-                <a16:creationId xmlns:a16="http://schemas.microsoft.com/office/drawing/2014/main" id="{0139BBCC-8B65-9D48-B9E5-6AED4736116B}"/>
-              </a:ext>
-            </a:extLst>
-          </p:cNvPr>
-          <p:cNvSpPr txBox="1"/>
-          <p:nvPr/>
-        </p:nvSpPr>
-        <p:spPr>
-          <a:xfrm>
-            <a:off x="4724598" y="3231118"/>
-            <a:ext cx="1247577" cy="369332"/>
-          </a:xfrm>
-          <a:prstGeom prst="rect">
-            <a:avLst/>
-          </a:prstGeom>
-          <a:noFill/>
-        </p:spPr>
-        <p:txBody>
-          <a:bodyPr wrap="square">
-            <a:spAutoFit/>
-          </a:bodyPr>
-          <a:lstStyle/>
-          <a:p>
-            <a:r>
-              <a:rPr lang="es-CO" dirty="0"/>
-              <a:t>Creciente</a:t>
-            </a:r>
-            <a:endParaRPr lang="en-US" dirty="0"/>
-          </a:p>
-        </p:txBody>
-      </p:sp>
-      <mc:AlternateContent xmlns:mc="http://schemas.openxmlformats.org/markup-compatibility/2006">
-        <mc:Choice xmlns:a14="http://schemas.microsoft.com/office/drawing/2010/main" Requires="a14">
-          <p:sp>
-            <p:nvSpPr>
-              <p:cNvPr id="7" name="CuadroTexto 6">
-                <a:extLst>
-                  <a:ext uri="{FF2B5EF4-FFF2-40B4-BE49-F238E27FC236}">
-                    <a16:creationId xmlns:a16="http://schemas.microsoft.com/office/drawing/2014/main" id="{FAAD649C-782E-0129-D3AB-E381DE5CC4E5}"/>
-                  </a:ext>
-                </a:extLst>
-              </p:cNvPr>
-              <p:cNvSpPr txBox="1"/>
-              <p:nvPr/>
-            </p:nvSpPr>
-            <p:spPr>
-              <a:xfrm>
-                <a:off x="1350020" y="4023500"/>
-                <a:ext cx="3390608" cy="1674882"/>
-              </a:xfrm>
-              <a:prstGeom prst="rect">
-                <a:avLst/>
-              </a:prstGeom>
-              <a:noFill/>
-            </p:spPr>
-            <p:txBody>
-              <a:bodyPr wrap="none" lIns="0" tIns="0" rIns="0" bIns="0" rtlCol="0">
-                <a:spAutoFit/>
-              </a:bodyPr>
-              <a:lstStyle/>
-              <a:p>
-                <a:pPr/>
-                <a14:m>
-                  <m:oMathPara xmlns:m="http://schemas.openxmlformats.org/officeDocument/2006/math">
-                    <m:oMathParaPr>
-                      <m:jc m:val="centerGroup"/>
-                    </m:oMathParaPr>
-                    <m:oMath xmlns:m="http://schemas.openxmlformats.org/officeDocument/2006/math">
-                      <m:f>
-                        <m:fPr>
-                          <m:ctrlPr>
-                            <a:rPr lang="es-CO" sz="2800" b="0" i="1" smtClean="0">
-                              <a:latin typeface="Cambria Math" panose="02040503050406030204" pitchFamily="18" charset="0"/>
-                            </a:rPr>
-                          </m:ctrlPr>
-                        </m:fPr>
-                        <m:num>
-                          <m:r>
-                            <a:rPr lang="es-CO" sz="2800" b="0" i="1" smtClean="0">
-                              <a:latin typeface="Cambria Math" panose="02040503050406030204" pitchFamily="18" charset="0"/>
-                            </a:rPr>
-                            <m:t>𝑑𝑦</m:t>
-                          </m:r>
-                        </m:num>
-                        <m:den>
-                          <m:r>
-                            <a:rPr lang="es-CO" sz="2800" b="0" i="1" smtClean="0">
-                              <a:latin typeface="Cambria Math" panose="02040503050406030204" pitchFamily="18" charset="0"/>
-                            </a:rPr>
-                            <m:t>𝑑𝑥</m:t>
-                          </m:r>
-                        </m:den>
-                      </m:f>
-                      <m:r>
-                        <a:rPr lang="es-CO" sz="2800" b="0" i="1" smtClean="0">
-                          <a:latin typeface="Cambria Math" panose="02040503050406030204" pitchFamily="18" charset="0"/>
-                        </a:rPr>
-                        <m:t>=</m:t>
-                      </m:r>
-                      <m:f>
-                        <m:fPr>
-                          <m:ctrlPr>
-                            <a:rPr lang="es-CO" sz="2800" b="0" i="1" smtClean="0">
-                              <a:latin typeface="Cambria Math" panose="02040503050406030204" pitchFamily="18" charset="0"/>
-                            </a:rPr>
-                          </m:ctrlPr>
-                        </m:fPr>
-                        <m:num>
-                          <m:sSub>
-                            <m:sSubPr>
-                              <m:ctrlPr>
-                                <a:rPr lang="es-CO" sz="2800" b="0" i="1" smtClean="0">
-                                  <a:latin typeface="Cambria Math" panose="02040503050406030204" pitchFamily="18" charset="0"/>
-                                </a:rPr>
-                              </m:ctrlPr>
-                            </m:sSubPr>
-                            <m:e>
-                              <m:r>
-                                <a:rPr lang="es-CO" sz="2800" b="0" i="1" smtClean="0">
-                                  <a:latin typeface="Cambria Math" panose="02040503050406030204" pitchFamily="18" charset="0"/>
-                                </a:rPr>
-                                <m:t>𝑆</m:t>
-                              </m:r>
-                            </m:e>
-                            <m:sub>
-                              <m:r>
-                                <a:rPr lang="es-CO" sz="2800" b="0" i="1" smtClean="0">
-                                  <a:latin typeface="Cambria Math" panose="02040503050406030204" pitchFamily="18" charset="0"/>
-                                </a:rPr>
-                                <m:t>𝑜</m:t>
-                              </m:r>
-                            </m:sub>
-                          </m:sSub>
-                          <m:r>
-                            <a:rPr lang="es-CO" sz="2800" b="0" i="1" smtClean="0">
-                              <a:latin typeface="Cambria Math" panose="02040503050406030204" pitchFamily="18" charset="0"/>
-                            </a:rPr>
-                            <m:t>−</m:t>
-                          </m:r>
-                          <m:sSub>
-                            <m:sSubPr>
-                              <m:ctrlPr>
-                                <a:rPr lang="es-CO" sz="2800" b="0" i="1" smtClean="0">
-                                  <a:latin typeface="Cambria Math" panose="02040503050406030204" pitchFamily="18" charset="0"/>
-                                </a:rPr>
-                              </m:ctrlPr>
-                            </m:sSubPr>
-                            <m:e>
-                              <m:r>
-                                <a:rPr lang="es-CO" sz="2800" b="0" i="1" smtClean="0">
-                                  <a:latin typeface="Cambria Math" panose="02040503050406030204" pitchFamily="18" charset="0"/>
-                                </a:rPr>
-                                <m:t>𝑆</m:t>
-                              </m:r>
-                            </m:e>
-                            <m:sub>
-                              <m:r>
-                                <a:rPr lang="es-CO" sz="2800" b="0" i="1" smtClean="0">
-                                  <a:latin typeface="Cambria Math" panose="02040503050406030204" pitchFamily="18" charset="0"/>
-                                </a:rPr>
-                                <m:t>𝑓</m:t>
-                              </m:r>
-                            </m:sub>
-                          </m:sSub>
-                          <m:r>
-                            <a:rPr lang="es-CO" sz="2800" b="0" i="1" smtClean="0">
-                              <a:latin typeface="Cambria Math" panose="02040503050406030204" pitchFamily="18" charset="0"/>
-                            </a:rPr>
-                            <m:t>−</m:t>
-                          </m:r>
-                          <m:f>
-                            <m:fPr>
-                              <m:ctrlPr>
-                                <a:rPr lang="es-CO" sz="2800" b="0" i="1" smtClean="0">
-                                  <a:latin typeface="Cambria Math" panose="02040503050406030204" pitchFamily="18" charset="0"/>
-                                </a:rPr>
-                              </m:ctrlPr>
-                            </m:fPr>
-                            <m:num>
-                              <m:r>
-                                <a:rPr lang="es-CO" sz="2800" i="1">
-                                  <a:latin typeface="Cambria Math" panose="02040503050406030204" pitchFamily="18" charset="0"/>
-                                  <a:ea typeface="Cambria Math" panose="02040503050406030204" pitchFamily="18" charset="0"/>
-                                </a:rPr>
-                                <m:t>𝛼</m:t>
-                              </m:r>
-                              <m:r>
-                                <a:rPr lang="es-CO" sz="2800" b="0" i="1" smtClean="0">
-                                  <a:latin typeface="Cambria Math" panose="02040503050406030204" pitchFamily="18" charset="0"/>
-                                </a:rPr>
-                                <m:t>𝑄</m:t>
-                              </m:r>
-                              <m:sSub>
-                                <m:sSubPr>
-                                  <m:ctrlPr>
-                                    <a:rPr lang="es-CO" sz="2800" b="0" i="1" smtClean="0">
-                                      <a:latin typeface="Cambria Math" panose="02040503050406030204" pitchFamily="18" charset="0"/>
-                                    </a:rPr>
-                                  </m:ctrlPr>
-                                </m:sSubPr>
-                                <m:e>
-                                  <m:r>
-                                    <a:rPr lang="es-CO" sz="2800" b="0" i="1" smtClean="0">
-                                      <a:latin typeface="Cambria Math" panose="02040503050406030204" pitchFamily="18" charset="0"/>
-                                    </a:rPr>
-                                    <m:t>𝑞</m:t>
-                                  </m:r>
-                                </m:e>
-                                <m:sub>
-                                  <m:r>
-                                    <a:rPr lang="es-CO" sz="2800" b="0" i="1" smtClean="0">
-                                      <a:latin typeface="Cambria Math" panose="02040503050406030204" pitchFamily="18" charset="0"/>
-                                    </a:rPr>
-                                    <m:t>∗</m:t>
-                                  </m:r>
-                                </m:sub>
-                              </m:sSub>
-                            </m:num>
-                            <m:den>
-                              <m:r>
-                                <a:rPr lang="es-CO" sz="2800" b="0" i="1" smtClean="0">
-                                  <a:latin typeface="Cambria Math" panose="02040503050406030204" pitchFamily="18" charset="0"/>
-                                </a:rPr>
-                                <m:t>𝑔</m:t>
-                              </m:r>
-                              <m:sSup>
-                                <m:sSupPr>
-                                  <m:ctrlPr>
-                                    <a:rPr lang="es-CO" sz="2800" b="0" i="1" smtClean="0">
-                                      <a:latin typeface="Cambria Math" panose="02040503050406030204" pitchFamily="18" charset="0"/>
-                                    </a:rPr>
-                                  </m:ctrlPr>
-                                </m:sSupPr>
-                                <m:e>
-                                  <m:r>
-                                    <a:rPr lang="es-CO" sz="2800" b="0" i="1" smtClean="0">
-                                      <a:latin typeface="Cambria Math" panose="02040503050406030204" pitchFamily="18" charset="0"/>
-                                    </a:rPr>
-                                    <m:t>𝐴</m:t>
-                                  </m:r>
-                                </m:e>
-                                <m:sup>
-                                  <m:r>
-                                    <a:rPr lang="es-CO" sz="2800" b="0" i="1" smtClean="0">
-                                      <a:latin typeface="Cambria Math" panose="02040503050406030204" pitchFamily="18" charset="0"/>
-                                    </a:rPr>
-                                    <m:t>2</m:t>
-                                  </m:r>
-                                </m:sup>
-                              </m:sSup>
-                            </m:den>
-                          </m:f>
-                        </m:num>
-                        <m:den>
-                          <m:r>
-                            <a:rPr lang="es-CO" sz="2800" b="0" i="1" smtClean="0">
-                              <a:latin typeface="Cambria Math" panose="02040503050406030204" pitchFamily="18" charset="0"/>
-                            </a:rPr>
-                            <m:t>1−</m:t>
-                          </m:r>
-                          <m:f>
-                            <m:fPr>
-                              <m:ctrlPr>
-                                <a:rPr lang="es-CO" sz="2800" b="0" i="1" smtClean="0">
-                                  <a:latin typeface="Cambria Math" panose="02040503050406030204" pitchFamily="18" charset="0"/>
-                                </a:rPr>
-                              </m:ctrlPr>
-                            </m:fPr>
-                            <m:num>
-                              <m:sSup>
-                                <m:sSupPr>
-                                  <m:ctrlPr>
-                                    <a:rPr lang="es-CO" sz="2800" b="0" i="1" smtClean="0">
-                                      <a:latin typeface="Cambria Math" panose="02040503050406030204" pitchFamily="18" charset="0"/>
-                                    </a:rPr>
-                                  </m:ctrlPr>
-                                </m:sSupPr>
-                                <m:e>
-                                  <m:r>
-                                    <a:rPr lang="es-CO" sz="2800" b="0" i="1" smtClean="0">
-                                      <a:latin typeface="Cambria Math" panose="02040503050406030204" pitchFamily="18" charset="0"/>
-                                      <a:ea typeface="Cambria Math" panose="02040503050406030204" pitchFamily="18" charset="0"/>
-                                    </a:rPr>
-                                    <m:t>𝛼</m:t>
-                                  </m:r>
-                                  <m:r>
-                                    <a:rPr lang="es-CO" sz="2800" b="0" i="1" smtClean="0">
-                                      <a:latin typeface="Cambria Math" panose="02040503050406030204" pitchFamily="18" charset="0"/>
-                                    </a:rPr>
-                                    <m:t>𝑄</m:t>
-                                  </m:r>
-                                </m:e>
-                                <m:sup>
-                                  <m:r>
-                                    <a:rPr lang="es-CO" sz="2800" b="0" i="1" smtClean="0">
-                                      <a:latin typeface="Cambria Math" panose="02040503050406030204" pitchFamily="18" charset="0"/>
-                                    </a:rPr>
-                                    <m:t>2</m:t>
-                                  </m:r>
-                                </m:sup>
-                              </m:sSup>
-                            </m:num>
-                            <m:den>
-                              <m:r>
-                                <a:rPr lang="es-CO" sz="2800" b="0" i="1" smtClean="0">
-                                  <a:latin typeface="Cambria Math" panose="02040503050406030204" pitchFamily="18" charset="0"/>
-                                </a:rPr>
-                                <m:t>𝑔</m:t>
-                              </m:r>
-                              <m:sSup>
-                                <m:sSupPr>
-                                  <m:ctrlPr>
-                                    <a:rPr lang="es-CO" sz="2800" b="0" i="1" smtClean="0">
-                                      <a:latin typeface="Cambria Math" panose="02040503050406030204" pitchFamily="18" charset="0"/>
-                                    </a:rPr>
-                                  </m:ctrlPr>
-                                </m:sSupPr>
-                                <m:e>
-                                  <m:r>
-                                    <a:rPr lang="es-CO" sz="2800" b="0" i="1" smtClean="0">
-                                      <a:latin typeface="Cambria Math" panose="02040503050406030204" pitchFamily="18" charset="0"/>
-                                    </a:rPr>
-                                    <m:t>𝐴</m:t>
-                                  </m:r>
-                                </m:e>
-                                <m:sup>
-                                  <m:r>
-                                    <a:rPr lang="es-CO" sz="2800" b="0" i="1" smtClean="0">
-                                      <a:latin typeface="Cambria Math" panose="02040503050406030204" pitchFamily="18" charset="0"/>
-                                    </a:rPr>
-                                    <m:t>2</m:t>
-                                  </m:r>
-                                </m:sup>
-                              </m:sSup>
-                              <m:r>
-                                <a:rPr lang="es-CO" sz="2800" b="0" i="1" smtClean="0">
-                                  <a:latin typeface="Cambria Math" panose="02040503050406030204" pitchFamily="18" charset="0"/>
-                                </a:rPr>
-                                <m:t>𝐷</m:t>
-                              </m:r>
-                            </m:den>
-                          </m:f>
-                        </m:den>
-                      </m:f>
-                      <m:r>
-                        <a:rPr lang="es-CO" sz="2800" b="0" i="1" smtClean="0">
-                          <a:latin typeface="Cambria Math" panose="02040503050406030204" pitchFamily="18" charset="0"/>
-                        </a:rPr>
-                        <m:t> </m:t>
-                      </m:r>
-                    </m:oMath>
-                  </m:oMathPara>
-                </a14:m>
-                <a:endParaRPr lang="en-US" sz="2800" dirty="0"/>
-              </a:p>
-            </p:txBody>
-          </p:sp>
-        </mc:Choice>
-        <mc:Fallback>
-          <p:sp>
-            <p:nvSpPr>
-              <p:cNvPr id="7" name="CuadroTexto 6">
-                <a:extLst>
-                  <a:ext uri="{FF2B5EF4-FFF2-40B4-BE49-F238E27FC236}">
-                    <a16:creationId xmlns:a16="http://schemas.microsoft.com/office/drawing/2014/main" id="{FAAD649C-782E-0129-D3AB-E381DE5CC4E5}"/>
-                  </a:ext>
-                </a:extLst>
-              </p:cNvPr>
-              <p:cNvSpPr txBox="1">
-                <a:spLocks noRot="1" noChangeAspect="1" noMove="1" noResize="1" noEditPoints="1" noAdjustHandles="1" noChangeArrowheads="1" noChangeShapeType="1" noTextEdit="1"/>
-              </p:cNvSpPr>
-              <p:nvPr/>
-            </p:nvSpPr>
-            <p:spPr>
-              <a:xfrm>
-                <a:off x="1350020" y="4023500"/>
-                <a:ext cx="3390608" cy="1674882"/>
-              </a:xfrm>
-              <a:prstGeom prst="rect">
-                <a:avLst/>
-              </a:prstGeom>
-              <a:blipFill>
-                <a:blip r:embed="rId3"/>
-                <a:stretch>
-                  <a:fillRect/>
-                </a:stretch>
-              </a:blipFill>
-            </p:spPr>
-            <p:txBody>
-              <a:bodyPr/>
-              <a:lstStyle/>
-              <a:p>
-                <a:r>
-                  <a:rPr lang="en-US">
-                    <a:noFill/>
-                  </a:rPr>
-                  <a:t> </a:t>
-                </a:r>
-              </a:p>
-            </p:txBody>
-          </p:sp>
-        </mc:Fallback>
-      </mc:AlternateContent>
-      <p:sp>
-        <p:nvSpPr>
-          <p:cNvPr id="8" name="CuadroTexto 7">
-            <a:extLst>
-              <a:ext uri="{FF2B5EF4-FFF2-40B4-BE49-F238E27FC236}">
-                <a16:creationId xmlns:a16="http://schemas.microsoft.com/office/drawing/2014/main" id="{2FE11505-129B-3B0F-C1FE-9C1742E44E44}"/>
-              </a:ext>
-            </a:extLst>
-          </p:cNvPr>
-          <p:cNvSpPr txBox="1"/>
-          <p:nvPr/>
-        </p:nvSpPr>
-        <p:spPr>
-          <a:xfrm>
-            <a:off x="4724598" y="5329050"/>
-            <a:ext cx="1247577" cy="369332"/>
-          </a:xfrm>
-          <a:prstGeom prst="rect">
-            <a:avLst/>
-          </a:prstGeom>
-          <a:noFill/>
-        </p:spPr>
-        <p:txBody>
-          <a:bodyPr wrap="square">
-            <a:spAutoFit/>
-          </a:bodyPr>
-          <a:lstStyle/>
-          <a:p>
-            <a:r>
-              <a:rPr lang="es-CO" dirty="0" err="1"/>
-              <a:t>Dereciente</a:t>
-            </a:r>
-            <a:endParaRPr lang="en-US" dirty="0"/>
-          </a:p>
-        </p:txBody>
-      </p:sp>
-    </p:spTree>
-    <p:extLst>
-      <p:ext uri="{BB962C8B-B14F-4D97-AF65-F5344CB8AC3E}">
-        <p14:creationId xmlns:p14="http://schemas.microsoft.com/office/powerpoint/2010/main" val="2703845337"/>
       </p:ext>
     </p:extLst>
   </p:cSld>
